--- a/ThesisReport/StepCommand_ReportPresentation.pptx
+++ b/ThesisReport/StepCommand_ReportPresentation.pptx
@@ -2,23 +2,26 @@
 <file path=ppt/presentation.xml><?xml version="1.0" encoding="utf-8"?>
 <p:presentation xmlns:a="http://schemas.openxmlformats.org/drawingml/2006/main" xmlns:r="http://schemas.openxmlformats.org/officeDocument/2006/relationships" xmlns:p="http://schemas.openxmlformats.org/presentationml/2006/main" saveSubsetFonts="1">
   <p:sldMasterIdLst>
-    <p:sldMasterId id="2147483648" r:id="rId1"/>
+    <p:sldMasterId id="2147483672" r:id="rId1"/>
   </p:sldMasterIdLst>
   <p:sldIdLst>
     <p:sldId id="269" r:id="rId2"/>
-    <p:sldId id="256" r:id="rId3"/>
-    <p:sldId id="257" r:id="rId4"/>
-    <p:sldId id="258" r:id="rId5"/>
-    <p:sldId id="259" r:id="rId6"/>
-    <p:sldId id="260" r:id="rId7"/>
-    <p:sldId id="261" r:id="rId8"/>
-    <p:sldId id="262" r:id="rId9"/>
-    <p:sldId id="263" r:id="rId10"/>
-    <p:sldId id="264" r:id="rId11"/>
-    <p:sldId id="265" r:id="rId12"/>
-    <p:sldId id="266" r:id="rId13"/>
-    <p:sldId id="267" r:id="rId14"/>
-    <p:sldId id="268" r:id="rId15"/>
+    <p:sldId id="272" r:id="rId3"/>
+    <p:sldId id="256" r:id="rId4"/>
+    <p:sldId id="257" r:id="rId5"/>
+    <p:sldId id="258" r:id="rId6"/>
+    <p:sldId id="259" r:id="rId7"/>
+    <p:sldId id="260" r:id="rId8"/>
+    <p:sldId id="270" r:id="rId9"/>
+    <p:sldId id="271" r:id="rId10"/>
+    <p:sldId id="261" r:id="rId11"/>
+    <p:sldId id="262" r:id="rId12"/>
+    <p:sldId id="263" r:id="rId13"/>
+    <p:sldId id="264" r:id="rId14"/>
+    <p:sldId id="265" r:id="rId15"/>
+    <p:sldId id="266" r:id="rId16"/>
+    <p:sldId id="267" r:id="rId17"/>
+    <p:sldId id="268" r:id="rId18"/>
   </p:sldIdLst>
   <p:sldSz cx="9144000" cy="6858000" type="screen4x3"/>
   <p:notesSz cx="6858000" cy="9144000"/>
@@ -4955,7 +4958,7 @@
           <a:p>
             <a:fld id="{FF17A9BC-032B-455C-8945-D6A8E2F89718}" type="datetimeFigureOut">
               <a:rPr lang="en-US" smtClean="0"/>
-              <a:t>5/31/2015</a:t>
+              <a:t>6/1/2015</a:t>
             </a:fld>
             <a:endParaRPr lang="en-US" dirty="0"/>
           </a:p>
@@ -5006,7 +5009,7 @@
     </p:spTree>
     <p:extLst>
       <p:ext uri="{BB962C8B-B14F-4D97-AF65-F5344CB8AC3E}">
-        <p14:creationId xmlns:p14="http://schemas.microsoft.com/office/powerpoint/2010/main" val="4083779136"/>
+        <p14:creationId xmlns:p14="http://schemas.microsoft.com/office/powerpoint/2010/main" val="3277027960"/>
       </p:ext>
     </p:extLst>
   </p:cSld>
@@ -5125,7 +5128,7 @@
           <a:p>
             <a:fld id="{FF17A9BC-032B-455C-8945-D6A8E2F89718}" type="datetimeFigureOut">
               <a:rPr lang="en-US" smtClean="0"/>
-              <a:t>5/31/2015</a:t>
+              <a:t>6/1/2015</a:t>
             </a:fld>
             <a:endParaRPr lang="en-US" dirty="0"/>
           </a:p>
@@ -5176,7 +5179,7 @@
     </p:spTree>
     <p:extLst>
       <p:ext uri="{BB962C8B-B14F-4D97-AF65-F5344CB8AC3E}">
-        <p14:creationId xmlns:p14="http://schemas.microsoft.com/office/powerpoint/2010/main" val="3800416290"/>
+        <p14:creationId xmlns:p14="http://schemas.microsoft.com/office/powerpoint/2010/main" val="2553541926"/>
       </p:ext>
     </p:extLst>
   </p:cSld>
@@ -5305,7 +5308,7 @@
           <a:p>
             <a:fld id="{FF17A9BC-032B-455C-8945-D6A8E2F89718}" type="datetimeFigureOut">
               <a:rPr lang="en-US" smtClean="0"/>
-              <a:t>5/31/2015</a:t>
+              <a:t>6/1/2015</a:t>
             </a:fld>
             <a:endParaRPr lang="en-US" dirty="0"/>
           </a:p>
@@ -5356,7 +5359,7 @@
     </p:spTree>
     <p:extLst>
       <p:ext uri="{BB962C8B-B14F-4D97-AF65-F5344CB8AC3E}">
-        <p14:creationId xmlns:p14="http://schemas.microsoft.com/office/powerpoint/2010/main" val="3740315433"/>
+        <p14:creationId xmlns:p14="http://schemas.microsoft.com/office/powerpoint/2010/main" val="1976259153"/>
       </p:ext>
     </p:extLst>
   </p:cSld>
@@ -5475,7 +5478,7 @@
           <a:p>
             <a:fld id="{FF17A9BC-032B-455C-8945-D6A8E2F89718}" type="datetimeFigureOut">
               <a:rPr lang="en-US" smtClean="0"/>
-              <a:t>5/31/2015</a:t>
+              <a:t>6/1/2015</a:t>
             </a:fld>
             <a:endParaRPr lang="en-US" dirty="0"/>
           </a:p>
@@ -5526,7 +5529,7 @@
     </p:spTree>
     <p:extLst>
       <p:ext uri="{BB962C8B-B14F-4D97-AF65-F5344CB8AC3E}">
-        <p14:creationId xmlns:p14="http://schemas.microsoft.com/office/powerpoint/2010/main" val="1120784911"/>
+        <p14:creationId xmlns:p14="http://schemas.microsoft.com/office/powerpoint/2010/main" val="3124281375"/>
       </p:ext>
     </p:extLst>
   </p:cSld>
@@ -5721,7 +5724,7 @@
           <a:p>
             <a:fld id="{FF17A9BC-032B-455C-8945-D6A8E2F89718}" type="datetimeFigureOut">
               <a:rPr lang="en-US" smtClean="0"/>
-              <a:t>5/31/2015</a:t>
+              <a:t>6/1/2015</a:t>
             </a:fld>
             <a:endParaRPr lang="en-US" dirty="0"/>
           </a:p>
@@ -5772,7 +5775,7 @@
     </p:spTree>
     <p:extLst>
       <p:ext uri="{BB962C8B-B14F-4D97-AF65-F5344CB8AC3E}">
-        <p14:creationId xmlns:p14="http://schemas.microsoft.com/office/powerpoint/2010/main" val="602415531"/>
+        <p14:creationId xmlns:p14="http://schemas.microsoft.com/office/powerpoint/2010/main" val="596384970"/>
       </p:ext>
     </p:extLst>
   </p:cSld>
@@ -6009,7 +6012,7 @@
           <a:p>
             <a:fld id="{FF17A9BC-032B-455C-8945-D6A8E2F89718}" type="datetimeFigureOut">
               <a:rPr lang="en-US" smtClean="0"/>
-              <a:t>5/31/2015</a:t>
+              <a:t>6/1/2015</a:t>
             </a:fld>
             <a:endParaRPr lang="en-US" dirty="0"/>
           </a:p>
@@ -6060,7 +6063,7 @@
     </p:spTree>
     <p:extLst>
       <p:ext uri="{BB962C8B-B14F-4D97-AF65-F5344CB8AC3E}">
-        <p14:creationId xmlns:p14="http://schemas.microsoft.com/office/powerpoint/2010/main" val="752681713"/>
+        <p14:creationId xmlns:p14="http://schemas.microsoft.com/office/powerpoint/2010/main" val="1380883968"/>
       </p:ext>
     </p:extLst>
   </p:cSld>
@@ -6431,7 +6434,7 @@
           <a:p>
             <a:fld id="{FF17A9BC-032B-455C-8945-D6A8E2F89718}" type="datetimeFigureOut">
               <a:rPr lang="en-US" smtClean="0"/>
-              <a:t>5/31/2015</a:t>
+              <a:t>6/1/2015</a:t>
             </a:fld>
             <a:endParaRPr lang="en-US" dirty="0"/>
           </a:p>
@@ -6482,7 +6485,7 @@
     </p:spTree>
     <p:extLst>
       <p:ext uri="{BB962C8B-B14F-4D97-AF65-F5344CB8AC3E}">
-        <p14:creationId xmlns:p14="http://schemas.microsoft.com/office/powerpoint/2010/main" val="3112695325"/>
+        <p14:creationId xmlns:p14="http://schemas.microsoft.com/office/powerpoint/2010/main" val="1328889580"/>
       </p:ext>
     </p:extLst>
   </p:cSld>
@@ -6549,7 +6552,7 @@
           <a:p>
             <a:fld id="{FF17A9BC-032B-455C-8945-D6A8E2F89718}" type="datetimeFigureOut">
               <a:rPr lang="en-US" smtClean="0"/>
-              <a:t>5/31/2015</a:t>
+              <a:t>6/1/2015</a:t>
             </a:fld>
             <a:endParaRPr lang="en-US" dirty="0"/>
           </a:p>
@@ -6600,7 +6603,7 @@
     </p:spTree>
     <p:extLst>
       <p:ext uri="{BB962C8B-B14F-4D97-AF65-F5344CB8AC3E}">
-        <p14:creationId xmlns:p14="http://schemas.microsoft.com/office/powerpoint/2010/main" val="1526244742"/>
+        <p14:creationId xmlns:p14="http://schemas.microsoft.com/office/powerpoint/2010/main" val="3842923104"/>
       </p:ext>
     </p:extLst>
   </p:cSld>
@@ -6644,7 +6647,7 @@
           <a:p>
             <a:fld id="{FF17A9BC-032B-455C-8945-D6A8E2F89718}" type="datetimeFigureOut">
               <a:rPr lang="en-US" smtClean="0"/>
-              <a:t>5/31/2015</a:t>
+              <a:t>6/1/2015</a:t>
             </a:fld>
             <a:endParaRPr lang="en-US" dirty="0"/>
           </a:p>
@@ -6695,7 +6698,7 @@
     </p:spTree>
     <p:extLst>
       <p:ext uri="{BB962C8B-B14F-4D97-AF65-F5344CB8AC3E}">
-        <p14:creationId xmlns:p14="http://schemas.microsoft.com/office/powerpoint/2010/main" val="3170289989"/>
+        <p14:creationId xmlns:p14="http://schemas.microsoft.com/office/powerpoint/2010/main" val="751624252"/>
       </p:ext>
     </p:extLst>
   </p:cSld>
@@ -6921,7 +6924,7 @@
           <a:p>
             <a:fld id="{FF17A9BC-032B-455C-8945-D6A8E2F89718}" type="datetimeFigureOut">
               <a:rPr lang="en-US" smtClean="0"/>
-              <a:t>5/31/2015</a:t>
+              <a:t>6/1/2015</a:t>
             </a:fld>
             <a:endParaRPr lang="en-US" dirty="0"/>
           </a:p>
@@ -6972,7 +6975,7 @@
     </p:spTree>
     <p:extLst>
       <p:ext uri="{BB962C8B-B14F-4D97-AF65-F5344CB8AC3E}">
-        <p14:creationId xmlns:p14="http://schemas.microsoft.com/office/powerpoint/2010/main" val="708478368"/>
+        <p14:creationId xmlns:p14="http://schemas.microsoft.com/office/powerpoint/2010/main" val="1793974203"/>
       </p:ext>
     </p:extLst>
   </p:cSld>
@@ -7088,7 +7091,7 @@
             </a:lvl9pPr>
           </a:lstStyle>
           <a:p>
-            <a:endParaRPr lang="en-US" dirty="0"/>
+            <a:endParaRPr lang="en-US"/>
           </a:p>
         </p:txBody>
       </p:sp>
@@ -7174,7 +7177,7 @@
           <a:p>
             <a:fld id="{FF17A9BC-032B-455C-8945-D6A8E2F89718}" type="datetimeFigureOut">
               <a:rPr lang="en-US" smtClean="0"/>
-              <a:t>5/31/2015</a:t>
+              <a:t>6/1/2015</a:t>
             </a:fld>
             <a:endParaRPr lang="en-US" dirty="0"/>
           </a:p>
@@ -7225,7 +7228,7 @@
     </p:spTree>
     <p:extLst>
       <p:ext uri="{BB962C8B-B14F-4D97-AF65-F5344CB8AC3E}">
-        <p14:creationId xmlns:p14="http://schemas.microsoft.com/office/powerpoint/2010/main" val="296276320"/>
+        <p14:creationId xmlns:p14="http://schemas.microsoft.com/office/powerpoint/2010/main" val="3416941027"/>
       </p:ext>
     </p:extLst>
   </p:cSld>
@@ -7387,7 +7390,7 @@
           <a:p>
             <a:fld id="{FF17A9BC-032B-455C-8945-D6A8E2F89718}" type="datetimeFigureOut">
               <a:rPr lang="en-US" smtClean="0"/>
-              <a:t>5/31/2015</a:t>
+              <a:t>6/1/2015</a:t>
             </a:fld>
             <a:endParaRPr lang="en-US" dirty="0"/>
           </a:p>
@@ -7474,23 +7477,23 @@
     </p:spTree>
     <p:extLst>
       <p:ext uri="{BB962C8B-B14F-4D97-AF65-F5344CB8AC3E}">
-        <p14:creationId xmlns:p14="http://schemas.microsoft.com/office/powerpoint/2010/main" val="1712095664"/>
+        <p14:creationId xmlns:p14="http://schemas.microsoft.com/office/powerpoint/2010/main" val="2901783567"/>
       </p:ext>
     </p:extLst>
   </p:cSld>
   <p:clrMap bg1="lt1" tx1="dk1" bg2="lt2" tx2="dk2" accent1="accent1" accent2="accent2" accent3="accent3" accent4="accent4" accent5="accent5" accent6="accent6" hlink="hlink" folHlink="folHlink"/>
   <p:sldLayoutIdLst>
-    <p:sldLayoutId id="2147483649" r:id="rId1"/>
-    <p:sldLayoutId id="2147483650" r:id="rId2"/>
-    <p:sldLayoutId id="2147483651" r:id="rId3"/>
-    <p:sldLayoutId id="2147483652" r:id="rId4"/>
-    <p:sldLayoutId id="2147483653" r:id="rId5"/>
-    <p:sldLayoutId id="2147483654" r:id="rId6"/>
-    <p:sldLayoutId id="2147483655" r:id="rId7"/>
-    <p:sldLayoutId id="2147483656" r:id="rId8"/>
-    <p:sldLayoutId id="2147483657" r:id="rId9"/>
-    <p:sldLayoutId id="2147483658" r:id="rId10"/>
-    <p:sldLayoutId id="2147483659" r:id="rId11"/>
+    <p:sldLayoutId id="2147483673" r:id="rId1"/>
+    <p:sldLayoutId id="2147483674" r:id="rId2"/>
+    <p:sldLayoutId id="2147483675" r:id="rId3"/>
+    <p:sldLayoutId id="2147483676" r:id="rId4"/>
+    <p:sldLayoutId id="2147483677" r:id="rId5"/>
+    <p:sldLayoutId id="2147483678" r:id="rId6"/>
+    <p:sldLayoutId id="2147483679" r:id="rId7"/>
+    <p:sldLayoutId id="2147483680" r:id="rId8"/>
+    <p:sldLayoutId id="2147483681" r:id="rId9"/>
+    <p:sldLayoutId id="2147483682" r:id="rId10"/>
+    <p:sldLayoutId id="2147483683" r:id="rId11"/>
   </p:sldLayoutIdLst>
   <p:txStyles>
     <p:titleStyle>
@@ -7891,6 +7894,606 @@
         </p:nvSpPr>
         <p:spPr>
           <a:xfrm>
+            <a:off x="457200" y="0"/>
+            <a:ext cx="8229600" cy="990600"/>
+          </a:xfrm>
+        </p:spPr>
+        <p:txBody>
+          <a:bodyPr/>
+          <a:lstStyle/>
+          <a:p>
+            <a:r>
+              <a:rPr lang="en-US" dirty="0" smtClean="0"/>
+              <a:t>pyOCD – DAP Commands</a:t>
+            </a:r>
+            <a:endParaRPr lang="en-US" dirty="0"/>
+          </a:p>
+        </p:txBody>
+      </p:sp>
+      <p:pic>
+        <p:nvPicPr>
+          <p:cNvPr id="4" name="Picture 3"/>
+          <p:cNvPicPr/>
+          <p:nvPr/>
+        </p:nvPicPr>
+        <p:blipFill>
+          <a:blip r:embed="rId2">
+            <a:extLst>
+              <a:ext uri="{28A0092B-C50C-407E-A947-70E740481C1C}">
+                <a14:useLocalDpi xmlns:a14="http://schemas.microsoft.com/office/drawing/2010/main" val="0"/>
+              </a:ext>
+            </a:extLst>
+          </a:blip>
+          <a:stretch>
+            <a:fillRect/>
+          </a:stretch>
+        </p:blipFill>
+        <p:spPr>
+          <a:xfrm>
+            <a:off x="1522095" y="838200"/>
+            <a:ext cx="6400800" cy="5943600"/>
+          </a:xfrm>
+          <a:prstGeom prst="rect">
+            <a:avLst/>
+          </a:prstGeom>
+        </p:spPr>
+      </p:pic>
+    </p:spTree>
+    <p:extLst>
+      <p:ext uri="{BB962C8B-B14F-4D97-AF65-F5344CB8AC3E}">
+        <p14:creationId xmlns:p14="http://schemas.microsoft.com/office/powerpoint/2010/main" val="3094584121"/>
+      </p:ext>
+    </p:extLst>
+  </p:cSld>
+  <p:clrMapOvr>
+    <a:masterClrMapping/>
+  </p:clrMapOvr>
+  <p:timing>
+    <p:tnLst>
+      <p:par>
+        <p:cTn id="1" dur="indefinite" restart="never" nodeType="tmRoot"/>
+      </p:par>
+    </p:tnLst>
+  </p:timing>
+</p:sld>
+</file>
+
+<file path=ppt/slides/slide11.xml><?xml version="1.0" encoding="utf-8"?>
+<p:sld xmlns:a="http://schemas.openxmlformats.org/drawingml/2006/main" xmlns:r="http://schemas.openxmlformats.org/officeDocument/2006/relationships" xmlns:p="http://schemas.openxmlformats.org/presentationml/2006/main">
+  <p:cSld>
+    <p:spTree>
+      <p:nvGrpSpPr>
+        <p:cNvPr id="1" name=""/>
+        <p:cNvGrpSpPr/>
+        <p:nvPr/>
+      </p:nvGrpSpPr>
+      <p:grpSpPr>
+        <a:xfrm>
+          <a:off x="0" y="0"/>
+          <a:ext cx="0" cy="0"/>
+          <a:chOff x="0" y="0"/>
+          <a:chExt cx="0" cy="0"/>
+        </a:xfrm>
+      </p:grpSpPr>
+      <p:sp>
+        <p:nvSpPr>
+          <p:cNvPr id="2" name="Title 1"/>
+          <p:cNvSpPr>
+            <a:spLocks noGrp="1"/>
+          </p:cNvSpPr>
+          <p:nvPr>
+            <p:ph type="title"/>
+          </p:nvPr>
+        </p:nvSpPr>
+        <p:spPr/>
+        <p:txBody>
+          <a:bodyPr/>
+          <a:lstStyle/>
+          <a:p>
+            <a:r>
+              <a:rPr lang="en-US" dirty="0" smtClean="0"/>
+              <a:t>pyOCD - backtrace</a:t>
+            </a:r>
+            <a:endParaRPr lang="en-US" dirty="0"/>
+          </a:p>
+        </p:txBody>
+      </p:sp>
+      <p:grpSp>
+        <p:nvGrpSpPr>
+          <p:cNvPr id="4" name="Canvas 21"/>
+          <p:cNvGrpSpPr/>
+          <p:nvPr/>
+        </p:nvGrpSpPr>
+        <p:grpSpPr>
+          <a:xfrm>
+            <a:off x="1066800" y="1752600"/>
+            <a:ext cx="6629400" cy="3200400"/>
+            <a:chOff x="0" y="0"/>
+            <a:chExt cx="5867400" cy="2009775"/>
+          </a:xfrm>
+        </p:grpSpPr>
+        <p:sp>
+          <p:nvSpPr>
+            <p:cNvPr id="5" name="Rectangle 4"/>
+            <p:cNvSpPr/>
+            <p:nvPr/>
+          </p:nvSpPr>
+          <p:spPr>
+            <a:xfrm>
+              <a:off x="0" y="0"/>
+              <a:ext cx="5867400" cy="2009775"/>
+            </a:xfrm>
+            <a:prstGeom prst="rect">
+              <a:avLst/>
+            </a:prstGeom>
+          </p:spPr>
+        </p:sp>
+        <p:sp>
+          <p:nvSpPr>
+            <p:cNvPr id="6" name="Text Box 54"/>
+            <p:cNvSpPr txBox="1"/>
+            <p:nvPr/>
+          </p:nvSpPr>
+          <p:spPr>
+            <a:xfrm>
+              <a:off x="133350" y="85725"/>
+              <a:ext cx="5734050" cy="1828800"/>
+            </a:xfrm>
+            <a:prstGeom prst="rect">
+              <a:avLst/>
+            </a:prstGeom>
+            <a:ln/>
+          </p:spPr>
+          <p:style>
+            <a:lnRef idx="1">
+              <a:schemeClr val="dk1"/>
+            </a:lnRef>
+            <a:fillRef idx="2">
+              <a:schemeClr val="dk1"/>
+            </a:fillRef>
+            <a:effectRef idx="1">
+              <a:schemeClr val="dk1"/>
+            </a:effectRef>
+            <a:fontRef idx="minor">
+              <a:schemeClr val="dk1"/>
+            </a:fontRef>
+          </p:style>
+          <p:txBody>
+            <a:bodyPr rot="0" spcFirstLastPara="0" vert="horz" wrap="square" lIns="91440" tIns="45720" rIns="91440" bIns="45720" numCol="1" spcCol="0" rtlCol="0" fromWordArt="0" anchor="t" anchorCtr="0" forceAA="0" compatLnSpc="1">
+              <a:prstTxWarp prst="textNoShape">
+                <a:avLst/>
+              </a:prstTxWarp>
+              <a:noAutofit/>
+            </a:bodyPr>
+            <a:lstStyle/>
+            <a:p>
+              <a:pPr marL="0" marR="0">
+                <a:lnSpc>
+                  <a:spcPct val="115000"/>
+                </a:lnSpc>
+                <a:spcBef>
+                  <a:spcPts val="0"/>
+                </a:spcBef>
+                <a:spcAft>
+                  <a:spcPts val="1000"/>
+                </a:spcAft>
+                <a:tabLst>
+                  <a:tab pos="4000500" algn="l"/>
+                </a:tabLst>
+              </a:pPr>
+              <a:r>
+                <a:rPr lang="en-US" sz="1400" dirty="0">
+                  <a:solidFill>
+                    <a:srgbClr val="222222"/>
+                  </a:solidFill>
+                  <a:effectLst/>
+                  <a:latin typeface="Times New Roman"/>
+                  <a:ea typeface="Times New Roman"/>
+                  <a:cs typeface="Times New Roman"/>
+                </a:rPr>
+                <a:t>         gdbserver/gdbserver.py:</a:t>
+              </a:r>
+              <a:r>
+                <a:rPr lang="en-US" sz="1400" dirty="0">
+                  <a:effectLst/>
+                  <a:ea typeface="Calibri"/>
+                  <a:cs typeface="Times New Roman"/>
+                </a:rPr>
+                <a:t>     </a:t>
+              </a:r>
+              <a:r>
+                <a:rPr lang="en-US" sz="1400" dirty="0">
+                  <a:solidFill>
+                    <a:srgbClr val="222222"/>
+                  </a:solidFill>
+                  <a:effectLst/>
+                  <a:latin typeface="Times New Roman"/>
+                  <a:ea typeface="Times New Roman"/>
+                  <a:cs typeface="Times New Roman"/>
+                </a:rPr>
+                <a:t>run()</a:t>
+              </a:r>
+              <a:br>
+                <a:rPr lang="en-US" sz="1400" dirty="0">
+                  <a:solidFill>
+                    <a:srgbClr val="222222"/>
+                  </a:solidFill>
+                  <a:effectLst/>
+                  <a:latin typeface="Times New Roman"/>
+                  <a:ea typeface="Times New Roman"/>
+                  <a:cs typeface="Times New Roman"/>
+                </a:rPr>
+              </a:br>
+              <a:r>
+                <a:rPr lang="en-US" sz="1400" dirty="0">
+                  <a:solidFill>
+                    <a:srgbClr val="222222"/>
+                  </a:solidFill>
+                  <a:effectLst/>
+                  <a:latin typeface="Times New Roman"/>
+                  <a:ea typeface="Times New Roman"/>
+                  <a:cs typeface="Times New Roman"/>
+                </a:rPr>
+                <a:t>                                                      handleMsg()</a:t>
+              </a:r>
+              <a:br>
+                <a:rPr lang="en-US" sz="1400" dirty="0">
+                  <a:solidFill>
+                    <a:srgbClr val="222222"/>
+                  </a:solidFill>
+                  <a:effectLst/>
+                  <a:latin typeface="Times New Roman"/>
+                  <a:ea typeface="Times New Roman"/>
+                  <a:cs typeface="Times New Roman"/>
+                </a:rPr>
+              </a:br>
+              <a:r>
+                <a:rPr lang="en-US" sz="1400" dirty="0">
+                  <a:solidFill>
+                    <a:srgbClr val="222222"/>
+                  </a:solidFill>
+                  <a:effectLst/>
+                  <a:latin typeface="Times New Roman"/>
+                  <a:ea typeface="Times New Roman"/>
+                  <a:cs typeface="Times New Roman"/>
+                </a:rPr>
+                <a:t>                                                         step()</a:t>
+              </a:r>
+              <a:br>
+                <a:rPr lang="en-US" sz="1400" dirty="0">
+                  <a:solidFill>
+                    <a:srgbClr val="222222"/>
+                  </a:solidFill>
+                  <a:effectLst/>
+                  <a:latin typeface="Times New Roman"/>
+                  <a:ea typeface="Times New Roman"/>
+                  <a:cs typeface="Times New Roman"/>
+                </a:rPr>
+              </a:br>
+              <a:r>
+                <a:rPr lang="en-US" sz="1400" dirty="0">
+                  <a:solidFill>
+                    <a:srgbClr val="222222"/>
+                  </a:solidFill>
+                  <a:effectLst/>
+                  <a:latin typeface="Times New Roman"/>
+                  <a:ea typeface="Times New Roman"/>
+                  <a:cs typeface="Times New Roman"/>
+                </a:rPr>
+                <a:t>                target/cortex_m.py:    step()</a:t>
+              </a:r>
+              <a:br>
+                <a:rPr lang="en-US" sz="1400" dirty="0">
+                  <a:solidFill>
+                    <a:srgbClr val="222222"/>
+                  </a:solidFill>
+                  <a:effectLst/>
+                  <a:latin typeface="Times New Roman"/>
+                  <a:ea typeface="Times New Roman"/>
+                  <a:cs typeface="Times New Roman"/>
+                </a:rPr>
+              </a:br>
+              <a:r>
+                <a:rPr lang="en-US" sz="1400" dirty="0">
+                  <a:solidFill>
+                    <a:srgbClr val="222222"/>
+                  </a:solidFill>
+                  <a:effectLst/>
+                  <a:latin typeface="Times New Roman"/>
+                  <a:ea typeface="Times New Roman"/>
+                  <a:cs typeface="Times New Roman"/>
+                </a:rPr>
+                <a:t>                                                      writeMemory(DHCSR, value)</a:t>
+              </a:r>
+              <a:br>
+                <a:rPr lang="en-US" sz="1400" dirty="0">
+                  <a:solidFill>
+                    <a:srgbClr val="222222"/>
+                  </a:solidFill>
+                  <a:effectLst/>
+                  <a:latin typeface="Times New Roman"/>
+                  <a:ea typeface="Times New Roman"/>
+                  <a:cs typeface="Times New Roman"/>
+                </a:rPr>
+              </a:br>
+              <a:r>
+                <a:rPr lang="en-US" sz="1400" dirty="0">
+                  <a:solidFill>
+                    <a:srgbClr val="222222"/>
+                  </a:solidFill>
+                  <a:effectLst/>
+                  <a:latin typeface="Times New Roman"/>
+                  <a:ea typeface="Times New Roman"/>
+                  <a:cs typeface="Times New Roman"/>
+                </a:rPr>
+                <a:t>          transport/cmsis_dap.py:   writeMem()           //  called twice , 1</a:t>
+              </a:r>
+              <a:r>
+                <a:rPr lang="en-US" sz="1400" baseline="30000" dirty="0">
+                  <a:solidFill>
+                    <a:srgbClr val="222222"/>
+                  </a:solidFill>
+                  <a:effectLst/>
+                  <a:latin typeface="Times New Roman"/>
+                  <a:ea typeface="Times New Roman"/>
+                  <a:cs typeface="Times New Roman"/>
+                </a:rPr>
+                <a:t>st</a:t>
+              </a:r>
+              <a:r>
+                <a:rPr lang="en-US" sz="1400" dirty="0">
+                  <a:solidFill>
+                    <a:srgbClr val="222222"/>
+                  </a:solidFill>
+                  <a:effectLst/>
+                  <a:latin typeface="Times New Roman"/>
+                  <a:ea typeface="Times New Roman"/>
+                  <a:cs typeface="Times New Roman"/>
+                </a:rPr>
+                <a:t> TAR, 2</a:t>
+              </a:r>
+              <a:r>
+                <a:rPr lang="en-US" sz="1400" baseline="30000" dirty="0">
+                  <a:solidFill>
+                    <a:srgbClr val="222222"/>
+                  </a:solidFill>
+                  <a:effectLst/>
+                  <a:latin typeface="Times New Roman"/>
+                  <a:ea typeface="Times New Roman"/>
+                  <a:cs typeface="Times New Roman"/>
+                </a:rPr>
+                <a:t>nd</a:t>
+              </a:r>
+              <a:r>
+                <a:rPr lang="en-US" sz="1400" dirty="0">
+                  <a:solidFill>
+                    <a:srgbClr val="222222"/>
+                  </a:solidFill>
+                  <a:effectLst/>
+                  <a:latin typeface="Times New Roman"/>
+                  <a:ea typeface="Times New Roman"/>
+                  <a:cs typeface="Times New Roman"/>
+                </a:rPr>
+                <a:t> DRW                                                                         </a:t>
+              </a:r>
+              <a:br>
+                <a:rPr lang="en-US" sz="1400" dirty="0">
+                  <a:solidFill>
+                    <a:srgbClr val="222222"/>
+                  </a:solidFill>
+                  <a:effectLst/>
+                  <a:latin typeface="Times New Roman"/>
+                  <a:ea typeface="Times New Roman"/>
+                  <a:cs typeface="Times New Roman"/>
+                </a:rPr>
+              </a:br>
+              <a:r>
+                <a:rPr lang="en-US" sz="1400" dirty="0">
+                  <a:solidFill>
+                    <a:srgbClr val="222222"/>
+                  </a:solidFill>
+                  <a:effectLst/>
+                  <a:latin typeface="Times New Roman"/>
+                  <a:ea typeface="Times New Roman"/>
+                  <a:cs typeface="Times New Roman"/>
+                </a:rPr>
+                <a:t>                                                       dapTransfer()     // imported from cmsis_dap_core.py interface/pyUSB_backend.py:   write()</a:t>
+              </a:r>
+              <a:br>
+                <a:rPr lang="en-US" sz="1400" dirty="0">
+                  <a:solidFill>
+                    <a:srgbClr val="222222"/>
+                  </a:solidFill>
+                  <a:effectLst/>
+                  <a:latin typeface="Times New Roman"/>
+                  <a:ea typeface="Times New Roman"/>
+                  <a:cs typeface="Times New Roman"/>
+                </a:rPr>
+              </a:br>
+              <a:r>
+                <a:rPr lang="en-US" sz="1400" dirty="0">
+                  <a:solidFill>
+                    <a:srgbClr val="222222"/>
+                  </a:solidFill>
+                  <a:effectLst/>
+                  <a:latin typeface="Times New Roman"/>
+                  <a:ea typeface="Times New Roman"/>
+                  <a:cs typeface="Times New Roman"/>
+                </a:rPr>
+                <a:t>                                                        ep_out.write()  // call pyUSB   </a:t>
+              </a:r>
+              <a:endParaRPr lang="en-US" sz="1400" dirty="0">
+                <a:effectLst/>
+                <a:ea typeface="Calibri"/>
+                <a:cs typeface="Times New Roman"/>
+              </a:endParaRPr>
+            </a:p>
+            <a:p>
+              <a:pPr marL="0" marR="0">
+                <a:lnSpc>
+                  <a:spcPct val="115000"/>
+                </a:lnSpc>
+                <a:spcBef>
+                  <a:spcPts val="0"/>
+                </a:spcBef>
+                <a:spcAft>
+                  <a:spcPts val="1000"/>
+                </a:spcAft>
+              </a:pPr>
+              <a:r>
+                <a:rPr lang="en-US" sz="1100" dirty="0">
+                  <a:effectLst/>
+                  <a:ea typeface="Calibri"/>
+                  <a:cs typeface="Times New Roman"/>
+                </a:rPr>
+                <a:t> </a:t>
+              </a:r>
+            </a:p>
+          </p:txBody>
+        </p:sp>
+      </p:grpSp>
+    </p:spTree>
+    <p:extLst>
+      <p:ext uri="{BB962C8B-B14F-4D97-AF65-F5344CB8AC3E}">
+        <p14:creationId xmlns:p14="http://schemas.microsoft.com/office/powerpoint/2010/main" val="49753962"/>
+      </p:ext>
+    </p:extLst>
+  </p:cSld>
+  <p:clrMapOvr>
+    <a:masterClrMapping/>
+  </p:clrMapOvr>
+  <p:timing>
+    <p:tnLst>
+      <p:par>
+        <p:cTn id="1" dur="indefinite" restart="never" nodeType="tmRoot"/>
+      </p:par>
+    </p:tnLst>
+  </p:timing>
+</p:sld>
+</file>
+
+<file path=ppt/slides/slide12.xml><?xml version="1.0" encoding="utf-8"?>
+<p:sld xmlns:a="http://schemas.openxmlformats.org/drawingml/2006/main" xmlns:r="http://schemas.openxmlformats.org/officeDocument/2006/relationships" xmlns:p="http://schemas.openxmlformats.org/presentationml/2006/main">
+  <p:cSld>
+    <p:spTree>
+      <p:nvGrpSpPr>
+        <p:cNvPr id="1" name=""/>
+        <p:cNvGrpSpPr/>
+        <p:nvPr/>
+      </p:nvGrpSpPr>
+      <p:grpSpPr>
+        <a:xfrm>
+          <a:off x="0" y="0"/>
+          <a:ext cx="0" cy="0"/>
+          <a:chOff x="0" y="0"/>
+          <a:chExt cx="0" cy="0"/>
+        </a:xfrm>
+      </p:grpSpPr>
+      <p:sp>
+        <p:nvSpPr>
+          <p:cNvPr id="2" name="Title 1"/>
+          <p:cNvSpPr>
+            <a:spLocks noGrp="1"/>
+          </p:cNvSpPr>
+          <p:nvPr>
+            <p:ph type="title"/>
+          </p:nvPr>
+        </p:nvSpPr>
+        <p:spPr>
+          <a:xfrm>
+            <a:off x="561109" y="152400"/>
+            <a:ext cx="8229600" cy="1143000"/>
+          </a:xfrm>
+        </p:spPr>
+        <p:txBody>
+          <a:bodyPr/>
+          <a:lstStyle/>
+          <a:p>
+            <a:r>
+              <a:rPr lang="en-US" dirty="0" smtClean="0"/>
+              <a:t>USB Analyzer Capture</a:t>
+            </a:r>
+            <a:endParaRPr lang="en-US" dirty="0"/>
+          </a:p>
+        </p:txBody>
+      </p:sp>
+      <p:pic>
+        <p:nvPicPr>
+          <p:cNvPr id="4" name="Picture 3"/>
+          <p:cNvPicPr/>
+          <p:nvPr/>
+        </p:nvPicPr>
+        <p:blipFill>
+          <a:blip r:embed="rId2">
+            <a:extLst>
+              <a:ext uri="{28A0092B-C50C-407E-A947-70E740481C1C}">
+                <a14:useLocalDpi xmlns:a14="http://schemas.microsoft.com/office/drawing/2010/main" val="0"/>
+              </a:ext>
+            </a:extLst>
+          </a:blip>
+          <a:stretch>
+            <a:fillRect/>
+          </a:stretch>
+        </p:blipFill>
+        <p:spPr>
+          <a:xfrm>
+            <a:off x="789709" y="1295400"/>
+            <a:ext cx="7772400" cy="5257800"/>
+          </a:xfrm>
+          <a:prstGeom prst="rect">
+            <a:avLst/>
+          </a:prstGeom>
+        </p:spPr>
+      </p:pic>
+    </p:spTree>
+    <p:extLst>
+      <p:ext uri="{BB962C8B-B14F-4D97-AF65-F5344CB8AC3E}">
+        <p14:creationId xmlns:p14="http://schemas.microsoft.com/office/powerpoint/2010/main" val="4201258635"/>
+      </p:ext>
+    </p:extLst>
+  </p:cSld>
+  <p:clrMapOvr>
+    <a:masterClrMapping/>
+  </p:clrMapOvr>
+  <p:timing>
+    <p:tnLst>
+      <p:par>
+        <p:cTn id="1" dur="indefinite" restart="never" nodeType="tmRoot"/>
+      </p:par>
+    </p:tnLst>
+  </p:timing>
+</p:sld>
+</file>
+
+<file path=ppt/slides/slide13.xml><?xml version="1.0" encoding="utf-8"?>
+<p:sld xmlns:a="http://schemas.openxmlformats.org/drawingml/2006/main" xmlns:r="http://schemas.openxmlformats.org/officeDocument/2006/relationships" xmlns:p="http://schemas.openxmlformats.org/presentationml/2006/main">
+  <p:cSld>
+    <p:spTree>
+      <p:nvGrpSpPr>
+        <p:cNvPr id="1" name=""/>
+        <p:cNvGrpSpPr/>
+        <p:nvPr/>
+      </p:nvGrpSpPr>
+      <p:grpSpPr>
+        <a:xfrm>
+          <a:off x="0" y="0"/>
+          <a:ext cx="0" cy="0"/>
+          <a:chOff x="0" y="0"/>
+          <a:chExt cx="0" cy="0"/>
+        </a:xfrm>
+      </p:grpSpPr>
+      <p:sp>
+        <p:nvSpPr>
+          <p:cNvPr id="2" name="Title 1"/>
+          <p:cNvSpPr>
+            <a:spLocks noGrp="1"/>
+          </p:cNvSpPr>
+          <p:nvPr>
+            <p:ph type="title"/>
+          </p:nvPr>
+        </p:nvSpPr>
+        <p:spPr>
+          <a:xfrm>
             <a:off x="457200" y="274638"/>
             <a:ext cx="8229600" cy="639762"/>
           </a:xfrm>
@@ -7983,7 +8586,7 @@
 </p:sld>
 </file>
 
-<file path=ppt/slides/slide11.xml><?xml version="1.0" encoding="utf-8"?>
+<file path=ppt/slides/slide14.xml><?xml version="1.0" encoding="utf-8"?>
 <p:sld xmlns:a="http://schemas.openxmlformats.org/drawingml/2006/main" xmlns:r="http://schemas.openxmlformats.org/officeDocument/2006/relationships" xmlns:p="http://schemas.openxmlformats.org/presentationml/2006/main">
   <p:cSld>
     <p:spTree>
@@ -8567,7 +9170,7 @@
 </p:sld>
 </file>
 
-<file path=ppt/slides/slide12.xml><?xml version="1.0" encoding="utf-8"?>
+<file path=ppt/slides/slide15.xml><?xml version="1.0" encoding="utf-8"?>
 <p:sld xmlns:a="http://schemas.openxmlformats.org/drawingml/2006/main" xmlns:r="http://schemas.openxmlformats.org/officeDocument/2006/relationships" xmlns:p="http://schemas.openxmlformats.org/presentationml/2006/main">
   <p:cSld>
     <p:spTree>
@@ -9993,7 +10596,7 @@
 </p:sld>
 </file>
 
-<file path=ppt/slides/slide13.xml><?xml version="1.0" encoding="utf-8"?>
+<file path=ppt/slides/slide16.xml><?xml version="1.0" encoding="utf-8"?>
 <p:sld xmlns:a="http://schemas.openxmlformats.org/drawingml/2006/main" xmlns:r="http://schemas.openxmlformats.org/officeDocument/2006/relationships" xmlns:p="http://schemas.openxmlformats.org/presentationml/2006/main">
   <p:cSld>
     <p:spTree>
@@ -10093,7 +10696,7 @@
 </p:sld>
 </file>
 
-<file path=ppt/slides/slide14.xml><?xml version="1.0" encoding="utf-8"?>
+<file path=ppt/slides/slide17.xml><?xml version="1.0" encoding="utf-8"?>
 <p:sld xmlns:a="http://schemas.openxmlformats.org/drawingml/2006/main" xmlns:r="http://schemas.openxmlformats.org/officeDocument/2006/relationships" xmlns:p="http://schemas.openxmlformats.org/presentationml/2006/main">
   <p:cSld>
     <p:spTree>
@@ -10231,6 +10834,176 @@
 </file>
 
 <file path=ppt/slides/slide2.xml><?xml version="1.0" encoding="utf-8"?>
+<p:sld xmlns:a="http://schemas.openxmlformats.org/drawingml/2006/main" xmlns:r="http://schemas.openxmlformats.org/officeDocument/2006/relationships" xmlns:p="http://schemas.openxmlformats.org/presentationml/2006/main">
+  <p:cSld>
+    <p:spTree>
+      <p:nvGrpSpPr>
+        <p:cNvPr id="1" name=""/>
+        <p:cNvGrpSpPr/>
+        <p:nvPr/>
+      </p:nvGrpSpPr>
+      <p:grpSpPr>
+        <a:xfrm>
+          <a:off x="0" y="0"/>
+          <a:ext cx="0" cy="0"/>
+          <a:chOff x="0" y="0"/>
+          <a:chExt cx="0" cy="0"/>
+        </a:xfrm>
+      </p:grpSpPr>
+      <p:sp>
+        <p:nvSpPr>
+          <p:cNvPr id="2" name="Title 1"/>
+          <p:cNvSpPr>
+            <a:spLocks noGrp="1"/>
+          </p:cNvSpPr>
+          <p:nvPr>
+            <p:ph type="title"/>
+          </p:nvPr>
+        </p:nvSpPr>
+        <p:spPr/>
+        <p:txBody>
+          <a:bodyPr/>
+          <a:lstStyle/>
+          <a:p>
+            <a:r>
+              <a:rPr lang="en-US" dirty="0" smtClean="0"/>
+              <a:t>(</a:t>
+            </a:r>
+            <a:r>
+              <a:rPr lang="en-US" dirty="0" err="1" smtClean="0"/>
+              <a:t>gdb</a:t>
+            </a:r>
+            <a:r>
+              <a:rPr lang="en-US" dirty="0" smtClean="0"/>
+              <a:t>)step ---&gt; DHCSR.C_STEP</a:t>
+            </a:r>
+            <a:endParaRPr lang="en-US" dirty="0"/>
+          </a:p>
+        </p:txBody>
+      </p:sp>
+      <p:sp>
+        <p:nvSpPr>
+          <p:cNvPr id="3" name="Content Placeholder 2"/>
+          <p:cNvSpPr>
+            <a:spLocks noGrp="1"/>
+          </p:cNvSpPr>
+          <p:nvPr>
+            <p:ph idx="1"/>
+          </p:nvPr>
+        </p:nvSpPr>
+        <p:spPr/>
+        <p:txBody>
+          <a:bodyPr/>
+          <a:lstStyle/>
+          <a:p>
+            <a:r>
+              <a:rPr lang="en-US" dirty="0" smtClean="0"/>
+              <a:t>RSP packet from </a:t>
+            </a:r>
+            <a:r>
+              <a:rPr lang="en-US" dirty="0" err="1" smtClean="0"/>
+              <a:t>gdb</a:t>
+            </a:r>
+            <a:r>
+              <a:rPr lang="en-US" dirty="0" smtClean="0"/>
+              <a:t> to </a:t>
+            </a:r>
+            <a:r>
+              <a:rPr lang="en-US" dirty="0" err="1" smtClean="0"/>
+              <a:t>pyOCD</a:t>
+            </a:r>
+            <a:endParaRPr lang="en-US" dirty="0" smtClean="0"/>
+          </a:p>
+          <a:p>
+            <a:pPr marL="0" indent="0">
+              <a:buNone/>
+            </a:pPr>
+            <a:r>
+              <a:rPr lang="en-US" dirty="0"/>
+              <a:t> </a:t>
+            </a:r>
+            <a:r>
+              <a:rPr lang="en-US" dirty="0" smtClean="0"/>
+              <a:t>     $s#73</a:t>
+            </a:r>
+          </a:p>
+          <a:p>
+            <a:r>
+              <a:rPr lang="en-US" dirty="0" smtClean="0"/>
+              <a:t>DAP Command from </a:t>
+            </a:r>
+            <a:r>
+              <a:rPr lang="en-US" dirty="0" err="1" smtClean="0"/>
+              <a:t>pyOCD</a:t>
+            </a:r>
+            <a:r>
+              <a:rPr lang="en-US" dirty="0" smtClean="0"/>
+              <a:t> to </a:t>
+            </a:r>
+            <a:r>
+              <a:rPr lang="en-US" dirty="0" err="1" smtClean="0"/>
+              <a:t>cmsis</a:t>
+            </a:r>
+            <a:r>
+              <a:rPr lang="en-US" dirty="0" smtClean="0"/>
+              <a:t> dap interface firmware</a:t>
+            </a:r>
+          </a:p>
+          <a:p>
+            <a:pPr marL="0" indent="0">
+              <a:buNone/>
+            </a:pPr>
+            <a:r>
+              <a:rPr lang="en-US" dirty="0"/>
+              <a:t> </a:t>
+            </a:r>
+            <a:r>
+              <a:rPr lang="en-US" dirty="0" smtClean="0"/>
+              <a:t>   </a:t>
+            </a:r>
+            <a:r>
+              <a:rPr lang="en-US" sz="2400" b="1" dirty="0" smtClean="0"/>
+              <a:t>0x5, 0x0, 0x2, 0x5,0xE000EDF0, 0xD, 0xA05F000B</a:t>
+            </a:r>
+          </a:p>
+          <a:p>
+            <a:r>
+              <a:rPr lang="en-US" sz="2400" b="1" dirty="0" smtClean="0"/>
+              <a:t>Serial Wire Debug Protocol between </a:t>
+            </a:r>
+            <a:r>
+              <a:rPr lang="en-US" sz="2400" b="1" dirty="0" err="1" smtClean="0"/>
+              <a:t>cmsis</a:t>
+            </a:r>
+            <a:r>
+              <a:rPr lang="en-US" sz="2400" b="1" dirty="0" smtClean="0"/>
+              <a:t> dap interface chip and ARM Cortex M3 target.</a:t>
+            </a:r>
+            <a:endParaRPr lang="en-US" sz="2400" dirty="0"/>
+          </a:p>
+        </p:txBody>
+      </p:sp>
+    </p:spTree>
+    <p:extLst>
+      <p:ext uri="{BB962C8B-B14F-4D97-AF65-F5344CB8AC3E}">
+        <p14:creationId xmlns:p14="http://schemas.microsoft.com/office/powerpoint/2010/main" val="803864437"/>
+      </p:ext>
+    </p:extLst>
+  </p:cSld>
+  <p:clrMapOvr>
+    <a:masterClrMapping/>
+  </p:clrMapOvr>
+  <p:timing>
+    <p:tnLst>
+      <p:par>
+        <p:cTn id="1" dur="indefinite" restart="never" nodeType="tmRoot"/>
+      </p:par>
+    </p:tnLst>
+  </p:timing>
+</p:sld>
+</file>
+
+<file path=ppt/slides/slide3.xml><?xml version="1.0" encoding="utf-8"?>
 <p:sld xmlns:a="http://schemas.openxmlformats.org/drawingml/2006/main" xmlns:r="http://schemas.openxmlformats.org/officeDocument/2006/relationships" xmlns:p="http://schemas.openxmlformats.org/presentationml/2006/main">
   <p:cSld>
     <p:spTree>
@@ -13665,7 +14438,7 @@
           <a:p>
             <a:r>
               <a:rPr lang="en-US" dirty="0" smtClean="0"/>
-              <a:t>Debugging setup</a:t>
+              <a:t>The System</a:t>
             </a:r>
             <a:endParaRPr lang="en-US" dirty="0"/>
           </a:p>
@@ -13691,7 +14464,7 @@
 </p:sld>
 </file>
 
-<file path=ppt/slides/slide3.xml><?xml version="1.0" encoding="utf-8"?>
+<file path=ppt/slides/slide4.xml><?xml version="1.0" encoding="utf-8"?>
 <p:sld xmlns:a="http://schemas.openxmlformats.org/drawingml/2006/main" xmlns:r="http://schemas.openxmlformats.org/officeDocument/2006/relationships" xmlns:p="http://schemas.openxmlformats.org/presentationml/2006/main">
   <p:cSld>
     <p:spTree>
@@ -13758,7 +14531,6 @@
               </a:ext>
             </a:extLst>
           </a:blip>
-          <a:srcRect/>
           <a:stretch>
             <a:fillRect/>
           </a:stretch>
@@ -13797,7 +14569,7 @@
 </p:sld>
 </file>
 
-<file path=ppt/slides/slide4.xml><?xml version="1.0" encoding="utf-8"?>
+<file path=ppt/slides/slide5.xml><?xml version="1.0" encoding="utf-8"?>
 <p:sld xmlns:a="http://schemas.openxmlformats.org/drawingml/2006/main" xmlns:r="http://schemas.openxmlformats.org/officeDocument/2006/relationships" xmlns:p="http://schemas.openxmlformats.org/presentationml/2006/main">
   <p:cSld>
     <p:spTree>
@@ -13890,7 +14662,7 @@
 </p:sld>
 </file>
 
-<file path=ppt/slides/slide5.xml><?xml version="1.0" encoding="utf-8"?>
+<file path=ppt/slides/slide6.xml><?xml version="1.0" encoding="utf-8"?>
 <p:sld xmlns:a="http://schemas.openxmlformats.org/drawingml/2006/main" xmlns:r="http://schemas.openxmlformats.org/officeDocument/2006/relationships" xmlns:p="http://schemas.openxmlformats.org/presentationml/2006/main">
   <p:cSld>
     <p:spTree>
@@ -13983,7 +14755,7 @@
 </p:sld>
 </file>
 
-<file path=ppt/slides/slide6.xml><?xml version="1.0" encoding="utf-8"?>
+<file path=ppt/slides/slide7.xml><?xml version="1.0" encoding="utf-8"?>
 <p:sld xmlns:a="http://schemas.openxmlformats.org/drawingml/2006/main" xmlns:r="http://schemas.openxmlformats.org/officeDocument/2006/relationships" xmlns:p="http://schemas.openxmlformats.org/presentationml/2006/main">
   <p:cSld>
     <p:spTree>
@@ -14545,99 +15317,6 @@
 </p:sld>
 </file>
 
-<file path=ppt/slides/slide7.xml><?xml version="1.0" encoding="utf-8"?>
-<p:sld xmlns:a="http://schemas.openxmlformats.org/drawingml/2006/main" xmlns:r="http://schemas.openxmlformats.org/officeDocument/2006/relationships" xmlns:p="http://schemas.openxmlformats.org/presentationml/2006/main">
-  <p:cSld>
-    <p:spTree>
-      <p:nvGrpSpPr>
-        <p:cNvPr id="1" name=""/>
-        <p:cNvGrpSpPr/>
-        <p:nvPr/>
-      </p:nvGrpSpPr>
-      <p:grpSpPr>
-        <a:xfrm>
-          <a:off x="0" y="0"/>
-          <a:ext cx="0" cy="0"/>
-          <a:chOff x="0" y="0"/>
-          <a:chExt cx="0" cy="0"/>
-        </a:xfrm>
-      </p:grpSpPr>
-      <p:sp>
-        <p:nvSpPr>
-          <p:cNvPr id="2" name="Title 1"/>
-          <p:cNvSpPr>
-            <a:spLocks noGrp="1"/>
-          </p:cNvSpPr>
-          <p:nvPr>
-            <p:ph type="title"/>
-          </p:nvPr>
-        </p:nvSpPr>
-        <p:spPr>
-          <a:xfrm>
-            <a:off x="457200" y="0"/>
-            <a:ext cx="8229600" cy="990600"/>
-          </a:xfrm>
-        </p:spPr>
-        <p:txBody>
-          <a:bodyPr/>
-          <a:lstStyle/>
-          <a:p>
-            <a:r>
-              <a:rPr lang="en-US" dirty="0" smtClean="0"/>
-              <a:t>pyOCD – DAP Commands</a:t>
-            </a:r>
-            <a:endParaRPr lang="en-US" dirty="0"/>
-          </a:p>
-        </p:txBody>
-      </p:sp>
-      <p:pic>
-        <p:nvPicPr>
-          <p:cNvPr id="4" name="Picture 3"/>
-          <p:cNvPicPr/>
-          <p:nvPr/>
-        </p:nvPicPr>
-        <p:blipFill>
-          <a:blip r:embed="rId2">
-            <a:extLst>
-              <a:ext uri="{28A0092B-C50C-407E-A947-70E740481C1C}">
-                <a14:useLocalDpi xmlns:a14="http://schemas.microsoft.com/office/drawing/2010/main" val="0"/>
-              </a:ext>
-            </a:extLst>
-          </a:blip>
-          <a:stretch>
-            <a:fillRect/>
-          </a:stretch>
-        </p:blipFill>
-        <p:spPr>
-          <a:xfrm>
-            <a:off x="1522095" y="838200"/>
-            <a:ext cx="6400800" cy="5943600"/>
-          </a:xfrm>
-          <a:prstGeom prst="rect">
-            <a:avLst/>
-          </a:prstGeom>
-        </p:spPr>
-      </p:pic>
-    </p:spTree>
-    <p:extLst>
-      <p:ext uri="{BB962C8B-B14F-4D97-AF65-F5344CB8AC3E}">
-        <p14:creationId xmlns:p14="http://schemas.microsoft.com/office/powerpoint/2010/main" val="3094584121"/>
-      </p:ext>
-    </p:extLst>
-  </p:cSld>
-  <p:clrMapOvr>
-    <a:masterClrMapping/>
-  </p:clrMapOvr>
-  <p:timing>
-    <p:tnLst>
-      <p:par>
-        <p:cTn id="1" dur="indefinite" restart="never" nodeType="tmRoot"/>
-      </p:par>
-    </p:tnLst>
-  </p:timing>
-</p:sld>
-</file>
-
 <file path=ppt/slides/slide8.xml><?xml version="1.0" encoding="utf-8"?>
 <p:sld xmlns:a="http://schemas.openxmlformats.org/drawingml/2006/main" xmlns:r="http://schemas.openxmlformats.org/officeDocument/2006/relationships" xmlns:p="http://schemas.openxmlformats.org/presentationml/2006/main">
   <p:cSld>
@@ -14672,370 +15351,193 @@
           <a:p>
             <a:r>
               <a:rPr lang="en-US" dirty="0" smtClean="0"/>
-              <a:t>pyOCD - backtrace</a:t>
+              <a:t>DAP Command Format</a:t>
             </a:r>
             <a:endParaRPr lang="en-US" dirty="0"/>
           </a:p>
         </p:txBody>
       </p:sp>
-      <p:grpSp>
-        <p:nvGrpSpPr>
-          <p:cNvPr id="4" name="Canvas 21"/>
-          <p:cNvGrpSpPr/>
-          <p:nvPr/>
-        </p:nvGrpSpPr>
-        <p:grpSpPr>
-          <a:xfrm>
-            <a:off x="1066800" y="1752600"/>
-            <a:ext cx="6629400" cy="3200400"/>
-            <a:chOff x="0" y="0"/>
-            <a:chExt cx="5867400" cy="2009775"/>
-          </a:xfrm>
-        </p:grpSpPr>
-        <p:sp>
-          <p:nvSpPr>
-            <p:cNvPr id="5" name="Rectangle 4"/>
-            <p:cNvSpPr/>
-            <p:nvPr/>
-          </p:nvSpPr>
-          <p:spPr>
-            <a:xfrm>
-              <a:off x="0" y="0"/>
-              <a:ext cx="5867400" cy="2009775"/>
-            </a:xfrm>
-            <a:prstGeom prst="rect">
-              <a:avLst/>
-            </a:prstGeom>
-          </p:spPr>
-        </p:sp>
-        <p:sp>
-          <p:nvSpPr>
-            <p:cNvPr id="6" name="Text Box 54"/>
-            <p:cNvSpPr txBox="1"/>
-            <p:nvPr/>
-          </p:nvSpPr>
-          <p:spPr>
-            <a:xfrm>
-              <a:off x="133350" y="85725"/>
-              <a:ext cx="5734050" cy="1828800"/>
-            </a:xfrm>
-            <a:prstGeom prst="rect">
-              <a:avLst/>
-            </a:prstGeom>
-            <a:ln/>
-          </p:spPr>
-          <p:style>
-            <a:lnRef idx="1">
-              <a:schemeClr val="dk1"/>
-            </a:lnRef>
-            <a:fillRef idx="2">
-              <a:schemeClr val="dk1"/>
-            </a:fillRef>
-            <a:effectRef idx="1">
-              <a:schemeClr val="dk1"/>
-            </a:effectRef>
-            <a:fontRef idx="minor">
-              <a:schemeClr val="dk1"/>
-            </a:fontRef>
-          </p:style>
-          <p:txBody>
-            <a:bodyPr rot="0" spcFirstLastPara="0" vert="horz" wrap="square" lIns="91440" tIns="45720" rIns="91440" bIns="45720" numCol="1" spcCol="0" rtlCol="0" fromWordArt="0" anchor="t" anchorCtr="0" forceAA="0" compatLnSpc="1">
-              <a:prstTxWarp prst="textNoShape">
-                <a:avLst/>
-              </a:prstTxWarp>
-              <a:noAutofit/>
-            </a:bodyPr>
-            <a:lstStyle/>
-            <a:p>
-              <a:pPr marL="0" marR="0">
-                <a:lnSpc>
-                  <a:spcPct val="115000"/>
-                </a:lnSpc>
-                <a:spcBef>
-                  <a:spcPts val="0"/>
-                </a:spcBef>
-                <a:spcAft>
-                  <a:spcPts val="1000"/>
-                </a:spcAft>
-                <a:tabLst>
-                  <a:tab pos="4000500" algn="l"/>
-                </a:tabLst>
-              </a:pPr>
-              <a:r>
-                <a:rPr lang="en-US" sz="1400" dirty="0">
-                  <a:solidFill>
-                    <a:srgbClr val="222222"/>
-                  </a:solidFill>
-                  <a:effectLst/>
-                  <a:latin typeface="Times New Roman"/>
-                  <a:ea typeface="Times New Roman"/>
-                  <a:cs typeface="Times New Roman"/>
-                </a:rPr>
-                <a:t>         gdbserver/gdbserver.py:</a:t>
-              </a:r>
-              <a:r>
-                <a:rPr lang="en-US" sz="1400" dirty="0">
-                  <a:effectLst/>
-                  <a:ea typeface="Calibri"/>
-                  <a:cs typeface="Times New Roman"/>
-                </a:rPr>
-                <a:t>     </a:t>
-              </a:r>
-              <a:r>
-                <a:rPr lang="en-US" sz="1400" dirty="0">
-                  <a:solidFill>
-                    <a:srgbClr val="222222"/>
-                  </a:solidFill>
-                  <a:effectLst/>
-                  <a:latin typeface="Times New Roman"/>
-                  <a:ea typeface="Times New Roman"/>
-                  <a:cs typeface="Times New Roman"/>
-                </a:rPr>
-                <a:t>run()</a:t>
-              </a:r>
-              <a:br>
-                <a:rPr lang="en-US" sz="1400" dirty="0">
-                  <a:solidFill>
-                    <a:srgbClr val="222222"/>
-                  </a:solidFill>
-                  <a:effectLst/>
-                  <a:latin typeface="Times New Roman"/>
-                  <a:ea typeface="Times New Roman"/>
-                  <a:cs typeface="Times New Roman"/>
-                </a:rPr>
-              </a:br>
-              <a:r>
-                <a:rPr lang="en-US" sz="1400" dirty="0">
-                  <a:solidFill>
-                    <a:srgbClr val="222222"/>
-                  </a:solidFill>
-                  <a:effectLst/>
-                  <a:latin typeface="Times New Roman"/>
-                  <a:ea typeface="Times New Roman"/>
-                  <a:cs typeface="Times New Roman"/>
-                </a:rPr>
-                <a:t>                                                      handleMsg()</a:t>
-              </a:r>
-              <a:br>
-                <a:rPr lang="en-US" sz="1400" dirty="0">
-                  <a:solidFill>
-                    <a:srgbClr val="222222"/>
-                  </a:solidFill>
-                  <a:effectLst/>
-                  <a:latin typeface="Times New Roman"/>
-                  <a:ea typeface="Times New Roman"/>
-                  <a:cs typeface="Times New Roman"/>
-                </a:rPr>
-              </a:br>
-              <a:r>
-                <a:rPr lang="en-US" sz="1400" dirty="0">
-                  <a:solidFill>
-                    <a:srgbClr val="222222"/>
-                  </a:solidFill>
-                  <a:effectLst/>
-                  <a:latin typeface="Times New Roman"/>
-                  <a:ea typeface="Times New Roman"/>
-                  <a:cs typeface="Times New Roman"/>
-                </a:rPr>
-                <a:t>                                                         step()</a:t>
-              </a:r>
-              <a:br>
-                <a:rPr lang="en-US" sz="1400" dirty="0">
-                  <a:solidFill>
-                    <a:srgbClr val="222222"/>
-                  </a:solidFill>
-                  <a:effectLst/>
-                  <a:latin typeface="Times New Roman"/>
-                  <a:ea typeface="Times New Roman"/>
-                  <a:cs typeface="Times New Roman"/>
-                </a:rPr>
-              </a:br>
-              <a:r>
-                <a:rPr lang="en-US" sz="1400" dirty="0">
-                  <a:solidFill>
-                    <a:srgbClr val="222222"/>
-                  </a:solidFill>
-                  <a:effectLst/>
-                  <a:latin typeface="Times New Roman"/>
-                  <a:ea typeface="Times New Roman"/>
-                  <a:cs typeface="Times New Roman"/>
-                </a:rPr>
-                <a:t>                target/cortex_m.py:    step()</a:t>
-              </a:r>
-              <a:br>
-                <a:rPr lang="en-US" sz="1400" dirty="0">
-                  <a:solidFill>
-                    <a:srgbClr val="222222"/>
-                  </a:solidFill>
-                  <a:effectLst/>
-                  <a:latin typeface="Times New Roman"/>
-                  <a:ea typeface="Times New Roman"/>
-                  <a:cs typeface="Times New Roman"/>
-                </a:rPr>
-              </a:br>
-              <a:r>
-                <a:rPr lang="en-US" sz="1400" dirty="0">
-                  <a:solidFill>
-                    <a:srgbClr val="222222"/>
-                  </a:solidFill>
-                  <a:effectLst/>
-                  <a:latin typeface="Times New Roman"/>
-                  <a:ea typeface="Times New Roman"/>
-                  <a:cs typeface="Times New Roman"/>
-                </a:rPr>
-                <a:t>                                                      writeMemory(DHCSR, value)</a:t>
-              </a:r>
-              <a:br>
-                <a:rPr lang="en-US" sz="1400" dirty="0">
-                  <a:solidFill>
-                    <a:srgbClr val="222222"/>
-                  </a:solidFill>
-                  <a:effectLst/>
-                  <a:latin typeface="Times New Roman"/>
-                  <a:ea typeface="Times New Roman"/>
-                  <a:cs typeface="Times New Roman"/>
-                </a:rPr>
-              </a:br>
-              <a:r>
-                <a:rPr lang="en-US" sz="1400" dirty="0">
-                  <a:solidFill>
-                    <a:srgbClr val="222222"/>
-                  </a:solidFill>
-                  <a:effectLst/>
-                  <a:latin typeface="Times New Roman"/>
-                  <a:ea typeface="Times New Roman"/>
-                  <a:cs typeface="Times New Roman"/>
-                </a:rPr>
-                <a:t>          transport/cmsis_dap.py:   writeMem()           //  called twice , 1</a:t>
-              </a:r>
-              <a:r>
-                <a:rPr lang="en-US" sz="1400" baseline="30000" dirty="0">
-                  <a:solidFill>
-                    <a:srgbClr val="222222"/>
-                  </a:solidFill>
-                  <a:effectLst/>
-                  <a:latin typeface="Times New Roman"/>
-                  <a:ea typeface="Times New Roman"/>
-                  <a:cs typeface="Times New Roman"/>
-                </a:rPr>
-                <a:t>st</a:t>
-              </a:r>
-              <a:r>
-                <a:rPr lang="en-US" sz="1400" dirty="0">
-                  <a:solidFill>
-                    <a:srgbClr val="222222"/>
-                  </a:solidFill>
-                  <a:effectLst/>
-                  <a:latin typeface="Times New Roman"/>
-                  <a:ea typeface="Times New Roman"/>
-                  <a:cs typeface="Times New Roman"/>
-                </a:rPr>
-                <a:t> TAR, 2</a:t>
-              </a:r>
-              <a:r>
-                <a:rPr lang="en-US" sz="1400" baseline="30000" dirty="0">
-                  <a:solidFill>
-                    <a:srgbClr val="222222"/>
-                  </a:solidFill>
-                  <a:effectLst/>
-                  <a:latin typeface="Times New Roman"/>
-                  <a:ea typeface="Times New Roman"/>
-                  <a:cs typeface="Times New Roman"/>
-                </a:rPr>
-                <a:t>nd</a:t>
-              </a:r>
-              <a:r>
-                <a:rPr lang="en-US" sz="1400" dirty="0">
-                  <a:solidFill>
-                    <a:srgbClr val="222222"/>
-                  </a:solidFill>
-                  <a:effectLst/>
-                  <a:latin typeface="Times New Roman"/>
-                  <a:ea typeface="Times New Roman"/>
-                  <a:cs typeface="Times New Roman"/>
-                </a:rPr>
-                <a:t> DRW                                                                         </a:t>
-              </a:r>
-              <a:br>
-                <a:rPr lang="en-US" sz="1400" dirty="0">
-                  <a:solidFill>
-                    <a:srgbClr val="222222"/>
-                  </a:solidFill>
-                  <a:effectLst/>
-                  <a:latin typeface="Times New Roman"/>
-                  <a:ea typeface="Times New Roman"/>
-                  <a:cs typeface="Times New Roman"/>
-                </a:rPr>
-              </a:br>
-              <a:r>
-                <a:rPr lang="en-US" sz="1400" dirty="0">
-                  <a:solidFill>
-                    <a:srgbClr val="222222"/>
-                  </a:solidFill>
-                  <a:effectLst/>
-                  <a:latin typeface="Times New Roman"/>
-                  <a:ea typeface="Times New Roman"/>
-                  <a:cs typeface="Times New Roman"/>
-                </a:rPr>
-                <a:t>                                                       dapTransfer()     // imported from cmsis_dap_core.py interface/pyUSB_backend.py:   write()</a:t>
-              </a:r>
-              <a:br>
-                <a:rPr lang="en-US" sz="1400" dirty="0">
-                  <a:solidFill>
-                    <a:srgbClr val="222222"/>
-                  </a:solidFill>
-                  <a:effectLst/>
-                  <a:latin typeface="Times New Roman"/>
-                  <a:ea typeface="Times New Roman"/>
-                  <a:cs typeface="Times New Roman"/>
-                </a:rPr>
-              </a:br>
-              <a:r>
-                <a:rPr lang="en-US" sz="1400" dirty="0">
-                  <a:solidFill>
-                    <a:srgbClr val="222222"/>
-                  </a:solidFill>
-                  <a:effectLst/>
-                  <a:latin typeface="Times New Roman"/>
-                  <a:ea typeface="Times New Roman"/>
-                  <a:cs typeface="Times New Roman"/>
-                </a:rPr>
-                <a:t>                                                        ep_out.write()  // call pyUSB   </a:t>
-              </a:r>
-              <a:endParaRPr lang="en-US" sz="1400" dirty="0">
-                <a:effectLst/>
-                <a:ea typeface="Calibri"/>
-                <a:cs typeface="Times New Roman"/>
-              </a:endParaRPr>
-            </a:p>
-            <a:p>
-              <a:pPr marL="0" marR="0">
-                <a:lnSpc>
-                  <a:spcPct val="115000"/>
-                </a:lnSpc>
-                <a:spcBef>
-                  <a:spcPts val="0"/>
-                </a:spcBef>
-                <a:spcAft>
-                  <a:spcPts val="1000"/>
-                </a:spcAft>
-              </a:pPr>
-              <a:r>
-                <a:rPr lang="en-US" sz="1100" dirty="0">
-                  <a:effectLst/>
-                  <a:ea typeface="Calibri"/>
-                  <a:cs typeface="Times New Roman"/>
-                </a:rPr>
-                <a:t> </a:t>
-              </a:r>
-            </a:p>
-          </p:txBody>
-        </p:sp>
-      </p:grpSp>
+      <p:sp>
+        <p:nvSpPr>
+          <p:cNvPr id="3" name="Content Placeholder 2"/>
+          <p:cNvSpPr>
+            <a:spLocks noGrp="1"/>
+          </p:cNvSpPr>
+          <p:nvPr>
+            <p:ph idx="1"/>
+          </p:nvPr>
+        </p:nvSpPr>
+        <p:spPr/>
+        <p:txBody>
+          <a:bodyPr>
+            <a:normAutofit/>
+          </a:bodyPr>
+          <a:lstStyle/>
+          <a:p>
+            <a:r>
+              <a:rPr lang="en-US" dirty="0" smtClean="0"/>
+              <a:t>DAP Command Format:</a:t>
+            </a:r>
+          </a:p>
+          <a:p>
+            <a:r>
+              <a:rPr lang="en-US" sz="1600" b="1" i="1" dirty="0" err="1" smtClean="0"/>
+              <a:t>CmdId</a:t>
+            </a:r>
+            <a:r>
+              <a:rPr lang="en-US" sz="1600" b="1" i="1" dirty="0" smtClean="0"/>
+              <a:t>(8</a:t>
+            </a:r>
+            <a:r>
+              <a:rPr lang="en-US" sz="1600" b="1" i="1" dirty="0"/>
+              <a:t>), </a:t>
+            </a:r>
+            <a:r>
+              <a:rPr lang="en-US" sz="1600" b="1" i="1" dirty="0" err="1"/>
+              <a:t>DAPIdx</a:t>
+            </a:r>
+            <a:r>
+              <a:rPr lang="en-US" sz="1600" b="1" i="1" dirty="0"/>
+              <a:t>(8), count(8), </a:t>
+            </a:r>
+            <a:r>
+              <a:rPr lang="en-US" sz="2000" b="1" i="1" dirty="0"/>
+              <a:t>{ { </a:t>
+            </a:r>
+            <a:r>
+              <a:rPr lang="en-US" sz="1600" b="1" i="1" dirty="0"/>
+              <a:t>req1 (8), data1 (32) </a:t>
+            </a:r>
+            <a:r>
+              <a:rPr lang="en-US" sz="2000" b="1" i="1" dirty="0"/>
+              <a:t>}</a:t>
+            </a:r>
+            <a:r>
+              <a:rPr lang="en-US" sz="1600" b="1" i="1" dirty="0"/>
+              <a:t>, </a:t>
+            </a:r>
+            <a:r>
+              <a:rPr lang="en-US" sz="2000" b="1" i="1" dirty="0"/>
+              <a:t>{</a:t>
+            </a:r>
+            <a:r>
+              <a:rPr lang="en-US" sz="1600" b="1" i="1" dirty="0"/>
+              <a:t> req2 (8), data2 (32)  </a:t>
+            </a:r>
+            <a:r>
+              <a:rPr lang="en-US" sz="2000" b="1" i="1" dirty="0"/>
+              <a:t>}</a:t>
+            </a:r>
+            <a:r>
+              <a:rPr lang="en-US" sz="1600" b="1" i="1" dirty="0"/>
+              <a:t>,  …. </a:t>
+            </a:r>
+            <a:r>
+              <a:rPr lang="en-US" sz="2000" b="1" i="1" dirty="0"/>
+              <a:t>}</a:t>
+            </a:r>
+            <a:endParaRPr lang="en-US" sz="2000" b="1" dirty="0"/>
+          </a:p>
+          <a:p>
+            <a:r>
+              <a:rPr lang="en-US" dirty="0" err="1"/>
+              <a:t>CmdId</a:t>
+            </a:r>
+            <a:r>
+              <a:rPr lang="en-US" dirty="0"/>
+              <a:t> </a:t>
+            </a:r>
+            <a:r>
+              <a:rPr lang="en-US" dirty="0" smtClean="0"/>
+              <a:t>= 0x5 // DAP Transfer</a:t>
+            </a:r>
+          </a:p>
+          <a:p>
+            <a:r>
+              <a:rPr lang="en-US" dirty="0" smtClean="0"/>
+              <a:t>Count = 2</a:t>
+            </a:r>
+          </a:p>
+          <a:p>
+            <a:r>
+              <a:rPr lang="en-US" dirty="0" err="1" smtClean="0"/>
+              <a:t>Req</a:t>
+            </a:r>
+            <a:r>
+              <a:rPr lang="en-US" dirty="0" smtClean="0"/>
+              <a:t> = </a:t>
+            </a:r>
+            <a:r>
+              <a:rPr lang="en-US" dirty="0" err="1"/>
+              <a:t>RegAddr</a:t>
+            </a:r>
+            <a:r>
+              <a:rPr lang="en-US" dirty="0"/>
+              <a:t>[3:2],  </a:t>
+            </a:r>
+            <a:r>
+              <a:rPr lang="en-US" dirty="0" err="1"/>
+              <a:t>RnW</a:t>
+            </a:r>
+            <a:r>
+              <a:rPr lang="en-US" dirty="0"/>
+              <a:t>(1), </a:t>
+            </a:r>
+            <a:r>
+              <a:rPr lang="en-US" dirty="0" err="1" smtClean="0"/>
+              <a:t>APnDP</a:t>
+            </a:r>
+            <a:r>
+              <a:rPr lang="en-US" dirty="0" smtClean="0"/>
+              <a:t>(1</a:t>
+            </a:r>
+            <a:r>
+              <a:rPr lang="en-US" dirty="0"/>
+              <a:t>) </a:t>
+            </a:r>
+            <a:endParaRPr lang="en-US" dirty="0" smtClean="0"/>
+          </a:p>
+          <a:p>
+            <a:r>
+              <a:rPr lang="en-US" dirty="0" err="1" smtClean="0"/>
+              <a:t>Reg</a:t>
+            </a:r>
+            <a:r>
+              <a:rPr lang="en-US" dirty="0" smtClean="0"/>
+              <a:t> </a:t>
+            </a:r>
+            <a:r>
+              <a:rPr lang="en-US" dirty="0" err="1" smtClean="0"/>
+              <a:t>Addr</a:t>
+            </a:r>
+            <a:r>
+              <a:rPr lang="en-US" dirty="0" smtClean="0"/>
+              <a:t> 0 = CSW</a:t>
+            </a:r>
+            <a:br>
+              <a:rPr lang="en-US" dirty="0" smtClean="0"/>
+            </a:br>
+            <a:r>
+              <a:rPr lang="en-US" dirty="0" smtClean="0"/>
+              <a:t>                  1 = TAR    // Target Address</a:t>
+            </a:r>
+            <a:br>
+              <a:rPr lang="en-US" dirty="0" smtClean="0"/>
+            </a:br>
+            <a:r>
+              <a:rPr lang="en-US" dirty="0" smtClean="0"/>
+              <a:t>                  2 = DRW // Data Read Write</a:t>
+            </a:r>
+          </a:p>
+          <a:p>
+            <a:endParaRPr lang="en-US" dirty="0"/>
+          </a:p>
+        </p:txBody>
+      </p:sp>
     </p:spTree>
     <p:extLst>
       <p:ext uri="{BB962C8B-B14F-4D97-AF65-F5344CB8AC3E}">
-        <p14:creationId xmlns:p14="http://schemas.microsoft.com/office/powerpoint/2010/main" val="49753962"/>
+        <p14:creationId xmlns:p14="http://schemas.microsoft.com/office/powerpoint/2010/main" val="463801235"/>
       </p:ext>
     </p:extLst>
   </p:cSld>
@@ -15079,56 +15581,142 @@
             <p:ph type="title"/>
           </p:nvPr>
         </p:nvSpPr>
-        <p:spPr>
-          <a:xfrm>
-            <a:off x="561109" y="152400"/>
-            <a:ext cx="8229600" cy="1143000"/>
-          </a:xfrm>
-        </p:spPr>
+        <p:spPr/>
         <p:txBody>
           <a:bodyPr/>
           <a:lstStyle/>
           <a:p>
             <a:r>
+              <a:rPr lang="en-US" dirty="0"/>
+              <a:t>C_STEP -&gt; DHCSR</a:t>
+            </a:r>
+          </a:p>
+        </p:txBody>
+      </p:sp>
+      <p:sp>
+        <p:nvSpPr>
+          <p:cNvPr id="3" name="Content Placeholder 2"/>
+          <p:cNvSpPr>
+            <a:spLocks noGrp="1"/>
+          </p:cNvSpPr>
+          <p:nvPr>
+            <p:ph idx="1"/>
+          </p:nvPr>
+        </p:nvSpPr>
+        <p:spPr/>
+        <p:txBody>
+          <a:bodyPr/>
+          <a:lstStyle/>
+          <a:p>
+            <a:r>
+              <a:rPr lang="en-US" dirty="0"/>
+              <a:t>The DAP command that sets </a:t>
+            </a:r>
+            <a:r>
+              <a:rPr lang="en-US" b="1" dirty="0"/>
+              <a:t>C_STEP</a:t>
+            </a:r>
+            <a:r>
+              <a:rPr lang="en-US" dirty="0"/>
+              <a:t>, C_MASKINTS, C_DEBUGEN Flags in Debug Halt Ctrl </a:t>
+            </a:r>
+            <a:r>
+              <a:rPr lang="en-US" dirty="0" err="1"/>
+              <a:t>Sstatus</a:t>
+            </a:r>
+            <a:r>
+              <a:rPr lang="en-US" dirty="0"/>
+              <a:t> Register (DHCSR):</a:t>
+            </a:r>
+          </a:p>
+          <a:p>
+            <a:r>
+              <a:rPr lang="en-US" b="1" dirty="0"/>
+              <a:t> </a:t>
+            </a:r>
+            <a:r>
+              <a:rPr lang="en-US" sz="2400" b="1" dirty="0"/>
+              <a:t>0x5, 0x0, 0x2,{ 0x5,0xE000EDF0, 0xD, 0xA05F000B}</a:t>
+            </a:r>
+            <a:endParaRPr lang="en-US" sz="2400" dirty="0"/>
+          </a:p>
+          <a:p>
+            <a:pPr marL="0" indent="0">
+              <a:buNone/>
+            </a:pPr>
+            <a:r>
               <a:rPr lang="en-US" dirty="0" smtClean="0"/>
-              <a:t>USB Analyzer Capture</a:t>
+              <a:t>1</a:t>
+            </a:r>
+            <a:r>
+              <a:rPr lang="en-US" baseline="30000" dirty="0" smtClean="0"/>
+              <a:t>st</a:t>
+            </a:r>
+            <a:r>
+              <a:rPr lang="en-US" dirty="0" smtClean="0"/>
+              <a:t> </a:t>
+            </a:r>
+            <a:r>
+              <a:rPr lang="en-US" dirty="0" err="1"/>
+              <a:t>Req</a:t>
+            </a:r>
+            <a:r>
+              <a:rPr lang="en-US" dirty="0"/>
+              <a:t>: Write 0xE000EDF0 to AP </a:t>
+            </a:r>
+            <a:r>
+              <a:rPr lang="en-US" dirty="0" err="1"/>
+              <a:t>Reg</a:t>
+            </a:r>
+            <a:r>
+              <a:rPr lang="en-US" dirty="0"/>
+              <a:t> TAR</a:t>
+            </a:r>
+          </a:p>
+          <a:p>
+            <a:pPr marL="0" indent="0">
+              <a:buNone/>
+            </a:pPr>
+            <a:r>
+              <a:rPr lang="en-US" dirty="0" smtClean="0"/>
+              <a:t>2</a:t>
+            </a:r>
+            <a:r>
+              <a:rPr lang="en-US" baseline="30000" dirty="0" smtClean="0"/>
+              <a:t>nd</a:t>
+            </a:r>
+            <a:r>
+              <a:rPr lang="en-US" dirty="0" smtClean="0"/>
+              <a:t> </a:t>
+            </a:r>
+            <a:r>
+              <a:rPr lang="en-US" dirty="0" err="1" smtClean="0"/>
+              <a:t>Req</a:t>
+            </a:r>
+            <a:r>
+              <a:rPr lang="en-US" dirty="0"/>
+              <a:t>: </a:t>
+            </a:r>
+            <a:r>
+              <a:rPr lang="en-US" dirty="0" smtClean="0"/>
+              <a:t>Write 0xA05F000B to AP </a:t>
+            </a:r>
+            <a:r>
+              <a:rPr lang="en-US" dirty="0" err="1" smtClean="0"/>
+              <a:t>Reg</a:t>
+            </a:r>
+            <a:r>
+              <a:rPr lang="en-US" dirty="0" smtClean="0"/>
+              <a:t> DRW</a:t>
             </a:r>
             <a:endParaRPr lang="en-US" dirty="0"/>
           </a:p>
         </p:txBody>
       </p:sp>
-      <p:pic>
-        <p:nvPicPr>
-          <p:cNvPr id="4" name="Picture 3"/>
-          <p:cNvPicPr/>
-          <p:nvPr/>
-        </p:nvPicPr>
-        <p:blipFill>
-          <a:blip r:embed="rId2">
-            <a:extLst>
-              <a:ext uri="{28A0092B-C50C-407E-A947-70E740481C1C}">
-                <a14:useLocalDpi xmlns:a14="http://schemas.microsoft.com/office/drawing/2010/main" val="0"/>
-              </a:ext>
-            </a:extLst>
-          </a:blip>
-          <a:stretch>
-            <a:fillRect/>
-          </a:stretch>
-        </p:blipFill>
-        <p:spPr>
-          <a:xfrm>
-            <a:off x="789709" y="1295400"/>
-            <a:ext cx="7772400" cy="5257800"/>
-          </a:xfrm>
-          <a:prstGeom prst="rect">
-            <a:avLst/>
-          </a:prstGeom>
-        </p:spPr>
-      </p:pic>
     </p:spTree>
     <p:extLst>
       <p:ext uri="{BB962C8B-B14F-4D97-AF65-F5344CB8AC3E}">
-        <p14:creationId xmlns:p14="http://schemas.microsoft.com/office/powerpoint/2010/main" val="4201258635"/>
+        <p14:creationId xmlns:p14="http://schemas.microsoft.com/office/powerpoint/2010/main" val="2118910492"/>
       </p:ext>
     </p:extLst>
   </p:cSld>

--- a/ThesisReport/StepCommand_ReportPresentation.pptx
+++ b/ThesisReport/StepCommand_ReportPresentation.pptx
@@ -4,24 +4,32 @@
   <p:sldMasterIdLst>
     <p:sldMasterId id="2147483672" r:id="rId1"/>
   </p:sldMasterIdLst>
+  <p:notesMasterIdLst>
+    <p:notesMasterId r:id="rId24"/>
+  </p:notesMasterIdLst>
   <p:sldIdLst>
     <p:sldId id="269" r:id="rId2"/>
-    <p:sldId id="272" r:id="rId3"/>
-    <p:sldId id="256" r:id="rId4"/>
-    <p:sldId id="257" r:id="rId5"/>
-    <p:sldId id="258" r:id="rId6"/>
-    <p:sldId id="259" r:id="rId7"/>
-    <p:sldId id="260" r:id="rId8"/>
-    <p:sldId id="270" r:id="rId9"/>
-    <p:sldId id="271" r:id="rId10"/>
-    <p:sldId id="261" r:id="rId11"/>
-    <p:sldId id="262" r:id="rId12"/>
-    <p:sldId id="263" r:id="rId13"/>
-    <p:sldId id="264" r:id="rId14"/>
-    <p:sldId id="265" r:id="rId15"/>
-    <p:sldId id="266" r:id="rId16"/>
-    <p:sldId id="267" r:id="rId17"/>
-    <p:sldId id="268" r:id="rId18"/>
+    <p:sldId id="276" r:id="rId3"/>
+    <p:sldId id="281" r:id="rId4"/>
+    <p:sldId id="272" r:id="rId5"/>
+    <p:sldId id="256" r:id="rId6"/>
+    <p:sldId id="277" r:id="rId7"/>
+    <p:sldId id="257" r:id="rId8"/>
+    <p:sldId id="275" r:id="rId9"/>
+    <p:sldId id="259" r:id="rId10"/>
+    <p:sldId id="260" r:id="rId11"/>
+    <p:sldId id="278" r:id="rId12"/>
+    <p:sldId id="262" r:id="rId13"/>
+    <p:sldId id="270" r:id="rId14"/>
+    <p:sldId id="263" r:id="rId15"/>
+    <p:sldId id="279" r:id="rId16"/>
+    <p:sldId id="282" r:id="rId17"/>
+    <p:sldId id="264" r:id="rId18"/>
+    <p:sldId id="265" r:id="rId19"/>
+    <p:sldId id="280" r:id="rId20"/>
+    <p:sldId id="266" r:id="rId21"/>
+    <p:sldId id="273" r:id="rId22"/>
+    <p:sldId id="274" r:id="rId23"/>
   </p:sldIdLst>
   <p:sldSz cx="9144000" cy="6858000" type="screen4x3"/>
   <p:notesSz cx="6858000" cy="9144000"/>
@@ -1545,8 +1553,8 @@
     <dgm:cxn modelId="{5BD56C04-219C-485F-9E14-4F56D9C9D982}" type="presOf" srcId="{7EC85B15-750B-41D1-A489-2DD9555A6F19}" destId="{A8B00B19-073C-4060-A099-8C801F78EFEC}" srcOrd="0" destOrd="0" presId="urn:microsoft.com/office/officeart/2009/3/layout/HorizontalOrganizationChart"/>
     <dgm:cxn modelId="{5D6DB268-070B-4EA9-92B5-7620385E791D}" type="presOf" srcId="{B8F7204A-7DE4-4055-9861-781900C3B831}" destId="{DED3B12D-FDFB-4A40-9F20-349BEB74F07E}" srcOrd="0" destOrd="0" presId="urn:microsoft.com/office/officeart/2009/3/layout/HorizontalOrganizationChart"/>
     <dgm:cxn modelId="{7F09D07D-B031-4795-81FA-F2B00A9D9DA2}" srcId="{B8F7204A-7DE4-4055-9861-781900C3B831}" destId="{2AD137E8-2733-47EF-A342-78CBCEEC4AFD}" srcOrd="1" destOrd="0" parTransId="{0C73DD6C-0920-41DC-B439-0F3B0241374A}" sibTransId="{4A61BF0C-3AEE-4C95-AE35-9176685C5239}"/>
+    <dgm:cxn modelId="{75245AEF-A53C-4C3B-B588-776F05B8BCB5}" type="presOf" srcId="{F3720DA4-1FE6-4ECF-8299-5E1B87C804A6}" destId="{6FA7657B-9FE9-414C-8191-BDBB9608DF1E}" srcOrd="0" destOrd="0" presId="urn:microsoft.com/office/officeart/2009/3/layout/HorizontalOrganizationChart"/>
     <dgm:cxn modelId="{B1B8AB4A-C805-46BE-96A9-33B3A8DE84D4}" srcId="{955FDDB1-CB8E-47F4-A3AD-8408CBA58FE1}" destId="{291600AB-3115-44F5-B23E-FF81726BB3CA}" srcOrd="3" destOrd="0" parTransId="{53F78C8B-004D-4EA5-BE41-F599204C4DD5}" sibTransId="{797ADE69-C85B-4674-B4FE-E511E7BD4BC6}"/>
-    <dgm:cxn modelId="{75245AEF-A53C-4C3B-B588-776F05B8BCB5}" type="presOf" srcId="{F3720DA4-1FE6-4ECF-8299-5E1B87C804A6}" destId="{6FA7657B-9FE9-414C-8191-BDBB9608DF1E}" srcOrd="0" destOrd="0" presId="urn:microsoft.com/office/officeart/2009/3/layout/HorizontalOrganizationChart"/>
     <dgm:cxn modelId="{67E2A37E-4D2B-42DA-98A9-D936AB4BF2E8}" type="presParOf" srcId="{DED3B12D-FDFB-4A40-9F20-349BEB74F07E}" destId="{AA8229B8-F094-42E9-AC75-78E641D4D792}" srcOrd="0" destOrd="0" presId="urn:microsoft.com/office/officeart/2009/3/layout/HorizontalOrganizationChart"/>
     <dgm:cxn modelId="{CAEA3BF4-9888-418E-BEF0-7DDC9707772F}" type="presParOf" srcId="{AA8229B8-F094-42E9-AC75-78E641D4D792}" destId="{3D2794A3-1E78-409D-AFC0-B5B4F9826DA0}" srcOrd="0" destOrd="0" presId="urn:microsoft.com/office/officeart/2009/3/layout/HorizontalOrganizationChart"/>
     <dgm:cxn modelId="{B00ECE50-22B0-4E09-8448-005DC9297BC2}" type="presParOf" srcId="{3D2794A3-1E78-409D-AFC0-B5B4F9826DA0}" destId="{C7B67A87-C8AA-4E75-BB01-5BF376A9DCDE}" srcOrd="0" destOrd="0" presId="urn:microsoft.com/office/officeart/2009/3/layout/HorizontalOrganizationChart"/>
@@ -4777,6 +4785,356 @@
 </dgm:styleDef>
 </file>
 
+<file path=ppt/notesMasters/notesMaster1.xml><?xml version="1.0" encoding="utf-8"?>
+<p:notesMaster xmlns:a="http://schemas.openxmlformats.org/drawingml/2006/main" xmlns:r="http://schemas.openxmlformats.org/officeDocument/2006/relationships" xmlns:p="http://schemas.openxmlformats.org/presentationml/2006/main">
+  <p:cSld>
+    <p:bg>
+      <p:bgRef idx="1001">
+        <a:schemeClr val="bg1"/>
+      </p:bgRef>
+    </p:bg>
+    <p:spTree>
+      <p:nvGrpSpPr>
+        <p:cNvPr id="1" name=""/>
+        <p:cNvGrpSpPr/>
+        <p:nvPr/>
+      </p:nvGrpSpPr>
+      <p:grpSpPr>
+        <a:xfrm>
+          <a:off x="0" y="0"/>
+          <a:ext cx="0" cy="0"/>
+          <a:chOff x="0" y="0"/>
+          <a:chExt cx="0" cy="0"/>
+        </a:xfrm>
+      </p:grpSpPr>
+      <p:sp>
+        <p:nvSpPr>
+          <p:cNvPr id="2" name="Header Placeholder 1"/>
+          <p:cNvSpPr>
+            <a:spLocks noGrp="1"/>
+          </p:cNvSpPr>
+          <p:nvPr>
+            <p:ph type="hdr" sz="quarter"/>
+          </p:nvPr>
+        </p:nvSpPr>
+        <p:spPr>
+          <a:xfrm>
+            <a:off x="0" y="0"/>
+            <a:ext cx="2971800" cy="457200"/>
+          </a:xfrm>
+          <a:prstGeom prst="rect">
+            <a:avLst/>
+          </a:prstGeom>
+        </p:spPr>
+        <p:txBody>
+          <a:bodyPr vert="horz" lIns="91440" tIns="45720" rIns="91440" bIns="45720" rtlCol="0"/>
+          <a:lstStyle>
+            <a:lvl1pPr algn="l">
+              <a:defRPr sz="1200"/>
+            </a:lvl1pPr>
+          </a:lstStyle>
+          <a:p>
+            <a:endParaRPr lang="en-US"/>
+          </a:p>
+        </p:txBody>
+      </p:sp>
+      <p:sp>
+        <p:nvSpPr>
+          <p:cNvPr id="3" name="Date Placeholder 2"/>
+          <p:cNvSpPr>
+            <a:spLocks noGrp="1"/>
+          </p:cNvSpPr>
+          <p:nvPr>
+            <p:ph type="dt" idx="1"/>
+          </p:nvPr>
+        </p:nvSpPr>
+        <p:spPr>
+          <a:xfrm>
+            <a:off x="3884613" y="0"/>
+            <a:ext cx="2971800" cy="457200"/>
+          </a:xfrm>
+          <a:prstGeom prst="rect">
+            <a:avLst/>
+          </a:prstGeom>
+        </p:spPr>
+        <p:txBody>
+          <a:bodyPr vert="horz" lIns="91440" tIns="45720" rIns="91440" bIns="45720" rtlCol="0"/>
+          <a:lstStyle>
+            <a:lvl1pPr algn="r">
+              <a:defRPr sz="1200"/>
+            </a:lvl1pPr>
+          </a:lstStyle>
+          <a:p>
+            <a:fld id="{02B5BF36-5054-4263-AC14-7334965415E2}" type="datetimeFigureOut">
+              <a:rPr lang="en-US" smtClean="0"/>
+              <a:t>6/1/2015</a:t>
+            </a:fld>
+            <a:endParaRPr lang="en-US"/>
+          </a:p>
+        </p:txBody>
+      </p:sp>
+      <p:sp>
+        <p:nvSpPr>
+          <p:cNvPr id="4" name="Slide Image Placeholder 3"/>
+          <p:cNvSpPr>
+            <a:spLocks noGrp="1" noRot="1" noChangeAspect="1"/>
+          </p:cNvSpPr>
+          <p:nvPr>
+            <p:ph type="sldImg" idx="2"/>
+          </p:nvPr>
+        </p:nvSpPr>
+        <p:spPr>
+          <a:xfrm>
+            <a:off x="1143000" y="685800"/>
+            <a:ext cx="4572000" cy="3429000"/>
+          </a:xfrm>
+          <a:prstGeom prst="rect">
+            <a:avLst/>
+          </a:prstGeom>
+          <a:noFill/>
+          <a:ln w="12700">
+            <a:solidFill>
+              <a:prstClr val="black"/>
+            </a:solidFill>
+          </a:ln>
+        </p:spPr>
+        <p:txBody>
+          <a:bodyPr vert="horz" lIns="91440" tIns="45720" rIns="91440" bIns="45720" rtlCol="0" anchor="ctr"/>
+          <a:lstStyle/>
+          <a:p>
+            <a:endParaRPr lang="en-US"/>
+          </a:p>
+        </p:txBody>
+      </p:sp>
+      <p:sp>
+        <p:nvSpPr>
+          <p:cNvPr id="5" name="Notes Placeholder 4"/>
+          <p:cNvSpPr>
+            <a:spLocks noGrp="1"/>
+          </p:cNvSpPr>
+          <p:nvPr>
+            <p:ph type="body" sz="quarter" idx="3"/>
+          </p:nvPr>
+        </p:nvSpPr>
+        <p:spPr>
+          <a:xfrm>
+            <a:off x="685800" y="4343400"/>
+            <a:ext cx="5486400" cy="4114800"/>
+          </a:xfrm>
+          <a:prstGeom prst="rect">
+            <a:avLst/>
+          </a:prstGeom>
+        </p:spPr>
+        <p:txBody>
+          <a:bodyPr vert="horz" lIns="91440" tIns="45720" rIns="91440" bIns="45720" rtlCol="0"/>
+          <a:lstStyle/>
+          <a:p>
+            <a:pPr lvl="0"/>
+            <a:r>
+              <a:rPr lang="en-US" smtClean="0"/>
+              <a:t>Click to edit Master text styles</a:t>
+            </a:r>
+          </a:p>
+          <a:p>
+            <a:pPr lvl="1"/>
+            <a:r>
+              <a:rPr lang="en-US" smtClean="0"/>
+              <a:t>Second level</a:t>
+            </a:r>
+          </a:p>
+          <a:p>
+            <a:pPr lvl="2"/>
+            <a:r>
+              <a:rPr lang="en-US" smtClean="0"/>
+              <a:t>Third level</a:t>
+            </a:r>
+          </a:p>
+          <a:p>
+            <a:pPr lvl="3"/>
+            <a:r>
+              <a:rPr lang="en-US" smtClean="0"/>
+              <a:t>Fourth level</a:t>
+            </a:r>
+          </a:p>
+          <a:p>
+            <a:pPr lvl="4"/>
+            <a:r>
+              <a:rPr lang="en-US" smtClean="0"/>
+              <a:t>Fifth level</a:t>
+            </a:r>
+            <a:endParaRPr lang="en-US"/>
+          </a:p>
+        </p:txBody>
+      </p:sp>
+      <p:sp>
+        <p:nvSpPr>
+          <p:cNvPr id="6" name="Footer Placeholder 5"/>
+          <p:cNvSpPr>
+            <a:spLocks noGrp="1"/>
+          </p:cNvSpPr>
+          <p:nvPr>
+            <p:ph type="ftr" sz="quarter" idx="4"/>
+          </p:nvPr>
+        </p:nvSpPr>
+        <p:spPr>
+          <a:xfrm>
+            <a:off x="0" y="8685213"/>
+            <a:ext cx="2971800" cy="457200"/>
+          </a:xfrm>
+          <a:prstGeom prst="rect">
+            <a:avLst/>
+          </a:prstGeom>
+        </p:spPr>
+        <p:txBody>
+          <a:bodyPr vert="horz" lIns="91440" tIns="45720" rIns="91440" bIns="45720" rtlCol="0" anchor="b"/>
+          <a:lstStyle>
+            <a:lvl1pPr algn="l">
+              <a:defRPr sz="1200"/>
+            </a:lvl1pPr>
+          </a:lstStyle>
+          <a:p>
+            <a:endParaRPr lang="en-US"/>
+          </a:p>
+        </p:txBody>
+      </p:sp>
+      <p:sp>
+        <p:nvSpPr>
+          <p:cNvPr id="7" name="Slide Number Placeholder 6"/>
+          <p:cNvSpPr>
+            <a:spLocks noGrp="1"/>
+          </p:cNvSpPr>
+          <p:nvPr>
+            <p:ph type="sldNum" sz="quarter" idx="5"/>
+          </p:nvPr>
+        </p:nvSpPr>
+        <p:spPr>
+          <a:xfrm>
+            <a:off x="3884613" y="8685213"/>
+            <a:ext cx="2971800" cy="457200"/>
+          </a:xfrm>
+          <a:prstGeom prst="rect">
+            <a:avLst/>
+          </a:prstGeom>
+        </p:spPr>
+        <p:txBody>
+          <a:bodyPr vert="horz" lIns="91440" tIns="45720" rIns="91440" bIns="45720" rtlCol="0" anchor="b"/>
+          <a:lstStyle>
+            <a:lvl1pPr algn="r">
+              <a:defRPr sz="1200"/>
+            </a:lvl1pPr>
+          </a:lstStyle>
+          <a:p>
+            <a:fld id="{5CB53021-D789-40DA-86C8-D90151438968}" type="slidenum">
+              <a:rPr lang="en-US" smtClean="0"/>
+              <a:t>‹#›</a:t>
+            </a:fld>
+            <a:endParaRPr lang="en-US"/>
+          </a:p>
+        </p:txBody>
+      </p:sp>
+    </p:spTree>
+    <p:extLst>
+      <p:ext uri="{BB962C8B-B14F-4D97-AF65-F5344CB8AC3E}">
+        <p14:creationId xmlns:p14="http://schemas.microsoft.com/office/powerpoint/2010/main" val="569490034"/>
+      </p:ext>
+    </p:extLst>
+  </p:cSld>
+  <p:clrMap bg1="lt1" tx1="dk1" bg2="lt2" tx2="dk2" accent1="accent1" accent2="accent2" accent3="accent3" accent4="accent4" accent5="accent5" accent6="accent6" hlink="hlink" folHlink="folHlink"/>
+  <p:notesStyle>
+    <a:lvl1pPr marL="0" algn="l" defTabSz="914400" rtl="0" eaLnBrk="1" latinLnBrk="0" hangingPunct="1">
+      <a:defRPr sz="1200" kern="1200">
+        <a:solidFill>
+          <a:schemeClr val="tx1"/>
+        </a:solidFill>
+        <a:latin typeface="+mn-lt"/>
+        <a:ea typeface="+mn-ea"/>
+        <a:cs typeface="+mn-cs"/>
+      </a:defRPr>
+    </a:lvl1pPr>
+    <a:lvl2pPr marL="457200" algn="l" defTabSz="914400" rtl="0" eaLnBrk="1" latinLnBrk="0" hangingPunct="1">
+      <a:defRPr sz="1200" kern="1200">
+        <a:solidFill>
+          <a:schemeClr val="tx1"/>
+        </a:solidFill>
+        <a:latin typeface="+mn-lt"/>
+        <a:ea typeface="+mn-ea"/>
+        <a:cs typeface="+mn-cs"/>
+      </a:defRPr>
+    </a:lvl2pPr>
+    <a:lvl3pPr marL="914400" algn="l" defTabSz="914400" rtl="0" eaLnBrk="1" latinLnBrk="0" hangingPunct="1">
+      <a:defRPr sz="1200" kern="1200">
+        <a:solidFill>
+          <a:schemeClr val="tx1"/>
+        </a:solidFill>
+        <a:latin typeface="+mn-lt"/>
+        <a:ea typeface="+mn-ea"/>
+        <a:cs typeface="+mn-cs"/>
+      </a:defRPr>
+    </a:lvl3pPr>
+    <a:lvl4pPr marL="1371600" algn="l" defTabSz="914400" rtl="0" eaLnBrk="1" latinLnBrk="0" hangingPunct="1">
+      <a:defRPr sz="1200" kern="1200">
+        <a:solidFill>
+          <a:schemeClr val="tx1"/>
+        </a:solidFill>
+        <a:latin typeface="+mn-lt"/>
+        <a:ea typeface="+mn-ea"/>
+        <a:cs typeface="+mn-cs"/>
+      </a:defRPr>
+    </a:lvl4pPr>
+    <a:lvl5pPr marL="1828800" algn="l" defTabSz="914400" rtl="0" eaLnBrk="1" latinLnBrk="0" hangingPunct="1">
+      <a:defRPr sz="1200" kern="1200">
+        <a:solidFill>
+          <a:schemeClr val="tx1"/>
+        </a:solidFill>
+        <a:latin typeface="+mn-lt"/>
+        <a:ea typeface="+mn-ea"/>
+        <a:cs typeface="+mn-cs"/>
+      </a:defRPr>
+    </a:lvl5pPr>
+    <a:lvl6pPr marL="2286000" algn="l" defTabSz="914400" rtl="0" eaLnBrk="1" latinLnBrk="0" hangingPunct="1">
+      <a:defRPr sz="1200" kern="1200">
+        <a:solidFill>
+          <a:schemeClr val="tx1"/>
+        </a:solidFill>
+        <a:latin typeface="+mn-lt"/>
+        <a:ea typeface="+mn-ea"/>
+        <a:cs typeface="+mn-cs"/>
+      </a:defRPr>
+    </a:lvl6pPr>
+    <a:lvl7pPr marL="2743200" algn="l" defTabSz="914400" rtl="0" eaLnBrk="1" latinLnBrk="0" hangingPunct="1">
+      <a:defRPr sz="1200" kern="1200">
+        <a:solidFill>
+          <a:schemeClr val="tx1"/>
+        </a:solidFill>
+        <a:latin typeface="+mn-lt"/>
+        <a:ea typeface="+mn-ea"/>
+        <a:cs typeface="+mn-cs"/>
+      </a:defRPr>
+    </a:lvl7pPr>
+    <a:lvl8pPr marL="3200400" algn="l" defTabSz="914400" rtl="0" eaLnBrk="1" latinLnBrk="0" hangingPunct="1">
+      <a:defRPr sz="1200" kern="1200">
+        <a:solidFill>
+          <a:schemeClr val="tx1"/>
+        </a:solidFill>
+        <a:latin typeface="+mn-lt"/>
+        <a:ea typeface="+mn-ea"/>
+        <a:cs typeface="+mn-cs"/>
+      </a:defRPr>
+    </a:lvl8pPr>
+    <a:lvl9pPr marL="3657600" algn="l" defTabSz="914400" rtl="0" eaLnBrk="1" latinLnBrk="0" hangingPunct="1">
+      <a:defRPr sz="1200" kern="1200">
+        <a:solidFill>
+          <a:schemeClr val="tx1"/>
+        </a:solidFill>
+        <a:latin typeface="+mn-lt"/>
+        <a:ea typeface="+mn-ea"/>
+        <a:cs typeface="+mn-cs"/>
+      </a:defRPr>
+    </a:lvl9pPr>
+  </p:notesStyle>
+</p:notesMaster>
+</file>
+
 <file path=ppt/slideLayouts/slideLayout1.xml><?xml version="1.0" encoding="utf-8"?>
 <p:sldLayout xmlns:a="http://schemas.openxmlformats.org/drawingml/2006/main" xmlns:r="http://schemas.openxmlformats.org/officeDocument/2006/relationships" xmlns:p="http://schemas.openxmlformats.org/presentationml/2006/main" type="title" preserve="1">
   <p:cSld name="Title Slide">
@@ -4956,7 +5314,7 @@
           <a:bodyPr/>
           <a:lstStyle/>
           <a:p>
-            <a:fld id="{FF17A9BC-032B-455C-8945-D6A8E2F89718}" type="datetimeFigureOut">
+            <a:fld id="{223F68E8-E985-4E42-9EAF-C16DEB0867CB}" type="datetime1">
               <a:rPr lang="en-US" smtClean="0"/>
               <a:t>6/1/2015</a:t>
             </a:fld>
@@ -5126,7 +5484,7 @@
           <a:bodyPr/>
           <a:lstStyle/>
           <a:p>
-            <a:fld id="{FF17A9BC-032B-455C-8945-D6A8E2F89718}" type="datetimeFigureOut">
+            <a:fld id="{45FFFE72-A1B2-4D84-B8AA-22E361E10F7E}" type="datetime1">
               <a:rPr lang="en-US" smtClean="0"/>
               <a:t>6/1/2015</a:t>
             </a:fld>
@@ -5306,7 +5664,7 @@
           <a:bodyPr/>
           <a:lstStyle/>
           <a:p>
-            <a:fld id="{FF17A9BC-032B-455C-8945-D6A8E2F89718}" type="datetimeFigureOut">
+            <a:fld id="{264F0E23-9851-403C-9B6B-F97BEAF2EEA6}" type="datetime1">
               <a:rPr lang="en-US" smtClean="0"/>
               <a:t>6/1/2015</a:t>
             </a:fld>
@@ -5399,13 +5757,21 @@
         <p:spPr/>
         <p:txBody>
           <a:bodyPr/>
-          <a:lstStyle/>
-          <a:p>
-            <a:r>
-              <a:rPr lang="en-US" smtClean="0"/>
+          <a:lstStyle>
+            <a:lvl1pPr>
+              <a:defRPr b="1">
+                <a:solidFill>
+                  <a:schemeClr val="accent1"/>
+                </a:solidFill>
+              </a:defRPr>
+            </a:lvl1pPr>
+          </a:lstStyle>
+          <a:p>
+            <a:r>
+              <a:rPr lang="en-US" dirty="0" smtClean="0"/>
               <a:t>Click to edit Master title style</a:t>
             </a:r>
-            <a:endParaRPr lang="en-US"/>
+            <a:endParaRPr lang="en-US" dirty="0"/>
           </a:p>
         </p:txBody>
       </p:sp>
@@ -5426,38 +5792,38 @@
           <a:p>
             <a:pPr lvl="0"/>
             <a:r>
-              <a:rPr lang="en-US" smtClean="0"/>
+              <a:rPr lang="en-US" dirty="0" smtClean="0"/>
               <a:t>Click to edit Master text styles</a:t>
             </a:r>
           </a:p>
           <a:p>
             <a:pPr lvl="1"/>
             <a:r>
-              <a:rPr lang="en-US" smtClean="0"/>
+              <a:rPr lang="en-US" dirty="0" smtClean="0"/>
               <a:t>Second level</a:t>
             </a:r>
           </a:p>
           <a:p>
             <a:pPr lvl="2"/>
             <a:r>
-              <a:rPr lang="en-US" smtClean="0"/>
+              <a:rPr lang="en-US" dirty="0" smtClean="0"/>
               <a:t>Third level</a:t>
             </a:r>
           </a:p>
           <a:p>
             <a:pPr lvl="3"/>
             <a:r>
-              <a:rPr lang="en-US" smtClean="0"/>
+              <a:rPr lang="en-US" dirty="0" smtClean="0"/>
               <a:t>Fourth level</a:t>
             </a:r>
           </a:p>
           <a:p>
             <a:pPr lvl="4"/>
             <a:r>
-              <a:rPr lang="en-US" smtClean="0"/>
+              <a:rPr lang="en-US" dirty="0" smtClean="0"/>
               <a:t>Fifth level</a:t>
             </a:r>
-            <a:endParaRPr lang="en-US"/>
+            <a:endParaRPr lang="en-US" dirty="0"/>
           </a:p>
         </p:txBody>
       </p:sp>
@@ -5476,7 +5842,7 @@
           <a:bodyPr/>
           <a:lstStyle/>
           <a:p>
-            <a:fld id="{FF17A9BC-032B-455C-8945-D6A8E2F89718}" type="datetimeFigureOut">
+            <a:fld id="{E8CEE199-6144-4844-9FC0-F5C57F7D2399}" type="datetime1">
               <a:rPr lang="en-US" smtClean="0"/>
               <a:t>6/1/2015</a:t>
             </a:fld>
@@ -5536,6 +5902,13 @@
   <p:clrMapOvr>
     <a:masterClrMapping/>
   </p:clrMapOvr>
+  <p:timing>
+    <p:tnLst>
+      <p:par>
+        <p:cTn id="1" dur="indefinite" restart="never" nodeType="tmRoot"/>
+      </p:par>
+    </p:tnLst>
+  </p:timing>
 </p:sldLayout>
 </file>
 
@@ -5722,7 +6095,7 @@
           <a:bodyPr/>
           <a:lstStyle/>
           <a:p>
-            <a:fld id="{FF17A9BC-032B-455C-8945-D6A8E2F89718}" type="datetimeFigureOut">
+            <a:fld id="{97ECC886-F739-405E-8AE0-DD93C1452E07}" type="datetime1">
               <a:rPr lang="en-US" smtClean="0"/>
               <a:t>6/1/2015</a:t>
             </a:fld>
@@ -6010,7 +6383,7 @@
           <a:bodyPr/>
           <a:lstStyle/>
           <a:p>
-            <a:fld id="{FF17A9BC-032B-455C-8945-D6A8E2F89718}" type="datetimeFigureOut">
+            <a:fld id="{FA5F5AAA-C62B-466C-93BF-85D2E4EAE7D1}" type="datetime1">
               <a:rPr lang="en-US" smtClean="0"/>
               <a:t>6/1/2015</a:t>
             </a:fld>
@@ -6432,7 +6805,7 @@
           <a:bodyPr/>
           <a:lstStyle/>
           <a:p>
-            <a:fld id="{FF17A9BC-032B-455C-8945-D6A8E2F89718}" type="datetimeFigureOut">
+            <a:fld id="{9B0C2410-AC59-4733-8AC0-82785F9F3E03}" type="datetime1">
               <a:rPr lang="en-US" smtClean="0"/>
               <a:t>6/1/2015</a:t>
             </a:fld>
@@ -6550,7 +6923,7 @@
           <a:bodyPr/>
           <a:lstStyle/>
           <a:p>
-            <a:fld id="{FF17A9BC-032B-455C-8945-D6A8E2F89718}" type="datetimeFigureOut">
+            <a:fld id="{3E02D7B6-3916-4862-A901-F529BF844558}" type="datetime1">
               <a:rPr lang="en-US" smtClean="0"/>
               <a:t>6/1/2015</a:t>
             </a:fld>
@@ -6645,7 +7018,7 @@
           <a:bodyPr/>
           <a:lstStyle/>
           <a:p>
-            <a:fld id="{FF17A9BC-032B-455C-8945-D6A8E2F89718}" type="datetimeFigureOut">
+            <a:fld id="{D0E0D3EC-054A-41B1-A544-7B74D8D2D6CE}" type="datetime1">
               <a:rPr lang="en-US" smtClean="0"/>
               <a:t>6/1/2015</a:t>
             </a:fld>
@@ -6922,7 +7295,7 @@
           <a:bodyPr/>
           <a:lstStyle/>
           <a:p>
-            <a:fld id="{FF17A9BC-032B-455C-8945-D6A8E2F89718}" type="datetimeFigureOut">
+            <a:fld id="{9C56B381-EDE1-46AC-B8AA-0658C1DA093C}" type="datetime1">
               <a:rPr lang="en-US" smtClean="0"/>
               <a:t>6/1/2015</a:t>
             </a:fld>
@@ -7175,7 +7548,7 @@
           <a:bodyPr/>
           <a:lstStyle/>
           <a:p>
-            <a:fld id="{FF17A9BC-032B-455C-8945-D6A8E2F89718}" type="datetimeFigureOut">
+            <a:fld id="{09667F79-8B7F-4517-AFA7-964AE3345AF9}" type="datetime1">
               <a:rPr lang="en-US" smtClean="0"/>
               <a:t>6/1/2015</a:t>
             </a:fld>
@@ -7388,7 +7761,7 @@
             </a:lvl1pPr>
           </a:lstStyle>
           <a:p>
-            <a:fld id="{FF17A9BC-032B-455C-8945-D6A8E2F89718}" type="datetimeFigureOut">
+            <a:fld id="{0F704CE4-04B6-4D2D-B607-9E1145209528}" type="datetime1">
               <a:rPr lang="en-US" smtClean="0"/>
               <a:t>6/1/2015</a:t>
             </a:fld>
@@ -7495,6 +7868,7 @@
     <p:sldLayoutId id="2147483682" r:id="rId10"/>
     <p:sldLayoutId id="2147483683" r:id="rId11"/>
   </p:sldLayoutIdLst>
+  <p:hf hdr="0" ftr="0" dt="0"/>
   <p:txStyles>
     <p:titleStyle>
       <a:lvl1pPr algn="ctr" defTabSz="914400" rtl="0" eaLnBrk="1" latinLnBrk="0" hangingPunct="1">
@@ -7845,6 +8219,29 @@
           </a:p>
         </p:txBody>
       </p:sp>
+      <p:sp>
+        <p:nvSpPr>
+          <p:cNvPr id="3" name="Slide Number Placeholder 2"/>
+          <p:cNvSpPr>
+            <a:spLocks noGrp="1"/>
+          </p:cNvSpPr>
+          <p:nvPr>
+            <p:ph type="sldNum" sz="quarter" idx="12"/>
+          </p:nvPr>
+        </p:nvSpPr>
+        <p:spPr/>
+        <p:txBody>
+          <a:bodyPr/>
+          <a:lstStyle/>
+          <a:p>
+            <a:fld id="{7B87B94E-6F5A-4309-83BE-AEC5A78861E0}" type="slidenum">
+              <a:rPr lang="en-US" smtClean="0"/>
+              <a:t>1</a:t>
+            </a:fld>
+            <a:endParaRPr lang="en-US" dirty="0"/>
+          </a:p>
+        </p:txBody>
+      </p:sp>
     </p:spTree>
     <p:extLst>
       <p:ext uri="{BB962C8B-B14F-4D97-AF65-F5344CB8AC3E}">
@@ -7892,56 +8289,548 @@
             <p:ph type="title"/>
           </p:nvPr>
         </p:nvSpPr>
-        <p:spPr>
-          <a:xfrm>
-            <a:off x="457200" y="0"/>
-            <a:ext cx="8229600" cy="990600"/>
-          </a:xfrm>
-        </p:spPr>
+        <p:spPr/>
         <p:txBody>
           <a:bodyPr/>
           <a:lstStyle/>
           <a:p>
             <a:r>
               <a:rPr lang="en-US" dirty="0" smtClean="0"/>
-              <a:t>pyOCD – DAP Commands</a:t>
+              <a:t>pyOCD Internals</a:t>
             </a:r>
             <a:endParaRPr lang="en-US" dirty="0"/>
           </a:p>
         </p:txBody>
       </p:sp>
-      <p:pic>
-        <p:nvPicPr>
-          <p:cNvPr id="4" name="Picture 3"/>
-          <p:cNvPicPr/>
+      <p:graphicFrame>
+        <p:nvGraphicFramePr>
+          <p:cNvPr id="30" name="Diagram 29"/>
+          <p:cNvGraphicFramePr/>
+          <p:nvPr>
+            <p:extLst>
+              <p:ext uri="{D42A27DB-BD31-4B8C-83A1-F6EECF244321}">
+                <p14:modId xmlns:p14="http://schemas.microsoft.com/office/powerpoint/2010/main" val="3864563902"/>
+              </p:ext>
+            </p:extLst>
+          </p:nvPr>
+        </p:nvGraphicFramePr>
+        <p:xfrm>
+          <a:off x="1828800" y="1828800"/>
+          <a:ext cx="5257800" cy="3962400"/>
+        </p:xfrm>
+        <a:graphic>
+          <a:graphicData uri="http://schemas.openxmlformats.org/drawingml/2006/diagram">
+            <dgm:relIds xmlns:dgm="http://schemas.openxmlformats.org/drawingml/2006/diagram" xmlns:r="http://schemas.openxmlformats.org/officeDocument/2006/relationships" r:dm="rId2" r:lo="rId3" r:qs="rId4" r:cs="rId5"/>
+          </a:graphicData>
+        </a:graphic>
+      </p:graphicFrame>
+      <p:grpSp>
+        <p:nvGrpSpPr>
+          <p:cNvPr id="31" name="Group 30"/>
+          <p:cNvGrpSpPr/>
           <p:nvPr/>
-        </p:nvPicPr>
-        <p:blipFill>
-          <a:blip r:embed="rId2">
-            <a:extLst>
-              <a:ext uri="{28A0092B-C50C-407E-A947-70E740481C1C}">
-                <a14:useLocalDpi xmlns:a14="http://schemas.microsoft.com/office/drawing/2010/main" val="0"/>
-              </a:ext>
-            </a:extLst>
-          </a:blip>
-          <a:stretch>
-            <a:fillRect/>
-          </a:stretch>
-        </p:blipFill>
-        <p:spPr>
+        </p:nvGrpSpPr>
+        <p:grpSpPr>
           <a:xfrm>
-            <a:off x="1522095" y="838200"/>
-            <a:ext cx="6400800" cy="5943600"/>
+            <a:off x="2514600" y="1981200"/>
+            <a:ext cx="3962400" cy="2590800"/>
+            <a:chOff x="0" y="0"/>
+            <a:chExt cx="3457575" cy="2181225"/>
           </a:xfrm>
-          <a:prstGeom prst="rect">
-            <a:avLst/>
-          </a:prstGeom>
-        </p:spPr>
-      </p:pic>
+        </p:grpSpPr>
+        <p:cxnSp>
+          <p:nvCxnSpPr>
+            <p:cNvPr id="32" name="Straight Arrow Connector 31"/>
+            <p:cNvCxnSpPr/>
+            <p:nvPr/>
+          </p:nvCxnSpPr>
+          <p:spPr>
+            <a:xfrm>
+              <a:off x="1504950" y="247650"/>
+              <a:ext cx="0" cy="209550"/>
+            </a:xfrm>
+            <a:prstGeom prst="straightConnector1">
+              <a:avLst/>
+            </a:prstGeom>
+            <a:ln>
+              <a:headEnd type="arrow"/>
+              <a:tailEnd type="arrow"/>
+            </a:ln>
+          </p:spPr>
+          <p:style>
+            <a:lnRef idx="1">
+              <a:schemeClr val="accent1"/>
+            </a:lnRef>
+            <a:fillRef idx="0">
+              <a:schemeClr val="accent1"/>
+            </a:fillRef>
+            <a:effectRef idx="0">
+              <a:schemeClr val="accent1"/>
+            </a:effectRef>
+            <a:fontRef idx="minor">
+              <a:schemeClr val="tx1"/>
+            </a:fontRef>
+          </p:style>
+        </p:cxnSp>
+        <p:grpSp>
+          <p:nvGrpSpPr>
+            <p:cNvPr id="33" name="Group 32"/>
+            <p:cNvGrpSpPr/>
+            <p:nvPr/>
+          </p:nvGrpSpPr>
+          <p:grpSpPr>
+            <a:xfrm>
+              <a:off x="0" y="0"/>
+              <a:ext cx="3457575" cy="2181225"/>
+              <a:chOff x="0" y="0"/>
+              <a:chExt cx="3457575" cy="2181225"/>
+            </a:xfrm>
+          </p:grpSpPr>
+          <p:cxnSp>
+            <p:nvCxnSpPr>
+              <p:cNvPr id="34" name="Straight Arrow Connector 33"/>
+              <p:cNvCxnSpPr/>
+              <p:nvPr/>
+            </p:nvCxnSpPr>
+            <p:spPr>
+              <a:xfrm>
+                <a:off x="3228975" y="1209675"/>
+                <a:ext cx="0" cy="295275"/>
+              </a:xfrm>
+              <a:prstGeom prst="straightConnector1">
+                <a:avLst/>
+              </a:prstGeom>
+              <a:ln>
+                <a:headEnd type="arrow"/>
+                <a:tailEnd type="arrow"/>
+              </a:ln>
+            </p:spPr>
+            <p:style>
+              <a:lnRef idx="1">
+                <a:schemeClr val="accent1"/>
+              </a:lnRef>
+              <a:fillRef idx="0">
+                <a:schemeClr val="accent1"/>
+              </a:fillRef>
+              <a:effectRef idx="0">
+                <a:schemeClr val="accent1"/>
+              </a:effectRef>
+              <a:fontRef idx="minor">
+                <a:schemeClr val="tx1"/>
+              </a:fontRef>
+            </p:style>
+          </p:cxnSp>
+          <p:grpSp>
+            <p:nvGrpSpPr>
+              <p:cNvPr id="35" name="Group 34"/>
+              <p:cNvGrpSpPr/>
+              <p:nvPr/>
+            </p:nvGrpSpPr>
+            <p:grpSpPr>
+              <a:xfrm>
+                <a:off x="0" y="0"/>
+                <a:ext cx="3457575" cy="2181225"/>
+                <a:chOff x="0" y="0"/>
+                <a:chExt cx="3457575" cy="2181225"/>
+              </a:xfrm>
+            </p:grpSpPr>
+            <p:sp>
+              <p:nvSpPr>
+                <p:cNvPr id="36" name="Freeform 35"/>
+                <p:cNvSpPr/>
+                <p:nvPr/>
+              </p:nvSpPr>
+              <p:spPr>
+                <a:xfrm>
+                  <a:off x="0" y="0"/>
+                  <a:ext cx="838200" cy="1504950"/>
+                </a:xfrm>
+                <a:custGeom>
+                  <a:avLst/>
+                  <a:gdLst>
+                    <a:gd name="connsiteX0" fmla="*/ 838200 w 838200"/>
+                    <a:gd name="connsiteY0" fmla="*/ 0 h 1390650"/>
+                    <a:gd name="connsiteX1" fmla="*/ 0 w 838200"/>
+                    <a:gd name="connsiteY1" fmla="*/ 19050 h 1390650"/>
+                    <a:gd name="connsiteX2" fmla="*/ 0 w 838200"/>
+                    <a:gd name="connsiteY2" fmla="*/ 1390650 h 1390650"/>
+                    <a:gd name="connsiteX3" fmla="*/ 0 w 838200"/>
+                    <a:gd name="connsiteY3" fmla="*/ 1390650 h 1390650"/>
+                    <a:gd name="connsiteX4" fmla="*/ 0 w 838200"/>
+                    <a:gd name="connsiteY4" fmla="*/ 1390650 h 1390650"/>
+                    <a:gd name="connsiteX5" fmla="*/ 0 w 838200"/>
+                    <a:gd name="connsiteY5" fmla="*/ 1390650 h 1390650"/>
+                    <a:gd name="connsiteX0" fmla="*/ 838200 w 838200"/>
+                    <a:gd name="connsiteY0" fmla="*/ 0 h 1390650"/>
+                    <a:gd name="connsiteX1" fmla="*/ 0 w 838200"/>
+                    <a:gd name="connsiteY1" fmla="*/ 0 h 1390650"/>
+                    <a:gd name="connsiteX2" fmla="*/ 0 w 838200"/>
+                    <a:gd name="connsiteY2" fmla="*/ 1390650 h 1390650"/>
+                    <a:gd name="connsiteX3" fmla="*/ 0 w 838200"/>
+                    <a:gd name="connsiteY3" fmla="*/ 1390650 h 1390650"/>
+                    <a:gd name="connsiteX4" fmla="*/ 0 w 838200"/>
+                    <a:gd name="connsiteY4" fmla="*/ 1390650 h 1390650"/>
+                    <a:gd name="connsiteX5" fmla="*/ 0 w 838200"/>
+                    <a:gd name="connsiteY5" fmla="*/ 1390650 h 1390650"/>
+                  </a:gdLst>
+                  <a:ahLst/>
+                  <a:cxnLst>
+                    <a:cxn ang="0">
+                      <a:pos x="connsiteX0" y="connsiteY0"/>
+                    </a:cxn>
+                    <a:cxn ang="0">
+                      <a:pos x="connsiteX1" y="connsiteY1"/>
+                    </a:cxn>
+                    <a:cxn ang="0">
+                      <a:pos x="connsiteX2" y="connsiteY2"/>
+                    </a:cxn>
+                    <a:cxn ang="0">
+                      <a:pos x="connsiteX3" y="connsiteY3"/>
+                    </a:cxn>
+                    <a:cxn ang="0">
+                      <a:pos x="connsiteX4" y="connsiteY4"/>
+                    </a:cxn>
+                    <a:cxn ang="0">
+                      <a:pos x="connsiteX5" y="connsiteY5"/>
+                    </a:cxn>
+                  </a:cxnLst>
+                  <a:rect l="l" t="t" r="r" b="b"/>
+                  <a:pathLst>
+                    <a:path w="838200" h="1390650">
+                      <a:moveTo>
+                        <a:pt x="838200" y="0"/>
+                      </a:moveTo>
+                      <a:lnTo>
+                        <a:pt x="0" y="0"/>
+                      </a:lnTo>
+                      <a:lnTo>
+                        <a:pt x="0" y="1390650"/>
+                      </a:lnTo>
+                      <a:lnTo>
+                        <a:pt x="0" y="1390650"/>
+                      </a:lnTo>
+                      <a:lnTo>
+                        <a:pt x="0" y="1390650"/>
+                      </a:lnTo>
+                      <a:lnTo>
+                        <a:pt x="0" y="1390650"/>
+                      </a:lnTo>
+                    </a:path>
+                  </a:pathLst>
+                </a:custGeom>
+                <a:noFill/>
+                <a:ln w="12700" cmpd="sng">
+                  <a:headEnd type="arrow"/>
+                  <a:tailEnd type="arrow"/>
+                </a:ln>
+              </p:spPr>
+              <p:style>
+                <a:lnRef idx="2">
+                  <a:schemeClr val="accent1">
+                    <a:shade val="50000"/>
+                  </a:schemeClr>
+                </a:lnRef>
+                <a:fillRef idx="1">
+                  <a:schemeClr val="accent1"/>
+                </a:fillRef>
+                <a:effectRef idx="0">
+                  <a:schemeClr val="accent1"/>
+                </a:effectRef>
+                <a:fontRef idx="minor">
+                  <a:schemeClr val="lt1"/>
+                </a:fontRef>
+              </p:style>
+              <p:txBody>
+                <a:bodyPr rot="0" spcFirstLastPara="0" vert="horz" wrap="square" lIns="91440" tIns="45720" rIns="91440" bIns="45720" numCol="1" spcCol="0" rtlCol="0" fromWordArt="0" anchor="ctr" anchorCtr="0" forceAA="0" compatLnSpc="1">
+                  <a:prstTxWarp prst="textNoShape">
+                    <a:avLst/>
+                  </a:prstTxWarp>
+                  <a:noAutofit/>
+                </a:bodyPr>
+                <a:lstStyle/>
+                <a:p>
+                  <a:endParaRPr lang="en-US"/>
+                </a:p>
+              </p:txBody>
+            </p:sp>
+            <p:sp>
+              <p:nvSpPr>
+                <p:cNvPr id="37" name="Freeform 36"/>
+                <p:cNvSpPr/>
+                <p:nvPr/>
+              </p:nvSpPr>
+              <p:spPr>
+                <a:xfrm>
+                  <a:off x="2152650" y="0"/>
+                  <a:ext cx="1304925" cy="819150"/>
+                </a:xfrm>
+                <a:custGeom>
+                  <a:avLst/>
+                  <a:gdLst>
+                    <a:gd name="connsiteX0" fmla="*/ 0 w 885825"/>
+                    <a:gd name="connsiteY0" fmla="*/ 0 h 923925"/>
+                    <a:gd name="connsiteX1" fmla="*/ 885825 w 885825"/>
+                    <a:gd name="connsiteY1" fmla="*/ 0 h 923925"/>
+                    <a:gd name="connsiteX2" fmla="*/ 885825 w 885825"/>
+                    <a:gd name="connsiteY2" fmla="*/ 0 h 923925"/>
+                    <a:gd name="connsiteX3" fmla="*/ 885825 w 885825"/>
+                    <a:gd name="connsiteY3" fmla="*/ 923925 h 923925"/>
+                    <a:gd name="connsiteX4" fmla="*/ 885825 w 885825"/>
+                    <a:gd name="connsiteY4" fmla="*/ 923925 h 923925"/>
+                    <a:gd name="connsiteX5" fmla="*/ 885825 w 885825"/>
+                    <a:gd name="connsiteY5" fmla="*/ 923925 h 923925"/>
+                  </a:gdLst>
+                  <a:ahLst/>
+                  <a:cxnLst>
+                    <a:cxn ang="0">
+                      <a:pos x="connsiteX0" y="connsiteY0"/>
+                    </a:cxn>
+                    <a:cxn ang="0">
+                      <a:pos x="connsiteX1" y="connsiteY1"/>
+                    </a:cxn>
+                    <a:cxn ang="0">
+                      <a:pos x="connsiteX2" y="connsiteY2"/>
+                    </a:cxn>
+                    <a:cxn ang="0">
+                      <a:pos x="connsiteX3" y="connsiteY3"/>
+                    </a:cxn>
+                    <a:cxn ang="0">
+                      <a:pos x="connsiteX4" y="connsiteY4"/>
+                    </a:cxn>
+                    <a:cxn ang="0">
+                      <a:pos x="connsiteX5" y="connsiteY5"/>
+                    </a:cxn>
+                  </a:cxnLst>
+                  <a:rect l="l" t="t" r="r" b="b"/>
+                  <a:pathLst>
+                    <a:path w="885825" h="923925">
+                      <a:moveTo>
+                        <a:pt x="0" y="0"/>
+                      </a:moveTo>
+                      <a:lnTo>
+                        <a:pt x="885825" y="0"/>
+                      </a:lnTo>
+                      <a:lnTo>
+                        <a:pt x="885825" y="0"/>
+                      </a:lnTo>
+                      <a:lnTo>
+                        <a:pt x="885825" y="923925"/>
+                      </a:lnTo>
+                      <a:lnTo>
+                        <a:pt x="885825" y="923925"/>
+                      </a:lnTo>
+                      <a:lnTo>
+                        <a:pt x="885825" y="923925"/>
+                      </a:lnTo>
+                    </a:path>
+                  </a:pathLst>
+                </a:custGeom>
+                <a:noFill/>
+                <a:ln w="12700" cmpd="sng">
+                  <a:headEnd type="arrow"/>
+                  <a:tailEnd type="arrow"/>
+                </a:ln>
+              </p:spPr>
+              <p:style>
+                <a:lnRef idx="2">
+                  <a:schemeClr val="accent1">
+                    <a:shade val="50000"/>
+                  </a:schemeClr>
+                </a:lnRef>
+                <a:fillRef idx="1">
+                  <a:schemeClr val="accent1"/>
+                </a:fillRef>
+                <a:effectRef idx="0">
+                  <a:schemeClr val="accent1"/>
+                </a:effectRef>
+                <a:fontRef idx="minor">
+                  <a:schemeClr val="lt1"/>
+                </a:fontRef>
+              </p:style>
+              <p:txBody>
+                <a:bodyPr rot="0" spcFirstLastPara="0" vert="horz" wrap="square" lIns="91440" tIns="45720" rIns="91440" bIns="45720" numCol="1" spcCol="0" rtlCol="0" fromWordArt="0" anchor="ctr" anchorCtr="0" forceAA="0" compatLnSpc="1">
+                  <a:prstTxWarp prst="textNoShape">
+                    <a:avLst/>
+                  </a:prstTxWarp>
+                  <a:noAutofit/>
+                </a:bodyPr>
+                <a:lstStyle/>
+                <a:p>
+                  <a:endParaRPr lang="en-US"/>
+                </a:p>
+              </p:txBody>
+            </p:sp>
+            <p:cxnSp>
+              <p:nvCxnSpPr>
+                <p:cNvPr id="38" name="Straight Arrow Connector 37"/>
+                <p:cNvCxnSpPr/>
+                <p:nvPr/>
+              </p:nvCxnSpPr>
+              <p:spPr>
+                <a:xfrm>
+                  <a:off x="3248025" y="1914525"/>
+                  <a:ext cx="0" cy="266700"/>
+                </a:xfrm>
+                <a:prstGeom prst="straightConnector1">
+                  <a:avLst/>
+                </a:prstGeom>
+                <a:ln>
+                  <a:headEnd type="arrow"/>
+                  <a:tailEnd type="arrow"/>
+                </a:ln>
+              </p:spPr>
+              <p:style>
+                <a:lnRef idx="1">
+                  <a:schemeClr val="accent1"/>
+                </a:lnRef>
+                <a:fillRef idx="0">
+                  <a:schemeClr val="accent1"/>
+                </a:fillRef>
+                <a:effectRef idx="0">
+                  <a:schemeClr val="accent1"/>
+                </a:effectRef>
+                <a:fontRef idx="minor">
+                  <a:schemeClr val="tx1"/>
+                </a:fontRef>
+              </p:style>
+            </p:cxnSp>
+            <p:sp>
+              <p:nvSpPr>
+                <p:cNvPr id="39" name="Freeform 38"/>
+                <p:cNvSpPr/>
+                <p:nvPr/>
+              </p:nvSpPr>
+              <p:spPr>
+                <a:xfrm>
+                  <a:off x="2152650" y="600075"/>
+                  <a:ext cx="619125" cy="219075"/>
+                </a:xfrm>
+                <a:custGeom>
+                  <a:avLst/>
+                  <a:gdLst>
+                    <a:gd name="connsiteX0" fmla="*/ 0 w 885825"/>
+                    <a:gd name="connsiteY0" fmla="*/ 0 h 923925"/>
+                    <a:gd name="connsiteX1" fmla="*/ 885825 w 885825"/>
+                    <a:gd name="connsiteY1" fmla="*/ 0 h 923925"/>
+                    <a:gd name="connsiteX2" fmla="*/ 885825 w 885825"/>
+                    <a:gd name="connsiteY2" fmla="*/ 0 h 923925"/>
+                    <a:gd name="connsiteX3" fmla="*/ 885825 w 885825"/>
+                    <a:gd name="connsiteY3" fmla="*/ 923925 h 923925"/>
+                    <a:gd name="connsiteX4" fmla="*/ 885825 w 885825"/>
+                    <a:gd name="connsiteY4" fmla="*/ 923925 h 923925"/>
+                    <a:gd name="connsiteX5" fmla="*/ 885825 w 885825"/>
+                    <a:gd name="connsiteY5" fmla="*/ 923925 h 923925"/>
+                  </a:gdLst>
+                  <a:ahLst/>
+                  <a:cxnLst>
+                    <a:cxn ang="0">
+                      <a:pos x="connsiteX0" y="connsiteY0"/>
+                    </a:cxn>
+                    <a:cxn ang="0">
+                      <a:pos x="connsiteX1" y="connsiteY1"/>
+                    </a:cxn>
+                    <a:cxn ang="0">
+                      <a:pos x="connsiteX2" y="connsiteY2"/>
+                    </a:cxn>
+                    <a:cxn ang="0">
+                      <a:pos x="connsiteX3" y="connsiteY3"/>
+                    </a:cxn>
+                    <a:cxn ang="0">
+                      <a:pos x="connsiteX4" y="connsiteY4"/>
+                    </a:cxn>
+                    <a:cxn ang="0">
+                      <a:pos x="connsiteX5" y="connsiteY5"/>
+                    </a:cxn>
+                  </a:cxnLst>
+                  <a:rect l="l" t="t" r="r" b="b"/>
+                  <a:pathLst>
+                    <a:path w="885825" h="923925">
+                      <a:moveTo>
+                        <a:pt x="0" y="0"/>
+                      </a:moveTo>
+                      <a:lnTo>
+                        <a:pt x="885825" y="0"/>
+                      </a:lnTo>
+                      <a:lnTo>
+                        <a:pt x="885825" y="0"/>
+                      </a:lnTo>
+                      <a:lnTo>
+                        <a:pt x="885825" y="923925"/>
+                      </a:lnTo>
+                      <a:lnTo>
+                        <a:pt x="885825" y="923925"/>
+                      </a:lnTo>
+                      <a:lnTo>
+                        <a:pt x="885825" y="923925"/>
+                      </a:lnTo>
+                    </a:path>
+                  </a:pathLst>
+                </a:custGeom>
+                <a:noFill/>
+                <a:ln w="12700" cmpd="sng">
+                  <a:headEnd type="arrow"/>
+                  <a:tailEnd type="arrow"/>
+                </a:ln>
+              </p:spPr>
+              <p:style>
+                <a:lnRef idx="2">
+                  <a:schemeClr val="accent1">
+                    <a:shade val="50000"/>
+                  </a:schemeClr>
+                </a:lnRef>
+                <a:fillRef idx="1">
+                  <a:schemeClr val="accent1"/>
+                </a:fillRef>
+                <a:effectRef idx="0">
+                  <a:schemeClr val="accent1"/>
+                </a:effectRef>
+                <a:fontRef idx="minor">
+                  <a:schemeClr val="lt1"/>
+                </a:fontRef>
+              </p:style>
+              <p:txBody>
+                <a:bodyPr rot="0" spcFirstLastPara="0" vert="horz" wrap="square" lIns="91440" tIns="45720" rIns="91440" bIns="45720" numCol="1" spcCol="0" rtlCol="0" fromWordArt="0" anchor="ctr" anchorCtr="0" forceAA="0" compatLnSpc="1">
+                  <a:prstTxWarp prst="textNoShape">
+                    <a:avLst/>
+                  </a:prstTxWarp>
+                  <a:noAutofit/>
+                </a:bodyPr>
+                <a:lstStyle/>
+                <a:p>
+                  <a:endParaRPr lang="en-US"/>
+                </a:p>
+              </p:txBody>
+            </p:sp>
+          </p:grpSp>
+        </p:grpSp>
+      </p:grpSp>
+      <p:sp>
+        <p:nvSpPr>
+          <p:cNvPr id="3" name="Slide Number Placeholder 2"/>
+          <p:cNvSpPr>
+            <a:spLocks noGrp="1"/>
+          </p:cNvSpPr>
+          <p:nvPr>
+            <p:ph type="sldNum" sz="quarter" idx="12"/>
+          </p:nvPr>
+        </p:nvSpPr>
+        <p:spPr/>
+        <p:txBody>
+          <a:bodyPr/>
+          <a:lstStyle/>
+          <a:p>
+            <a:fld id="{7B87B94E-6F5A-4309-83BE-AEC5A78861E0}" type="slidenum">
+              <a:rPr lang="en-US" smtClean="0"/>
+              <a:t>10</a:t>
+            </a:fld>
+            <a:endParaRPr lang="en-US" dirty="0"/>
+          </a:p>
+        </p:txBody>
+      </p:sp>
     </p:spTree>
     <p:extLst>
       <p:ext uri="{BB962C8B-B14F-4D97-AF65-F5344CB8AC3E}">
-        <p14:creationId xmlns:p14="http://schemas.microsoft.com/office/powerpoint/2010/main" val="3094584121"/>
+        <p14:creationId xmlns:p14="http://schemas.microsoft.com/office/powerpoint/2010/main" val="116404329"/>
       </p:ext>
     </p:extLst>
   </p:cSld>
@@ -7987,6 +8876,168 @@
         </p:nvSpPr>
         <p:spPr/>
         <p:txBody>
+          <a:bodyPr>
+            <a:normAutofit/>
+          </a:bodyPr>
+          <a:lstStyle/>
+          <a:p>
+            <a:r>
+              <a:rPr lang="en-US" sz="6600" dirty="0" smtClean="0"/>
+              <a:t>Contents</a:t>
+            </a:r>
+            <a:endParaRPr lang="en-US" sz="6600" dirty="0"/>
+          </a:p>
+        </p:txBody>
+      </p:sp>
+      <p:sp>
+        <p:nvSpPr>
+          <p:cNvPr id="3" name="Content Placeholder 2"/>
+          <p:cNvSpPr>
+            <a:spLocks noGrp="1"/>
+          </p:cNvSpPr>
+          <p:nvPr>
+            <p:ph idx="1"/>
+          </p:nvPr>
+        </p:nvSpPr>
+        <p:spPr/>
+        <p:txBody>
+          <a:bodyPr>
+            <a:normAutofit lnSpcReduction="10000"/>
+          </a:bodyPr>
+          <a:lstStyle/>
+          <a:p>
+            <a:r>
+              <a:rPr lang="en-US" sz="4000" b="1" dirty="0"/>
+              <a:t>Introduction</a:t>
+            </a:r>
+          </a:p>
+          <a:p>
+            <a:r>
+              <a:rPr lang="en-US" sz="4000" b="1" dirty="0" smtClean="0"/>
+              <a:t>GDB Internals</a:t>
+            </a:r>
+          </a:p>
+          <a:p>
+            <a:r>
+              <a:rPr lang="en-US" sz="5400" b="1" dirty="0" err="1">
+                <a:solidFill>
+                  <a:schemeClr val="accent1"/>
+                </a:solidFill>
+              </a:rPr>
+              <a:t>pyOCD</a:t>
+            </a:r>
+            <a:r>
+              <a:rPr lang="en-US" sz="4000" b="1" dirty="0" smtClean="0"/>
+              <a:t> </a:t>
+            </a:r>
+            <a:r>
+              <a:rPr lang="en-US" sz="5400" b="1" dirty="0">
+                <a:solidFill>
+                  <a:schemeClr val="accent1"/>
+                </a:solidFill>
+              </a:rPr>
+              <a:t>Internals</a:t>
+            </a:r>
+          </a:p>
+          <a:p>
+            <a:r>
+              <a:rPr lang="en-US" sz="4000" b="1" dirty="0" err="1" smtClean="0"/>
+              <a:t>cmsis_DAP</a:t>
+            </a:r>
+            <a:r>
+              <a:rPr lang="en-US" sz="4000" b="1" dirty="0" smtClean="0"/>
+              <a:t> Interface Internals</a:t>
+            </a:r>
+          </a:p>
+          <a:p>
+            <a:r>
+              <a:rPr lang="en-US" sz="4000" b="1" dirty="0" smtClean="0"/>
+              <a:t>Serial Wire Debug Protocol</a:t>
+            </a:r>
+          </a:p>
+          <a:p>
+            <a:r>
+              <a:rPr lang="en-US" sz="4000" b="1" dirty="0" smtClean="0"/>
+              <a:t>Conclusion</a:t>
+            </a:r>
+          </a:p>
+          <a:p>
+            <a:endParaRPr lang="en-US" b="1" dirty="0"/>
+          </a:p>
+        </p:txBody>
+      </p:sp>
+      <p:sp>
+        <p:nvSpPr>
+          <p:cNvPr id="4" name="Slide Number Placeholder 3"/>
+          <p:cNvSpPr>
+            <a:spLocks noGrp="1"/>
+          </p:cNvSpPr>
+          <p:nvPr>
+            <p:ph type="sldNum" sz="quarter" idx="12"/>
+          </p:nvPr>
+        </p:nvSpPr>
+        <p:spPr/>
+        <p:txBody>
+          <a:bodyPr/>
+          <a:lstStyle/>
+          <a:p>
+            <a:fld id="{7B87B94E-6F5A-4309-83BE-AEC5A78861E0}" type="slidenum">
+              <a:rPr lang="en-US" smtClean="0"/>
+              <a:t>11</a:t>
+            </a:fld>
+            <a:endParaRPr lang="en-US" dirty="0"/>
+          </a:p>
+        </p:txBody>
+      </p:sp>
+    </p:spTree>
+    <p:extLst>
+      <p:ext uri="{BB962C8B-B14F-4D97-AF65-F5344CB8AC3E}">
+        <p14:creationId xmlns:p14="http://schemas.microsoft.com/office/powerpoint/2010/main" val="490859110"/>
+      </p:ext>
+    </p:extLst>
+  </p:cSld>
+  <p:clrMapOvr>
+    <a:masterClrMapping/>
+  </p:clrMapOvr>
+  <p:timing>
+    <p:tnLst>
+      <p:par>
+        <p:cTn id="1" dur="indefinite" restart="never" nodeType="tmRoot"/>
+      </p:par>
+    </p:tnLst>
+  </p:timing>
+</p:sld>
+</file>
+
+<file path=ppt/slides/slide12.xml><?xml version="1.0" encoding="utf-8"?>
+<p:sld xmlns:a="http://schemas.openxmlformats.org/drawingml/2006/main" xmlns:r="http://schemas.openxmlformats.org/officeDocument/2006/relationships" xmlns:p="http://schemas.openxmlformats.org/presentationml/2006/main">
+  <p:cSld>
+    <p:spTree>
+      <p:nvGrpSpPr>
+        <p:cNvPr id="1" name=""/>
+        <p:cNvGrpSpPr/>
+        <p:nvPr/>
+      </p:nvGrpSpPr>
+      <p:grpSpPr>
+        <a:xfrm>
+          <a:off x="0" y="0"/>
+          <a:ext cx="0" cy="0"/>
+          <a:chOff x="0" y="0"/>
+          <a:chExt cx="0" cy="0"/>
+        </a:xfrm>
+      </p:grpSpPr>
+      <p:sp>
+        <p:nvSpPr>
+          <p:cNvPr id="2" name="Title 1"/>
+          <p:cNvSpPr>
+            <a:spLocks noGrp="1"/>
+          </p:cNvSpPr>
+          <p:nvPr>
+            <p:ph type="title"/>
+          </p:nvPr>
+        </p:nvSpPr>
+        <p:spPr/>
+        <p:txBody>
           <a:bodyPr/>
           <a:lstStyle/>
           <a:p>
@@ -8006,8 +9057,8 @@
         </p:nvGrpSpPr>
         <p:grpSpPr>
           <a:xfrm>
-            <a:off x="1066800" y="1752600"/>
-            <a:ext cx="6629400" cy="3200400"/>
+            <a:off x="0" y="1752600"/>
+            <a:ext cx="8991600" cy="4953000"/>
             <a:chOff x="0" y="0"/>
             <a:chExt cx="5867400" cy="2009775"/>
           </a:xfrm>
@@ -8082,7 +9133,7 @@
                 </a:tabLst>
               </a:pPr>
               <a:r>
-                <a:rPr lang="en-US" sz="1400" dirty="0">
+                <a:rPr lang="en-US" dirty="0">
                   <a:solidFill>
                     <a:srgbClr val="222222"/>
                   </a:solidFill>
@@ -8091,10 +9142,46 @@
                   <a:ea typeface="Times New Roman"/>
                   <a:cs typeface="Times New Roman"/>
                 </a:rPr>
-                <a:t>         gdbserver/gdbserver.py:</a:t>
+                <a:t>         </a:t>
               </a:r>
               <a:r>
-                <a:rPr lang="en-US" sz="1400" dirty="0">
+                <a:rPr lang="en-US" sz="2000" dirty="0">
+                  <a:solidFill>
+                    <a:srgbClr val="222222"/>
+                  </a:solidFill>
+                  <a:effectLst/>
+                  <a:latin typeface="Times New Roman"/>
+                  <a:ea typeface="Times New Roman"/>
+                  <a:cs typeface="Times New Roman"/>
+                </a:rPr>
+                <a:t>gdbserver/</a:t>
+              </a:r>
+              <a:r>
+                <a:rPr lang="en-US" sz="2000" b="1" dirty="0">
+                  <a:solidFill>
+                    <a:srgbClr val="222222"/>
+                  </a:solidFill>
+                  <a:effectLst/>
+                  <a:latin typeface="Times New Roman"/>
+                  <a:ea typeface="Times New Roman"/>
+                  <a:cs typeface="Times New Roman"/>
+                </a:rPr>
+                <a:t>gdbserver.py</a:t>
+              </a:r>
+              <a:r>
+                <a:rPr lang="en-US" sz="2000" dirty="0">
+                  <a:solidFill>
+                    <a:srgbClr val="222222"/>
+                  </a:solidFill>
+                  <a:effectLst/>
+                  <a:latin typeface="Times New Roman"/>
+                  <a:ea typeface="Times New Roman"/>
+                  <a:cs typeface="Times New Roman"/>
+                </a:rPr>
+                <a:t>:</a:t>
+              </a:r>
+              <a:r>
+                <a:rPr lang="en-US" sz="2000" dirty="0">
                   <a:effectLst/>
                   <a:ea typeface="Calibri"/>
                   <a:cs typeface="Times New Roman"/>
@@ -8102,7 +9189,7 @@
                 <a:t>     </a:t>
               </a:r>
               <a:r>
-                <a:rPr lang="en-US" sz="1400" dirty="0">
+                <a:rPr lang="en-US" sz="2000" dirty="0">
                   <a:solidFill>
                     <a:srgbClr val="222222"/>
                   </a:solidFill>
@@ -8114,7 +9201,7 @@
                 <a:t>run()</a:t>
               </a:r>
               <a:br>
-                <a:rPr lang="en-US" sz="1400" dirty="0">
+                <a:rPr lang="en-US" sz="2000" dirty="0">
                   <a:solidFill>
                     <a:srgbClr val="222222"/>
                   </a:solidFill>
@@ -8125,7 +9212,7 @@
                 </a:rPr>
               </a:br>
               <a:r>
-                <a:rPr lang="en-US" sz="1400" dirty="0">
+                <a:rPr lang="en-US" sz="2000" dirty="0">
                   <a:solidFill>
                     <a:srgbClr val="222222"/>
                   </a:solidFill>
@@ -8137,7 +9224,7 @@
                 <a:t>                                                      handleMsg()</a:t>
               </a:r>
               <a:br>
-                <a:rPr lang="en-US" sz="1400" dirty="0">
+                <a:rPr lang="en-US" sz="2000" dirty="0">
                   <a:solidFill>
                     <a:srgbClr val="222222"/>
                   </a:solidFill>
@@ -8148,7 +9235,7 @@
                 </a:rPr>
               </a:br>
               <a:r>
-                <a:rPr lang="en-US" sz="1400" dirty="0">
+                <a:rPr lang="en-US" sz="2000" dirty="0">
                   <a:solidFill>
                     <a:srgbClr val="222222"/>
                   </a:solidFill>
@@ -8160,7 +9247,7 @@
                 <a:t>                                                         step()</a:t>
               </a:r>
               <a:br>
-                <a:rPr lang="en-US" sz="1400" dirty="0">
+                <a:rPr lang="en-US" sz="2000" dirty="0">
                   <a:solidFill>
                     <a:srgbClr val="222222"/>
                   </a:solidFill>
@@ -8171,7 +9258,7 @@
                 </a:rPr>
               </a:br>
               <a:r>
-                <a:rPr lang="en-US" sz="1400" dirty="0">
+                <a:rPr lang="en-US" sz="2000" dirty="0">
                   <a:solidFill>
                     <a:srgbClr val="222222"/>
                   </a:solidFill>
@@ -8180,10 +9267,34 @@
                   <a:ea typeface="Times New Roman"/>
                   <a:cs typeface="Times New Roman"/>
                 </a:rPr>
-                <a:t>                target/cortex_m.py:    step()</a:t>
+                <a:t>                target/</a:t>
+              </a:r>
+              <a:r>
+                <a:rPr lang="en-US" sz="2000" b="1" dirty="0">
+                  <a:solidFill>
+                    <a:srgbClr val="222222"/>
+                  </a:solidFill>
+                  <a:effectLst/>
+                  <a:latin typeface="Times New Roman"/>
+                  <a:ea typeface="Times New Roman"/>
+                  <a:cs typeface="Times New Roman"/>
+                </a:rPr>
+                <a:t>cortex_m.py</a:t>
+              </a:r>
+              <a:r>
+                <a:rPr lang="en-US" sz="2000" dirty="0">
+                  <a:solidFill>
+                    <a:srgbClr val="222222"/>
+                  </a:solidFill>
+                  <a:effectLst/>
+                  <a:latin typeface="Times New Roman"/>
+                  <a:ea typeface="Times New Roman"/>
+                  <a:cs typeface="Times New Roman"/>
+                </a:rPr>
+                <a:t>:    step()</a:t>
               </a:r>
               <a:br>
-                <a:rPr lang="en-US" sz="1400" dirty="0">
+                <a:rPr lang="en-US" sz="2000" dirty="0">
                   <a:solidFill>
                     <a:srgbClr val="222222"/>
                   </a:solidFill>
@@ -8194,7 +9305,7 @@
                 </a:rPr>
               </a:br>
               <a:r>
-                <a:rPr lang="en-US" sz="1400" dirty="0">
+                <a:rPr lang="en-US" sz="2000" dirty="0">
                   <a:solidFill>
                     <a:srgbClr val="222222"/>
                   </a:solidFill>
@@ -8206,7 +9317,7 @@
                 <a:t>                                                      writeMemory(DHCSR, value)</a:t>
               </a:r>
               <a:br>
-                <a:rPr lang="en-US" sz="1400" dirty="0">
+                <a:rPr lang="en-US" sz="2000" dirty="0">
                   <a:solidFill>
                     <a:srgbClr val="222222"/>
                   </a:solidFill>
@@ -8217,7 +9328,7 @@
                 </a:rPr>
               </a:br>
               <a:r>
-                <a:rPr lang="en-US" sz="1400" dirty="0">
+                <a:rPr lang="en-US" sz="2000" dirty="0">
                   <a:solidFill>
                     <a:srgbClr val="222222"/>
                   </a:solidFill>
@@ -8226,10 +9337,46 @@
                   <a:ea typeface="Times New Roman"/>
                   <a:cs typeface="Times New Roman"/>
                 </a:rPr>
-                <a:t>          transport/cmsis_dap.py:   writeMem()           //  called twice , 1</a:t>
+                <a:t>          transport/</a:t>
               </a:r>
               <a:r>
-                <a:rPr lang="en-US" sz="1400" baseline="30000" dirty="0">
+                <a:rPr lang="en-US" sz="2000" b="1" dirty="0">
+                  <a:solidFill>
+                    <a:srgbClr val="222222"/>
+                  </a:solidFill>
+                  <a:effectLst/>
+                  <a:latin typeface="Times New Roman"/>
+                  <a:ea typeface="Times New Roman"/>
+                  <a:cs typeface="Times New Roman"/>
+                </a:rPr>
+                <a:t>cmsis_dap.py</a:t>
+              </a:r>
+              <a:r>
+                <a:rPr lang="en-US" sz="2000" dirty="0">
+                  <a:solidFill>
+                    <a:srgbClr val="222222"/>
+                  </a:solidFill>
+                  <a:effectLst/>
+                  <a:latin typeface="Times New Roman"/>
+                  <a:ea typeface="Times New Roman"/>
+                  <a:cs typeface="Times New Roman"/>
+                </a:rPr>
+                <a:t>:   writeMem()           </a:t>
+              </a:r>
+              <a:r>
+                <a:rPr lang="en-US" sz="1600" dirty="0">
+                  <a:solidFill>
+                    <a:srgbClr val="222222"/>
+                  </a:solidFill>
+                  <a:effectLst/>
+                  <a:latin typeface="Times New Roman"/>
+                  <a:ea typeface="Times New Roman"/>
+                  <a:cs typeface="Times New Roman"/>
+                </a:rPr>
+                <a:t>//  called twice , 1</a:t>
+              </a:r>
+              <a:r>
+                <a:rPr lang="en-US" sz="1600" baseline="30000" dirty="0">
                   <a:solidFill>
                     <a:srgbClr val="222222"/>
                   </a:solidFill>
@@ -8241,7 +9388,7 @@
                 <a:t>st</a:t>
               </a:r>
               <a:r>
-                <a:rPr lang="en-US" sz="1400" dirty="0">
+                <a:rPr lang="en-US" sz="1600" dirty="0">
                   <a:solidFill>
                     <a:srgbClr val="222222"/>
                   </a:solidFill>
@@ -8253,7 +9400,7 @@
                 <a:t> TAR, 2</a:t>
               </a:r>
               <a:r>
-                <a:rPr lang="en-US" sz="1400" baseline="30000" dirty="0">
+                <a:rPr lang="en-US" sz="1600" baseline="30000" dirty="0">
                   <a:solidFill>
                     <a:srgbClr val="222222"/>
                   </a:solidFill>
@@ -8265,7 +9412,7 @@
                 <a:t>nd</a:t>
               </a:r>
               <a:r>
-                <a:rPr lang="en-US" sz="1400" dirty="0">
+                <a:rPr lang="en-US" sz="1600" dirty="0">
                   <a:solidFill>
                     <a:srgbClr val="222222"/>
                   </a:solidFill>
@@ -8276,8 +9423,20 @@
                 </a:rPr>
                 <a:t> DRW                                                                         </a:t>
               </a:r>
+              <a:r>
+                <a:rPr lang="en-US" sz="2000" dirty="0">
+                  <a:solidFill>
+                    <a:srgbClr val="222222"/>
+                  </a:solidFill>
+                  <a:effectLst/>
+                  <a:latin typeface="Times New Roman"/>
+                  <a:ea typeface="Times New Roman"/>
+                  <a:cs typeface="Times New Roman"/>
+                </a:rPr>
+                <a:t/>
+              </a:r>
               <a:br>
-                <a:rPr lang="en-US" sz="1400" dirty="0">
+                <a:rPr lang="en-US" sz="2000" dirty="0">
                   <a:solidFill>
                     <a:srgbClr val="222222"/>
                   </a:solidFill>
@@ -8288,7 +9447,7 @@
                 </a:rPr>
               </a:br>
               <a:r>
-                <a:rPr lang="en-US" sz="1400" dirty="0">
+                <a:rPr lang="en-US" sz="2000" dirty="0">
                   <a:solidFill>
                     <a:srgbClr val="222222"/>
                   </a:solidFill>
@@ -8297,10 +9456,58 @@
                   <a:ea typeface="Times New Roman"/>
                   <a:cs typeface="Times New Roman"/>
                 </a:rPr>
-                <a:t>                                                       dapTransfer()     // imported from cmsis_dap_core.py interface/pyUSB_backend.py:   write()</a:t>
+                <a:t>                                                       dapTransfer()     </a:t>
+              </a:r>
+              <a:r>
+                <a:rPr lang="en-US" sz="1600" dirty="0">
+                  <a:solidFill>
+                    <a:srgbClr val="222222"/>
+                  </a:solidFill>
+                  <a:effectLst/>
+                  <a:latin typeface="Times New Roman"/>
+                  <a:ea typeface="Times New Roman"/>
+                  <a:cs typeface="Times New Roman"/>
+                </a:rPr>
+                <a:t>// imported from cmsis_dap_core.py </a:t>
+              </a:r>
+              <a:r>
+                <a:rPr lang="en-US" sz="2000" dirty="0">
+                  <a:solidFill>
+                    <a:srgbClr val="222222"/>
+                  </a:solidFill>
+                  <a:effectLst/>
+                  <a:latin typeface="Times New Roman"/>
+                  <a:ea typeface="Times New Roman"/>
+                  <a:cs typeface="Times New Roman"/>
+                </a:rPr>
+                <a:t>interface/</a:t>
+              </a:r>
+              <a:r>
+                <a:rPr lang="en-US" sz="2000" b="1" dirty="0">
+                  <a:solidFill>
+                    <a:srgbClr val="222222"/>
+                  </a:solidFill>
+                  <a:effectLst/>
+                  <a:latin typeface="Times New Roman"/>
+                  <a:ea typeface="Times New Roman"/>
+                  <a:cs typeface="Times New Roman"/>
+                </a:rPr>
+                <a:t>pyUSB_backend.py</a:t>
+              </a:r>
+              <a:r>
+                <a:rPr lang="en-US" sz="2000" dirty="0">
+                  <a:solidFill>
+                    <a:srgbClr val="222222"/>
+                  </a:solidFill>
+                  <a:effectLst/>
+                  <a:latin typeface="Times New Roman"/>
+                  <a:ea typeface="Times New Roman"/>
+                  <a:cs typeface="Times New Roman"/>
+                </a:rPr>
+                <a:t>:   write()</a:t>
               </a:r>
               <a:br>
-                <a:rPr lang="en-US" sz="1400" dirty="0">
+                <a:rPr lang="en-US" sz="2000" dirty="0">
                   <a:solidFill>
                     <a:srgbClr val="222222"/>
                   </a:solidFill>
@@ -8311,7 +9518,7 @@
                 </a:rPr>
               </a:br>
               <a:r>
-                <a:rPr lang="en-US" sz="1400" dirty="0">
+                <a:rPr lang="en-US" sz="2000" dirty="0">
                   <a:solidFill>
                     <a:srgbClr val="222222"/>
                   </a:solidFill>
@@ -8322,7 +9529,7 @@
                 </a:rPr>
                 <a:t>                                                        ep_out.write()  // call pyUSB   </a:t>
               </a:r>
-              <a:endParaRPr lang="en-US" sz="1400" dirty="0">
+              <a:endParaRPr lang="en-US" dirty="0">
                 <a:effectLst/>
                 <a:ea typeface="Calibri"/>
                 <a:cs typeface="Times New Roman"/>
@@ -8352,103 +9559,33 @@
           </p:txBody>
         </p:sp>
       </p:grpSp>
+      <p:sp>
+        <p:nvSpPr>
+          <p:cNvPr id="3" name="Slide Number Placeholder 2"/>
+          <p:cNvSpPr>
+            <a:spLocks noGrp="1"/>
+          </p:cNvSpPr>
+          <p:nvPr>
+            <p:ph type="sldNum" sz="quarter" idx="12"/>
+          </p:nvPr>
+        </p:nvSpPr>
+        <p:spPr/>
+        <p:txBody>
+          <a:bodyPr/>
+          <a:lstStyle/>
+          <a:p>
+            <a:fld id="{7B87B94E-6F5A-4309-83BE-AEC5A78861E0}" type="slidenum">
+              <a:rPr lang="en-US" smtClean="0"/>
+              <a:t>12</a:t>
+            </a:fld>
+            <a:endParaRPr lang="en-US" dirty="0"/>
+          </a:p>
+        </p:txBody>
+      </p:sp>
     </p:spTree>
     <p:extLst>
       <p:ext uri="{BB962C8B-B14F-4D97-AF65-F5344CB8AC3E}">
         <p14:creationId xmlns:p14="http://schemas.microsoft.com/office/powerpoint/2010/main" val="49753962"/>
-      </p:ext>
-    </p:extLst>
-  </p:cSld>
-  <p:clrMapOvr>
-    <a:masterClrMapping/>
-  </p:clrMapOvr>
-  <p:timing>
-    <p:tnLst>
-      <p:par>
-        <p:cTn id="1" dur="indefinite" restart="never" nodeType="tmRoot"/>
-      </p:par>
-    </p:tnLst>
-  </p:timing>
-</p:sld>
-</file>
-
-<file path=ppt/slides/slide12.xml><?xml version="1.0" encoding="utf-8"?>
-<p:sld xmlns:a="http://schemas.openxmlformats.org/drawingml/2006/main" xmlns:r="http://schemas.openxmlformats.org/officeDocument/2006/relationships" xmlns:p="http://schemas.openxmlformats.org/presentationml/2006/main">
-  <p:cSld>
-    <p:spTree>
-      <p:nvGrpSpPr>
-        <p:cNvPr id="1" name=""/>
-        <p:cNvGrpSpPr/>
-        <p:nvPr/>
-      </p:nvGrpSpPr>
-      <p:grpSpPr>
-        <a:xfrm>
-          <a:off x="0" y="0"/>
-          <a:ext cx="0" cy="0"/>
-          <a:chOff x="0" y="0"/>
-          <a:chExt cx="0" cy="0"/>
-        </a:xfrm>
-      </p:grpSpPr>
-      <p:sp>
-        <p:nvSpPr>
-          <p:cNvPr id="2" name="Title 1"/>
-          <p:cNvSpPr>
-            <a:spLocks noGrp="1"/>
-          </p:cNvSpPr>
-          <p:nvPr>
-            <p:ph type="title"/>
-          </p:nvPr>
-        </p:nvSpPr>
-        <p:spPr>
-          <a:xfrm>
-            <a:off x="561109" y="152400"/>
-            <a:ext cx="8229600" cy="1143000"/>
-          </a:xfrm>
-        </p:spPr>
-        <p:txBody>
-          <a:bodyPr/>
-          <a:lstStyle/>
-          <a:p>
-            <a:r>
-              <a:rPr lang="en-US" dirty="0" smtClean="0"/>
-              <a:t>USB Analyzer Capture</a:t>
-            </a:r>
-            <a:endParaRPr lang="en-US" dirty="0"/>
-          </a:p>
-        </p:txBody>
-      </p:sp>
-      <p:pic>
-        <p:nvPicPr>
-          <p:cNvPr id="4" name="Picture 3"/>
-          <p:cNvPicPr/>
-          <p:nvPr/>
-        </p:nvPicPr>
-        <p:blipFill>
-          <a:blip r:embed="rId2">
-            <a:extLst>
-              <a:ext uri="{28A0092B-C50C-407E-A947-70E740481C1C}">
-                <a14:useLocalDpi xmlns:a14="http://schemas.microsoft.com/office/drawing/2010/main" val="0"/>
-              </a:ext>
-            </a:extLst>
-          </a:blip>
-          <a:stretch>
-            <a:fillRect/>
-          </a:stretch>
-        </p:blipFill>
-        <p:spPr>
-          <a:xfrm>
-            <a:off x="789709" y="1295400"/>
-            <a:ext cx="7772400" cy="5257800"/>
-          </a:xfrm>
-          <a:prstGeom prst="rect">
-            <a:avLst/>
-          </a:prstGeom>
-        </p:spPr>
-      </p:pic>
-    </p:spTree>
-    <p:extLst>
-      <p:ext uri="{BB962C8B-B14F-4D97-AF65-F5344CB8AC3E}">
-        <p14:creationId xmlns:p14="http://schemas.microsoft.com/office/powerpoint/2010/main" val="4201258635"/>
       </p:ext>
     </p:extLst>
   </p:cSld>
@@ -8492,9 +9629,890 @@
             <p:ph type="title"/>
           </p:nvPr>
         </p:nvSpPr>
+        <p:spPr/>
+        <p:txBody>
+          <a:bodyPr/>
+          <a:lstStyle/>
+          <a:p>
+            <a:r>
+              <a:rPr lang="en-US" dirty="0" smtClean="0"/>
+              <a:t>DAP Command Format</a:t>
+            </a:r>
+            <a:endParaRPr lang="en-US" dirty="0"/>
+          </a:p>
+        </p:txBody>
+      </p:sp>
+      <p:sp>
+        <p:nvSpPr>
+          <p:cNvPr id="3" name="Content Placeholder 2"/>
+          <p:cNvSpPr>
+            <a:spLocks noGrp="1"/>
+          </p:cNvSpPr>
+          <p:nvPr>
+            <p:ph idx="1"/>
+          </p:nvPr>
+        </p:nvSpPr>
+        <p:spPr/>
+        <p:txBody>
+          <a:bodyPr>
+            <a:normAutofit lnSpcReduction="10000"/>
+          </a:bodyPr>
+          <a:lstStyle/>
+          <a:p>
+            <a:r>
+              <a:rPr lang="en-US" sz="2400" dirty="0" smtClean="0"/>
+              <a:t>DAP Command Format:</a:t>
+            </a:r>
+          </a:p>
+          <a:p>
+            <a:pPr marL="0" indent="0">
+              <a:buNone/>
+            </a:pPr>
+            <a:r>
+              <a:rPr lang="en-US" sz="1600" b="1" i="1" dirty="0" err="1" smtClean="0"/>
+              <a:t>CmdId</a:t>
+            </a:r>
+            <a:r>
+              <a:rPr lang="en-US" sz="1600" b="1" i="1" dirty="0" smtClean="0"/>
+              <a:t>(8</a:t>
+            </a:r>
+            <a:r>
+              <a:rPr lang="en-US" sz="1600" b="1" i="1" dirty="0"/>
+              <a:t>), </a:t>
+            </a:r>
+            <a:r>
+              <a:rPr lang="en-US" sz="1600" b="1" i="1" dirty="0" err="1"/>
+              <a:t>DAPIdx</a:t>
+            </a:r>
+            <a:r>
+              <a:rPr lang="en-US" sz="1600" b="1" i="1" dirty="0"/>
+              <a:t>(8), count(8), </a:t>
+            </a:r>
+            <a:r>
+              <a:rPr lang="en-US" sz="2000" b="1" i="1" dirty="0"/>
+              <a:t>{ { </a:t>
+            </a:r>
+            <a:r>
+              <a:rPr lang="en-US" sz="1600" b="1" i="1" dirty="0"/>
+              <a:t>req1 (8), data1 (32) </a:t>
+            </a:r>
+            <a:r>
+              <a:rPr lang="en-US" sz="2000" b="1" i="1" dirty="0"/>
+              <a:t>}</a:t>
+            </a:r>
+            <a:r>
+              <a:rPr lang="en-US" sz="1600" b="1" i="1" dirty="0"/>
+              <a:t>, </a:t>
+            </a:r>
+            <a:r>
+              <a:rPr lang="en-US" sz="2000" b="1" i="1" dirty="0"/>
+              <a:t>{</a:t>
+            </a:r>
+            <a:r>
+              <a:rPr lang="en-US" sz="1600" b="1" i="1" dirty="0"/>
+              <a:t> req2 (8), data2 (32)  </a:t>
+            </a:r>
+            <a:r>
+              <a:rPr lang="en-US" sz="2000" b="1" i="1" dirty="0"/>
+              <a:t>}</a:t>
+            </a:r>
+            <a:r>
+              <a:rPr lang="en-US" sz="1600" b="1" i="1" dirty="0"/>
+              <a:t>,  …. </a:t>
+            </a:r>
+            <a:r>
+              <a:rPr lang="en-US" sz="2000" b="1" i="1" dirty="0"/>
+              <a:t>}</a:t>
+            </a:r>
+            <a:endParaRPr lang="en-US" sz="2000" b="1" dirty="0"/>
+          </a:p>
+          <a:p>
+            <a:pPr marL="457200" lvl="1" indent="0">
+              <a:buNone/>
+            </a:pPr>
+            <a:r>
+              <a:rPr lang="en-US" sz="2000" dirty="0" smtClean="0"/>
+              <a:t>Where </a:t>
+            </a:r>
+            <a:r>
+              <a:rPr lang="en-US" sz="2000" dirty="0" err="1" smtClean="0"/>
+              <a:t>Req</a:t>
+            </a:r>
+            <a:r>
+              <a:rPr lang="en-US" sz="2000" dirty="0" smtClean="0"/>
+              <a:t> = </a:t>
+            </a:r>
+            <a:r>
+              <a:rPr lang="en-US" sz="2000" dirty="0" err="1"/>
+              <a:t>RegAddr</a:t>
+            </a:r>
+            <a:r>
+              <a:rPr lang="en-US" sz="2000" dirty="0"/>
+              <a:t>[3:2],  </a:t>
+            </a:r>
+            <a:r>
+              <a:rPr lang="en-US" sz="2000" dirty="0" err="1"/>
+              <a:t>RnW</a:t>
+            </a:r>
+            <a:r>
+              <a:rPr lang="en-US" sz="2000" dirty="0"/>
+              <a:t>(1), </a:t>
+            </a:r>
+            <a:r>
+              <a:rPr lang="en-US" sz="2000" dirty="0" err="1" smtClean="0"/>
+              <a:t>APnDP</a:t>
+            </a:r>
+            <a:r>
+              <a:rPr lang="en-US" sz="2000" dirty="0" smtClean="0"/>
+              <a:t>(1</a:t>
+            </a:r>
+            <a:r>
+              <a:rPr lang="en-US" sz="2000" dirty="0"/>
+              <a:t>) </a:t>
+            </a:r>
+            <a:endParaRPr lang="en-US" sz="2000" dirty="0" smtClean="0"/>
+          </a:p>
+          <a:p>
+            <a:r>
+              <a:rPr lang="en-US" sz="2400" dirty="0" err="1" smtClean="0"/>
+              <a:t>Reg</a:t>
+            </a:r>
+            <a:r>
+              <a:rPr lang="en-US" sz="2400" dirty="0" smtClean="0"/>
+              <a:t> </a:t>
+            </a:r>
+            <a:r>
+              <a:rPr lang="en-US" sz="2400" dirty="0" err="1" smtClean="0"/>
+              <a:t>Addr</a:t>
+            </a:r>
+            <a:r>
+              <a:rPr lang="en-US" sz="2400" dirty="0" smtClean="0"/>
+              <a:t> Values :</a:t>
+            </a:r>
+          </a:p>
+          <a:p>
+            <a:pPr lvl="1"/>
+            <a:r>
+              <a:rPr lang="en-US" sz="2000" dirty="0" smtClean="0"/>
+              <a:t>b00 = CSW</a:t>
+            </a:r>
+          </a:p>
+          <a:p>
+            <a:pPr lvl="1"/>
+            <a:r>
+              <a:rPr lang="en-US" sz="2000" dirty="0" smtClean="0"/>
+              <a:t>b01 </a:t>
+            </a:r>
+            <a:r>
+              <a:rPr lang="en-US" sz="2000" dirty="0"/>
+              <a:t>= TAR    // Target </a:t>
+            </a:r>
+            <a:r>
+              <a:rPr lang="en-US" sz="2000" dirty="0" smtClean="0"/>
+              <a:t>Address</a:t>
+            </a:r>
+          </a:p>
+          <a:p>
+            <a:pPr lvl="1"/>
+            <a:r>
+              <a:rPr lang="en-US" sz="2000" dirty="0" smtClean="0"/>
+              <a:t>b11 </a:t>
+            </a:r>
+            <a:r>
+              <a:rPr lang="en-US" sz="2000" dirty="0"/>
+              <a:t>= DRW // Data Read </a:t>
+            </a:r>
+            <a:r>
+              <a:rPr lang="en-US" sz="2000" dirty="0" smtClean="0"/>
+              <a:t>Write</a:t>
+            </a:r>
+          </a:p>
+          <a:p>
+            <a:endParaRPr lang="en-US" sz="2400" dirty="0" smtClean="0"/>
+          </a:p>
+          <a:p>
+            <a:r>
+              <a:rPr lang="en-US" sz="2400" b="1" dirty="0"/>
+              <a:t>{</a:t>
+            </a:r>
+            <a:r>
+              <a:rPr lang="en-US" sz="2400" b="1" dirty="0" smtClean="0"/>
+              <a:t>C_STEP</a:t>
+            </a:r>
+            <a:r>
+              <a:rPr lang="en-US" sz="2400" dirty="0"/>
+              <a:t>, C_MASKINTS, C_DEBUGEN </a:t>
+            </a:r>
+            <a:r>
+              <a:rPr lang="en-US" sz="2400" b="1" dirty="0" smtClean="0"/>
+              <a:t>} </a:t>
+            </a:r>
+            <a:r>
+              <a:rPr lang="en-US" sz="2400" dirty="0" smtClean="0"/>
+              <a:t>-&gt; DHCSR</a:t>
+            </a:r>
+          </a:p>
+          <a:p>
+            <a:pPr marL="0" indent="0">
+              <a:buNone/>
+            </a:pPr>
+            <a:r>
+              <a:rPr lang="en-US" sz="2400" b="1" dirty="0"/>
+              <a:t> </a:t>
+            </a:r>
+            <a:r>
+              <a:rPr lang="en-US" sz="2400" b="1" dirty="0" smtClean="0"/>
+              <a:t>  0x5</a:t>
+            </a:r>
+            <a:r>
+              <a:rPr lang="en-US" sz="2400" b="1" dirty="0"/>
+              <a:t>, 0x0, 0x2,{ 0x5,0xE000EDF0, 0xD, 0xA05F000B}</a:t>
+            </a:r>
+            <a:endParaRPr lang="en-US" sz="2400" dirty="0"/>
+          </a:p>
+          <a:p>
+            <a:pPr marL="0" indent="0">
+              <a:buNone/>
+            </a:pPr>
+            <a:r>
+              <a:rPr lang="en-US" sz="2200" dirty="0"/>
+              <a:t>1</a:t>
+            </a:r>
+            <a:r>
+              <a:rPr lang="en-US" sz="2200" baseline="30000" dirty="0"/>
+              <a:t>st</a:t>
+            </a:r>
+            <a:r>
+              <a:rPr lang="en-US" sz="2200" dirty="0"/>
+              <a:t> </a:t>
+            </a:r>
+            <a:r>
+              <a:rPr lang="en-US" sz="2200" dirty="0" err="1"/>
+              <a:t>Req</a:t>
+            </a:r>
+            <a:r>
+              <a:rPr lang="en-US" sz="2200" dirty="0"/>
+              <a:t>: Write 0xE000EDF0 to </a:t>
+            </a:r>
+            <a:r>
+              <a:rPr lang="en-US" sz="2200" dirty="0" err="1" smtClean="0"/>
+              <a:t>AccessPort</a:t>
+            </a:r>
+            <a:r>
+              <a:rPr lang="en-US" sz="2200" dirty="0" smtClean="0"/>
+              <a:t> </a:t>
+            </a:r>
+            <a:r>
+              <a:rPr lang="en-US" sz="2200" dirty="0" err="1"/>
+              <a:t>Reg</a:t>
+            </a:r>
+            <a:r>
+              <a:rPr lang="en-US" sz="2200" dirty="0"/>
+              <a:t> TAR</a:t>
+            </a:r>
+          </a:p>
+          <a:p>
+            <a:pPr marL="0" indent="0">
+              <a:buNone/>
+            </a:pPr>
+            <a:r>
+              <a:rPr lang="en-US" sz="2200" dirty="0"/>
+              <a:t>2</a:t>
+            </a:r>
+            <a:r>
+              <a:rPr lang="en-US" sz="2200" baseline="30000" dirty="0"/>
+              <a:t>nd</a:t>
+            </a:r>
+            <a:r>
+              <a:rPr lang="en-US" sz="2200" dirty="0"/>
+              <a:t> </a:t>
+            </a:r>
+            <a:r>
+              <a:rPr lang="en-US" sz="2200" dirty="0" err="1"/>
+              <a:t>Req</a:t>
+            </a:r>
+            <a:r>
+              <a:rPr lang="en-US" sz="2200" dirty="0"/>
+              <a:t>: Write 0xA05F000B to </a:t>
+            </a:r>
+            <a:r>
+              <a:rPr lang="en-US" sz="2200" dirty="0" err="1" smtClean="0"/>
+              <a:t>AccessPort</a:t>
+            </a:r>
+            <a:r>
+              <a:rPr lang="en-US" sz="2200" dirty="0" smtClean="0"/>
+              <a:t> </a:t>
+            </a:r>
+            <a:r>
+              <a:rPr lang="en-US" sz="2200" dirty="0" err="1"/>
+              <a:t>Reg</a:t>
+            </a:r>
+            <a:r>
+              <a:rPr lang="en-US" sz="2200" dirty="0"/>
+              <a:t> </a:t>
+            </a:r>
+            <a:r>
+              <a:rPr lang="en-US" sz="2200" dirty="0" smtClean="0"/>
+              <a:t>DRW</a:t>
+            </a:r>
+            <a:endParaRPr lang="en-US" dirty="0"/>
+          </a:p>
+        </p:txBody>
+      </p:sp>
+      <p:sp>
+        <p:nvSpPr>
+          <p:cNvPr id="4" name="Slide Number Placeholder 3"/>
+          <p:cNvSpPr>
+            <a:spLocks noGrp="1"/>
+          </p:cNvSpPr>
+          <p:nvPr>
+            <p:ph type="sldNum" sz="quarter" idx="12"/>
+          </p:nvPr>
+        </p:nvSpPr>
+        <p:spPr/>
+        <p:txBody>
+          <a:bodyPr/>
+          <a:lstStyle/>
+          <a:p>
+            <a:fld id="{7B87B94E-6F5A-4309-83BE-AEC5A78861E0}" type="slidenum">
+              <a:rPr lang="en-US" smtClean="0"/>
+              <a:t>13</a:t>
+            </a:fld>
+            <a:endParaRPr lang="en-US" dirty="0"/>
+          </a:p>
+        </p:txBody>
+      </p:sp>
+    </p:spTree>
+    <p:extLst>
+      <p:ext uri="{BB962C8B-B14F-4D97-AF65-F5344CB8AC3E}">
+        <p14:creationId xmlns:p14="http://schemas.microsoft.com/office/powerpoint/2010/main" val="463801235"/>
+      </p:ext>
+    </p:extLst>
+  </p:cSld>
+  <p:clrMapOvr>
+    <a:masterClrMapping/>
+  </p:clrMapOvr>
+  <p:timing>
+    <p:tnLst>
+      <p:par>
+        <p:cTn id="1" dur="indefinite" restart="never" nodeType="tmRoot"/>
+      </p:par>
+    </p:tnLst>
+  </p:timing>
+</p:sld>
+</file>
+
+<file path=ppt/slides/slide14.xml><?xml version="1.0" encoding="utf-8"?>
+<p:sld xmlns:a="http://schemas.openxmlformats.org/drawingml/2006/main" xmlns:r="http://schemas.openxmlformats.org/officeDocument/2006/relationships" xmlns:p="http://schemas.openxmlformats.org/presentationml/2006/main">
+  <p:cSld>
+    <p:spTree>
+      <p:nvGrpSpPr>
+        <p:cNvPr id="1" name=""/>
+        <p:cNvGrpSpPr/>
+        <p:nvPr/>
+      </p:nvGrpSpPr>
+      <p:grpSpPr>
+        <a:xfrm>
+          <a:off x="0" y="0"/>
+          <a:ext cx="0" cy="0"/>
+          <a:chOff x="0" y="0"/>
+          <a:chExt cx="0" cy="0"/>
+        </a:xfrm>
+      </p:grpSpPr>
+      <p:sp>
+        <p:nvSpPr>
+          <p:cNvPr id="2" name="Title 1"/>
+          <p:cNvSpPr>
+            <a:spLocks noGrp="1"/>
+          </p:cNvSpPr>
+          <p:nvPr>
+            <p:ph type="title"/>
+          </p:nvPr>
+        </p:nvSpPr>
         <p:spPr>
           <a:xfrm>
-            <a:off x="457200" y="274638"/>
+            <a:off x="561109" y="152400"/>
+            <a:ext cx="8229600" cy="1143000"/>
+          </a:xfrm>
+        </p:spPr>
+        <p:txBody>
+          <a:bodyPr/>
+          <a:lstStyle/>
+          <a:p>
+            <a:r>
+              <a:rPr lang="en-US" dirty="0" smtClean="0"/>
+              <a:t>USB Analyzer Capture</a:t>
+            </a:r>
+            <a:endParaRPr lang="en-US" dirty="0"/>
+          </a:p>
+        </p:txBody>
+      </p:sp>
+      <p:pic>
+        <p:nvPicPr>
+          <p:cNvPr id="4" name="Picture 3"/>
+          <p:cNvPicPr/>
+          <p:nvPr/>
+        </p:nvPicPr>
+        <p:blipFill>
+          <a:blip r:embed="rId2">
+            <a:extLst>
+              <a:ext uri="{28A0092B-C50C-407E-A947-70E740481C1C}">
+                <a14:useLocalDpi xmlns:a14="http://schemas.microsoft.com/office/drawing/2010/main" val="0"/>
+              </a:ext>
+            </a:extLst>
+          </a:blip>
+          <a:stretch>
+            <a:fillRect/>
+          </a:stretch>
+        </p:blipFill>
+        <p:spPr>
+          <a:xfrm>
+            <a:off x="457200" y="1219200"/>
+            <a:ext cx="8305800" cy="5334000"/>
+          </a:xfrm>
+          <a:prstGeom prst="rect">
+            <a:avLst/>
+          </a:prstGeom>
+        </p:spPr>
+      </p:pic>
+      <p:sp>
+        <p:nvSpPr>
+          <p:cNvPr id="3" name="Slide Number Placeholder 2"/>
+          <p:cNvSpPr>
+            <a:spLocks noGrp="1"/>
+          </p:cNvSpPr>
+          <p:nvPr>
+            <p:ph type="sldNum" sz="quarter" idx="12"/>
+          </p:nvPr>
+        </p:nvSpPr>
+        <p:spPr/>
+        <p:txBody>
+          <a:bodyPr/>
+          <a:lstStyle/>
+          <a:p>
+            <a:fld id="{7B87B94E-6F5A-4309-83BE-AEC5A78861E0}" type="slidenum">
+              <a:rPr lang="en-US" smtClean="0"/>
+              <a:t>14</a:t>
+            </a:fld>
+            <a:endParaRPr lang="en-US" dirty="0"/>
+          </a:p>
+        </p:txBody>
+      </p:sp>
+    </p:spTree>
+    <p:extLst>
+      <p:ext uri="{BB962C8B-B14F-4D97-AF65-F5344CB8AC3E}">
+        <p14:creationId xmlns:p14="http://schemas.microsoft.com/office/powerpoint/2010/main" val="4201258635"/>
+      </p:ext>
+    </p:extLst>
+  </p:cSld>
+  <p:clrMapOvr>
+    <a:masterClrMapping/>
+  </p:clrMapOvr>
+  <p:timing>
+    <p:tnLst>
+      <p:par>
+        <p:cTn id="1" dur="indefinite" restart="never" nodeType="tmRoot"/>
+      </p:par>
+    </p:tnLst>
+  </p:timing>
+</p:sld>
+</file>
+
+<file path=ppt/slides/slide15.xml><?xml version="1.0" encoding="utf-8"?>
+<p:sld xmlns:a="http://schemas.openxmlformats.org/drawingml/2006/main" xmlns:r="http://schemas.openxmlformats.org/officeDocument/2006/relationships" xmlns:p="http://schemas.openxmlformats.org/presentationml/2006/main">
+  <p:cSld>
+    <p:spTree>
+      <p:nvGrpSpPr>
+        <p:cNvPr id="1" name=""/>
+        <p:cNvGrpSpPr/>
+        <p:nvPr/>
+      </p:nvGrpSpPr>
+      <p:grpSpPr>
+        <a:xfrm>
+          <a:off x="0" y="0"/>
+          <a:ext cx="0" cy="0"/>
+          <a:chOff x="0" y="0"/>
+          <a:chExt cx="0" cy="0"/>
+        </a:xfrm>
+      </p:grpSpPr>
+      <p:sp>
+        <p:nvSpPr>
+          <p:cNvPr id="2" name="Title 1"/>
+          <p:cNvSpPr>
+            <a:spLocks noGrp="1"/>
+          </p:cNvSpPr>
+          <p:nvPr>
+            <p:ph type="title"/>
+          </p:nvPr>
+        </p:nvSpPr>
+        <p:spPr/>
+        <p:txBody>
+          <a:bodyPr>
+            <a:normAutofit/>
+          </a:bodyPr>
+          <a:lstStyle/>
+          <a:p>
+            <a:r>
+              <a:rPr lang="en-US" sz="6600" dirty="0" smtClean="0"/>
+              <a:t>Contents</a:t>
+            </a:r>
+            <a:endParaRPr lang="en-US" sz="6600" dirty="0"/>
+          </a:p>
+        </p:txBody>
+      </p:sp>
+      <p:sp>
+        <p:nvSpPr>
+          <p:cNvPr id="3" name="Content Placeholder 2"/>
+          <p:cNvSpPr>
+            <a:spLocks noGrp="1"/>
+          </p:cNvSpPr>
+          <p:nvPr>
+            <p:ph idx="1"/>
+          </p:nvPr>
+        </p:nvSpPr>
+        <p:spPr/>
+        <p:txBody>
+          <a:bodyPr>
+            <a:normAutofit fontScale="92500" lnSpcReduction="20000"/>
+          </a:bodyPr>
+          <a:lstStyle/>
+          <a:p>
+            <a:r>
+              <a:rPr lang="en-US" sz="4000" b="1" dirty="0"/>
+              <a:t>Introduction</a:t>
+            </a:r>
+          </a:p>
+          <a:p>
+            <a:r>
+              <a:rPr lang="en-US" sz="4000" b="1" dirty="0" smtClean="0"/>
+              <a:t>GDB Internals</a:t>
+            </a:r>
+          </a:p>
+          <a:p>
+            <a:r>
+              <a:rPr lang="en-US" sz="4000" b="1" dirty="0" err="1"/>
+              <a:t>pyOCD</a:t>
+            </a:r>
+            <a:r>
+              <a:rPr lang="en-US" sz="4000" b="1" dirty="0"/>
+              <a:t> Internals</a:t>
+            </a:r>
+          </a:p>
+          <a:p>
+            <a:r>
+              <a:rPr lang="en-US" sz="5400" b="1" dirty="0" err="1">
+                <a:solidFill>
+                  <a:schemeClr val="accent1"/>
+                </a:solidFill>
+              </a:rPr>
+              <a:t>cmsis_DAP</a:t>
+            </a:r>
+            <a:r>
+              <a:rPr lang="en-US" sz="5400" b="1" dirty="0">
+                <a:solidFill>
+                  <a:schemeClr val="accent1"/>
+                </a:solidFill>
+              </a:rPr>
+              <a:t> Interface Internals</a:t>
+            </a:r>
+          </a:p>
+          <a:p>
+            <a:r>
+              <a:rPr lang="en-US" sz="4000" b="1" dirty="0" smtClean="0"/>
+              <a:t>Serial Wire Debug Protocol</a:t>
+            </a:r>
+          </a:p>
+          <a:p>
+            <a:r>
+              <a:rPr lang="en-US" sz="4000" b="1" dirty="0" smtClean="0"/>
+              <a:t>Conclusion</a:t>
+            </a:r>
+          </a:p>
+          <a:p>
+            <a:endParaRPr lang="en-US" b="1" dirty="0"/>
+          </a:p>
+        </p:txBody>
+      </p:sp>
+      <p:sp>
+        <p:nvSpPr>
+          <p:cNvPr id="4" name="Slide Number Placeholder 3"/>
+          <p:cNvSpPr>
+            <a:spLocks noGrp="1"/>
+          </p:cNvSpPr>
+          <p:nvPr>
+            <p:ph type="sldNum" sz="quarter" idx="12"/>
+          </p:nvPr>
+        </p:nvSpPr>
+        <p:spPr/>
+        <p:txBody>
+          <a:bodyPr/>
+          <a:lstStyle/>
+          <a:p>
+            <a:fld id="{7B87B94E-6F5A-4309-83BE-AEC5A78861E0}" type="slidenum">
+              <a:rPr lang="en-US" smtClean="0"/>
+              <a:t>15</a:t>
+            </a:fld>
+            <a:endParaRPr lang="en-US" dirty="0"/>
+          </a:p>
+        </p:txBody>
+      </p:sp>
+    </p:spTree>
+    <p:extLst>
+      <p:ext uri="{BB962C8B-B14F-4D97-AF65-F5344CB8AC3E}">
+        <p14:creationId xmlns:p14="http://schemas.microsoft.com/office/powerpoint/2010/main" val="1219514855"/>
+      </p:ext>
+    </p:extLst>
+  </p:cSld>
+  <p:clrMapOvr>
+    <a:masterClrMapping/>
+  </p:clrMapOvr>
+  <p:timing>
+    <p:tnLst>
+      <p:par>
+        <p:cTn id="1" dur="indefinite" restart="never" nodeType="tmRoot"/>
+      </p:par>
+    </p:tnLst>
+  </p:timing>
+</p:sld>
+</file>
+
+<file path=ppt/slides/slide16.xml><?xml version="1.0" encoding="utf-8"?>
+<p:sld xmlns:a="http://schemas.openxmlformats.org/drawingml/2006/main" xmlns:r="http://schemas.openxmlformats.org/officeDocument/2006/relationships" xmlns:p="http://schemas.openxmlformats.org/presentationml/2006/main">
+  <p:cSld>
+    <p:spTree>
+      <p:nvGrpSpPr>
+        <p:cNvPr id="1" name=""/>
+        <p:cNvGrpSpPr/>
+        <p:nvPr/>
+      </p:nvGrpSpPr>
+      <p:grpSpPr>
+        <a:xfrm>
+          <a:off x="0" y="0"/>
+          <a:ext cx="0" cy="0"/>
+          <a:chOff x="0" y="0"/>
+          <a:chExt cx="0" cy="0"/>
+        </a:xfrm>
+      </p:grpSpPr>
+      <p:sp>
+        <p:nvSpPr>
+          <p:cNvPr id="2" name="Title 1"/>
+          <p:cNvSpPr>
+            <a:spLocks noGrp="1"/>
+          </p:cNvSpPr>
+          <p:nvPr>
+            <p:ph type="title"/>
+          </p:nvPr>
+        </p:nvSpPr>
+        <p:spPr/>
+        <p:txBody>
+          <a:bodyPr/>
+          <a:lstStyle/>
+          <a:p>
+            <a:r>
+              <a:rPr lang="en-US" dirty="0" smtClean="0"/>
+              <a:t>Overview</a:t>
+            </a:r>
+            <a:endParaRPr lang="en-US" dirty="0"/>
+          </a:p>
+        </p:txBody>
+      </p:sp>
+      <p:sp>
+        <p:nvSpPr>
+          <p:cNvPr id="3" name="Content Placeholder 2"/>
+          <p:cNvSpPr>
+            <a:spLocks noGrp="1"/>
+          </p:cNvSpPr>
+          <p:nvPr>
+            <p:ph idx="1"/>
+          </p:nvPr>
+        </p:nvSpPr>
+        <p:spPr/>
+        <p:txBody>
+          <a:bodyPr>
+            <a:normAutofit fontScale="92500"/>
+          </a:bodyPr>
+          <a:lstStyle/>
+          <a:p>
+            <a:r>
+              <a:rPr lang="en-US" dirty="0" smtClean="0"/>
+              <a:t>3 Interfaces / Function</a:t>
+            </a:r>
+          </a:p>
+          <a:p>
+            <a:pPr lvl="1"/>
+            <a:r>
+              <a:rPr lang="en-US" b="1" dirty="0" smtClean="0"/>
+              <a:t>Mass Storage Device  </a:t>
+            </a:r>
+            <a:r>
+              <a:rPr lang="en-US" dirty="0"/>
+              <a:t>( for Drag n Drop F/W upgrade)</a:t>
+            </a:r>
+          </a:p>
+          <a:p>
+            <a:pPr marL="457200" lvl="1" indent="0">
+              <a:buNone/>
+            </a:pPr>
+            <a:r>
+              <a:rPr lang="en-US" dirty="0" smtClean="0"/>
+              <a:t>    * Bulk EP #2</a:t>
+            </a:r>
+          </a:p>
+          <a:p>
+            <a:pPr lvl="1"/>
+            <a:r>
+              <a:rPr lang="en-US" b="1" dirty="0" smtClean="0"/>
+              <a:t>Human Interface Device </a:t>
+            </a:r>
+            <a:r>
+              <a:rPr lang="en-US" dirty="0" smtClean="0"/>
+              <a:t>(for </a:t>
+            </a:r>
+            <a:r>
+              <a:rPr lang="en-US" dirty="0"/>
+              <a:t>CMSIS_DAP Debugging )</a:t>
+            </a:r>
+          </a:p>
+          <a:p>
+            <a:pPr marL="457200" lvl="1" indent="0">
+              <a:buNone/>
+            </a:pPr>
+            <a:r>
+              <a:rPr lang="en-US" dirty="0" smtClean="0"/>
+              <a:t>    *INT End points #1</a:t>
+            </a:r>
+          </a:p>
+          <a:p>
+            <a:pPr lvl="1"/>
+            <a:r>
+              <a:rPr lang="en-US" b="1" dirty="0" smtClean="0"/>
+              <a:t>Communication Device Class </a:t>
+            </a:r>
+            <a:r>
+              <a:rPr lang="en-US" dirty="0" smtClean="0"/>
+              <a:t>( for serial </a:t>
+            </a:r>
+            <a:r>
+              <a:rPr lang="en-US" dirty="0" err="1" smtClean="0"/>
+              <a:t>comm</a:t>
+            </a:r>
+            <a:r>
+              <a:rPr lang="en-US" dirty="0" smtClean="0"/>
+              <a:t>, </a:t>
+            </a:r>
+          </a:p>
+          <a:p>
+            <a:pPr marL="457200" lvl="1" indent="0">
+              <a:buNone/>
+            </a:pPr>
+            <a:r>
+              <a:rPr lang="en-US" dirty="0" smtClean="0"/>
+              <a:t>      USB-UART bridge)</a:t>
+            </a:r>
+          </a:p>
+          <a:p>
+            <a:pPr marL="457200" lvl="1" indent="0">
+              <a:buNone/>
+            </a:pPr>
+            <a:r>
+              <a:rPr lang="en-US" dirty="0" smtClean="0"/>
+              <a:t>    *Bulk EP #4</a:t>
+            </a:r>
+          </a:p>
+          <a:p>
+            <a:pPr marL="457200" lvl="1" indent="0">
+              <a:buNone/>
+            </a:pPr>
+            <a:r>
+              <a:rPr lang="en-US" dirty="0"/>
+              <a:t> </a:t>
+            </a:r>
+            <a:r>
+              <a:rPr lang="en-US" dirty="0" smtClean="0"/>
+              <a:t>   *INT IN EP #3 for keep alive messages</a:t>
+            </a:r>
+          </a:p>
+          <a:p>
+            <a:pPr marL="457200" lvl="1" indent="0">
+              <a:buNone/>
+            </a:pPr>
+            <a:endParaRPr lang="en-US" dirty="0"/>
+          </a:p>
+        </p:txBody>
+      </p:sp>
+      <p:sp>
+        <p:nvSpPr>
+          <p:cNvPr id="4" name="Slide Number Placeholder 3"/>
+          <p:cNvSpPr>
+            <a:spLocks noGrp="1"/>
+          </p:cNvSpPr>
+          <p:nvPr>
+            <p:ph type="sldNum" sz="quarter" idx="12"/>
+          </p:nvPr>
+        </p:nvSpPr>
+        <p:spPr/>
+        <p:txBody>
+          <a:bodyPr/>
+          <a:lstStyle/>
+          <a:p>
+            <a:fld id="{7B87B94E-6F5A-4309-83BE-AEC5A78861E0}" type="slidenum">
+              <a:rPr lang="en-US" smtClean="0"/>
+              <a:t>16</a:t>
+            </a:fld>
+            <a:endParaRPr lang="en-US" dirty="0"/>
+          </a:p>
+        </p:txBody>
+      </p:sp>
+    </p:spTree>
+    <p:extLst>
+      <p:ext uri="{BB962C8B-B14F-4D97-AF65-F5344CB8AC3E}">
+        <p14:creationId xmlns:p14="http://schemas.microsoft.com/office/powerpoint/2010/main" val="3231350857"/>
+      </p:ext>
+    </p:extLst>
+  </p:cSld>
+  <p:clrMapOvr>
+    <a:masterClrMapping/>
+  </p:clrMapOvr>
+  <p:timing>
+    <p:tnLst>
+      <p:par>
+        <p:cTn id="1" dur="indefinite" restart="never" nodeType="tmRoot"/>
+      </p:par>
+    </p:tnLst>
+  </p:timing>
+</p:sld>
+</file>
+
+<file path=ppt/slides/slide17.xml><?xml version="1.0" encoding="utf-8"?>
+<p:sld xmlns:a="http://schemas.openxmlformats.org/drawingml/2006/main" xmlns:r="http://schemas.openxmlformats.org/officeDocument/2006/relationships" xmlns:p="http://schemas.openxmlformats.org/presentationml/2006/main">
+  <p:cSld>
+    <p:spTree>
+      <p:nvGrpSpPr>
+        <p:cNvPr id="1" name=""/>
+        <p:cNvGrpSpPr/>
+        <p:nvPr/>
+      </p:nvGrpSpPr>
+      <p:grpSpPr>
+        <a:xfrm>
+          <a:off x="0" y="0"/>
+          <a:ext cx="0" cy="0"/>
+          <a:chOff x="0" y="0"/>
+          <a:chExt cx="0" cy="0"/>
+        </a:xfrm>
+      </p:grpSpPr>
+      <p:sp>
+        <p:nvSpPr>
+          <p:cNvPr id="2" name="Title 1"/>
+          <p:cNvSpPr>
+            <a:spLocks noGrp="1"/>
+          </p:cNvSpPr>
+          <p:nvPr>
+            <p:ph type="title"/>
+          </p:nvPr>
+        </p:nvSpPr>
+        <p:spPr>
+          <a:xfrm>
+            <a:off x="457200" y="76200"/>
             <a:ext cx="8229600" cy="639762"/>
           </a:xfrm>
         </p:spPr>
@@ -8512,9 +10530,32 @@
           </a:p>
         </p:txBody>
       </p:sp>
+      <p:sp>
+        <p:nvSpPr>
+          <p:cNvPr id="3" name="Slide Number Placeholder 2"/>
+          <p:cNvSpPr>
+            <a:spLocks noGrp="1"/>
+          </p:cNvSpPr>
+          <p:nvPr>
+            <p:ph type="sldNum" sz="quarter" idx="12"/>
+          </p:nvPr>
+        </p:nvSpPr>
+        <p:spPr/>
+        <p:txBody>
+          <a:bodyPr/>
+          <a:lstStyle/>
+          <a:p>
+            <a:fld id="{7B87B94E-6F5A-4309-83BE-AEC5A78861E0}" type="slidenum">
+              <a:rPr lang="en-US" smtClean="0"/>
+              <a:t>17</a:t>
+            </a:fld>
+            <a:endParaRPr lang="en-US" dirty="0"/>
+          </a:p>
+        </p:txBody>
+      </p:sp>
       <p:pic>
         <p:nvPicPr>
-          <p:cNvPr id="1027" name="Picture 3"/>
+          <p:cNvPr id="1026" name="Picture 2"/>
           <p:cNvPicPr>
             <a:picLocks noChangeAspect="1" noChangeArrowheads="1"/>
           </p:cNvPicPr>
@@ -8535,8 +10576,8 @@
         </p:blipFill>
         <p:spPr bwMode="auto">
           <a:xfrm>
-            <a:off x="1295400" y="1058766"/>
-            <a:ext cx="6553200" cy="5570633"/>
+            <a:off x="990600" y="838200"/>
+            <a:ext cx="7333397" cy="5729288"/>
           </a:xfrm>
           <a:prstGeom prst="rect">
             <a:avLst/>
@@ -8586,7 +10627,7 @@
 </p:sld>
 </file>
 
-<file path=ppt/slides/slide14.xml><?xml version="1.0" encoding="utf-8"?>
+<file path=ppt/slides/slide18.xml><?xml version="1.0" encoding="utf-8"?>
 <p:sld xmlns:a="http://schemas.openxmlformats.org/drawingml/2006/main" xmlns:r="http://schemas.openxmlformats.org/officeDocument/2006/relationships" xmlns:p="http://schemas.openxmlformats.org/presentationml/2006/main">
   <p:cSld>
     <p:spTree>
@@ -8634,10 +10675,10 @@
         </p:nvGrpSpPr>
         <p:grpSpPr>
           <a:xfrm>
-            <a:off x="838201" y="1524001"/>
-            <a:ext cx="7543800" cy="4267200"/>
+            <a:off x="0" y="1219200"/>
+            <a:ext cx="8991600" cy="5486399"/>
             <a:chOff x="0" y="0"/>
-            <a:chExt cx="6867525" cy="3476625"/>
+            <a:chExt cx="7012800" cy="3792682"/>
           </a:xfrm>
         </p:grpSpPr>
         <p:sp>
@@ -8664,12 +10705,17 @@
           </p:nvSpPr>
           <p:spPr>
             <a:xfrm>
-              <a:off x="0" y="76200"/>
-              <a:ext cx="6800850" cy="3400425"/>
+              <a:off x="59431" y="76199"/>
+              <a:ext cx="6953369" cy="3716483"/>
             </a:xfrm>
             <a:prstGeom prst="rect">
               <a:avLst/>
             </a:prstGeom>
+            <a:solidFill>
+              <a:schemeClr val="bg1">
+                <a:lumMod val="85000"/>
+              </a:schemeClr>
+            </a:solidFill>
             <a:ln/>
           </p:spPr>
           <p:style>
@@ -8695,23 +10741,153 @@
             </a:bodyPr>
             <a:lstStyle/>
             <a:p>
-              <a:pPr marL="0" marR="0">
+              <a:pPr>
                 <a:lnSpc>
                   <a:spcPct val="115000"/>
                 </a:lnSpc>
-                <a:spcBef>
-                  <a:spcPts val="0"/>
-                </a:spcBef>
                 <a:spcAft>
                   <a:spcPts val="1000"/>
                 </a:spcAft>
               </a:pPr>
-              <a:endParaRPr lang="en-US" sz="1200" dirty="0" smtClean="0">
-                <a:effectLst/>
-                <a:latin typeface="Times New Roman"/>
-                <a:ea typeface="Calibri"/>
-                <a:cs typeface="Times New Roman"/>
-              </a:endParaRPr>
+              <a:r>
+                <a:rPr lang="en-US" sz="2400" b="1" dirty="0" smtClean="0">
+                  <a:effectLst/>
+                  <a:latin typeface="Times New Roman"/>
+                  <a:ea typeface="Calibri"/>
+                  <a:cs typeface="Times New Roman"/>
+                </a:rPr>
+                <a:t>USBD_LPC11Uxx.c </a:t>
+              </a:r>
+              <a:r>
+                <a:rPr lang="en-US" sz="2400" dirty="0">
+                  <a:effectLst/>
+                  <a:latin typeface="Times New Roman"/>
+                  <a:ea typeface="Calibri"/>
+                  <a:cs typeface="Times New Roman"/>
+                </a:rPr>
+                <a:t>: </a:t>
+              </a:r>
+              <a:r>
+                <a:rPr lang="en-US" sz="2400" dirty="0" smtClean="0">
+                  <a:effectLst/>
+                  <a:latin typeface="Times New Roman"/>
+                  <a:ea typeface="Calibri"/>
+                  <a:cs typeface="Times New Roman"/>
+                </a:rPr>
+                <a:t>USB Driver Interrupt handler</a:t>
+              </a:r>
+              <a:br>
+                <a:rPr lang="en-US" sz="2400" dirty="0" smtClean="0">
+                  <a:effectLst/>
+                  <a:latin typeface="Times New Roman"/>
+                  <a:ea typeface="Calibri"/>
+                  <a:cs typeface="Times New Roman"/>
+                </a:rPr>
+              </a:br>
+              <a:r>
+                <a:rPr lang="en-US" sz="2400" dirty="0" smtClean="0">
+                  <a:effectLst/>
+                  <a:latin typeface="Times New Roman"/>
+                  <a:ea typeface="Calibri"/>
+                  <a:cs typeface="Times New Roman"/>
+                </a:rPr>
+                <a:t>                                      sets EP OUT Event</a:t>
+              </a:r>
+              <a:r>
+                <a:rPr lang="en-US" sz="2400" dirty="0">
+                  <a:effectLst/>
+                  <a:latin typeface="Times New Roman"/>
+                  <a:ea typeface="Calibri"/>
+                  <a:cs typeface="Times New Roman"/>
+                </a:rPr>
+                <a:t/>
+              </a:r>
+              <a:br>
+                <a:rPr lang="en-US" sz="2400" dirty="0">
+                  <a:effectLst/>
+                  <a:latin typeface="Times New Roman"/>
+                  <a:ea typeface="Calibri"/>
+                  <a:cs typeface="Times New Roman"/>
+                </a:rPr>
+              </a:br>
+              <a:r>
+                <a:rPr lang="en-US" sz="2400" dirty="0">
+                  <a:effectLst/>
+                  <a:latin typeface="Times New Roman"/>
+                  <a:ea typeface="Calibri"/>
+                  <a:cs typeface="Times New Roman"/>
+                </a:rPr>
+                <a:t>	</a:t>
+              </a:r>
+              <a:r>
+                <a:rPr lang="en-US" sz="2400" dirty="0" smtClean="0">
+                  <a:latin typeface="Times New Roman"/>
+                  <a:ea typeface="Calibri"/>
+                  <a:cs typeface="Times New Roman"/>
+                </a:rPr>
+                <a:t> </a:t>
+              </a:r>
+              <a:r>
+                <a:rPr lang="en-US" sz="2400" dirty="0">
+                  <a:effectLst/>
+                  <a:latin typeface="Times New Roman"/>
+                  <a:ea typeface="Calibri"/>
+                  <a:cs typeface="Times New Roman"/>
+                </a:rPr>
+                <a:t/>
+              </a:r>
+              <a:br>
+                <a:rPr lang="en-US" sz="2400" dirty="0">
+                  <a:effectLst/>
+                  <a:latin typeface="Times New Roman"/>
+                  <a:ea typeface="Calibri"/>
+                  <a:cs typeface="Times New Roman"/>
+                </a:rPr>
+              </a:br>
+              <a:r>
+                <a:rPr lang="en-US" sz="2400" b="1" dirty="0">
+                  <a:effectLst/>
+                  <a:latin typeface="Times New Roman"/>
+                  <a:ea typeface="Calibri"/>
+                  <a:cs typeface="Times New Roman"/>
+                </a:rPr>
+                <a:t>USBD_HID.c </a:t>
+              </a:r>
+              <a:r>
+                <a:rPr lang="en-US" sz="2400" dirty="0">
+                  <a:effectLst/>
+                  <a:latin typeface="Times New Roman"/>
+                  <a:ea typeface="Calibri"/>
+                  <a:cs typeface="Times New Roman"/>
+                </a:rPr>
+                <a:t>            : </a:t>
+              </a:r>
+              <a:r>
+                <a:rPr lang="en-US" sz="2400" dirty="0" err="1" smtClean="0">
+                  <a:effectLst/>
+                  <a:latin typeface="Times New Roman"/>
+                  <a:ea typeface="Calibri"/>
+                  <a:cs typeface="Times New Roman"/>
+                </a:rPr>
+                <a:t>HID_EP_INT_Event</a:t>
+              </a:r>
+              <a:r>
+                <a:rPr lang="en-US" sz="2400" dirty="0" smtClean="0">
+                  <a:effectLst/>
+                  <a:latin typeface="Times New Roman"/>
+                  <a:ea typeface="Calibri"/>
+                  <a:cs typeface="Times New Roman"/>
+                </a:rPr>
+                <a:t> () task wakes up</a:t>
+              </a:r>
+              <a:r>
+                <a:rPr lang="en-US" sz="2400" dirty="0" smtClean="0">
+                  <a:latin typeface="Times New Roman"/>
+                  <a:ea typeface="Calibri"/>
+                  <a:cs typeface="Times New Roman"/>
+                </a:rPr>
+                <a:t>                                      		              Invokes USER_HID Callback.</a:t>
+              </a:r>
             </a:p>
             <a:p>
               <a:pPr>
@@ -8723,145 +10899,66 @@
                 </a:spcAft>
               </a:pPr>
               <a:r>
-                <a:rPr lang="en-US" sz="1200" b="1" dirty="0" smtClean="0">
+                <a:rPr lang="en-US" sz="2400" b="1" dirty="0" err="1" smtClean="0">
                   <a:effectLst/>
                   <a:latin typeface="Times New Roman"/>
                   <a:ea typeface="Calibri"/>
                   <a:cs typeface="Times New Roman"/>
                 </a:rPr>
-                <a:t>USBD_LPC11Uxx.c </a:t>
+                <a:t>USB_USER_HID.c</a:t>
               </a:r>
               <a:r>
-                <a:rPr lang="en-US" sz="1200" dirty="0">
+                <a:rPr lang="en-US" sz="2400" dirty="0" smtClean="0">
                   <a:effectLst/>
                   <a:latin typeface="Times New Roman"/>
                   <a:ea typeface="Calibri"/>
                   <a:cs typeface="Times New Roman"/>
                 </a:rPr>
-                <a:t>: USB_IRQHandler()</a:t>
+                <a:t>   </a:t>
               </a:r>
-              <a:br>
-                <a:rPr lang="en-US" sz="1200" dirty="0">
+              <a:r>
+                <a:rPr lang="en-US" sz="2400" dirty="0">
                   <a:effectLst/>
                   <a:latin typeface="Times New Roman"/>
                   <a:ea typeface="Calibri"/>
                   <a:cs typeface="Times New Roman"/>
                 </a:rPr>
-              </a:br>
-              <a:r>
-                <a:rPr lang="en-US" sz="1200" dirty="0">
-                  <a:effectLst/>
-                  <a:latin typeface="Times New Roman"/>
-                  <a:ea typeface="Calibri"/>
-                  <a:cs typeface="Times New Roman"/>
-                </a:rPr>
-                <a:t>	</a:t>
+                <a:t>:</a:t>
               </a:r>
               <a:r>
-                <a:rPr lang="en-US" sz="1200" dirty="0">
-                  <a:latin typeface="Times New Roman"/>
+                <a:rPr lang="en-US" sz="2400" dirty="0">
+                  <a:effectLst/>
                   <a:ea typeface="Calibri"/>
                   <a:cs typeface="Times New Roman"/>
                 </a:rPr>
                 <a:t> </a:t>
               </a:r>
               <a:r>
-                <a:rPr lang="en-US" sz="1200" dirty="0" smtClean="0">
+                <a:rPr lang="en-US" sz="2400" dirty="0" smtClean="0">
                   <a:latin typeface="Times New Roman"/>
                   <a:ea typeface="Calibri"/>
                   <a:cs typeface="Times New Roman"/>
                 </a:rPr>
-                <a:t>            </a:t>
+                <a:t>Sets </a:t>
               </a:r>
               <a:r>
-                <a:rPr lang="en-US" sz="1200" dirty="0" smtClean="0">
-                  <a:effectLst/>
+                <a:rPr lang="en-US" sz="2400" dirty="0">
                   <a:latin typeface="Times New Roman"/>
                   <a:ea typeface="Calibri"/>
                   <a:cs typeface="Times New Roman"/>
                 </a:rPr>
-                <a:t>isr_evt_set(USBD_EVT_OUT </a:t>
+                <a:t>DAP_PAQUET_RECEIVED </a:t>
               </a:r>
               <a:r>
-                <a:rPr lang="en-US" sz="1200" dirty="0">
-                  <a:effectLst/>
+                <a:rPr lang="en-US" sz="2400" dirty="0" smtClean="0">
                   <a:latin typeface="Times New Roman"/>
                   <a:ea typeface="Calibri"/>
                   <a:cs typeface="Times New Roman"/>
                 </a:rPr>
-                <a:t>, USBD_RTX_EPTask[2/2] ) </a:t>
-              </a:r>
-              <a:br>
-                <a:rPr lang="en-US" sz="1200" dirty="0">
-                  <a:effectLst/>
-                  <a:latin typeface="Times New Roman"/>
-                  <a:ea typeface="Calibri"/>
-                  <a:cs typeface="Times New Roman"/>
-                </a:rPr>
-              </a:br>
-              <a:r>
-                <a:rPr lang="en-US" sz="1200" b="1" dirty="0">
-                  <a:effectLst/>
-                  <a:latin typeface="Times New Roman"/>
-                  <a:ea typeface="Calibri"/>
-                  <a:cs typeface="Times New Roman"/>
-                </a:rPr>
-                <a:t>USBD_HID.c </a:t>
+                <a:t>event</a:t>
               </a:r>
               <a:r>
-                <a:rPr lang="en-US" sz="1200" dirty="0">
-                  <a:effectLst/>
-                  <a:latin typeface="Times New Roman"/>
-                  <a:ea typeface="Calibri"/>
-                  <a:cs typeface="Times New Roman"/>
-                </a:rPr>
-                <a:t>            : __task USBD_RTX_HID_EP_INT_Event()           // wakes up</a:t>
-              </a:r>
-              <a:br>
-                <a:rPr lang="en-US" sz="1200" dirty="0">
-                  <a:effectLst/>
-                  <a:latin typeface="Times New Roman"/>
-                  <a:ea typeface="Calibri"/>
-                  <a:cs typeface="Times New Roman"/>
-                </a:rPr>
-              </a:br>
-              <a:r>
-                <a:rPr lang="en-US" sz="1200" dirty="0">
-                  <a:effectLst/>
-                  <a:latin typeface="Times New Roman"/>
-                  <a:ea typeface="Calibri"/>
-                  <a:cs typeface="Times New Roman"/>
-                </a:rPr>
-                <a:t>                                            USBD_HID_EP_INT_Event()</a:t>
-              </a:r>
-              <a:br>
-                <a:rPr lang="en-US" sz="1200" dirty="0">
-                  <a:effectLst/>
-                  <a:latin typeface="Times New Roman"/>
-                  <a:ea typeface="Calibri"/>
-                  <a:cs typeface="Times New Roman"/>
-                </a:rPr>
-              </a:br>
-              <a:r>
-                <a:rPr lang="en-US" sz="1200" dirty="0">
-                  <a:effectLst/>
-                  <a:latin typeface="Times New Roman"/>
-                  <a:ea typeface="Calibri"/>
-                  <a:cs typeface="Times New Roman"/>
-                </a:rPr>
-                <a:t>                                                 USBD_HID_EP_INTOUT_Event</a:t>
-              </a:r>
-              <a:r>
-                <a:rPr lang="en-US" sz="1200" dirty="0" smtClean="0">
-                  <a:effectLst/>
-                  <a:latin typeface="Times New Roman"/>
-                  <a:ea typeface="Calibri"/>
-                  <a:cs typeface="Times New Roman"/>
-                </a:rPr>
-                <a:t>()</a:t>
-              </a:r>
-              <a:r>
-                <a:rPr lang="en-US" sz="1200" dirty="0">
+                <a:rPr lang="en-US" sz="2400" dirty="0">
                   <a:effectLst/>
                   <a:latin typeface="Times New Roman"/>
                   <a:ea typeface="Calibri"/>
@@ -8870,7 +10967,7 @@
                 <a:t/>
               </a:r>
               <a:br>
-                <a:rPr lang="en-US" sz="1200" dirty="0">
+                <a:rPr lang="en-US" sz="2400" dirty="0">
                   <a:effectLst/>
                   <a:latin typeface="Times New Roman"/>
                   <a:ea typeface="Calibri"/>
@@ -8878,42 +10975,52 @@
                 </a:rPr>
               </a:br>
               <a:r>
-                <a:rPr lang="en-US" sz="1200" b="1" dirty="0">
+                <a:rPr lang="en-US" sz="2400" dirty="0">
                   <a:effectLst/>
                   <a:latin typeface="Times New Roman"/>
                   <a:ea typeface="Calibri"/>
                   <a:cs typeface="Times New Roman"/>
                 </a:rPr>
-                <a:t>USB_USER_HID.c</a:t>
+                <a:t>                                      </a:t>
               </a:r>
               <a:r>
-                <a:rPr lang="en-US" sz="1200" dirty="0">
+                <a:rPr lang="en-US" sz="2400" dirty="0" err="1" smtClean="0">
                   <a:effectLst/>
                   <a:latin typeface="Times New Roman"/>
                   <a:ea typeface="Calibri"/>
                   <a:cs typeface="Times New Roman"/>
                 </a:rPr>
-                <a:t>   :</a:t>
+                <a:t>hid_process</a:t>
               </a:r>
               <a:r>
-                <a:rPr lang="en-US" sz="1200" dirty="0">
-                  <a:effectLst/>
-                  <a:ea typeface="Calibri"/>
-                  <a:cs typeface="Times New Roman"/>
-                </a:rPr>
-                <a:t> </a:t>
-              </a:r>
-              <a:r>
-                <a:rPr lang="en-US" sz="1200" dirty="0">
+                <a:rPr lang="en-US" sz="2400" dirty="0">
                   <a:effectLst/>
                   <a:latin typeface="Times New Roman"/>
                   <a:ea typeface="Calibri"/>
                   <a:cs typeface="Times New Roman"/>
                 </a:rPr>
-                <a:t>usbd_hid_set_report()                                             // call back invoked</a:t>
+                <a:t>()  </a:t>
+              </a:r>
+              <a:r>
+                <a:rPr lang="en-US" sz="2400" dirty="0" smtClean="0">
+                  <a:effectLst/>
+                  <a:latin typeface="Times New Roman"/>
+                  <a:ea typeface="Calibri"/>
+                  <a:cs typeface="Times New Roman"/>
+                </a:rPr>
+                <a:t>task wakes up</a:t>
+              </a:r>
+              <a:r>
+                <a:rPr lang="en-US" sz="2400" dirty="0">
+                  <a:effectLst/>
+                  <a:latin typeface="Times New Roman"/>
+                  <a:ea typeface="Calibri"/>
+                  <a:cs typeface="Times New Roman"/>
+                </a:rPr>
+                <a:t/>
               </a:r>
               <a:br>
-                <a:rPr lang="en-US" sz="1200" dirty="0">
+                <a:rPr lang="en-US" sz="2400" dirty="0">
                   <a:effectLst/>
                   <a:latin typeface="Times New Roman"/>
                   <a:ea typeface="Calibri"/>
@@ -8921,16 +11028,16 @@
                 </a:rPr>
               </a:br>
               <a:r>
-                <a:rPr lang="en-US" sz="1200" dirty="0">
+                <a:rPr lang="en-US" sz="2400" dirty="0">
                   <a:effectLst/>
                   <a:latin typeface="Times New Roman"/>
                   <a:ea typeface="Calibri"/>
                   <a:cs typeface="Times New Roman"/>
                 </a:rPr>
-                <a:t>                                           memcpy()                                                          // copy to intermediate buffer</a:t>
+                <a:t/>
               </a:r>
               <a:br>
-                <a:rPr lang="en-US" sz="1200" dirty="0">
+                <a:rPr lang="en-US" sz="2400" dirty="0">
                   <a:effectLst/>
                   <a:latin typeface="Times New Roman"/>
                   <a:ea typeface="Calibri"/>
@@ -8938,58 +11045,7 @@
                 </a:rPr>
               </a:br>
               <a:r>
-                <a:rPr lang="en-US" sz="1200" dirty="0">
-                  <a:effectLst/>
-                  <a:latin typeface="Times New Roman"/>
-                  <a:ea typeface="Calibri"/>
-                  <a:cs typeface="Times New Roman"/>
-                </a:rPr>
-                <a:t>                                           os_evt_set(DAP_PAQUET_RECEIVED, dapTask);</a:t>
-              </a:r>
-              <a:br>
-                <a:rPr lang="en-US" sz="1200" dirty="0">
-                  <a:effectLst/>
-                  <a:latin typeface="Times New Roman"/>
-                  <a:ea typeface="Calibri"/>
-                  <a:cs typeface="Times New Roman"/>
-                </a:rPr>
-              </a:br>
-              <a:r>
-                <a:rPr lang="en-US" sz="1200" dirty="0">
-                  <a:effectLst/>
-                  <a:latin typeface="Times New Roman"/>
-                  <a:ea typeface="Calibri"/>
-                  <a:cs typeface="Times New Roman"/>
-                </a:rPr>
-                <a:t>                                      __task hid_process()                                             // wakes up</a:t>
-              </a:r>
-              <a:br>
-                <a:rPr lang="en-US" sz="1200" dirty="0">
-                  <a:effectLst/>
-                  <a:latin typeface="Times New Roman"/>
-                  <a:ea typeface="Calibri"/>
-                  <a:cs typeface="Times New Roman"/>
-                </a:rPr>
-              </a:br>
-              <a:r>
-                <a:rPr lang="en-US" sz="1200" dirty="0">
-                  <a:effectLst/>
-                  <a:latin typeface="Times New Roman"/>
-                  <a:ea typeface="Calibri"/>
-                  <a:cs typeface="Times New Roman"/>
-                </a:rPr>
-                <a:t>                                            usbd_hid_process()</a:t>
-              </a:r>
-              <a:br>
-                <a:rPr lang="en-US" sz="1200" dirty="0">
-                  <a:effectLst/>
-                  <a:latin typeface="Times New Roman"/>
-                  <a:ea typeface="Calibri"/>
-                  <a:cs typeface="Times New Roman"/>
-                </a:rPr>
-              </a:br>
-              <a:r>
-                <a:rPr lang="en-US" sz="1200" b="1" dirty="0">
+                <a:rPr lang="en-US" sz="2400" b="1" dirty="0">
                   <a:effectLst/>
                   <a:latin typeface="Times New Roman"/>
                   <a:ea typeface="Calibri"/>
@@ -8998,7 +11054,7 @@
                 <a:t>DAP.c  </a:t>
               </a:r>
               <a:r>
-                <a:rPr lang="en-US" sz="1200" dirty="0">
+                <a:rPr lang="en-US" sz="2400" dirty="0">
                   <a:effectLst/>
                   <a:latin typeface="Times New Roman"/>
                   <a:ea typeface="Calibri"/>
@@ -9007,7 +11063,7 @@
                 <a:t>                       : DAP_ProcessCommand(request, response)</a:t>
               </a:r>
               <a:br>
-                <a:rPr lang="en-US" sz="1200" dirty="0">
+                <a:rPr lang="en-US" sz="2400" dirty="0">
                   <a:effectLst/>
                   <a:latin typeface="Times New Roman"/>
                   <a:ea typeface="Calibri"/>
@@ -9015,16 +11071,59 @@
                 </a:rPr>
               </a:br>
               <a:r>
-                <a:rPr lang="en-US" sz="1200" dirty="0">
+                <a:rPr lang="en-US" sz="2400" dirty="0">
                   <a:effectLst/>
                   <a:latin typeface="Times New Roman"/>
                   <a:ea typeface="Calibri"/>
                   <a:cs typeface="Times New Roman"/>
                 </a:rPr>
-                <a:t>			    DAP_SWD_Transfer(request, response)</a:t>
+                <a:t>		</a:t>
+              </a:r>
+              <a:r>
+                <a:rPr lang="en-US" sz="2400" dirty="0">
+                  <a:latin typeface="Times New Roman"/>
+                  <a:ea typeface="Calibri"/>
+                  <a:cs typeface="Times New Roman"/>
+                </a:rPr>
+                <a:t> </a:t>
+              </a:r>
+              <a:r>
+                <a:rPr lang="en-US" sz="2400" dirty="0" smtClean="0">
+                  <a:latin typeface="Times New Roman"/>
+                  <a:ea typeface="Calibri"/>
+                  <a:cs typeface="Times New Roman"/>
+                </a:rPr>
+                <a:t>           </a:t>
+              </a:r>
+              <a:r>
+                <a:rPr lang="en-US" sz="2400" dirty="0" err="1" smtClean="0">
+                  <a:effectLst/>
+                  <a:latin typeface="Times New Roman"/>
+                  <a:ea typeface="Calibri"/>
+                  <a:cs typeface="Times New Roman"/>
+                </a:rPr>
+                <a:t>DAP_SWD_Transfer</a:t>
+              </a:r>
+              <a:r>
+                <a:rPr lang="en-US" sz="2400" dirty="0" smtClean="0">
+                  <a:effectLst/>
+                  <a:latin typeface="Times New Roman"/>
+                  <a:ea typeface="Calibri"/>
+                  <a:cs typeface="Times New Roman"/>
+                </a:rPr>
+                <a:t>(request</a:t>
+              </a:r>
+              <a:r>
+                <a:rPr lang="en-US" sz="2400" dirty="0">
+                  <a:effectLst/>
+                  <a:latin typeface="Times New Roman"/>
+                  <a:ea typeface="Calibri"/>
+                  <a:cs typeface="Times New Roman"/>
+                </a:rPr>
+                <a:t>, response)</a:t>
               </a:r>
               <a:br>
-                <a:rPr lang="en-US" sz="1200" dirty="0">
+                <a:rPr lang="en-US" sz="2400" dirty="0">
                   <a:effectLst/>
                   <a:latin typeface="Times New Roman"/>
                   <a:ea typeface="Calibri"/>
@@ -9032,7 +11131,7 @@
                 </a:rPr>
               </a:br>
               <a:r>
-                <a:rPr lang="en-US" sz="1200" b="1" dirty="0">
+                <a:rPr lang="en-US" sz="2400" b="1" dirty="0">
                   <a:effectLst/>
                   <a:latin typeface="Times New Roman"/>
                   <a:ea typeface="Calibri"/>
@@ -9041,64 +11140,43 @@
                 <a:t>SW_DP.C</a:t>
               </a:r>
               <a:r>
-                <a:rPr lang="en-US" sz="1200" dirty="0">
+                <a:rPr lang="en-US" sz="2400" dirty="0">
                   <a:effectLst/>
                   <a:latin typeface="Times New Roman"/>
                   <a:ea typeface="Calibri"/>
                   <a:cs typeface="Times New Roman"/>
                 </a:rPr>
-                <a:t>                                 SWD_Transfer(request, response)    // called once for each request in DAP Cmd</a:t>
+                <a:t>           </a:t>
               </a:r>
-              <a:br>
-                <a:rPr lang="en-US" sz="1200" dirty="0">
+              <a:r>
+                <a:rPr lang="en-US" sz="2400" dirty="0" smtClean="0">
                   <a:effectLst/>
                   <a:latin typeface="Times New Roman"/>
                   <a:ea typeface="Calibri"/>
                   <a:cs typeface="Times New Roman"/>
                 </a:rPr>
-              </a:br>
+                <a:t>        :  </a:t>
+              </a:r>
               <a:r>
-                <a:rPr lang="en-US" sz="1200" dirty="0">
+                <a:rPr lang="en-US" sz="2400" dirty="0">
                   <a:effectLst/>
                   <a:latin typeface="Times New Roman"/>
                   <a:ea typeface="Calibri"/>
                   <a:cs typeface="Times New Roman"/>
                 </a:rPr>
-                <a:t>                                                       SW_WRITE_BIT</a:t>
+                <a:t>SWD_Transfer(request, response</a:t>
               </a:r>
               <a:r>
-                <a:rPr lang="en-US" sz="1200" dirty="0">
+                <a:rPr lang="en-US" sz="2400" dirty="0" smtClean="0">
+                  <a:effectLst/>
                   <a:latin typeface="Times New Roman"/>
                   <a:ea typeface="Calibri"/>
                   <a:cs typeface="Times New Roman"/>
                 </a:rPr>
-                <a:t>()</a:t>
-              </a:r>
-              <a:br>
-                <a:rPr lang="en-US" sz="1200" dirty="0">
-                  <a:latin typeface="Times New Roman"/>
-                  <a:ea typeface="Calibri"/>
-                  <a:cs typeface="Times New Roman"/>
-                </a:rPr>
-              </a:br>
-              <a:r>
-                <a:rPr lang="en-US" sz="1200" dirty="0">
-                  <a:latin typeface="Times New Roman"/>
-                  <a:ea typeface="Calibri"/>
-                  <a:cs typeface="Times New Roman"/>
-                </a:rPr>
-                <a:t>                                                            </a:t>
+                <a:t>)</a:t>
               </a:r>
               <a:r>
-                <a:rPr lang="en-US" sz="1200" dirty="0" smtClean="0">
-                  <a:latin typeface="Times New Roman"/>
-                  <a:ea typeface="Calibri"/>
-                  <a:cs typeface="Times New Roman"/>
-                </a:rPr>
-                <a:t>PIN_SWDIO_OUT()</a:t>
-              </a:r>
-              <a:r>
-                <a:rPr lang="en-US" sz="1200" dirty="0">
+                <a:rPr lang="en-US" sz="2400" dirty="0">
                   <a:effectLst/>
                   <a:latin typeface="Times New Roman"/>
                   <a:ea typeface="Calibri"/>
@@ -9107,7 +11185,7 @@
                 <a:t/>
               </a:r>
               <a:br>
-                <a:rPr lang="en-US" sz="1200" dirty="0">
+                <a:rPr lang="en-US" sz="2400" dirty="0">
                   <a:effectLst/>
                   <a:latin typeface="Times New Roman"/>
                   <a:ea typeface="Calibri"/>
@@ -9115,33 +11193,39 @@
                 </a:rPr>
               </a:br>
               <a:r>
-                <a:rPr lang="en-US" sz="1200" dirty="0">
+                <a:rPr lang="en-US" sz="2400" dirty="0">
                   <a:effectLst/>
                   <a:latin typeface="Times New Roman"/>
                   <a:ea typeface="Calibri"/>
                   <a:cs typeface="Times New Roman"/>
                 </a:rPr>
-                <a:t>                                                       </a:t>
+                <a:t>                                             </a:t>
               </a:r>
               <a:r>
-                <a:rPr lang="en-US" sz="1200" dirty="0" smtClean="0">
+                <a:rPr lang="en-US" sz="2400" dirty="0" smtClean="0">
                   <a:effectLst/>
                   <a:latin typeface="Times New Roman"/>
                   <a:ea typeface="Calibri"/>
                   <a:cs typeface="Times New Roman"/>
                 </a:rPr>
-                <a:t>     PIN_DELAY</a:t>
+                <a:t>SW_WRITE_BIT</a:t>
               </a:r>
               <a:r>
-                <a:rPr lang="en-US" sz="1200" dirty="0">
-                  <a:effectLst/>
+                <a:rPr lang="en-US" sz="2400" dirty="0">
                   <a:latin typeface="Times New Roman"/>
                   <a:ea typeface="Calibri"/>
                   <a:cs typeface="Times New Roman"/>
                 </a:rPr>
                 <a:t>()</a:t>
               </a:r>
-              <a:endParaRPr lang="en-US" sz="1200" dirty="0">
+              <a:br>
+                <a:rPr lang="en-US" sz="2400" dirty="0">
+                  <a:latin typeface="Times New Roman"/>
+                  <a:ea typeface="Calibri"/>
+                  <a:cs typeface="Times New Roman"/>
+                </a:rPr>
+              </a:br>
+              <a:endParaRPr lang="en-US" sz="2400" dirty="0">
                 <a:effectLst/>
                 <a:ea typeface="Calibri"/>
                 <a:cs typeface="Times New Roman"/>
@@ -9150,6 +11234,29 @@
           </p:txBody>
         </p:sp>
       </p:grpSp>
+      <p:sp>
+        <p:nvSpPr>
+          <p:cNvPr id="3" name="Slide Number Placeholder 2"/>
+          <p:cNvSpPr>
+            <a:spLocks noGrp="1"/>
+          </p:cNvSpPr>
+          <p:nvPr>
+            <p:ph type="sldNum" sz="quarter" idx="12"/>
+          </p:nvPr>
+        </p:nvSpPr>
+        <p:spPr/>
+        <p:txBody>
+          <a:bodyPr/>
+          <a:lstStyle/>
+          <a:p>
+            <a:fld id="{7B87B94E-6F5A-4309-83BE-AEC5A78861E0}" type="slidenum">
+              <a:rPr lang="en-US" smtClean="0"/>
+              <a:t>18</a:t>
+            </a:fld>
+            <a:endParaRPr lang="en-US" dirty="0"/>
+          </a:p>
+        </p:txBody>
+      </p:sp>
     </p:spTree>
     <p:extLst>
       <p:ext uri="{BB962C8B-B14F-4D97-AF65-F5344CB8AC3E}">
@@ -9170,7 +11277,323 @@
 </p:sld>
 </file>
 
-<file path=ppt/slides/slide15.xml><?xml version="1.0" encoding="utf-8"?>
+<file path=ppt/slides/slide19.xml><?xml version="1.0" encoding="utf-8"?>
+<p:sld xmlns:a="http://schemas.openxmlformats.org/drawingml/2006/main" xmlns:r="http://schemas.openxmlformats.org/officeDocument/2006/relationships" xmlns:p="http://schemas.openxmlformats.org/presentationml/2006/main">
+  <p:cSld>
+    <p:spTree>
+      <p:nvGrpSpPr>
+        <p:cNvPr id="1" name=""/>
+        <p:cNvGrpSpPr/>
+        <p:nvPr/>
+      </p:nvGrpSpPr>
+      <p:grpSpPr>
+        <a:xfrm>
+          <a:off x="0" y="0"/>
+          <a:ext cx="0" cy="0"/>
+          <a:chOff x="0" y="0"/>
+          <a:chExt cx="0" cy="0"/>
+        </a:xfrm>
+      </p:grpSpPr>
+      <p:sp>
+        <p:nvSpPr>
+          <p:cNvPr id="2" name="Title 1"/>
+          <p:cNvSpPr>
+            <a:spLocks noGrp="1"/>
+          </p:cNvSpPr>
+          <p:nvPr>
+            <p:ph type="title"/>
+          </p:nvPr>
+        </p:nvSpPr>
+        <p:spPr/>
+        <p:txBody>
+          <a:bodyPr>
+            <a:normAutofit/>
+          </a:bodyPr>
+          <a:lstStyle/>
+          <a:p>
+            <a:r>
+              <a:rPr lang="en-US" sz="6600" dirty="0" smtClean="0"/>
+              <a:t>Contents</a:t>
+            </a:r>
+            <a:endParaRPr lang="en-US" sz="6600" dirty="0"/>
+          </a:p>
+        </p:txBody>
+      </p:sp>
+      <p:sp>
+        <p:nvSpPr>
+          <p:cNvPr id="3" name="Content Placeholder 2"/>
+          <p:cNvSpPr>
+            <a:spLocks noGrp="1"/>
+          </p:cNvSpPr>
+          <p:nvPr>
+            <p:ph idx="1"/>
+          </p:nvPr>
+        </p:nvSpPr>
+        <p:spPr/>
+        <p:txBody>
+          <a:bodyPr>
+            <a:normAutofit lnSpcReduction="10000"/>
+          </a:bodyPr>
+          <a:lstStyle/>
+          <a:p>
+            <a:r>
+              <a:rPr lang="en-US" sz="4000" b="1" dirty="0"/>
+              <a:t>Introduction</a:t>
+            </a:r>
+          </a:p>
+          <a:p>
+            <a:r>
+              <a:rPr lang="en-US" sz="4000" b="1" dirty="0" smtClean="0"/>
+              <a:t>GDB Internals</a:t>
+            </a:r>
+          </a:p>
+          <a:p>
+            <a:r>
+              <a:rPr lang="en-US" sz="4000" b="1" dirty="0" err="1"/>
+              <a:t>pyOCD</a:t>
+            </a:r>
+            <a:r>
+              <a:rPr lang="en-US" sz="4000" b="1" dirty="0"/>
+              <a:t> Internals</a:t>
+            </a:r>
+          </a:p>
+          <a:p>
+            <a:r>
+              <a:rPr lang="en-US" sz="4000" b="1" dirty="0" err="1"/>
+              <a:t>cmsis_DAP</a:t>
+            </a:r>
+            <a:r>
+              <a:rPr lang="en-US" sz="4000" b="1" dirty="0"/>
+              <a:t> Interface Internals</a:t>
+            </a:r>
+          </a:p>
+          <a:p>
+            <a:r>
+              <a:rPr lang="en-US" sz="5400" b="1" dirty="0">
+                <a:solidFill>
+                  <a:schemeClr val="accent1"/>
+                </a:solidFill>
+              </a:rPr>
+              <a:t>Serial Wire Debug </a:t>
+            </a:r>
+            <a:r>
+              <a:rPr lang="en-US" sz="5400" b="1" dirty="0" smtClean="0">
+                <a:solidFill>
+                  <a:schemeClr val="accent1"/>
+                </a:solidFill>
+              </a:rPr>
+              <a:t>Protocol</a:t>
+            </a:r>
+          </a:p>
+          <a:p>
+            <a:r>
+              <a:rPr lang="en-US" sz="4000" b="1" dirty="0"/>
+              <a:t>Conclusion</a:t>
+            </a:r>
+          </a:p>
+          <a:p>
+            <a:endParaRPr lang="en-US" b="1" dirty="0"/>
+          </a:p>
+        </p:txBody>
+      </p:sp>
+      <p:sp>
+        <p:nvSpPr>
+          <p:cNvPr id="4" name="Slide Number Placeholder 3"/>
+          <p:cNvSpPr>
+            <a:spLocks noGrp="1"/>
+          </p:cNvSpPr>
+          <p:nvPr>
+            <p:ph type="sldNum" sz="quarter" idx="12"/>
+          </p:nvPr>
+        </p:nvSpPr>
+        <p:spPr/>
+        <p:txBody>
+          <a:bodyPr/>
+          <a:lstStyle/>
+          <a:p>
+            <a:fld id="{7B87B94E-6F5A-4309-83BE-AEC5A78861E0}" type="slidenum">
+              <a:rPr lang="en-US" smtClean="0"/>
+              <a:t>19</a:t>
+            </a:fld>
+            <a:endParaRPr lang="en-US" dirty="0"/>
+          </a:p>
+        </p:txBody>
+      </p:sp>
+    </p:spTree>
+    <p:extLst>
+      <p:ext uri="{BB962C8B-B14F-4D97-AF65-F5344CB8AC3E}">
+        <p14:creationId xmlns:p14="http://schemas.microsoft.com/office/powerpoint/2010/main" val="1953076288"/>
+      </p:ext>
+    </p:extLst>
+  </p:cSld>
+  <p:clrMapOvr>
+    <a:masterClrMapping/>
+  </p:clrMapOvr>
+  <p:timing>
+    <p:tnLst>
+      <p:par>
+        <p:cTn id="1" dur="indefinite" restart="never" nodeType="tmRoot"/>
+      </p:par>
+    </p:tnLst>
+  </p:timing>
+</p:sld>
+</file>
+
+<file path=ppt/slides/slide2.xml><?xml version="1.0" encoding="utf-8"?>
+<p:sld xmlns:a="http://schemas.openxmlformats.org/drawingml/2006/main" xmlns:r="http://schemas.openxmlformats.org/officeDocument/2006/relationships" xmlns:p="http://schemas.openxmlformats.org/presentationml/2006/main">
+  <p:cSld>
+    <p:spTree>
+      <p:nvGrpSpPr>
+        <p:cNvPr id="1" name=""/>
+        <p:cNvGrpSpPr/>
+        <p:nvPr/>
+      </p:nvGrpSpPr>
+      <p:grpSpPr>
+        <a:xfrm>
+          <a:off x="0" y="0"/>
+          <a:ext cx="0" cy="0"/>
+          <a:chOff x="0" y="0"/>
+          <a:chExt cx="0" cy="0"/>
+        </a:xfrm>
+      </p:grpSpPr>
+      <p:sp>
+        <p:nvSpPr>
+          <p:cNvPr id="2" name="Title 1"/>
+          <p:cNvSpPr>
+            <a:spLocks noGrp="1"/>
+          </p:cNvSpPr>
+          <p:nvPr>
+            <p:ph type="title"/>
+          </p:nvPr>
+        </p:nvSpPr>
+        <p:spPr/>
+        <p:txBody>
+          <a:bodyPr>
+            <a:normAutofit/>
+          </a:bodyPr>
+          <a:lstStyle/>
+          <a:p>
+            <a:r>
+              <a:rPr lang="en-US" sz="6600" dirty="0" smtClean="0"/>
+              <a:t>Contents</a:t>
+            </a:r>
+            <a:endParaRPr lang="en-US" sz="6600" dirty="0"/>
+          </a:p>
+        </p:txBody>
+      </p:sp>
+      <p:sp>
+        <p:nvSpPr>
+          <p:cNvPr id="3" name="Content Placeholder 2"/>
+          <p:cNvSpPr>
+            <a:spLocks noGrp="1"/>
+          </p:cNvSpPr>
+          <p:nvPr>
+            <p:ph idx="1"/>
+          </p:nvPr>
+        </p:nvSpPr>
+        <p:spPr/>
+        <p:txBody>
+          <a:bodyPr>
+            <a:normAutofit lnSpcReduction="10000"/>
+          </a:bodyPr>
+          <a:lstStyle/>
+          <a:p>
+            <a:r>
+              <a:rPr lang="en-US" sz="5400" b="1" dirty="0" smtClean="0">
+                <a:solidFill>
+                  <a:schemeClr val="accent1"/>
+                </a:solidFill>
+              </a:rPr>
+              <a:t>Introduction</a:t>
+            </a:r>
+          </a:p>
+          <a:p>
+            <a:r>
+              <a:rPr lang="en-US" sz="4000" b="1" dirty="0" smtClean="0"/>
+              <a:t>GDB Internals</a:t>
+            </a:r>
+          </a:p>
+          <a:p>
+            <a:r>
+              <a:rPr lang="en-US" sz="4000" b="1" dirty="0" err="1" smtClean="0"/>
+              <a:t>pyOCD</a:t>
+            </a:r>
+            <a:r>
+              <a:rPr lang="en-US" sz="4000" b="1" dirty="0" smtClean="0"/>
+              <a:t> Internals</a:t>
+            </a:r>
+          </a:p>
+          <a:p>
+            <a:r>
+              <a:rPr lang="en-US" sz="4000" b="1" dirty="0" err="1" smtClean="0"/>
+              <a:t>cmsis_DAP</a:t>
+            </a:r>
+            <a:r>
+              <a:rPr lang="en-US" sz="4000" b="1" dirty="0" smtClean="0"/>
+              <a:t> Interface Internals</a:t>
+            </a:r>
+          </a:p>
+          <a:p>
+            <a:r>
+              <a:rPr lang="en-US" sz="4000" b="1" dirty="0" smtClean="0"/>
+              <a:t>Serial Wire Debug Protocol</a:t>
+            </a:r>
+          </a:p>
+          <a:p>
+            <a:r>
+              <a:rPr lang="en-US" sz="4000" b="1" dirty="0" smtClean="0"/>
+              <a:t>Conclusion</a:t>
+            </a:r>
+          </a:p>
+          <a:p>
+            <a:endParaRPr lang="en-US" b="1" dirty="0"/>
+          </a:p>
+        </p:txBody>
+      </p:sp>
+      <p:sp>
+        <p:nvSpPr>
+          <p:cNvPr id="4" name="Slide Number Placeholder 3"/>
+          <p:cNvSpPr>
+            <a:spLocks noGrp="1"/>
+          </p:cNvSpPr>
+          <p:nvPr>
+            <p:ph type="sldNum" sz="quarter" idx="12"/>
+          </p:nvPr>
+        </p:nvSpPr>
+        <p:spPr/>
+        <p:txBody>
+          <a:bodyPr/>
+          <a:lstStyle/>
+          <a:p>
+            <a:fld id="{7B87B94E-6F5A-4309-83BE-AEC5A78861E0}" type="slidenum">
+              <a:rPr lang="en-US" smtClean="0"/>
+              <a:t>2</a:t>
+            </a:fld>
+            <a:endParaRPr lang="en-US" dirty="0"/>
+          </a:p>
+        </p:txBody>
+      </p:sp>
+    </p:spTree>
+    <p:extLst>
+      <p:ext uri="{BB962C8B-B14F-4D97-AF65-F5344CB8AC3E}">
+        <p14:creationId xmlns:p14="http://schemas.microsoft.com/office/powerpoint/2010/main" val="1666333399"/>
+      </p:ext>
+    </p:extLst>
+  </p:cSld>
+  <p:clrMapOvr>
+    <a:masterClrMapping/>
+  </p:clrMapOvr>
+  <p:timing>
+    <p:tnLst>
+      <p:par>
+        <p:cTn id="1" dur="indefinite" restart="never" nodeType="tmRoot"/>
+      </p:par>
+    </p:tnLst>
+  </p:timing>
+</p:sld>
+</file>
+
+<file path=ppt/slides/slide20.xml><?xml version="1.0" encoding="utf-8"?>
 <p:sld xmlns:a="http://schemas.openxmlformats.org/drawingml/2006/main" xmlns:r="http://schemas.openxmlformats.org/officeDocument/2006/relationships" xmlns:p="http://schemas.openxmlformats.org/presentationml/2006/main">
   <p:cSld>
     <p:spTree>
@@ -10576,6 +12999,29 @@
           </a:extLst>
         </p:spPr>
       </p:pic>
+      <p:sp>
+        <p:nvSpPr>
+          <p:cNvPr id="4" name="Slide Number Placeholder 3"/>
+          <p:cNvSpPr>
+            <a:spLocks noGrp="1"/>
+          </p:cNvSpPr>
+          <p:nvPr>
+            <p:ph type="sldNum" sz="quarter" idx="12"/>
+          </p:nvPr>
+        </p:nvSpPr>
+        <p:spPr/>
+        <p:txBody>
+          <a:bodyPr/>
+          <a:lstStyle/>
+          <a:p>
+            <a:fld id="{7B87B94E-6F5A-4309-83BE-AEC5A78861E0}" type="slidenum">
+              <a:rPr lang="en-US" smtClean="0"/>
+              <a:t>20</a:t>
+            </a:fld>
+            <a:endParaRPr lang="en-US" dirty="0"/>
+          </a:p>
+        </p:txBody>
+      </p:sp>
     </p:spTree>
     <p:extLst>
       <p:ext uri="{BB962C8B-B14F-4D97-AF65-F5344CB8AC3E}">
@@ -10596,7 +13042,1972 @@
 </p:sld>
 </file>
 
-<file path=ppt/slides/slide16.xml><?xml version="1.0" encoding="utf-8"?>
+<file path=ppt/slides/slide21.xml><?xml version="1.0" encoding="utf-8"?>
+<p:sld xmlns:a="http://schemas.openxmlformats.org/drawingml/2006/main" xmlns:r="http://schemas.openxmlformats.org/officeDocument/2006/relationships" xmlns:p="http://schemas.openxmlformats.org/presentationml/2006/main">
+  <p:cSld>
+    <p:spTree>
+      <p:nvGrpSpPr>
+        <p:cNvPr id="1" name=""/>
+        <p:cNvGrpSpPr/>
+        <p:nvPr/>
+      </p:nvGrpSpPr>
+      <p:grpSpPr>
+        <a:xfrm>
+          <a:off x="0" y="0"/>
+          <a:ext cx="0" cy="0"/>
+          <a:chOff x="0" y="0"/>
+          <a:chExt cx="0" cy="0"/>
+        </a:xfrm>
+      </p:grpSpPr>
+      <p:sp>
+        <p:nvSpPr>
+          <p:cNvPr id="5" name="Rectangle 4"/>
+          <p:cNvSpPr/>
+          <p:nvPr/>
+        </p:nvSpPr>
+        <p:spPr>
+          <a:xfrm>
+            <a:off x="228601" y="1438835"/>
+            <a:ext cx="8763000" cy="3514165"/>
+          </a:xfrm>
+          <a:prstGeom prst="rect">
+            <a:avLst/>
+          </a:prstGeom>
+        </p:spPr>
+        <p:style>
+          <a:lnRef idx="1">
+            <a:schemeClr val="dk1"/>
+          </a:lnRef>
+          <a:fillRef idx="2">
+            <a:schemeClr val="dk1"/>
+          </a:fillRef>
+          <a:effectRef idx="1">
+            <a:schemeClr val="dk1"/>
+          </a:effectRef>
+          <a:fontRef idx="minor">
+            <a:schemeClr val="dk1"/>
+          </a:fontRef>
+        </p:style>
+        <p:txBody>
+          <a:bodyPr rtlCol="0" anchor="t" anchorCtr="0"/>
+          <a:lstStyle/>
+          <a:p>
+            <a:pPr algn="ctr"/>
+            <a:r>
+              <a:rPr lang="en-US" sz="2400" b="1" dirty="0" smtClean="0"/>
+              <a:t>                              </a:t>
+            </a:r>
+          </a:p>
+          <a:p>
+            <a:pPr algn="ctr"/>
+            <a:r>
+              <a:rPr lang="en-US" sz="2400" b="1" dirty="0"/>
+              <a:t> </a:t>
+            </a:r>
+            <a:r>
+              <a:rPr lang="en-US" sz="2400" b="1" dirty="0" smtClean="0"/>
+              <a:t>                                                                        </a:t>
+            </a:r>
+            <a:endParaRPr lang="en-US" b="1" dirty="0"/>
+          </a:p>
+        </p:txBody>
+      </p:sp>
+      <p:sp>
+        <p:nvSpPr>
+          <p:cNvPr id="2" name="Title 1"/>
+          <p:cNvSpPr>
+            <a:spLocks noGrp="1"/>
+          </p:cNvSpPr>
+          <p:nvPr>
+            <p:ph type="title"/>
+          </p:nvPr>
+        </p:nvSpPr>
+        <p:spPr>
+          <a:xfrm>
+            <a:off x="457200" y="0"/>
+            <a:ext cx="8229600" cy="838200"/>
+          </a:xfrm>
+        </p:spPr>
+        <p:txBody>
+          <a:bodyPr/>
+          <a:lstStyle/>
+          <a:p>
+            <a:r>
+              <a:rPr lang="en-US" dirty="0" smtClean="0"/>
+              <a:t>Debug Access Port</a:t>
+            </a:r>
+            <a:endParaRPr lang="en-US" dirty="0"/>
+          </a:p>
+        </p:txBody>
+      </p:sp>
+      <p:graphicFrame>
+        <p:nvGraphicFramePr>
+          <p:cNvPr id="4" name="Content Placeholder 3"/>
+          <p:cNvGraphicFramePr>
+            <a:graphicFrameLocks noGrp="1"/>
+          </p:cNvGraphicFramePr>
+          <p:nvPr>
+            <p:ph idx="1"/>
+            <p:extLst>
+              <p:ext uri="{D42A27DB-BD31-4B8C-83A1-F6EECF244321}">
+                <p14:modId xmlns:p14="http://schemas.microsoft.com/office/powerpoint/2010/main" val="1309859786"/>
+              </p:ext>
+            </p:extLst>
+          </p:nvPr>
+        </p:nvGraphicFramePr>
+        <p:xfrm>
+          <a:off x="1066800" y="853440"/>
+          <a:ext cx="4419600" cy="365760"/>
+        </p:xfrm>
+        <a:graphic>
+          <a:graphicData uri="http://schemas.openxmlformats.org/drawingml/2006/table">
+            <a:tbl>
+              <a:tblPr firstRow="1" bandRow="1">
+                <a:tableStyleId>{616DA210-FB5B-4158-B5E0-FEB733F419BA}</a:tableStyleId>
+              </a:tblPr>
+              <a:tblGrid>
+                <a:gridCol w="1104900"/>
+                <a:gridCol w="1104900"/>
+                <a:gridCol w="1104900"/>
+                <a:gridCol w="1104900"/>
+              </a:tblGrid>
+              <a:tr h="304800">
+                <a:tc>
+                  <a:txBody>
+                    <a:bodyPr/>
+                    <a:lstStyle/>
+                    <a:p>
+                      <a:pPr algn="ctr"/>
+                      <a:r>
+                        <a:rPr lang="en-US" dirty="0" smtClean="0"/>
+                        <a:t>Data [32]</a:t>
+                      </a:r>
+                      <a:endParaRPr lang="en-US" dirty="0"/>
+                    </a:p>
+                  </a:txBody>
+                  <a:tcPr/>
+                </a:tc>
+                <a:tc>
+                  <a:txBody>
+                    <a:bodyPr/>
+                    <a:lstStyle/>
+                    <a:p>
+                      <a:pPr algn="ctr"/>
+                      <a:r>
+                        <a:rPr lang="en-US" dirty="0" smtClean="0"/>
+                        <a:t>A[3:2]</a:t>
+                      </a:r>
+                      <a:endParaRPr lang="en-US" dirty="0"/>
+                    </a:p>
+                  </a:txBody>
+                  <a:tcPr/>
+                </a:tc>
+                <a:tc>
+                  <a:txBody>
+                    <a:bodyPr/>
+                    <a:lstStyle/>
+                    <a:p>
+                      <a:pPr algn="ctr"/>
+                      <a:r>
+                        <a:rPr lang="en-US" dirty="0" err="1" smtClean="0"/>
+                        <a:t>RnW</a:t>
+                      </a:r>
+                      <a:endParaRPr lang="en-US" dirty="0"/>
+                    </a:p>
+                  </a:txBody>
+                  <a:tcPr/>
+                </a:tc>
+                <a:tc>
+                  <a:txBody>
+                    <a:bodyPr/>
+                    <a:lstStyle/>
+                    <a:p>
+                      <a:pPr algn="ctr"/>
+                      <a:r>
+                        <a:rPr lang="en-US" dirty="0" err="1" smtClean="0"/>
+                        <a:t>APnDP</a:t>
+                      </a:r>
+                      <a:endParaRPr lang="en-US" dirty="0"/>
+                    </a:p>
+                  </a:txBody>
+                  <a:tcPr/>
+                </a:tc>
+              </a:tr>
+            </a:tbl>
+          </a:graphicData>
+        </a:graphic>
+      </p:graphicFrame>
+      <p:sp>
+        <p:nvSpPr>
+          <p:cNvPr id="9" name="Rectangle 8"/>
+          <p:cNvSpPr/>
+          <p:nvPr/>
+        </p:nvSpPr>
+        <p:spPr>
+          <a:xfrm>
+            <a:off x="762000" y="3276600"/>
+            <a:ext cx="2988990" cy="1600200"/>
+          </a:xfrm>
+          <a:prstGeom prst="rect">
+            <a:avLst/>
+          </a:prstGeom>
+        </p:spPr>
+        <p:style>
+          <a:lnRef idx="2">
+            <a:schemeClr val="dk1"/>
+          </a:lnRef>
+          <a:fillRef idx="1">
+            <a:schemeClr val="lt1"/>
+          </a:fillRef>
+          <a:effectRef idx="0">
+            <a:schemeClr val="dk1"/>
+          </a:effectRef>
+          <a:fontRef idx="minor">
+            <a:schemeClr val="dk1"/>
+          </a:fontRef>
+        </p:style>
+        <p:txBody>
+          <a:bodyPr rtlCol="0" anchor="t" anchorCtr="0"/>
+          <a:lstStyle/>
+          <a:p>
+            <a:r>
+              <a:rPr lang="en-US" dirty="0"/>
+              <a:t>AHB AP </a:t>
+            </a:r>
+          </a:p>
+        </p:txBody>
+      </p:sp>
+      <p:graphicFrame>
+        <p:nvGraphicFramePr>
+          <p:cNvPr id="8" name="Table 7"/>
+          <p:cNvGraphicFramePr>
+            <a:graphicFrameLocks noGrp="1"/>
+          </p:cNvGraphicFramePr>
+          <p:nvPr>
+            <p:extLst>
+              <p:ext uri="{D42A27DB-BD31-4B8C-83A1-F6EECF244321}">
+                <p14:modId xmlns:p14="http://schemas.microsoft.com/office/powerpoint/2010/main" val="3293759061"/>
+              </p:ext>
+            </p:extLst>
+          </p:nvPr>
+        </p:nvGraphicFramePr>
+        <p:xfrm>
+          <a:off x="2133600" y="3581400"/>
+          <a:ext cx="1012490" cy="1171341"/>
+        </p:xfrm>
+        <a:graphic>
+          <a:graphicData uri="http://schemas.openxmlformats.org/drawingml/2006/table">
+            <a:tbl>
+              <a:tblPr firstRow="1" bandRow="1">
+                <a:tableStyleId>{BC89EF96-8CEA-46FF-86C4-4CE0E7609802}</a:tableStyleId>
+              </a:tblPr>
+              <a:tblGrid>
+                <a:gridCol w="208280"/>
+                <a:gridCol w="275864"/>
+                <a:gridCol w="275864"/>
+                <a:gridCol w="252482"/>
+              </a:tblGrid>
+              <a:tr h="304800">
+                <a:tc gridSpan="4">
+                  <a:txBody>
+                    <a:bodyPr/>
+                    <a:lstStyle/>
+                    <a:p>
+                      <a:pPr algn="ctr"/>
+                      <a:r>
+                        <a:rPr lang="en-US" sz="1400" baseline="0" dirty="0" smtClean="0"/>
+                        <a:t>Bank1</a:t>
+                      </a:r>
+                      <a:endParaRPr lang="en-US" sz="1400" dirty="0"/>
+                    </a:p>
+                  </a:txBody>
+                  <a:tcPr/>
+                </a:tc>
+                <a:tc hMerge="1">
+                  <a:txBody>
+                    <a:bodyPr/>
+                    <a:lstStyle/>
+                    <a:p>
+                      <a:endParaRPr lang="en-US"/>
+                    </a:p>
+                  </a:txBody>
+                  <a:tcPr/>
+                </a:tc>
+                <a:tc hMerge="1">
+                  <a:txBody>
+                    <a:bodyPr/>
+                    <a:lstStyle/>
+                    <a:p>
+                      <a:endParaRPr lang="en-US"/>
+                    </a:p>
+                  </a:txBody>
+                  <a:tcPr/>
+                </a:tc>
+                <a:tc hMerge="1">
+                  <a:txBody>
+                    <a:bodyPr/>
+                    <a:lstStyle/>
+                    <a:p>
+                      <a:endParaRPr lang="en-US" dirty="0"/>
+                    </a:p>
+                  </a:txBody>
+                  <a:tcPr/>
+                </a:tc>
+              </a:tr>
+              <a:tr h="866541">
+                <a:tc>
+                  <a:txBody>
+                    <a:bodyPr/>
+                    <a:lstStyle/>
+                    <a:p>
+                      <a:endParaRPr lang="en-US" sz="1200" dirty="0"/>
+                    </a:p>
+                  </a:txBody>
+                  <a:tcPr/>
+                </a:tc>
+                <a:tc>
+                  <a:txBody>
+                    <a:bodyPr/>
+                    <a:lstStyle/>
+                    <a:p>
+                      <a:endParaRPr lang="en-US" dirty="0"/>
+                    </a:p>
+                  </a:txBody>
+                  <a:tcPr/>
+                </a:tc>
+                <a:tc>
+                  <a:txBody>
+                    <a:bodyPr/>
+                    <a:lstStyle/>
+                    <a:p>
+                      <a:endParaRPr lang="en-US" dirty="0"/>
+                    </a:p>
+                  </a:txBody>
+                  <a:tcPr/>
+                </a:tc>
+                <a:tc>
+                  <a:txBody>
+                    <a:bodyPr/>
+                    <a:lstStyle/>
+                    <a:p>
+                      <a:endParaRPr lang="en-US" sz="1800" dirty="0"/>
+                    </a:p>
+                  </a:txBody>
+                  <a:tcPr/>
+                </a:tc>
+              </a:tr>
+            </a:tbl>
+          </a:graphicData>
+        </a:graphic>
+      </p:graphicFrame>
+      <p:cxnSp>
+        <p:nvCxnSpPr>
+          <p:cNvPr id="11" name="Straight Connector 10"/>
+          <p:cNvCxnSpPr/>
+          <p:nvPr/>
+        </p:nvCxnSpPr>
+        <p:spPr>
+          <a:xfrm>
+            <a:off x="3200400" y="4419600"/>
+            <a:ext cx="448349" cy="0"/>
+          </a:xfrm>
+          <a:prstGeom prst="line">
+            <a:avLst/>
+          </a:prstGeom>
+          <a:ln w="19050">
+            <a:prstDash val="dash"/>
+          </a:ln>
+        </p:spPr>
+        <p:style>
+          <a:lnRef idx="1">
+            <a:schemeClr val="accent1"/>
+          </a:lnRef>
+          <a:fillRef idx="0">
+            <a:schemeClr val="accent1"/>
+          </a:fillRef>
+          <a:effectRef idx="0">
+            <a:schemeClr val="accent1"/>
+          </a:effectRef>
+          <a:fontRef idx="minor">
+            <a:schemeClr val="tx1"/>
+          </a:fontRef>
+        </p:style>
+      </p:cxnSp>
+      <p:graphicFrame>
+        <p:nvGraphicFramePr>
+          <p:cNvPr id="13" name="Table 12"/>
+          <p:cNvGraphicFramePr>
+            <a:graphicFrameLocks noGrp="1"/>
+          </p:cNvGraphicFramePr>
+          <p:nvPr>
+            <p:extLst>
+              <p:ext uri="{D42A27DB-BD31-4B8C-83A1-F6EECF244321}">
+                <p14:modId xmlns:p14="http://schemas.microsoft.com/office/powerpoint/2010/main" val="1562865423"/>
+              </p:ext>
+            </p:extLst>
+          </p:nvPr>
+        </p:nvGraphicFramePr>
+        <p:xfrm>
+          <a:off x="914400" y="3581400"/>
+          <a:ext cx="1046146" cy="1150760"/>
+        </p:xfrm>
+        <a:graphic>
+          <a:graphicData uri="http://schemas.openxmlformats.org/drawingml/2006/table">
+            <a:tbl>
+              <a:tblPr firstRow="1" bandRow="1">
+                <a:tableStyleId>{BC89EF96-8CEA-46FF-86C4-4CE0E7609802}</a:tableStyleId>
+              </a:tblPr>
+              <a:tblGrid>
+                <a:gridCol w="273567"/>
+                <a:gridCol w="249506"/>
+                <a:gridCol w="298899"/>
+                <a:gridCol w="224174"/>
+              </a:tblGrid>
+              <a:tr h="228600">
+                <a:tc gridSpan="4">
+                  <a:txBody>
+                    <a:bodyPr/>
+                    <a:lstStyle/>
+                    <a:p>
+                      <a:pPr algn="ctr"/>
+                      <a:r>
+                        <a:rPr lang="en-US" sz="1400" baseline="0" dirty="0" smtClean="0"/>
+                        <a:t>Bank0</a:t>
+                      </a:r>
+                      <a:endParaRPr lang="en-US" sz="1400" dirty="0"/>
+                    </a:p>
+                  </a:txBody>
+                  <a:tcPr/>
+                </a:tc>
+                <a:tc hMerge="1">
+                  <a:txBody>
+                    <a:bodyPr/>
+                    <a:lstStyle/>
+                    <a:p>
+                      <a:endParaRPr lang="en-US"/>
+                    </a:p>
+                  </a:txBody>
+                  <a:tcPr/>
+                </a:tc>
+                <a:tc hMerge="1">
+                  <a:txBody>
+                    <a:bodyPr/>
+                    <a:lstStyle/>
+                    <a:p>
+                      <a:endParaRPr lang="en-US"/>
+                    </a:p>
+                  </a:txBody>
+                  <a:tcPr/>
+                </a:tc>
+                <a:tc hMerge="1">
+                  <a:txBody>
+                    <a:bodyPr/>
+                    <a:lstStyle/>
+                    <a:p>
+                      <a:endParaRPr lang="en-US" dirty="0"/>
+                    </a:p>
+                  </a:txBody>
+                  <a:tcPr/>
+                </a:tc>
+              </a:tr>
+              <a:tr h="845960">
+                <a:tc>
+                  <a:txBody>
+                    <a:bodyPr/>
+                    <a:lstStyle/>
+                    <a:p>
+                      <a:pPr marL="0" marR="0" indent="0" algn="l" defTabSz="914400" rtl="0" eaLnBrk="1" fontAlgn="auto" latinLnBrk="0" hangingPunct="1">
+                        <a:lnSpc>
+                          <a:spcPct val="100000"/>
+                        </a:lnSpc>
+                        <a:spcBef>
+                          <a:spcPts val="0"/>
+                        </a:spcBef>
+                        <a:spcAft>
+                          <a:spcPts val="0"/>
+                        </a:spcAft>
+                        <a:buClrTx/>
+                        <a:buSzTx/>
+                        <a:buFontTx/>
+                        <a:buNone/>
+                        <a:tabLst/>
+                        <a:defRPr/>
+                      </a:pPr>
+                      <a:r>
+                        <a:rPr lang="en-US" sz="1600" kern="1200" dirty="0" smtClean="0"/>
+                        <a:t>DRW</a:t>
+                      </a:r>
+                      <a:endParaRPr lang="en-US" sz="1600" dirty="0"/>
+                    </a:p>
+                  </a:txBody>
+                  <a:tcPr/>
+                </a:tc>
+                <a:tc>
+                  <a:txBody>
+                    <a:bodyPr/>
+                    <a:lstStyle/>
+                    <a:p>
+                      <a:endParaRPr lang="en-US" sz="1600" dirty="0"/>
+                    </a:p>
+                  </a:txBody>
+                  <a:tcPr/>
+                </a:tc>
+                <a:tc>
+                  <a:txBody>
+                    <a:bodyPr/>
+                    <a:lstStyle/>
+                    <a:p>
+                      <a:r>
+                        <a:rPr lang="en-US" sz="1600" dirty="0" smtClean="0"/>
+                        <a:t>TAR</a:t>
+                      </a:r>
+                      <a:endParaRPr lang="en-US" sz="1600" dirty="0"/>
+                    </a:p>
+                  </a:txBody>
+                  <a:tcPr/>
+                </a:tc>
+                <a:tc>
+                  <a:txBody>
+                    <a:bodyPr/>
+                    <a:lstStyle/>
+                    <a:p>
+                      <a:r>
+                        <a:rPr lang="en-US" sz="1600" dirty="0" smtClean="0"/>
+                        <a:t>CSW</a:t>
+                      </a:r>
+                      <a:endParaRPr lang="en-US" sz="1600" dirty="0"/>
+                    </a:p>
+                  </a:txBody>
+                  <a:tcPr/>
+                </a:tc>
+              </a:tr>
+            </a:tbl>
+          </a:graphicData>
+        </a:graphic>
+      </p:graphicFrame>
+      <p:sp>
+        <p:nvSpPr>
+          <p:cNvPr id="21" name="Rectangle 20"/>
+          <p:cNvSpPr/>
+          <p:nvPr/>
+        </p:nvSpPr>
+        <p:spPr>
+          <a:xfrm>
+            <a:off x="4065318" y="3276600"/>
+            <a:ext cx="2888065" cy="1600200"/>
+          </a:xfrm>
+          <a:prstGeom prst="rect">
+            <a:avLst/>
+          </a:prstGeom>
+        </p:spPr>
+        <p:style>
+          <a:lnRef idx="2">
+            <a:schemeClr val="dk1"/>
+          </a:lnRef>
+          <a:fillRef idx="1">
+            <a:schemeClr val="lt1"/>
+          </a:fillRef>
+          <a:effectRef idx="0">
+            <a:schemeClr val="dk1"/>
+          </a:effectRef>
+          <a:fontRef idx="minor">
+            <a:schemeClr val="dk1"/>
+          </a:fontRef>
+        </p:style>
+        <p:txBody>
+          <a:bodyPr rtlCol="0" anchor="t" anchorCtr="0"/>
+          <a:lstStyle/>
+          <a:p>
+            <a:r>
+              <a:rPr lang="en-US" dirty="0" smtClean="0"/>
+              <a:t>APB </a:t>
+            </a:r>
+            <a:r>
+              <a:rPr lang="en-US" dirty="0"/>
+              <a:t>AP </a:t>
+            </a:r>
+          </a:p>
+        </p:txBody>
+      </p:sp>
+      <p:graphicFrame>
+        <p:nvGraphicFramePr>
+          <p:cNvPr id="22" name="Table 21"/>
+          <p:cNvGraphicFramePr>
+            <a:graphicFrameLocks noGrp="1"/>
+          </p:cNvGraphicFramePr>
+          <p:nvPr>
+            <p:extLst>
+              <p:ext uri="{D42A27DB-BD31-4B8C-83A1-F6EECF244321}">
+                <p14:modId xmlns:p14="http://schemas.microsoft.com/office/powerpoint/2010/main" val="726387781"/>
+              </p:ext>
+            </p:extLst>
+          </p:nvPr>
+        </p:nvGraphicFramePr>
+        <p:xfrm>
+          <a:off x="5410200" y="3581400"/>
+          <a:ext cx="1012490" cy="1138208"/>
+        </p:xfrm>
+        <a:graphic>
+          <a:graphicData uri="http://schemas.openxmlformats.org/drawingml/2006/table">
+            <a:tbl>
+              <a:tblPr firstRow="1" bandRow="1">
+                <a:tableStyleId>{BC89EF96-8CEA-46FF-86C4-4CE0E7609802}</a:tableStyleId>
+              </a:tblPr>
+              <a:tblGrid>
+                <a:gridCol w="208280"/>
+                <a:gridCol w="275864"/>
+                <a:gridCol w="275864"/>
+                <a:gridCol w="252482"/>
+              </a:tblGrid>
+              <a:tr h="304800">
+                <a:tc gridSpan="4">
+                  <a:txBody>
+                    <a:bodyPr/>
+                    <a:lstStyle/>
+                    <a:p>
+                      <a:pPr algn="ctr"/>
+                      <a:r>
+                        <a:rPr lang="en-US" sz="1400" baseline="0" dirty="0" smtClean="0"/>
+                        <a:t>Bank1</a:t>
+                      </a:r>
+                      <a:endParaRPr lang="en-US" sz="1400" dirty="0"/>
+                    </a:p>
+                  </a:txBody>
+                  <a:tcPr/>
+                </a:tc>
+                <a:tc hMerge="1">
+                  <a:txBody>
+                    <a:bodyPr/>
+                    <a:lstStyle/>
+                    <a:p>
+                      <a:endParaRPr lang="en-US"/>
+                    </a:p>
+                  </a:txBody>
+                  <a:tcPr/>
+                </a:tc>
+                <a:tc hMerge="1">
+                  <a:txBody>
+                    <a:bodyPr/>
+                    <a:lstStyle/>
+                    <a:p>
+                      <a:endParaRPr lang="en-US"/>
+                    </a:p>
+                  </a:txBody>
+                  <a:tcPr/>
+                </a:tc>
+                <a:tc hMerge="1">
+                  <a:txBody>
+                    <a:bodyPr/>
+                    <a:lstStyle/>
+                    <a:p>
+                      <a:endParaRPr lang="en-US" dirty="0"/>
+                    </a:p>
+                  </a:txBody>
+                  <a:tcPr/>
+                </a:tc>
+              </a:tr>
+              <a:tr h="833408">
+                <a:tc>
+                  <a:txBody>
+                    <a:bodyPr/>
+                    <a:lstStyle/>
+                    <a:p>
+                      <a:endParaRPr lang="en-US" sz="1200" dirty="0"/>
+                    </a:p>
+                  </a:txBody>
+                  <a:tcPr/>
+                </a:tc>
+                <a:tc>
+                  <a:txBody>
+                    <a:bodyPr/>
+                    <a:lstStyle/>
+                    <a:p>
+                      <a:endParaRPr lang="en-US" dirty="0"/>
+                    </a:p>
+                  </a:txBody>
+                  <a:tcPr/>
+                </a:tc>
+                <a:tc>
+                  <a:txBody>
+                    <a:bodyPr/>
+                    <a:lstStyle/>
+                    <a:p>
+                      <a:endParaRPr lang="en-US" dirty="0"/>
+                    </a:p>
+                  </a:txBody>
+                  <a:tcPr/>
+                </a:tc>
+                <a:tc>
+                  <a:txBody>
+                    <a:bodyPr/>
+                    <a:lstStyle/>
+                    <a:p>
+                      <a:endParaRPr lang="en-US" sz="1800" dirty="0"/>
+                    </a:p>
+                  </a:txBody>
+                  <a:tcPr/>
+                </a:tc>
+              </a:tr>
+            </a:tbl>
+          </a:graphicData>
+        </a:graphic>
+      </p:graphicFrame>
+      <p:graphicFrame>
+        <p:nvGraphicFramePr>
+          <p:cNvPr id="24" name="Table 23"/>
+          <p:cNvGraphicFramePr>
+            <a:graphicFrameLocks noGrp="1"/>
+          </p:cNvGraphicFramePr>
+          <p:nvPr>
+            <p:extLst>
+              <p:ext uri="{D42A27DB-BD31-4B8C-83A1-F6EECF244321}">
+                <p14:modId xmlns:p14="http://schemas.microsoft.com/office/powerpoint/2010/main" val="2504688113"/>
+              </p:ext>
+            </p:extLst>
+          </p:nvPr>
+        </p:nvGraphicFramePr>
+        <p:xfrm>
+          <a:off x="4217718" y="3581400"/>
+          <a:ext cx="1046146" cy="1150760"/>
+        </p:xfrm>
+        <a:graphic>
+          <a:graphicData uri="http://schemas.openxmlformats.org/drawingml/2006/table">
+            <a:tbl>
+              <a:tblPr firstRow="1" bandRow="1">
+                <a:tableStyleId>{BC89EF96-8CEA-46FF-86C4-4CE0E7609802}</a:tableStyleId>
+              </a:tblPr>
+              <a:tblGrid>
+                <a:gridCol w="273567"/>
+                <a:gridCol w="249506"/>
+                <a:gridCol w="298899"/>
+                <a:gridCol w="224174"/>
+              </a:tblGrid>
+              <a:tr h="304800">
+                <a:tc gridSpan="4">
+                  <a:txBody>
+                    <a:bodyPr/>
+                    <a:lstStyle/>
+                    <a:p>
+                      <a:pPr algn="ctr"/>
+                      <a:r>
+                        <a:rPr lang="en-US" sz="1400" baseline="0" dirty="0" smtClean="0"/>
+                        <a:t>Bank0</a:t>
+                      </a:r>
+                      <a:endParaRPr lang="en-US" sz="1400" dirty="0"/>
+                    </a:p>
+                  </a:txBody>
+                  <a:tcPr/>
+                </a:tc>
+                <a:tc hMerge="1">
+                  <a:txBody>
+                    <a:bodyPr/>
+                    <a:lstStyle/>
+                    <a:p>
+                      <a:endParaRPr lang="en-US"/>
+                    </a:p>
+                  </a:txBody>
+                  <a:tcPr/>
+                </a:tc>
+                <a:tc hMerge="1">
+                  <a:txBody>
+                    <a:bodyPr/>
+                    <a:lstStyle/>
+                    <a:p>
+                      <a:endParaRPr lang="en-US"/>
+                    </a:p>
+                  </a:txBody>
+                  <a:tcPr/>
+                </a:tc>
+                <a:tc hMerge="1">
+                  <a:txBody>
+                    <a:bodyPr/>
+                    <a:lstStyle/>
+                    <a:p>
+                      <a:endParaRPr lang="en-US" dirty="0"/>
+                    </a:p>
+                  </a:txBody>
+                  <a:tcPr/>
+                </a:tc>
+              </a:tr>
+              <a:tr h="845960">
+                <a:tc>
+                  <a:txBody>
+                    <a:bodyPr/>
+                    <a:lstStyle/>
+                    <a:p>
+                      <a:pPr marL="0" marR="0" indent="0" algn="l" defTabSz="914400" rtl="0" eaLnBrk="1" fontAlgn="auto" latinLnBrk="0" hangingPunct="1">
+                        <a:lnSpc>
+                          <a:spcPct val="100000"/>
+                        </a:lnSpc>
+                        <a:spcBef>
+                          <a:spcPts val="0"/>
+                        </a:spcBef>
+                        <a:spcAft>
+                          <a:spcPts val="0"/>
+                        </a:spcAft>
+                        <a:buClrTx/>
+                        <a:buSzTx/>
+                        <a:buFontTx/>
+                        <a:buNone/>
+                        <a:tabLst/>
+                        <a:defRPr/>
+                      </a:pPr>
+                      <a:r>
+                        <a:rPr lang="en-US" sz="1600" kern="1200" dirty="0" smtClean="0"/>
+                        <a:t>DRW</a:t>
+                      </a:r>
+                      <a:endParaRPr lang="en-US" sz="1600" dirty="0"/>
+                    </a:p>
+                  </a:txBody>
+                  <a:tcPr/>
+                </a:tc>
+                <a:tc>
+                  <a:txBody>
+                    <a:bodyPr/>
+                    <a:lstStyle/>
+                    <a:p>
+                      <a:endParaRPr lang="en-US" sz="1600" dirty="0"/>
+                    </a:p>
+                  </a:txBody>
+                  <a:tcPr/>
+                </a:tc>
+                <a:tc>
+                  <a:txBody>
+                    <a:bodyPr/>
+                    <a:lstStyle/>
+                    <a:p>
+                      <a:r>
+                        <a:rPr lang="en-US" sz="1600" dirty="0" smtClean="0"/>
+                        <a:t>TAR</a:t>
+                      </a:r>
+                      <a:endParaRPr lang="en-US" sz="1600" dirty="0"/>
+                    </a:p>
+                  </a:txBody>
+                  <a:tcPr/>
+                </a:tc>
+                <a:tc>
+                  <a:txBody>
+                    <a:bodyPr/>
+                    <a:lstStyle/>
+                    <a:p>
+                      <a:r>
+                        <a:rPr lang="en-US" sz="1600" dirty="0" smtClean="0"/>
+                        <a:t>CSW</a:t>
+                      </a:r>
+                      <a:endParaRPr lang="en-US" sz="1600" dirty="0"/>
+                    </a:p>
+                  </a:txBody>
+                  <a:tcPr/>
+                </a:tc>
+              </a:tr>
+            </a:tbl>
+          </a:graphicData>
+        </a:graphic>
+      </p:graphicFrame>
+      <p:cxnSp>
+        <p:nvCxnSpPr>
+          <p:cNvPr id="29" name="Straight Connector 28"/>
+          <p:cNvCxnSpPr/>
+          <p:nvPr/>
+        </p:nvCxnSpPr>
+        <p:spPr>
+          <a:xfrm>
+            <a:off x="6477000" y="4495800"/>
+            <a:ext cx="448349" cy="0"/>
+          </a:xfrm>
+          <a:prstGeom prst="line">
+            <a:avLst/>
+          </a:prstGeom>
+          <a:ln w="19050">
+            <a:prstDash val="dash"/>
+          </a:ln>
+        </p:spPr>
+        <p:style>
+          <a:lnRef idx="1">
+            <a:schemeClr val="accent1"/>
+          </a:lnRef>
+          <a:fillRef idx="0">
+            <a:schemeClr val="accent1"/>
+          </a:fillRef>
+          <a:effectRef idx="0">
+            <a:schemeClr val="accent1"/>
+          </a:effectRef>
+          <a:fontRef idx="minor">
+            <a:schemeClr val="tx1"/>
+          </a:fontRef>
+        </p:style>
+      </p:cxnSp>
+      <p:cxnSp>
+        <p:nvCxnSpPr>
+          <p:cNvPr id="30" name="Straight Connector 29"/>
+          <p:cNvCxnSpPr/>
+          <p:nvPr/>
+        </p:nvCxnSpPr>
+        <p:spPr>
+          <a:xfrm>
+            <a:off x="7315200" y="4495800"/>
+            <a:ext cx="448349" cy="0"/>
+          </a:xfrm>
+          <a:prstGeom prst="line">
+            <a:avLst/>
+          </a:prstGeom>
+          <a:ln w="19050">
+            <a:prstDash val="dash"/>
+          </a:ln>
+        </p:spPr>
+        <p:style>
+          <a:lnRef idx="1">
+            <a:schemeClr val="accent1"/>
+          </a:lnRef>
+          <a:fillRef idx="0">
+            <a:schemeClr val="accent1"/>
+          </a:fillRef>
+          <a:effectRef idx="0">
+            <a:schemeClr val="accent1"/>
+          </a:effectRef>
+          <a:fontRef idx="minor">
+            <a:schemeClr val="tx1"/>
+          </a:fontRef>
+        </p:style>
+      </p:cxnSp>
+      <p:sp>
+        <p:nvSpPr>
+          <p:cNvPr id="36" name="Up-Down Arrow 35"/>
+          <p:cNvSpPr/>
+          <p:nvPr/>
+        </p:nvSpPr>
+        <p:spPr>
+          <a:xfrm>
+            <a:off x="2209800" y="4876800"/>
+            <a:ext cx="149450" cy="308758"/>
+          </a:xfrm>
+          <a:prstGeom prst="upDownArrow">
+            <a:avLst/>
+          </a:prstGeom>
+        </p:spPr>
+        <p:style>
+          <a:lnRef idx="2">
+            <a:schemeClr val="accent1">
+              <a:shade val="50000"/>
+            </a:schemeClr>
+          </a:lnRef>
+          <a:fillRef idx="1">
+            <a:schemeClr val="accent1"/>
+          </a:fillRef>
+          <a:effectRef idx="0">
+            <a:schemeClr val="accent1"/>
+          </a:effectRef>
+          <a:fontRef idx="minor">
+            <a:schemeClr val="lt1"/>
+          </a:fontRef>
+        </p:style>
+        <p:txBody>
+          <a:bodyPr rtlCol="0" anchor="ctr"/>
+          <a:lstStyle/>
+          <a:p>
+            <a:pPr algn="ctr"/>
+            <a:endParaRPr lang="en-US"/>
+          </a:p>
+        </p:txBody>
+      </p:sp>
+      <p:sp>
+        <p:nvSpPr>
+          <p:cNvPr id="49" name="Rectangle 48"/>
+          <p:cNvSpPr/>
+          <p:nvPr/>
+        </p:nvSpPr>
+        <p:spPr>
+          <a:xfrm>
+            <a:off x="1447800" y="1524000"/>
+            <a:ext cx="1976774" cy="1524000"/>
+          </a:xfrm>
+          <a:prstGeom prst="rect">
+            <a:avLst/>
+          </a:prstGeom>
+          <a:solidFill>
+            <a:schemeClr val="lt1"/>
+          </a:solidFill>
+        </p:spPr>
+        <p:style>
+          <a:lnRef idx="2">
+            <a:schemeClr val="dk1"/>
+          </a:lnRef>
+          <a:fillRef idx="1">
+            <a:schemeClr val="lt1"/>
+          </a:fillRef>
+          <a:effectRef idx="0">
+            <a:schemeClr val="dk1"/>
+          </a:effectRef>
+          <a:fontRef idx="minor">
+            <a:schemeClr val="dk1"/>
+          </a:fontRef>
+        </p:style>
+        <p:txBody>
+          <a:bodyPr rtlCol="0" anchor="t" anchorCtr="0"/>
+          <a:lstStyle/>
+          <a:p>
+            <a:r>
+              <a:rPr lang="en-US" dirty="0" smtClean="0"/>
+              <a:t> </a:t>
+            </a:r>
+            <a:endParaRPr lang="en-US" dirty="0"/>
+          </a:p>
+        </p:txBody>
+      </p:sp>
+      <p:cxnSp>
+        <p:nvCxnSpPr>
+          <p:cNvPr id="47" name="Straight Connector 46"/>
+          <p:cNvCxnSpPr/>
+          <p:nvPr/>
+        </p:nvCxnSpPr>
+        <p:spPr>
+          <a:xfrm>
+            <a:off x="381000" y="5181600"/>
+            <a:ext cx="8229600" cy="0"/>
+          </a:xfrm>
+          <a:prstGeom prst="line">
+            <a:avLst/>
+          </a:prstGeom>
+          <a:ln w="38100"/>
+        </p:spPr>
+        <p:style>
+          <a:lnRef idx="1">
+            <a:schemeClr val="accent1"/>
+          </a:lnRef>
+          <a:fillRef idx="0">
+            <a:schemeClr val="accent1"/>
+          </a:fillRef>
+          <a:effectRef idx="0">
+            <a:schemeClr val="accent1"/>
+          </a:effectRef>
+          <a:fontRef idx="minor">
+            <a:schemeClr val="tx1"/>
+          </a:fontRef>
+        </p:style>
+      </p:cxnSp>
+      <p:graphicFrame>
+        <p:nvGraphicFramePr>
+          <p:cNvPr id="7" name="Table 6"/>
+          <p:cNvGraphicFramePr>
+            <a:graphicFrameLocks noGrp="1"/>
+          </p:cNvGraphicFramePr>
+          <p:nvPr>
+            <p:extLst>
+              <p:ext uri="{D42A27DB-BD31-4B8C-83A1-F6EECF244321}">
+                <p14:modId xmlns:p14="http://schemas.microsoft.com/office/powerpoint/2010/main" val="4106082334"/>
+              </p:ext>
+            </p:extLst>
+          </p:nvPr>
+        </p:nvGraphicFramePr>
+        <p:xfrm>
+          <a:off x="1524000" y="1524000"/>
+          <a:ext cx="1828800" cy="1524000"/>
+        </p:xfrm>
+        <a:graphic>
+          <a:graphicData uri="http://schemas.openxmlformats.org/drawingml/2006/table">
+            <a:tbl>
+              <a:tblPr firstRow="1" bandRow="1">
+                <a:tableStyleId>{BC89EF96-8CEA-46FF-86C4-4CE0E7609802}</a:tableStyleId>
+              </a:tblPr>
+              <a:tblGrid>
+                <a:gridCol w="241603"/>
+                <a:gridCol w="241603"/>
+                <a:gridCol w="246834"/>
+                <a:gridCol w="236372"/>
+                <a:gridCol w="241603"/>
+                <a:gridCol w="282705"/>
+                <a:gridCol w="338080"/>
+              </a:tblGrid>
+              <a:tr h="334804">
+                <a:tc gridSpan="7">
+                  <a:txBody>
+                    <a:bodyPr/>
+                    <a:lstStyle/>
+                    <a:p>
+                      <a:pPr algn="ctr"/>
+                      <a:r>
+                        <a:rPr lang="en-US" sz="1600" dirty="0" smtClean="0"/>
+                        <a:t>Debug Port</a:t>
+                      </a:r>
+                      <a:endParaRPr lang="en-US" sz="1600" dirty="0"/>
+                    </a:p>
+                  </a:txBody>
+                  <a:tcPr/>
+                </a:tc>
+                <a:tc hMerge="1">
+                  <a:txBody>
+                    <a:bodyPr/>
+                    <a:lstStyle/>
+                    <a:p>
+                      <a:endParaRPr lang="en-US"/>
+                    </a:p>
+                  </a:txBody>
+                  <a:tcPr/>
+                </a:tc>
+                <a:tc hMerge="1">
+                  <a:txBody>
+                    <a:bodyPr/>
+                    <a:lstStyle/>
+                    <a:p>
+                      <a:endParaRPr lang="en-US"/>
+                    </a:p>
+                  </a:txBody>
+                  <a:tcPr/>
+                </a:tc>
+                <a:tc hMerge="1">
+                  <a:txBody>
+                    <a:bodyPr/>
+                    <a:lstStyle/>
+                    <a:p>
+                      <a:endParaRPr lang="en-US"/>
+                    </a:p>
+                  </a:txBody>
+                  <a:tcPr/>
+                </a:tc>
+                <a:tc hMerge="1">
+                  <a:txBody>
+                    <a:bodyPr/>
+                    <a:lstStyle/>
+                    <a:p>
+                      <a:endParaRPr lang="en-US"/>
+                    </a:p>
+                  </a:txBody>
+                  <a:tcPr/>
+                </a:tc>
+                <a:tc hMerge="1">
+                  <a:txBody>
+                    <a:bodyPr/>
+                    <a:lstStyle/>
+                    <a:p>
+                      <a:endParaRPr lang="en-US"/>
+                    </a:p>
+                  </a:txBody>
+                  <a:tcPr/>
+                </a:tc>
+                <a:tc hMerge="1">
+                  <a:txBody>
+                    <a:bodyPr/>
+                    <a:lstStyle/>
+                    <a:p>
+                      <a:endParaRPr lang="en-US" dirty="0"/>
+                    </a:p>
+                  </a:txBody>
+                  <a:tcPr/>
+                </a:tc>
+              </a:tr>
+              <a:tr h="1088112">
+                <a:tc>
+                  <a:txBody>
+                    <a:bodyPr/>
+                    <a:lstStyle/>
+                    <a:p>
+                      <a:endParaRPr lang="en-US" sz="1200" dirty="0"/>
+                    </a:p>
+                  </a:txBody>
+                  <a:tcPr/>
+                </a:tc>
+                <a:tc>
+                  <a:txBody>
+                    <a:bodyPr/>
+                    <a:lstStyle/>
+                    <a:p>
+                      <a:endParaRPr lang="en-US" sz="1200" dirty="0"/>
+                    </a:p>
+                  </a:txBody>
+                  <a:tcPr/>
+                </a:tc>
+                <a:tc>
+                  <a:txBody>
+                    <a:bodyPr/>
+                    <a:lstStyle/>
+                    <a:p>
+                      <a:endParaRPr lang="en-US" sz="1200" dirty="0"/>
+                    </a:p>
+                  </a:txBody>
+                  <a:tcPr/>
+                </a:tc>
+                <a:tc>
+                  <a:txBody>
+                    <a:bodyPr/>
+                    <a:lstStyle/>
+                    <a:p>
+                      <a:r>
+                        <a:rPr lang="en-US" sz="1200" dirty="0" smtClean="0"/>
+                        <a:t>SELECT</a:t>
+                      </a:r>
+                      <a:endParaRPr lang="en-US" sz="1200" b="1" dirty="0"/>
+                    </a:p>
+                  </a:txBody>
+                  <a:tcPr/>
+                </a:tc>
+                <a:tc>
+                  <a:txBody>
+                    <a:bodyPr/>
+                    <a:lstStyle/>
+                    <a:p>
+                      <a:r>
+                        <a:rPr lang="en-US" sz="1200" dirty="0" smtClean="0"/>
+                        <a:t>CSR</a:t>
+                      </a:r>
+                      <a:endParaRPr lang="en-US" sz="1200" dirty="0">
+                        <a:solidFill>
+                          <a:schemeClr val="tx1">
+                            <a:lumMod val="65000"/>
+                            <a:lumOff val="35000"/>
+                          </a:schemeClr>
+                        </a:solidFill>
+                      </a:endParaRPr>
+                    </a:p>
+                  </a:txBody>
+                  <a:tcPr/>
+                </a:tc>
+                <a:tc>
+                  <a:txBody>
+                    <a:bodyPr/>
+                    <a:lstStyle/>
+                    <a:p>
+                      <a:r>
+                        <a:rPr lang="en-US" sz="1200" dirty="0" smtClean="0"/>
+                        <a:t>IDCODE</a:t>
+                      </a:r>
+                      <a:endParaRPr lang="en-US" sz="1200" dirty="0">
+                        <a:solidFill>
+                          <a:schemeClr val="tx1">
+                            <a:lumMod val="65000"/>
+                            <a:lumOff val="35000"/>
+                          </a:schemeClr>
+                        </a:solidFill>
+                      </a:endParaRPr>
+                    </a:p>
+                  </a:txBody>
+                  <a:tcPr/>
+                </a:tc>
+                <a:tc>
+                  <a:txBody>
+                    <a:bodyPr/>
+                    <a:lstStyle/>
+                    <a:p>
+                      <a:r>
+                        <a:rPr lang="en-US" sz="1200" dirty="0" smtClean="0"/>
+                        <a:t>ABORT</a:t>
+                      </a:r>
+                      <a:endParaRPr lang="en-US" sz="1200" dirty="0">
+                        <a:solidFill>
+                          <a:schemeClr val="tx1">
+                            <a:lumMod val="65000"/>
+                            <a:lumOff val="35000"/>
+                          </a:schemeClr>
+                        </a:solidFill>
+                      </a:endParaRPr>
+                    </a:p>
+                  </a:txBody>
+                  <a:tcPr/>
+                </a:tc>
+              </a:tr>
+            </a:tbl>
+          </a:graphicData>
+        </a:graphic>
+      </p:graphicFrame>
+      <p:sp>
+        <p:nvSpPr>
+          <p:cNvPr id="50" name="Rectangle 49"/>
+          <p:cNvSpPr/>
+          <p:nvPr/>
+        </p:nvSpPr>
+        <p:spPr>
+          <a:xfrm>
+            <a:off x="1828800" y="5410200"/>
+            <a:ext cx="5934749" cy="1447800"/>
+          </a:xfrm>
+          <a:prstGeom prst="rect">
+            <a:avLst/>
+          </a:prstGeom>
+        </p:spPr>
+        <p:style>
+          <a:lnRef idx="1">
+            <a:schemeClr val="dk1"/>
+          </a:lnRef>
+          <a:fillRef idx="2">
+            <a:schemeClr val="dk1"/>
+          </a:fillRef>
+          <a:effectRef idx="1">
+            <a:schemeClr val="dk1"/>
+          </a:effectRef>
+          <a:fontRef idx="minor">
+            <a:schemeClr val="dk1"/>
+          </a:fontRef>
+        </p:style>
+        <p:txBody>
+          <a:bodyPr rtlCol="0" anchor="t" anchorCtr="0"/>
+          <a:lstStyle/>
+          <a:p>
+            <a:pPr algn="ctr"/>
+            <a:r>
+              <a:rPr lang="en-US" sz="2400" b="1" dirty="0" smtClean="0"/>
+              <a:t>                              System Memory Space</a:t>
+            </a:r>
+            <a:endParaRPr lang="en-US" b="1" dirty="0"/>
+          </a:p>
+        </p:txBody>
+      </p:sp>
+      <p:sp>
+        <p:nvSpPr>
+          <p:cNvPr id="51" name="Rectangle 50"/>
+          <p:cNvSpPr/>
+          <p:nvPr/>
+        </p:nvSpPr>
+        <p:spPr>
+          <a:xfrm>
+            <a:off x="2667000" y="5486399"/>
+            <a:ext cx="1398318" cy="1371601"/>
+          </a:xfrm>
+          <a:prstGeom prst="rect">
+            <a:avLst/>
+          </a:prstGeom>
+          <a:solidFill>
+            <a:schemeClr val="lt1"/>
+          </a:solidFill>
+        </p:spPr>
+        <p:style>
+          <a:lnRef idx="2">
+            <a:schemeClr val="dk1"/>
+          </a:lnRef>
+          <a:fillRef idx="1">
+            <a:schemeClr val="lt1"/>
+          </a:fillRef>
+          <a:effectRef idx="0">
+            <a:schemeClr val="dk1"/>
+          </a:effectRef>
+          <a:fontRef idx="minor">
+            <a:schemeClr val="dk1"/>
+          </a:fontRef>
+        </p:style>
+        <p:txBody>
+          <a:bodyPr rtlCol="0" anchor="t" anchorCtr="0"/>
+          <a:lstStyle/>
+          <a:p>
+            <a:r>
+              <a:rPr lang="en-US" dirty="0" smtClean="0"/>
+              <a:t> </a:t>
+            </a:r>
+            <a:endParaRPr lang="en-US" dirty="0"/>
+          </a:p>
+        </p:txBody>
+      </p:sp>
+      <p:graphicFrame>
+        <p:nvGraphicFramePr>
+          <p:cNvPr id="37" name="Table 36"/>
+          <p:cNvGraphicFramePr>
+            <a:graphicFrameLocks noGrp="1"/>
+          </p:cNvGraphicFramePr>
+          <p:nvPr>
+            <p:extLst>
+              <p:ext uri="{D42A27DB-BD31-4B8C-83A1-F6EECF244321}">
+                <p14:modId xmlns:p14="http://schemas.microsoft.com/office/powerpoint/2010/main" val="1454455093"/>
+              </p:ext>
+            </p:extLst>
+          </p:nvPr>
+        </p:nvGraphicFramePr>
+        <p:xfrm>
+          <a:off x="2743200" y="5410200"/>
+          <a:ext cx="1295400" cy="1463040"/>
+        </p:xfrm>
+        <a:graphic>
+          <a:graphicData uri="http://schemas.openxmlformats.org/drawingml/2006/table">
+            <a:tbl>
+              <a:tblPr firstRow="1" bandRow="1">
+                <a:tableStyleId>{BC89EF96-8CEA-46FF-86C4-4CE0E7609802}</a:tableStyleId>
+              </a:tblPr>
+              <a:tblGrid>
+                <a:gridCol w="245002"/>
+                <a:gridCol w="245002"/>
+                <a:gridCol w="230754"/>
+                <a:gridCol w="267688"/>
+                <a:gridCol w="306954"/>
+              </a:tblGrid>
+              <a:tr h="213360">
+                <a:tc gridSpan="5">
+                  <a:txBody>
+                    <a:bodyPr/>
+                    <a:lstStyle/>
+                    <a:p>
+                      <a:pPr algn="ctr"/>
+                      <a:r>
+                        <a:rPr lang="en-US" sz="1400" baseline="0" dirty="0" smtClean="0"/>
+                        <a:t>DBG </a:t>
+                      </a:r>
+                      <a:r>
+                        <a:rPr lang="en-US" sz="1400" baseline="0" dirty="0" err="1" smtClean="0"/>
+                        <a:t>Reg</a:t>
+                      </a:r>
+                      <a:endParaRPr lang="en-US" sz="1400" dirty="0"/>
+                    </a:p>
+                  </a:txBody>
+                  <a:tcPr/>
+                </a:tc>
+                <a:tc hMerge="1">
+                  <a:txBody>
+                    <a:bodyPr/>
+                    <a:lstStyle/>
+                    <a:p>
+                      <a:pPr algn="ctr"/>
+                      <a:endParaRPr lang="en-US" dirty="0"/>
+                    </a:p>
+                  </a:txBody>
+                  <a:tcPr/>
+                </a:tc>
+                <a:tc hMerge="1">
+                  <a:txBody>
+                    <a:bodyPr/>
+                    <a:lstStyle/>
+                    <a:p>
+                      <a:endParaRPr lang="en-US"/>
+                    </a:p>
+                  </a:txBody>
+                  <a:tcPr/>
+                </a:tc>
+                <a:tc hMerge="1">
+                  <a:txBody>
+                    <a:bodyPr/>
+                    <a:lstStyle/>
+                    <a:p>
+                      <a:endParaRPr lang="en-US"/>
+                    </a:p>
+                  </a:txBody>
+                  <a:tcPr/>
+                </a:tc>
+                <a:tc hMerge="1">
+                  <a:txBody>
+                    <a:bodyPr/>
+                    <a:lstStyle/>
+                    <a:p>
+                      <a:endParaRPr lang="en-US" dirty="0"/>
+                    </a:p>
+                  </a:txBody>
+                  <a:tcPr/>
+                </a:tc>
+              </a:tr>
+              <a:tr h="880489">
+                <a:tc>
+                  <a:txBody>
+                    <a:bodyPr/>
+                    <a:lstStyle/>
+                    <a:p>
+                      <a:pPr marL="0" marR="0" indent="0" algn="l" defTabSz="914400" rtl="0" eaLnBrk="1" fontAlgn="auto" latinLnBrk="0" hangingPunct="1">
+                        <a:lnSpc>
+                          <a:spcPct val="100000"/>
+                        </a:lnSpc>
+                        <a:spcBef>
+                          <a:spcPts val="0"/>
+                        </a:spcBef>
+                        <a:spcAft>
+                          <a:spcPts val="0"/>
+                        </a:spcAft>
+                        <a:buClrTx/>
+                        <a:buSzTx/>
+                        <a:buFontTx/>
+                        <a:buNone/>
+                        <a:tabLst/>
+                        <a:defRPr/>
+                      </a:pPr>
+                      <a:r>
+                        <a:rPr lang="en-US" sz="1400" dirty="0" smtClean="0">
+                          <a:solidFill>
+                            <a:schemeClr val="tx1">
+                              <a:lumMod val="65000"/>
+                              <a:lumOff val="35000"/>
+                            </a:schemeClr>
+                          </a:solidFill>
+                        </a:rPr>
+                        <a:t>DEMCR</a:t>
+                      </a:r>
+                      <a:endParaRPr lang="en-US" sz="1400" dirty="0">
+                        <a:solidFill>
+                          <a:schemeClr val="tx1">
+                            <a:lumMod val="65000"/>
+                            <a:lumOff val="35000"/>
+                          </a:schemeClr>
+                        </a:solidFill>
+                      </a:endParaRPr>
+                    </a:p>
+                  </a:txBody>
+                  <a:tcPr/>
+                </a:tc>
+                <a:tc>
+                  <a:txBody>
+                    <a:bodyPr/>
+                    <a:lstStyle/>
+                    <a:p>
+                      <a:pPr marL="0" marR="0" indent="0" algn="l" defTabSz="914400" rtl="0" eaLnBrk="1" fontAlgn="auto" latinLnBrk="0" hangingPunct="1">
+                        <a:lnSpc>
+                          <a:spcPct val="100000"/>
+                        </a:lnSpc>
+                        <a:spcBef>
+                          <a:spcPts val="0"/>
+                        </a:spcBef>
+                        <a:spcAft>
+                          <a:spcPts val="0"/>
+                        </a:spcAft>
+                        <a:buClrTx/>
+                        <a:buSzTx/>
+                        <a:buFontTx/>
+                        <a:buNone/>
+                        <a:tabLst/>
+                        <a:defRPr/>
+                      </a:pPr>
+                      <a:r>
+                        <a:rPr lang="en-US" sz="1400" kern="1200" dirty="0" smtClean="0"/>
+                        <a:t>DCRDR</a:t>
+                      </a:r>
+                      <a:endParaRPr lang="en-US" sz="1400" dirty="0"/>
+                    </a:p>
+                  </a:txBody>
+                  <a:tcPr/>
+                </a:tc>
+                <a:tc>
+                  <a:txBody>
+                    <a:bodyPr/>
+                    <a:lstStyle/>
+                    <a:p>
+                      <a:r>
+                        <a:rPr lang="en-US" sz="1400" dirty="0" smtClean="0"/>
+                        <a:t>DCRSR</a:t>
+                      </a:r>
+                      <a:endParaRPr lang="en-US" sz="1400" dirty="0"/>
+                    </a:p>
+                  </a:txBody>
+                  <a:tcPr/>
+                </a:tc>
+                <a:tc>
+                  <a:txBody>
+                    <a:bodyPr/>
+                    <a:lstStyle/>
+                    <a:p>
+                      <a:r>
+                        <a:rPr lang="en-US" sz="1400" dirty="0" smtClean="0"/>
+                        <a:t>DHCSR</a:t>
+                      </a:r>
+                      <a:endParaRPr lang="en-US" sz="1400" dirty="0"/>
+                    </a:p>
+                  </a:txBody>
+                  <a:tcPr/>
+                </a:tc>
+                <a:tc>
+                  <a:txBody>
+                    <a:bodyPr/>
+                    <a:lstStyle/>
+                    <a:p>
+                      <a:r>
+                        <a:rPr lang="en-US" sz="1400" dirty="0" smtClean="0">
+                          <a:solidFill>
+                            <a:schemeClr val="tx1">
+                              <a:lumMod val="65000"/>
+                              <a:lumOff val="35000"/>
+                            </a:schemeClr>
+                          </a:solidFill>
+                        </a:rPr>
+                        <a:t>DFSR</a:t>
+                      </a:r>
+                      <a:endParaRPr lang="en-US" sz="1400" dirty="0">
+                        <a:solidFill>
+                          <a:schemeClr val="tx1">
+                            <a:lumMod val="65000"/>
+                            <a:lumOff val="35000"/>
+                          </a:schemeClr>
+                        </a:solidFill>
+                      </a:endParaRPr>
+                    </a:p>
+                  </a:txBody>
+                  <a:tcPr/>
+                </a:tc>
+              </a:tr>
+            </a:tbl>
+          </a:graphicData>
+        </a:graphic>
+      </p:graphicFrame>
+      <p:sp>
+        <p:nvSpPr>
+          <p:cNvPr id="52" name="Up-Down Arrow 51"/>
+          <p:cNvSpPr/>
+          <p:nvPr/>
+        </p:nvSpPr>
+        <p:spPr>
+          <a:xfrm>
+            <a:off x="4500738" y="5181600"/>
+            <a:ext cx="149450" cy="304800"/>
+          </a:xfrm>
+          <a:prstGeom prst="upDownArrow">
+            <a:avLst/>
+          </a:prstGeom>
+        </p:spPr>
+        <p:style>
+          <a:lnRef idx="2">
+            <a:schemeClr val="accent1">
+              <a:shade val="50000"/>
+            </a:schemeClr>
+          </a:lnRef>
+          <a:fillRef idx="1">
+            <a:schemeClr val="accent1"/>
+          </a:fillRef>
+          <a:effectRef idx="0">
+            <a:schemeClr val="accent1"/>
+          </a:effectRef>
+          <a:fontRef idx="minor">
+            <a:schemeClr val="lt1"/>
+          </a:fontRef>
+        </p:style>
+        <p:txBody>
+          <a:bodyPr rtlCol="0" anchor="ctr"/>
+          <a:lstStyle/>
+          <a:p>
+            <a:pPr algn="ctr"/>
+            <a:endParaRPr lang="en-US"/>
+          </a:p>
+        </p:txBody>
+      </p:sp>
+      <p:sp>
+        <p:nvSpPr>
+          <p:cNvPr id="3" name="Slide Number Placeholder 2"/>
+          <p:cNvSpPr>
+            <a:spLocks noGrp="1"/>
+          </p:cNvSpPr>
+          <p:nvPr>
+            <p:ph type="sldNum" sz="quarter" idx="12"/>
+          </p:nvPr>
+        </p:nvSpPr>
+        <p:spPr/>
+        <p:txBody>
+          <a:bodyPr/>
+          <a:lstStyle/>
+          <a:p>
+            <a:fld id="{7B87B94E-6F5A-4309-83BE-AEC5A78861E0}" type="slidenum">
+              <a:rPr lang="en-US" smtClean="0"/>
+              <a:t>21</a:t>
+            </a:fld>
+            <a:endParaRPr lang="en-US" dirty="0"/>
+          </a:p>
+        </p:txBody>
+      </p:sp>
+      <p:sp>
+        <p:nvSpPr>
+          <p:cNvPr id="10" name="TextBox 9"/>
+          <p:cNvSpPr txBox="1"/>
+          <p:nvPr/>
+        </p:nvSpPr>
+        <p:spPr>
+          <a:xfrm>
+            <a:off x="380999" y="5105400"/>
+            <a:ext cx="1018227" cy="369332"/>
+          </a:xfrm>
+          <a:prstGeom prst="rect">
+            <a:avLst/>
+          </a:prstGeom>
+          <a:noFill/>
+        </p:spPr>
+        <p:txBody>
+          <a:bodyPr wrap="none" rtlCol="0">
+            <a:spAutoFit/>
+          </a:bodyPr>
+          <a:lstStyle/>
+          <a:p>
+            <a:r>
+              <a:rPr lang="en-US" dirty="0" smtClean="0"/>
+              <a:t>AHB BUS</a:t>
+            </a:r>
+            <a:endParaRPr lang="en-US" dirty="0"/>
+          </a:p>
+        </p:txBody>
+      </p:sp>
+      <p:sp>
+        <p:nvSpPr>
+          <p:cNvPr id="12" name="TextBox 11"/>
+          <p:cNvSpPr txBox="1"/>
+          <p:nvPr/>
+        </p:nvSpPr>
+        <p:spPr>
+          <a:xfrm>
+            <a:off x="7162800" y="3733800"/>
+            <a:ext cx="1295400" cy="923330"/>
+          </a:xfrm>
+          <a:prstGeom prst="rect">
+            <a:avLst/>
+          </a:prstGeom>
+          <a:noFill/>
+        </p:spPr>
+        <p:txBody>
+          <a:bodyPr wrap="square" rtlCol="0">
+            <a:spAutoFit/>
+          </a:bodyPr>
+          <a:lstStyle/>
+          <a:p>
+            <a:r>
+              <a:rPr lang="en-US" b="1" dirty="0" err="1" smtClean="0"/>
+              <a:t>Upto</a:t>
+            </a:r>
+            <a:r>
+              <a:rPr lang="en-US" b="1" dirty="0" smtClean="0"/>
+              <a:t> 256 Access Ports</a:t>
+            </a:r>
+            <a:endParaRPr lang="en-US" b="1" dirty="0"/>
+          </a:p>
+        </p:txBody>
+      </p:sp>
+      <p:sp>
+        <p:nvSpPr>
+          <p:cNvPr id="6" name="Flowchart: Decision 5"/>
+          <p:cNvSpPr/>
+          <p:nvPr/>
+        </p:nvSpPr>
+        <p:spPr>
+          <a:xfrm>
+            <a:off x="4343400" y="1828800"/>
+            <a:ext cx="1165950" cy="495300"/>
+          </a:xfrm>
+          <a:prstGeom prst="flowChartDecision">
+            <a:avLst/>
+          </a:prstGeom>
+        </p:spPr>
+        <p:style>
+          <a:lnRef idx="2">
+            <a:schemeClr val="accent1">
+              <a:shade val="50000"/>
+            </a:schemeClr>
+          </a:lnRef>
+          <a:fillRef idx="1">
+            <a:schemeClr val="accent1"/>
+          </a:fillRef>
+          <a:effectRef idx="0">
+            <a:schemeClr val="accent1"/>
+          </a:effectRef>
+          <a:fontRef idx="minor">
+            <a:schemeClr val="lt1"/>
+          </a:fontRef>
+        </p:style>
+        <p:txBody>
+          <a:bodyPr rtlCol="0" anchor="ctr"/>
+          <a:lstStyle/>
+          <a:p>
+            <a:pPr algn="ctr"/>
+            <a:r>
+              <a:rPr lang="en-US" dirty="0" smtClean="0"/>
+              <a:t>?</a:t>
+            </a:r>
+            <a:endParaRPr lang="en-US" dirty="0"/>
+          </a:p>
+        </p:txBody>
+      </p:sp>
+      <p:cxnSp>
+        <p:nvCxnSpPr>
+          <p:cNvPr id="16" name="Straight Arrow Connector 15"/>
+          <p:cNvCxnSpPr/>
+          <p:nvPr/>
+        </p:nvCxnSpPr>
+        <p:spPr>
+          <a:xfrm>
+            <a:off x="4926375" y="1219200"/>
+            <a:ext cx="0" cy="609600"/>
+          </a:xfrm>
+          <a:prstGeom prst="straightConnector1">
+            <a:avLst/>
+          </a:prstGeom>
+          <a:ln w="25400">
+            <a:tailEnd type="arrow"/>
+          </a:ln>
+        </p:spPr>
+        <p:style>
+          <a:lnRef idx="1">
+            <a:schemeClr val="accent1"/>
+          </a:lnRef>
+          <a:fillRef idx="0">
+            <a:schemeClr val="accent1"/>
+          </a:fillRef>
+          <a:effectRef idx="0">
+            <a:schemeClr val="accent1"/>
+          </a:effectRef>
+          <a:fontRef idx="minor">
+            <a:schemeClr val="tx1"/>
+          </a:fontRef>
+        </p:style>
+      </p:cxnSp>
+      <p:cxnSp>
+        <p:nvCxnSpPr>
+          <p:cNvPr id="18" name="Straight Arrow Connector 17"/>
+          <p:cNvCxnSpPr>
+            <a:stCxn id="6" idx="1"/>
+          </p:cNvCxnSpPr>
+          <p:nvPr/>
+        </p:nvCxnSpPr>
+        <p:spPr>
+          <a:xfrm flipH="1">
+            <a:off x="3424574" y="2076450"/>
+            <a:ext cx="918826" cy="0"/>
+          </a:xfrm>
+          <a:prstGeom prst="straightConnector1">
+            <a:avLst/>
+          </a:prstGeom>
+          <a:ln w="25400">
+            <a:tailEnd type="arrow"/>
+          </a:ln>
+        </p:spPr>
+        <p:style>
+          <a:lnRef idx="1">
+            <a:schemeClr val="accent1"/>
+          </a:lnRef>
+          <a:fillRef idx="0">
+            <a:schemeClr val="accent1"/>
+          </a:fillRef>
+          <a:effectRef idx="0">
+            <a:schemeClr val="accent1"/>
+          </a:effectRef>
+          <a:fontRef idx="minor">
+            <a:schemeClr val="tx1"/>
+          </a:fontRef>
+        </p:style>
+      </p:cxnSp>
+      <p:cxnSp>
+        <p:nvCxnSpPr>
+          <p:cNvPr id="20" name="Straight Arrow Connector 19"/>
+          <p:cNvCxnSpPr/>
+          <p:nvPr/>
+        </p:nvCxnSpPr>
+        <p:spPr>
+          <a:xfrm>
+            <a:off x="4926375" y="2324100"/>
+            <a:ext cx="0" cy="876300"/>
+          </a:xfrm>
+          <a:prstGeom prst="straightConnector1">
+            <a:avLst/>
+          </a:prstGeom>
+          <a:ln w="25400">
+            <a:tailEnd type="arrow"/>
+          </a:ln>
+        </p:spPr>
+        <p:style>
+          <a:lnRef idx="1">
+            <a:schemeClr val="accent1"/>
+          </a:lnRef>
+          <a:fillRef idx="0">
+            <a:schemeClr val="accent1"/>
+          </a:fillRef>
+          <a:effectRef idx="0">
+            <a:schemeClr val="accent1"/>
+          </a:effectRef>
+          <a:fontRef idx="minor">
+            <a:schemeClr val="tx1"/>
+          </a:fontRef>
+        </p:style>
+      </p:cxnSp>
+      <p:sp>
+        <p:nvSpPr>
+          <p:cNvPr id="23" name="TextBox 22"/>
+          <p:cNvSpPr txBox="1"/>
+          <p:nvPr/>
+        </p:nvSpPr>
+        <p:spPr>
+          <a:xfrm>
+            <a:off x="3991952" y="1721914"/>
+            <a:ext cx="366062" cy="369332"/>
+          </a:xfrm>
+          <a:prstGeom prst="rect">
+            <a:avLst/>
+          </a:prstGeom>
+          <a:noFill/>
+        </p:spPr>
+        <p:txBody>
+          <a:bodyPr wrap="square" rtlCol="0">
+            <a:spAutoFit/>
+          </a:bodyPr>
+          <a:lstStyle/>
+          <a:p>
+            <a:r>
+              <a:rPr lang="en-US" dirty="0" smtClean="0"/>
+              <a:t>0</a:t>
+            </a:r>
+            <a:endParaRPr lang="en-US" dirty="0"/>
+          </a:p>
+        </p:txBody>
+      </p:sp>
+      <p:sp>
+        <p:nvSpPr>
+          <p:cNvPr id="35" name="TextBox 34"/>
+          <p:cNvSpPr txBox="1"/>
+          <p:nvPr/>
+        </p:nvSpPr>
+        <p:spPr>
+          <a:xfrm>
+            <a:off x="4891525" y="2577584"/>
+            <a:ext cx="366062" cy="369332"/>
+          </a:xfrm>
+          <a:prstGeom prst="rect">
+            <a:avLst/>
+          </a:prstGeom>
+          <a:noFill/>
+        </p:spPr>
+        <p:txBody>
+          <a:bodyPr wrap="square" rtlCol="0">
+            <a:spAutoFit/>
+          </a:bodyPr>
+          <a:lstStyle/>
+          <a:p>
+            <a:r>
+              <a:rPr lang="en-US" dirty="0" smtClean="0"/>
+              <a:t>1</a:t>
+            </a:r>
+            <a:endParaRPr lang="en-US" dirty="0"/>
+          </a:p>
+        </p:txBody>
+      </p:sp>
+      <p:sp>
+        <p:nvSpPr>
+          <p:cNvPr id="27" name="TextBox 26"/>
+          <p:cNvSpPr txBox="1"/>
+          <p:nvPr/>
+        </p:nvSpPr>
+        <p:spPr>
+          <a:xfrm>
+            <a:off x="5542332" y="849868"/>
+            <a:ext cx="1981200" cy="369332"/>
+          </a:xfrm>
+          <a:prstGeom prst="rect">
+            <a:avLst/>
+          </a:prstGeom>
+          <a:noFill/>
+        </p:spPr>
+        <p:txBody>
+          <a:bodyPr wrap="square" rtlCol="0">
+            <a:spAutoFit/>
+          </a:bodyPr>
+          <a:lstStyle/>
+          <a:p>
+            <a:r>
+              <a:rPr lang="en-US" dirty="0" smtClean="0"/>
+              <a:t>DAP Request</a:t>
+            </a:r>
+            <a:endParaRPr lang="en-US" dirty="0"/>
+          </a:p>
+        </p:txBody>
+      </p:sp>
+    </p:spTree>
+    <p:extLst>
+      <p:ext uri="{BB962C8B-B14F-4D97-AF65-F5344CB8AC3E}">
+        <p14:creationId xmlns:p14="http://schemas.microsoft.com/office/powerpoint/2010/main" val="4262663118"/>
+      </p:ext>
+    </p:extLst>
+  </p:cSld>
+  <p:clrMapOvr>
+    <a:masterClrMapping/>
+  </p:clrMapOvr>
+  <p:timing>
+    <p:tnLst>
+      <p:par>
+        <p:cTn id="1" dur="indefinite" restart="never" nodeType="tmRoot"/>
+      </p:par>
+    </p:tnLst>
+  </p:timing>
+</p:sld>
+</file>
+
+<file path=ppt/slides/slide22.xml><?xml version="1.0" encoding="utf-8"?>
 <p:sld xmlns:a="http://schemas.openxmlformats.org/drawingml/2006/main" xmlns:r="http://schemas.openxmlformats.org/officeDocument/2006/relationships" xmlns:p="http://schemas.openxmlformats.org/presentationml/2006/main">
   <p:cSld>
     <p:spTree>
@@ -10625,61 +15036,49 @@
         </p:nvSpPr>
         <p:spPr>
           <a:xfrm>
-            <a:off x="457200" y="152400"/>
-            <a:ext cx="8229600" cy="685800"/>
+            <a:off x="533400" y="1905000"/>
+            <a:ext cx="8229600" cy="1143000"/>
           </a:xfrm>
         </p:spPr>
         <p:txBody>
-          <a:bodyPr>
-            <a:normAutofit fontScale="90000"/>
-          </a:bodyPr>
+          <a:bodyPr/>
           <a:lstStyle/>
           <a:p>
             <a:r>
               <a:rPr lang="en-US" dirty="0" smtClean="0"/>
-              <a:t>DP to AP to Debug Components</a:t>
+              <a:t>Thank you</a:t>
             </a:r>
             <a:endParaRPr lang="en-US" dirty="0"/>
           </a:p>
         </p:txBody>
       </p:sp>
-      <p:pic>
-        <p:nvPicPr>
-          <p:cNvPr id="4" name="Picture 3"/>
-          <p:cNvPicPr/>
-          <p:nvPr/>
-        </p:nvPicPr>
-        <p:blipFill>
-          <a:blip r:embed="rId2">
-            <a:extLst>
-              <a:ext uri="{28A0092B-C50C-407E-A947-70E740481C1C}">
-                <a14:useLocalDpi xmlns:a14="http://schemas.microsoft.com/office/drawing/2010/main" val="0"/>
-              </a:ext>
-            </a:extLst>
-          </a:blip>
-          <a:srcRect/>
-          <a:stretch>
-            <a:fillRect/>
-          </a:stretch>
-        </p:blipFill>
-        <p:spPr bwMode="auto">
-          <a:xfrm>
-            <a:off x="837247" y="685800"/>
-            <a:ext cx="7469505" cy="6019800"/>
-          </a:xfrm>
-          <a:prstGeom prst="rect">
-            <a:avLst/>
-          </a:prstGeom>
-          <a:noFill/>
-          <a:ln>
-            <a:noFill/>
-          </a:ln>
-        </p:spPr>
-      </p:pic>
+      <p:sp>
+        <p:nvSpPr>
+          <p:cNvPr id="3" name="Slide Number Placeholder 2"/>
+          <p:cNvSpPr>
+            <a:spLocks noGrp="1"/>
+          </p:cNvSpPr>
+          <p:nvPr>
+            <p:ph type="sldNum" sz="quarter" idx="12"/>
+          </p:nvPr>
+        </p:nvSpPr>
+        <p:spPr/>
+        <p:txBody>
+          <a:bodyPr/>
+          <a:lstStyle/>
+          <a:p>
+            <a:fld id="{7B87B94E-6F5A-4309-83BE-AEC5A78861E0}" type="slidenum">
+              <a:rPr lang="en-US" smtClean="0"/>
+              <a:t>22</a:t>
+            </a:fld>
+            <a:endParaRPr lang="en-US" dirty="0"/>
+          </a:p>
+        </p:txBody>
+      </p:sp>
     </p:spTree>
     <p:extLst>
       <p:ext uri="{BB962C8B-B14F-4D97-AF65-F5344CB8AC3E}">
-        <p14:creationId xmlns:p14="http://schemas.microsoft.com/office/powerpoint/2010/main" val="4175756169"/>
+        <p14:creationId xmlns:p14="http://schemas.microsoft.com/office/powerpoint/2010/main" val="1938352899"/>
       </p:ext>
     </p:extLst>
   </p:cSld>
@@ -10696,144 +15095,7 @@
 </p:sld>
 </file>
 
-<file path=ppt/slides/slide17.xml><?xml version="1.0" encoding="utf-8"?>
-<p:sld xmlns:a="http://schemas.openxmlformats.org/drawingml/2006/main" xmlns:r="http://schemas.openxmlformats.org/officeDocument/2006/relationships" xmlns:p="http://schemas.openxmlformats.org/presentationml/2006/main">
-  <p:cSld>
-    <p:spTree>
-      <p:nvGrpSpPr>
-        <p:cNvPr id="1" name=""/>
-        <p:cNvGrpSpPr/>
-        <p:nvPr/>
-      </p:nvGrpSpPr>
-      <p:grpSpPr>
-        <a:xfrm>
-          <a:off x="0" y="0"/>
-          <a:ext cx="0" cy="0"/>
-          <a:chOff x="0" y="0"/>
-          <a:chExt cx="0" cy="0"/>
-        </a:xfrm>
-      </p:grpSpPr>
-      <p:sp>
-        <p:nvSpPr>
-          <p:cNvPr id="2" name="Title 1"/>
-          <p:cNvSpPr>
-            <a:spLocks noGrp="1"/>
-          </p:cNvSpPr>
-          <p:nvPr>
-            <p:ph type="title"/>
-          </p:nvPr>
-        </p:nvSpPr>
-        <p:spPr>
-          <a:xfrm>
-            <a:off x="457200" y="152400"/>
-            <a:ext cx="8229600" cy="685800"/>
-          </a:xfrm>
-        </p:spPr>
-        <p:txBody>
-          <a:bodyPr>
-            <a:normAutofit fontScale="90000"/>
-          </a:bodyPr>
-          <a:lstStyle/>
-          <a:p>
-            <a:r>
-              <a:rPr lang="en-US" dirty="0" smtClean="0"/>
-              <a:t>Procedure</a:t>
-            </a:r>
-            <a:endParaRPr lang="en-US" dirty="0"/>
-          </a:p>
-        </p:txBody>
-      </p:sp>
-      <p:sp>
-        <p:nvSpPr>
-          <p:cNvPr id="5" name="Rectangle 4"/>
-          <p:cNvSpPr/>
-          <p:nvPr/>
-        </p:nvSpPr>
-        <p:spPr>
-          <a:xfrm>
-            <a:off x="457200" y="-671511"/>
-            <a:ext cx="8153400" cy="7103041"/>
-          </a:xfrm>
-          <a:prstGeom prst="rect">
-            <a:avLst/>
-          </a:prstGeom>
-        </p:spPr>
-      </p:sp>
-      <p:pic>
-        <p:nvPicPr>
-          <p:cNvPr id="5123" name="Picture 3"/>
-          <p:cNvPicPr>
-            <a:picLocks noChangeAspect="1" noChangeArrowheads="1"/>
-          </p:cNvPicPr>
-          <p:nvPr/>
-        </p:nvPicPr>
-        <p:blipFill>
-          <a:blip r:embed="rId2">
-            <a:extLst>
-              <a:ext uri="{28A0092B-C50C-407E-A947-70E740481C1C}">
-                <a14:useLocalDpi xmlns:a14="http://schemas.microsoft.com/office/drawing/2010/main" val="0"/>
-              </a:ext>
-            </a:extLst>
-          </a:blip>
-          <a:srcRect/>
-          <a:stretch>
-            <a:fillRect/>
-          </a:stretch>
-        </p:blipFill>
-        <p:spPr bwMode="auto">
-          <a:xfrm>
-            <a:off x="1752600" y="789709"/>
-            <a:ext cx="6496050" cy="5992091"/>
-          </a:xfrm>
-          <a:prstGeom prst="rect">
-            <a:avLst/>
-          </a:prstGeom>
-          <a:noFill/>
-          <a:ln>
-            <a:noFill/>
-          </a:ln>
-          <a:extLst>
-            <a:ext uri="{909E8E84-426E-40DD-AFC4-6F175D3DCCD1}">
-              <a14:hiddenFill xmlns:a14="http://schemas.microsoft.com/office/drawing/2010/main">
-                <a:solidFill>
-                  <a:schemeClr val="accent1"/>
-                </a:solidFill>
-              </a14:hiddenFill>
-            </a:ext>
-            <a:ext uri="{91240B29-F687-4F45-9708-019B960494DF}">
-              <a14:hiddenLine xmlns:a14="http://schemas.microsoft.com/office/drawing/2010/main" w="9525">
-                <a:solidFill>
-                  <a:schemeClr val="tx1"/>
-                </a:solidFill>
-                <a:miter lim="800000"/>
-                <a:headEnd/>
-                <a:tailEnd/>
-              </a14:hiddenLine>
-            </a:ext>
-          </a:extLst>
-        </p:spPr>
-      </p:pic>
-    </p:spTree>
-    <p:extLst>
-      <p:ext uri="{BB962C8B-B14F-4D97-AF65-F5344CB8AC3E}">
-        <p14:creationId xmlns:p14="http://schemas.microsoft.com/office/powerpoint/2010/main" val="979858909"/>
-      </p:ext>
-    </p:extLst>
-  </p:cSld>
-  <p:clrMapOvr>
-    <a:masterClrMapping/>
-  </p:clrMapOvr>
-  <p:timing>
-    <p:tnLst>
-      <p:par>
-        <p:cTn id="1" dur="indefinite" restart="never" nodeType="tmRoot"/>
-      </p:par>
-    </p:tnLst>
-  </p:timing>
-</p:sld>
-</file>
-
-<file path=ppt/slides/slide2.xml><?xml version="1.0" encoding="utf-8"?>
+<file path=ppt/slides/slide3.xml><?xml version="1.0" encoding="utf-8"?>
 <p:sld xmlns:a="http://schemas.openxmlformats.org/drawingml/2006/main" xmlns:r="http://schemas.openxmlformats.org/officeDocument/2006/relationships" xmlns:p="http://schemas.openxmlformats.org/presentationml/2006/main">
   <p:cSld>
     <p:spTree>
@@ -10867,15 +15129,7 @@
           <a:p>
             <a:r>
               <a:rPr lang="en-US" dirty="0" smtClean="0"/>
-              <a:t>(</a:t>
-            </a:r>
-            <a:r>
-              <a:rPr lang="en-US" dirty="0" err="1" smtClean="0"/>
-              <a:t>gdb</a:t>
-            </a:r>
-            <a:r>
-              <a:rPr lang="en-US" dirty="0" smtClean="0"/>
-              <a:t>)step ---&gt; DHCSR.C_STEP</a:t>
+              <a:t>Introduction</a:t>
             </a:r>
             <a:endParaRPr lang="en-US" dirty="0"/>
           </a:p>
@@ -10898,7 +15152,7 @@
           <a:p>
             <a:r>
               <a:rPr lang="en-US" dirty="0" smtClean="0"/>
-              <a:t>RSP packet from </a:t>
+              <a:t>(</a:t>
             </a:r>
             <a:r>
               <a:rPr lang="en-US" dirty="0" err="1" smtClean="0"/>
@@ -10906,80 +15160,268 @@
             </a:r>
             <a:r>
               <a:rPr lang="en-US" dirty="0" smtClean="0"/>
-              <a:t> to </a:t>
-            </a:r>
-            <a:r>
-              <a:rPr lang="en-US" dirty="0" err="1" smtClean="0"/>
-              <a:t>pyOCD</a:t>
-            </a:r>
-            <a:endParaRPr lang="en-US" dirty="0" smtClean="0"/>
+              <a:t>) step</a:t>
+            </a:r>
           </a:p>
           <a:p>
             <a:pPr marL="0" indent="0">
               <a:buNone/>
             </a:pPr>
             <a:r>
-              <a:rPr lang="en-US" dirty="0"/>
-              <a:t> </a:t>
-            </a:r>
-            <a:r>
               <a:rPr lang="en-US" dirty="0" smtClean="0"/>
-              <a:t>     $s#73</a:t>
-            </a:r>
-          </a:p>
-          <a:p>
+              <a:t>   - tells a halted target to execute one instruction and then halt</a:t>
+            </a:r>
+          </a:p>
+          <a:p>
+            <a:r>
+              <a:rPr lang="en-US" dirty="0" err="1" smtClean="0"/>
+              <a:t>gdb</a:t>
+            </a:r>
             <a:r>
               <a:rPr lang="en-US" dirty="0" smtClean="0"/>
-              <a:t>DAP Command from </a:t>
+              <a:t> repeats this in a loop, if one line of code  involves multiple instructions</a:t>
+            </a:r>
+            <a:endParaRPr lang="en-US" dirty="0"/>
+          </a:p>
+        </p:txBody>
+      </p:sp>
+      <p:sp>
+        <p:nvSpPr>
+          <p:cNvPr id="4" name="Slide Number Placeholder 3"/>
+          <p:cNvSpPr>
+            <a:spLocks noGrp="1"/>
+          </p:cNvSpPr>
+          <p:nvPr>
+            <p:ph type="sldNum" sz="quarter" idx="12"/>
+          </p:nvPr>
+        </p:nvSpPr>
+        <p:spPr/>
+        <p:txBody>
+          <a:bodyPr/>
+          <a:lstStyle/>
+          <a:p>
+            <a:fld id="{7B87B94E-6F5A-4309-83BE-AEC5A78861E0}" type="slidenum">
+              <a:rPr lang="en-US" smtClean="0"/>
+              <a:t>3</a:t>
+            </a:fld>
+            <a:endParaRPr lang="en-US" dirty="0"/>
+          </a:p>
+        </p:txBody>
+      </p:sp>
+    </p:spTree>
+    <p:extLst>
+      <p:ext uri="{BB962C8B-B14F-4D97-AF65-F5344CB8AC3E}">
+        <p14:creationId xmlns:p14="http://schemas.microsoft.com/office/powerpoint/2010/main" val="1585344486"/>
+      </p:ext>
+    </p:extLst>
+  </p:cSld>
+  <p:clrMapOvr>
+    <a:masterClrMapping/>
+  </p:clrMapOvr>
+  <p:timing>
+    <p:tnLst>
+      <p:par>
+        <p:cTn id="1" dur="indefinite" restart="never" nodeType="tmRoot"/>
+      </p:par>
+    </p:tnLst>
+  </p:timing>
+</p:sld>
+</file>
+
+<file path=ppt/slides/slide4.xml><?xml version="1.0" encoding="utf-8"?>
+<p:sld xmlns:a="http://schemas.openxmlformats.org/drawingml/2006/main" xmlns:r="http://schemas.openxmlformats.org/officeDocument/2006/relationships" xmlns:p="http://schemas.openxmlformats.org/presentationml/2006/main">
+  <p:cSld>
+    <p:spTree>
+      <p:nvGrpSpPr>
+        <p:cNvPr id="1" name=""/>
+        <p:cNvGrpSpPr/>
+        <p:nvPr/>
+      </p:nvGrpSpPr>
+      <p:grpSpPr>
+        <a:xfrm>
+          <a:off x="0" y="0"/>
+          <a:ext cx="0" cy="0"/>
+          <a:chOff x="0" y="0"/>
+          <a:chExt cx="0" cy="0"/>
+        </a:xfrm>
+      </p:grpSpPr>
+      <p:sp>
+        <p:nvSpPr>
+          <p:cNvPr id="2" name="Title 1"/>
+          <p:cNvSpPr>
+            <a:spLocks noGrp="1"/>
+          </p:cNvSpPr>
+          <p:nvPr>
+            <p:ph type="title"/>
+          </p:nvPr>
+        </p:nvSpPr>
+        <p:spPr/>
+        <p:txBody>
+          <a:bodyPr/>
+          <a:lstStyle/>
+          <a:p>
+            <a:r>
+              <a:rPr lang="en-US" dirty="0" smtClean="0"/>
+              <a:t>(</a:t>
             </a:r>
             <a:r>
               <a:rPr lang="en-US" dirty="0" err="1" smtClean="0"/>
+              <a:t>gdb</a:t>
+            </a:r>
+            <a:r>
+              <a:rPr lang="en-US" dirty="0" smtClean="0"/>
+              <a:t>)step ---&gt; DHCSR.C_STEP</a:t>
+            </a:r>
+            <a:endParaRPr lang="en-US" dirty="0"/>
+          </a:p>
+        </p:txBody>
+      </p:sp>
+      <p:sp>
+        <p:nvSpPr>
+          <p:cNvPr id="3" name="Content Placeholder 2"/>
+          <p:cNvSpPr>
+            <a:spLocks noGrp="1"/>
+          </p:cNvSpPr>
+          <p:nvPr>
+            <p:ph idx="1"/>
+          </p:nvPr>
+        </p:nvSpPr>
+        <p:spPr/>
+        <p:txBody>
+          <a:bodyPr>
+            <a:normAutofit/>
+          </a:bodyPr>
+          <a:lstStyle/>
+          <a:p>
+            <a:r>
+              <a:rPr lang="en-US" sz="2800" dirty="0" err="1" smtClean="0"/>
+              <a:t>gdb</a:t>
+            </a:r>
+            <a:r>
+              <a:rPr lang="en-US" sz="2800" dirty="0" smtClean="0"/>
+              <a:t> &lt;-&gt; </a:t>
+            </a:r>
+            <a:r>
+              <a:rPr lang="en-US" sz="2800" dirty="0" err="1" smtClean="0"/>
               <a:t>pyOCD</a:t>
             </a:r>
-            <a:r>
-              <a:rPr lang="en-US" dirty="0" smtClean="0"/>
-              <a:t> to </a:t>
-            </a:r>
-            <a:r>
-              <a:rPr lang="en-US" dirty="0" err="1" smtClean="0"/>
-              <a:t>cmsis</a:t>
-            </a:r>
-            <a:r>
-              <a:rPr lang="en-US" dirty="0" smtClean="0"/>
-              <a:t> dap interface firmware</a:t>
-            </a:r>
+            <a:endParaRPr lang="en-US" sz="2800" dirty="0" smtClean="0"/>
           </a:p>
           <a:p>
             <a:pPr marL="0" indent="0">
               <a:buNone/>
             </a:pPr>
             <a:r>
-              <a:rPr lang="en-US" dirty="0"/>
+              <a:rPr lang="en-US" sz="2800" dirty="0" smtClean="0"/>
+              <a:t>                 		</a:t>
+            </a:r>
+            <a:r>
+              <a:rPr lang="en-US" sz="2800" i="1" dirty="0" smtClean="0"/>
+              <a:t>RSP Packet</a:t>
+            </a:r>
+          </a:p>
+          <a:p>
+            <a:r>
+              <a:rPr lang="en-US" sz="2800" dirty="0" err="1" smtClean="0"/>
+              <a:t>pyOCD</a:t>
+            </a:r>
+            <a:r>
+              <a:rPr lang="en-US" sz="2800" dirty="0" smtClean="0"/>
+              <a:t>  &lt;-&gt; </a:t>
+            </a:r>
+            <a:r>
+              <a:rPr lang="en-US" sz="2800" dirty="0" err="1" smtClean="0"/>
+              <a:t>cmsis</a:t>
+            </a:r>
+            <a:r>
+              <a:rPr lang="en-US" sz="2800" dirty="0" smtClean="0"/>
+              <a:t> dap I/F firmware</a:t>
+            </a:r>
+          </a:p>
+          <a:p>
+            <a:pPr marL="0" indent="0">
+              <a:buNone/>
+            </a:pPr>
+            <a:r>
+              <a:rPr lang="en-US" sz="2800" dirty="0" smtClean="0"/>
+              <a:t>                		DAP </a:t>
+            </a:r>
+            <a:r>
+              <a:rPr lang="en-US" sz="2800" dirty="0"/>
+              <a:t>Command</a:t>
+            </a:r>
+            <a:endParaRPr lang="en-US" sz="2800" dirty="0" smtClean="0"/>
+          </a:p>
+          <a:p>
+            <a:r>
+              <a:rPr lang="en-US" sz="2800" dirty="0" err="1" smtClean="0"/>
+              <a:t>cmsis</a:t>
+            </a:r>
+            <a:r>
+              <a:rPr lang="en-US" sz="2800" dirty="0" smtClean="0"/>
               <a:t> </a:t>
             </a:r>
             <a:r>
-              <a:rPr lang="en-US" dirty="0" smtClean="0"/>
-              <a:t>   </a:t>
-            </a:r>
-            <a:r>
-              <a:rPr lang="en-US" sz="2400" b="1" dirty="0" smtClean="0"/>
-              <a:t>0x5, 0x0, 0x2, 0x5,0xE000EDF0, 0xD, 0xA05F000B</a:t>
-            </a:r>
-          </a:p>
-          <a:p>
-            <a:r>
-              <a:rPr lang="en-US" sz="2400" b="1" dirty="0" smtClean="0"/>
-              <a:t>Serial Wire Debug Protocol between </a:t>
-            </a:r>
-            <a:r>
-              <a:rPr lang="en-US" sz="2400" b="1" dirty="0" err="1" smtClean="0"/>
-              <a:t>cmsis</a:t>
-            </a:r>
-            <a:r>
-              <a:rPr lang="en-US" sz="2400" b="1" dirty="0" smtClean="0"/>
-              <a:t> dap interface chip and ARM Cortex M3 target.</a:t>
-            </a:r>
-            <a:endParaRPr lang="en-US" sz="2400" dirty="0"/>
+              <a:rPr lang="en-US" sz="2800" dirty="0"/>
+              <a:t>dap </a:t>
+            </a:r>
+            <a:r>
+              <a:rPr lang="en-US" sz="2800" dirty="0" err="1" smtClean="0"/>
+              <a:t>i</a:t>
+            </a:r>
+            <a:r>
+              <a:rPr lang="en-US" sz="2800" dirty="0" smtClean="0"/>
+              <a:t>/f &lt;-&gt;ARM </a:t>
+            </a:r>
+            <a:r>
+              <a:rPr lang="en-US" sz="2800" dirty="0"/>
+              <a:t>Cortex </a:t>
+            </a:r>
+            <a:r>
+              <a:rPr lang="en-US" sz="2800" dirty="0" smtClean="0"/>
+              <a:t>M3</a:t>
+            </a:r>
+          </a:p>
+          <a:p>
+            <a:pPr marL="0" indent="0">
+              <a:buNone/>
+            </a:pPr>
+            <a:r>
+              <a:rPr lang="en-US" sz="2800" dirty="0" smtClean="0"/>
+              <a:t>            		Serial </a:t>
+            </a:r>
+            <a:r>
+              <a:rPr lang="en-US" sz="2800" dirty="0"/>
+              <a:t>Wire Debug </a:t>
+            </a:r>
+            <a:r>
+              <a:rPr lang="en-US" sz="2800" dirty="0" smtClean="0"/>
+              <a:t>Protocol</a:t>
+            </a:r>
+            <a:endParaRPr lang="en-US" sz="2800" dirty="0"/>
+          </a:p>
+        </p:txBody>
+      </p:sp>
+      <p:sp>
+        <p:nvSpPr>
+          <p:cNvPr id="4" name="Slide Number Placeholder 3"/>
+          <p:cNvSpPr>
+            <a:spLocks noGrp="1"/>
+          </p:cNvSpPr>
+          <p:nvPr>
+            <p:ph type="sldNum" sz="quarter" idx="12"/>
+          </p:nvPr>
+        </p:nvSpPr>
+        <p:spPr/>
+        <p:txBody>
+          <a:bodyPr/>
+          <a:lstStyle/>
+          <a:p>
+            <a:fld id="{7B87B94E-6F5A-4309-83BE-AEC5A78861E0}" type="slidenum">
+              <a:rPr lang="en-US" smtClean="0"/>
+              <a:t>4</a:t>
+            </a:fld>
+            <a:endParaRPr lang="en-US" dirty="0"/>
           </a:p>
         </p:txBody>
       </p:sp>
@@ -11003,7 +15445,7 @@
 </p:sld>
 </file>
 
-<file path=ppt/slides/slide3.xml><?xml version="1.0" encoding="utf-8"?>
+<file path=ppt/slides/slide5.xml><?xml version="1.0" encoding="utf-8"?>
 <p:sld xmlns:a="http://schemas.openxmlformats.org/drawingml/2006/main" xmlns:r="http://schemas.openxmlformats.org/officeDocument/2006/relationships" xmlns:p="http://schemas.openxmlformats.org/presentationml/2006/main">
   <p:cSld>
     <p:spTree>
@@ -14437,9 +18879,47 @@
           </a:lstStyle>
           <a:p>
             <a:r>
+              <a:rPr lang="en-US" b="1" dirty="0">
+                <a:solidFill>
+                  <a:schemeClr val="accent1"/>
+                </a:solidFill>
+              </a:rPr>
+              <a:t>The</a:t>
+            </a:r>
+            <a:r>
               <a:rPr lang="en-US" dirty="0" smtClean="0"/>
-              <a:t>The System</a:t>
-            </a:r>
+              <a:t> </a:t>
+            </a:r>
+            <a:r>
+              <a:rPr lang="en-US" b="1" dirty="0">
+                <a:solidFill>
+                  <a:schemeClr val="accent1"/>
+                </a:solidFill>
+              </a:rPr>
+              <a:t>System</a:t>
+            </a:r>
+          </a:p>
+        </p:txBody>
+      </p:sp>
+      <p:sp>
+        <p:nvSpPr>
+          <p:cNvPr id="2" name="Slide Number Placeholder 1"/>
+          <p:cNvSpPr>
+            <a:spLocks noGrp="1"/>
+          </p:cNvSpPr>
+          <p:nvPr>
+            <p:ph type="sldNum" sz="quarter" idx="12"/>
+          </p:nvPr>
+        </p:nvSpPr>
+        <p:spPr/>
+        <p:txBody>
+          <a:bodyPr/>
+          <a:lstStyle/>
+          <a:p>
+            <a:fld id="{7B87B94E-6F5A-4309-83BE-AEC5A78861E0}" type="slidenum">
+              <a:rPr lang="en-US" smtClean="0"/>
+              <a:t>5</a:t>
+            </a:fld>
             <a:endParaRPr lang="en-US" dirty="0"/>
           </a:p>
         </p:txBody>
@@ -14448,204 +18928,6 @@
     <p:extLst>
       <p:ext uri="{BB962C8B-B14F-4D97-AF65-F5344CB8AC3E}">
         <p14:creationId xmlns:p14="http://schemas.microsoft.com/office/powerpoint/2010/main" val="1264766279"/>
-      </p:ext>
-    </p:extLst>
-  </p:cSld>
-  <p:clrMapOvr>
-    <a:masterClrMapping/>
-  </p:clrMapOvr>
-  <p:timing>
-    <p:tnLst>
-      <p:par>
-        <p:cTn id="1" dur="indefinite" restart="never" nodeType="tmRoot"/>
-      </p:par>
-    </p:tnLst>
-  </p:timing>
-</p:sld>
-</file>
-
-<file path=ppt/slides/slide4.xml><?xml version="1.0" encoding="utf-8"?>
-<p:sld xmlns:a="http://schemas.openxmlformats.org/drawingml/2006/main" xmlns:r="http://schemas.openxmlformats.org/officeDocument/2006/relationships" xmlns:p="http://schemas.openxmlformats.org/presentationml/2006/main">
-  <p:cSld>
-    <p:spTree>
-      <p:nvGrpSpPr>
-        <p:cNvPr id="1" name=""/>
-        <p:cNvGrpSpPr/>
-        <p:nvPr/>
-      </p:nvGrpSpPr>
-      <p:grpSpPr>
-        <a:xfrm>
-          <a:off x="0" y="0"/>
-          <a:ext cx="0" cy="0"/>
-          <a:chOff x="0" y="0"/>
-          <a:chExt cx="0" cy="0"/>
-        </a:xfrm>
-      </p:grpSpPr>
-      <p:sp>
-        <p:nvSpPr>
-          <p:cNvPr id="4" name="Title 3"/>
-          <p:cNvSpPr>
-            <a:spLocks noGrp="1"/>
-          </p:cNvSpPr>
-          <p:nvPr>
-            <p:ph type="title"/>
-          </p:nvPr>
-        </p:nvSpPr>
-        <p:spPr/>
-        <p:txBody>
-          <a:bodyPr/>
-          <a:lstStyle/>
-          <a:p>
-            <a:r>
-              <a:rPr lang="en-US" dirty="0" smtClean="0"/>
-              <a:t>GDB Internals</a:t>
-            </a:r>
-            <a:endParaRPr lang="en-US" dirty="0"/>
-          </a:p>
-        </p:txBody>
-      </p:sp>
-      <p:pic>
-        <p:nvPicPr>
-          <p:cNvPr id="5" name="Content Placeholder 4" descr="http://www.aosabook.org/images/gdb/gdb-structure.png"/>
-          <p:cNvPicPr>
-            <a:picLocks noGrp="1"/>
-          </p:cNvPicPr>
-          <p:nvPr>
-            <p:ph idx="1"/>
-          </p:nvPr>
-        </p:nvPicPr>
-        <p:blipFill>
-          <a:blip r:embed="rId2">
-            <a:extLst>
-              <a:ext uri="{BEBA8EAE-BF5A-486C-A8C5-ECC9F3942E4B}">
-                <a14:imgProps xmlns:a14="http://schemas.microsoft.com/office/drawing/2010/main">
-                  <a14:imgLayer r:embed="rId3">
-                    <a14:imgEffect>
-                      <a14:brightnessContrast bright="-10000" contrast="20000"/>
-                    </a14:imgEffect>
-                  </a14:imgLayer>
-                </a14:imgProps>
-              </a:ext>
-              <a:ext uri="{28A0092B-C50C-407E-A947-70E740481C1C}">
-                <a14:useLocalDpi xmlns:a14="http://schemas.microsoft.com/office/drawing/2010/main" val="0"/>
-              </a:ext>
-            </a:extLst>
-          </a:blip>
-          <a:stretch>
-            <a:fillRect/>
-          </a:stretch>
-        </p:blipFill>
-        <p:spPr bwMode="auto">
-          <a:xfrm>
-            <a:off x="2795093" y="1600200"/>
-            <a:ext cx="3553814" cy="4525963"/>
-          </a:xfrm>
-          <a:prstGeom prst="rect">
-            <a:avLst/>
-          </a:prstGeom>
-          <a:noFill/>
-          <a:ln>
-            <a:noFill/>
-          </a:ln>
-        </p:spPr>
-      </p:pic>
-    </p:spTree>
-    <p:extLst>
-      <p:ext uri="{BB962C8B-B14F-4D97-AF65-F5344CB8AC3E}">
-        <p14:creationId xmlns:p14="http://schemas.microsoft.com/office/powerpoint/2010/main" val="197699058"/>
-      </p:ext>
-    </p:extLst>
-  </p:cSld>
-  <p:clrMapOvr>
-    <a:masterClrMapping/>
-  </p:clrMapOvr>
-  <p:timing>
-    <p:tnLst>
-      <p:par>
-        <p:cTn id="1" dur="indefinite" restart="never" nodeType="tmRoot"/>
-      </p:par>
-    </p:tnLst>
-  </p:timing>
-</p:sld>
-</file>
-
-<file path=ppt/slides/slide5.xml><?xml version="1.0" encoding="utf-8"?>
-<p:sld xmlns:a="http://schemas.openxmlformats.org/drawingml/2006/main" xmlns:r="http://schemas.openxmlformats.org/officeDocument/2006/relationships" xmlns:p="http://schemas.openxmlformats.org/presentationml/2006/main">
-  <p:cSld>
-    <p:spTree>
-      <p:nvGrpSpPr>
-        <p:cNvPr id="1" name=""/>
-        <p:cNvGrpSpPr/>
-        <p:nvPr/>
-      </p:nvGrpSpPr>
-      <p:grpSpPr>
-        <a:xfrm>
-          <a:off x="0" y="0"/>
-          <a:ext cx="0" cy="0"/>
-          <a:chOff x="0" y="0"/>
-          <a:chExt cx="0" cy="0"/>
-        </a:xfrm>
-      </p:grpSpPr>
-      <p:sp>
-        <p:nvSpPr>
-          <p:cNvPr id="2" name="Title 1"/>
-          <p:cNvSpPr>
-            <a:spLocks noGrp="1"/>
-          </p:cNvSpPr>
-          <p:nvPr>
-            <p:ph type="title"/>
-          </p:nvPr>
-        </p:nvSpPr>
-        <p:spPr/>
-        <p:txBody>
-          <a:bodyPr/>
-          <a:lstStyle/>
-          <a:p>
-            <a:r>
-              <a:rPr lang="en-US" dirty="0" smtClean="0"/>
-              <a:t>GDB- RSP Packet Screenshot</a:t>
-            </a:r>
-            <a:endParaRPr lang="en-US" dirty="0"/>
-          </a:p>
-        </p:txBody>
-      </p:sp>
-      <p:pic>
-        <p:nvPicPr>
-          <p:cNvPr id="39" name="Picture 38"/>
-          <p:cNvPicPr/>
-          <p:nvPr/>
-        </p:nvPicPr>
-        <p:blipFill>
-          <a:blip r:embed="rId2">
-            <a:extLst>
-              <a:ext uri="{28A0092B-C50C-407E-A947-70E740481C1C}">
-                <a14:useLocalDpi xmlns:a14="http://schemas.microsoft.com/office/drawing/2010/main" val="0"/>
-              </a:ext>
-            </a:extLst>
-          </a:blip>
-          <a:srcRect/>
-          <a:stretch>
-            <a:fillRect/>
-          </a:stretch>
-        </p:blipFill>
-        <p:spPr bwMode="auto">
-          <a:xfrm>
-            <a:off x="1143000" y="1524000"/>
-            <a:ext cx="7086600" cy="3962400"/>
-          </a:xfrm>
-          <a:prstGeom prst="rect">
-            <a:avLst/>
-          </a:prstGeom>
-          <a:noFill/>
-          <a:ln>
-            <a:noFill/>
-          </a:ln>
-        </p:spPr>
-      </p:pic>
-    </p:spTree>
-    <p:extLst>
-      <p:ext uri="{BB962C8B-B14F-4D97-AF65-F5344CB8AC3E}">
-        <p14:creationId xmlns:p14="http://schemas.microsoft.com/office/powerpoint/2010/main" val="285628788"/>
       </p:ext>
     </p:extLst>
   </p:cSld>
@@ -14689,56 +18971,117 @@
             <p:ph type="title"/>
           </p:nvPr>
         </p:nvSpPr>
-        <p:spPr>
-          <a:xfrm>
-            <a:off x="457200" y="76200"/>
-            <a:ext cx="8229600" cy="1143000"/>
-          </a:xfrm>
-        </p:spPr>
+        <p:spPr/>
+        <p:txBody>
+          <a:bodyPr>
+            <a:normAutofit/>
+          </a:bodyPr>
+          <a:lstStyle/>
+          <a:p>
+            <a:r>
+              <a:rPr lang="en-US" sz="6600" dirty="0" smtClean="0"/>
+              <a:t>Contents</a:t>
+            </a:r>
+            <a:endParaRPr lang="en-US" sz="6600" dirty="0"/>
+          </a:p>
+        </p:txBody>
+      </p:sp>
+      <p:sp>
+        <p:nvSpPr>
+          <p:cNvPr id="3" name="Content Placeholder 2"/>
+          <p:cNvSpPr>
+            <a:spLocks noGrp="1"/>
+          </p:cNvSpPr>
+          <p:nvPr>
+            <p:ph idx="1"/>
+          </p:nvPr>
+        </p:nvSpPr>
+        <p:spPr/>
+        <p:txBody>
+          <a:bodyPr>
+            <a:normAutofit lnSpcReduction="10000"/>
+          </a:bodyPr>
+          <a:lstStyle/>
+          <a:p>
+            <a:r>
+              <a:rPr lang="en-US" sz="4000" b="1" dirty="0"/>
+              <a:t>Introduction</a:t>
+            </a:r>
+          </a:p>
+          <a:p>
+            <a:r>
+              <a:rPr lang="en-US" sz="5400" b="1" dirty="0">
+                <a:solidFill>
+                  <a:schemeClr val="accent1"/>
+                </a:solidFill>
+              </a:rPr>
+              <a:t>GDB Internals</a:t>
+            </a:r>
+          </a:p>
+          <a:p>
+            <a:r>
+              <a:rPr lang="en-US" sz="4000" b="1" dirty="0" err="1" smtClean="0"/>
+              <a:t>pyOCD</a:t>
+            </a:r>
+            <a:r>
+              <a:rPr lang="en-US" sz="4000" b="1" dirty="0" smtClean="0"/>
+              <a:t> Internals</a:t>
+            </a:r>
+          </a:p>
+          <a:p>
+            <a:r>
+              <a:rPr lang="en-US" sz="4000" b="1" dirty="0" err="1" smtClean="0"/>
+              <a:t>cmsis_DAP</a:t>
+            </a:r>
+            <a:r>
+              <a:rPr lang="en-US" sz="4000" b="1" dirty="0" smtClean="0"/>
+              <a:t> Interface Internals</a:t>
+            </a:r>
+          </a:p>
+          <a:p>
+            <a:r>
+              <a:rPr lang="en-US" sz="4000" b="1" dirty="0" smtClean="0"/>
+              <a:t>Serial Wire Debug Protocol</a:t>
+            </a:r>
+          </a:p>
+          <a:p>
+            <a:r>
+              <a:rPr lang="en-US" sz="4000" b="1" dirty="0" smtClean="0"/>
+              <a:t>Conclusion</a:t>
+            </a:r>
+          </a:p>
+          <a:p>
+            <a:endParaRPr lang="en-US" b="1" dirty="0"/>
+          </a:p>
+        </p:txBody>
+      </p:sp>
+      <p:sp>
+        <p:nvSpPr>
+          <p:cNvPr id="4" name="Slide Number Placeholder 3"/>
+          <p:cNvSpPr>
+            <a:spLocks noGrp="1"/>
+          </p:cNvSpPr>
+          <p:nvPr>
+            <p:ph type="sldNum" sz="quarter" idx="12"/>
+          </p:nvPr>
+        </p:nvSpPr>
+        <p:spPr/>
         <p:txBody>
           <a:bodyPr/>
           <a:lstStyle/>
           <a:p>
-            <a:r>
-              <a:rPr lang="en-US" dirty="0" smtClean="0"/>
-              <a:t>GDB - Step Command backtrace</a:t>
-            </a:r>
+            <a:fld id="{7B87B94E-6F5A-4309-83BE-AEC5A78861E0}" type="slidenum">
+              <a:rPr lang="en-US" smtClean="0"/>
+              <a:t>6</a:t>
+            </a:fld>
             <a:endParaRPr lang="en-US" dirty="0"/>
           </a:p>
         </p:txBody>
       </p:sp>
-      <p:pic>
-        <p:nvPicPr>
-          <p:cNvPr id="4" name="Picture 3"/>
-          <p:cNvPicPr/>
-          <p:nvPr/>
-        </p:nvPicPr>
-        <p:blipFill>
-          <a:blip r:embed="rId2">
-            <a:extLst>
-              <a:ext uri="{28A0092B-C50C-407E-A947-70E740481C1C}">
-                <a14:useLocalDpi xmlns:a14="http://schemas.microsoft.com/office/drawing/2010/main" val="0"/>
-              </a:ext>
-            </a:extLst>
-          </a:blip>
-          <a:stretch>
-            <a:fillRect/>
-          </a:stretch>
-        </p:blipFill>
-        <p:spPr>
-          <a:xfrm>
-            <a:off x="76200" y="1066800"/>
-            <a:ext cx="8991600" cy="5715000"/>
-          </a:xfrm>
-          <a:prstGeom prst="rect">
-            <a:avLst/>
-          </a:prstGeom>
-        </p:spPr>
-      </p:pic>
     </p:spTree>
     <p:extLst>
       <p:ext uri="{BB962C8B-B14F-4D97-AF65-F5344CB8AC3E}">
-        <p14:creationId xmlns:p14="http://schemas.microsoft.com/office/powerpoint/2010/main" val="1636733209"/>
+        <p14:creationId xmlns:p14="http://schemas.microsoft.com/office/powerpoint/2010/main" val="1656571847"/>
       </p:ext>
     </p:extLst>
   </p:cSld>
@@ -14774,7 +19117,7 @@
       </p:grpSpPr>
       <p:sp>
         <p:nvSpPr>
-          <p:cNvPr id="2" name="Title 1"/>
+          <p:cNvPr id="4" name="Title 3"/>
           <p:cNvSpPr>
             <a:spLocks noGrp="1"/>
           </p:cNvSpPr>
@@ -14789,518 +19132,163 @@
           <a:p>
             <a:r>
               <a:rPr lang="en-US" dirty="0" smtClean="0"/>
-              <a:t>pyOCD Internals</a:t>
+              <a:t>GDB Internals</a:t>
             </a:r>
             <a:endParaRPr lang="en-US" dirty="0"/>
           </a:p>
         </p:txBody>
       </p:sp>
-      <p:graphicFrame>
-        <p:nvGraphicFramePr>
-          <p:cNvPr id="30" name="Diagram 29"/>
-          <p:cNvGraphicFramePr/>
+      <p:pic>
+        <p:nvPicPr>
+          <p:cNvPr id="5" name="Content Placeholder 4" descr="http://www.aosabook.org/images/gdb/gdb-structure.png"/>
+          <p:cNvPicPr>
+            <a:picLocks noGrp="1"/>
+          </p:cNvPicPr>
           <p:nvPr>
-            <p:extLst>
-              <p:ext uri="{D42A27DB-BD31-4B8C-83A1-F6EECF244321}">
-                <p14:modId xmlns:p14="http://schemas.microsoft.com/office/powerpoint/2010/main" val="3864563902"/>
-              </p:ext>
-            </p:extLst>
+            <p:ph idx="1"/>
           </p:nvPr>
-        </p:nvGraphicFramePr>
-        <p:xfrm>
-          <a:off x="1828800" y="1828800"/>
-          <a:ext cx="5257800" cy="3962400"/>
-        </p:xfrm>
-        <a:graphic>
-          <a:graphicData uri="http://schemas.openxmlformats.org/drawingml/2006/diagram">
-            <dgm:relIds xmlns:dgm="http://schemas.openxmlformats.org/drawingml/2006/diagram" xmlns:r="http://schemas.openxmlformats.org/officeDocument/2006/relationships" r:dm="rId2" r:lo="rId3" r:qs="rId4" r:cs="rId5"/>
-          </a:graphicData>
-        </a:graphic>
-      </p:graphicFrame>
-      <p:grpSp>
-        <p:nvGrpSpPr>
-          <p:cNvPr id="31" name="Group 30"/>
-          <p:cNvGrpSpPr/>
+        </p:nvPicPr>
+        <p:blipFill>
+          <a:blip r:embed="rId2">
+            <a:extLst>
+              <a:ext uri="{BEBA8EAE-BF5A-486C-A8C5-ECC9F3942E4B}">
+                <a14:imgProps xmlns:a14="http://schemas.microsoft.com/office/drawing/2010/main">
+                  <a14:imgLayer r:embed="rId3">
+                    <a14:imgEffect>
+                      <a14:brightnessContrast bright="-10000" contrast="20000"/>
+                    </a14:imgEffect>
+                  </a14:imgLayer>
+                </a14:imgProps>
+              </a:ext>
+              <a:ext uri="{28A0092B-C50C-407E-A947-70E740481C1C}">
+                <a14:useLocalDpi xmlns:a14="http://schemas.microsoft.com/office/drawing/2010/main" val="0"/>
+              </a:ext>
+            </a:extLst>
+          </a:blip>
+          <a:stretch>
+            <a:fillRect/>
+          </a:stretch>
+        </p:blipFill>
+        <p:spPr bwMode="auto">
+          <a:xfrm>
+            <a:off x="457200" y="1524000"/>
+            <a:ext cx="4114800" cy="4525963"/>
+          </a:xfrm>
+          <a:prstGeom prst="rect">
+            <a:avLst/>
+          </a:prstGeom>
+          <a:noFill/>
+          <a:ln>
+            <a:noFill/>
+          </a:ln>
+        </p:spPr>
+      </p:pic>
+      <p:sp>
+        <p:nvSpPr>
+          <p:cNvPr id="2" name="Slide Number Placeholder 1"/>
+          <p:cNvSpPr>
+            <a:spLocks noGrp="1"/>
+          </p:cNvSpPr>
+          <p:nvPr>
+            <p:ph type="sldNum" sz="quarter" idx="12"/>
+          </p:nvPr>
+        </p:nvSpPr>
+        <p:spPr/>
+        <p:txBody>
+          <a:bodyPr/>
+          <a:lstStyle/>
+          <a:p>
+            <a:fld id="{7B87B94E-6F5A-4309-83BE-AEC5A78861E0}" type="slidenum">
+              <a:rPr lang="en-US" smtClean="0"/>
+              <a:t>7</a:t>
+            </a:fld>
+            <a:endParaRPr lang="en-US" dirty="0"/>
+          </a:p>
+        </p:txBody>
+      </p:sp>
+      <p:sp>
+        <p:nvSpPr>
+          <p:cNvPr id="3" name="TextBox 2"/>
+          <p:cNvSpPr txBox="1"/>
           <p:nvPr/>
-        </p:nvGrpSpPr>
-        <p:grpSpPr>
+        </p:nvSpPr>
+        <p:spPr>
           <a:xfrm>
-            <a:off x="2514600" y="1981200"/>
-            <a:ext cx="3962400" cy="2590800"/>
-            <a:chOff x="0" y="0"/>
-            <a:chExt cx="3457575" cy="2181225"/>
+            <a:off x="4724400" y="1600200"/>
+            <a:ext cx="3962400" cy="2031325"/>
           </a:xfrm>
-        </p:grpSpPr>
-        <p:cxnSp>
-          <p:nvCxnSpPr>
-            <p:cNvPr id="32" name="Straight Arrow Connector 31"/>
-            <p:cNvCxnSpPr/>
-            <p:nvPr/>
-          </p:nvCxnSpPr>
-          <p:spPr>
-            <a:xfrm>
-              <a:off x="1504950" y="247650"/>
-              <a:ext cx="0" cy="209550"/>
-            </a:xfrm>
-            <a:prstGeom prst="straightConnector1">
-              <a:avLst/>
-            </a:prstGeom>
-            <a:ln>
-              <a:headEnd type="arrow"/>
-              <a:tailEnd type="arrow"/>
-            </a:ln>
-          </p:spPr>
-          <p:style>
-            <a:lnRef idx="1">
-              <a:schemeClr val="accent1"/>
-            </a:lnRef>
-            <a:fillRef idx="0">
-              <a:schemeClr val="accent1"/>
-            </a:fillRef>
-            <a:effectRef idx="0">
-              <a:schemeClr val="accent1"/>
-            </a:effectRef>
-            <a:fontRef idx="minor">
-              <a:schemeClr val="tx1"/>
-            </a:fontRef>
-          </p:style>
-        </p:cxnSp>
-        <p:grpSp>
-          <p:nvGrpSpPr>
-            <p:cNvPr id="33" name="Group 32"/>
-            <p:cNvGrpSpPr/>
-            <p:nvPr/>
-          </p:nvGrpSpPr>
-          <p:grpSpPr>
-            <a:xfrm>
-              <a:off x="0" y="0"/>
-              <a:ext cx="3457575" cy="2181225"/>
-              <a:chOff x="0" y="0"/>
-              <a:chExt cx="3457575" cy="2181225"/>
-            </a:xfrm>
-          </p:grpSpPr>
-          <p:cxnSp>
-            <p:nvCxnSpPr>
-              <p:cNvPr id="34" name="Straight Arrow Connector 33"/>
-              <p:cNvCxnSpPr/>
-              <p:nvPr/>
-            </p:nvCxnSpPr>
-            <p:spPr>
-              <a:xfrm>
-                <a:off x="3228975" y="1209675"/>
-                <a:ext cx="0" cy="295275"/>
-              </a:xfrm>
-              <a:prstGeom prst="straightConnector1">
-                <a:avLst/>
-              </a:prstGeom>
-              <a:ln>
-                <a:headEnd type="arrow"/>
-                <a:tailEnd type="arrow"/>
-              </a:ln>
-            </p:spPr>
-            <p:style>
-              <a:lnRef idx="1">
-                <a:schemeClr val="accent1"/>
-              </a:lnRef>
-              <a:fillRef idx="0">
-                <a:schemeClr val="accent1"/>
-              </a:fillRef>
-              <a:effectRef idx="0">
-                <a:schemeClr val="accent1"/>
-              </a:effectRef>
-              <a:fontRef idx="minor">
-                <a:schemeClr val="tx1"/>
-              </a:fontRef>
-            </p:style>
-          </p:cxnSp>
-          <p:grpSp>
-            <p:nvGrpSpPr>
-              <p:cNvPr id="35" name="Group 34"/>
-              <p:cNvGrpSpPr/>
-              <p:nvPr/>
-            </p:nvGrpSpPr>
-            <p:grpSpPr>
-              <a:xfrm>
-                <a:off x="0" y="0"/>
-                <a:ext cx="3457575" cy="2181225"/>
-                <a:chOff x="0" y="0"/>
-                <a:chExt cx="3457575" cy="2181225"/>
-              </a:xfrm>
-            </p:grpSpPr>
-            <p:sp>
-              <p:nvSpPr>
-                <p:cNvPr id="36" name="Freeform 35"/>
-                <p:cNvSpPr/>
-                <p:nvPr/>
-              </p:nvSpPr>
-              <p:spPr>
-                <a:xfrm>
-                  <a:off x="0" y="0"/>
-                  <a:ext cx="838200" cy="1504950"/>
-                </a:xfrm>
-                <a:custGeom>
-                  <a:avLst/>
-                  <a:gdLst>
-                    <a:gd name="connsiteX0" fmla="*/ 838200 w 838200"/>
-                    <a:gd name="connsiteY0" fmla="*/ 0 h 1390650"/>
-                    <a:gd name="connsiteX1" fmla="*/ 0 w 838200"/>
-                    <a:gd name="connsiteY1" fmla="*/ 19050 h 1390650"/>
-                    <a:gd name="connsiteX2" fmla="*/ 0 w 838200"/>
-                    <a:gd name="connsiteY2" fmla="*/ 1390650 h 1390650"/>
-                    <a:gd name="connsiteX3" fmla="*/ 0 w 838200"/>
-                    <a:gd name="connsiteY3" fmla="*/ 1390650 h 1390650"/>
-                    <a:gd name="connsiteX4" fmla="*/ 0 w 838200"/>
-                    <a:gd name="connsiteY4" fmla="*/ 1390650 h 1390650"/>
-                    <a:gd name="connsiteX5" fmla="*/ 0 w 838200"/>
-                    <a:gd name="connsiteY5" fmla="*/ 1390650 h 1390650"/>
-                    <a:gd name="connsiteX0" fmla="*/ 838200 w 838200"/>
-                    <a:gd name="connsiteY0" fmla="*/ 0 h 1390650"/>
-                    <a:gd name="connsiteX1" fmla="*/ 0 w 838200"/>
-                    <a:gd name="connsiteY1" fmla="*/ 0 h 1390650"/>
-                    <a:gd name="connsiteX2" fmla="*/ 0 w 838200"/>
-                    <a:gd name="connsiteY2" fmla="*/ 1390650 h 1390650"/>
-                    <a:gd name="connsiteX3" fmla="*/ 0 w 838200"/>
-                    <a:gd name="connsiteY3" fmla="*/ 1390650 h 1390650"/>
-                    <a:gd name="connsiteX4" fmla="*/ 0 w 838200"/>
-                    <a:gd name="connsiteY4" fmla="*/ 1390650 h 1390650"/>
-                    <a:gd name="connsiteX5" fmla="*/ 0 w 838200"/>
-                    <a:gd name="connsiteY5" fmla="*/ 1390650 h 1390650"/>
-                  </a:gdLst>
-                  <a:ahLst/>
-                  <a:cxnLst>
-                    <a:cxn ang="0">
-                      <a:pos x="connsiteX0" y="connsiteY0"/>
-                    </a:cxn>
-                    <a:cxn ang="0">
-                      <a:pos x="connsiteX1" y="connsiteY1"/>
-                    </a:cxn>
-                    <a:cxn ang="0">
-                      <a:pos x="connsiteX2" y="connsiteY2"/>
-                    </a:cxn>
-                    <a:cxn ang="0">
-                      <a:pos x="connsiteX3" y="connsiteY3"/>
-                    </a:cxn>
-                    <a:cxn ang="0">
-                      <a:pos x="connsiteX4" y="connsiteY4"/>
-                    </a:cxn>
-                    <a:cxn ang="0">
-                      <a:pos x="connsiteX5" y="connsiteY5"/>
-                    </a:cxn>
-                  </a:cxnLst>
-                  <a:rect l="l" t="t" r="r" b="b"/>
-                  <a:pathLst>
-                    <a:path w="838200" h="1390650">
-                      <a:moveTo>
-                        <a:pt x="838200" y="0"/>
-                      </a:moveTo>
-                      <a:lnTo>
-                        <a:pt x="0" y="0"/>
-                      </a:lnTo>
-                      <a:lnTo>
-                        <a:pt x="0" y="1390650"/>
-                      </a:lnTo>
-                      <a:lnTo>
-                        <a:pt x="0" y="1390650"/>
-                      </a:lnTo>
-                      <a:lnTo>
-                        <a:pt x="0" y="1390650"/>
-                      </a:lnTo>
-                      <a:lnTo>
-                        <a:pt x="0" y="1390650"/>
-                      </a:lnTo>
-                    </a:path>
-                  </a:pathLst>
-                </a:custGeom>
-                <a:noFill/>
-                <a:ln w="12700" cmpd="sng">
-                  <a:headEnd type="arrow"/>
-                  <a:tailEnd type="arrow"/>
-                </a:ln>
-              </p:spPr>
-              <p:style>
-                <a:lnRef idx="2">
-                  <a:schemeClr val="accent1">
-                    <a:shade val="50000"/>
-                  </a:schemeClr>
-                </a:lnRef>
-                <a:fillRef idx="1">
-                  <a:schemeClr val="accent1"/>
-                </a:fillRef>
-                <a:effectRef idx="0">
-                  <a:schemeClr val="accent1"/>
-                </a:effectRef>
-                <a:fontRef idx="minor">
-                  <a:schemeClr val="lt1"/>
-                </a:fontRef>
-              </p:style>
-              <p:txBody>
-                <a:bodyPr rot="0" spcFirstLastPara="0" vert="horz" wrap="square" lIns="91440" tIns="45720" rIns="91440" bIns="45720" numCol="1" spcCol="0" rtlCol="0" fromWordArt="0" anchor="ctr" anchorCtr="0" forceAA="0" compatLnSpc="1">
-                  <a:prstTxWarp prst="textNoShape">
-                    <a:avLst/>
-                  </a:prstTxWarp>
-                  <a:noAutofit/>
-                </a:bodyPr>
-                <a:lstStyle/>
-                <a:p>
-                  <a:endParaRPr lang="en-US"/>
-                </a:p>
-              </p:txBody>
-            </p:sp>
-            <p:sp>
-              <p:nvSpPr>
-                <p:cNvPr id="37" name="Freeform 36"/>
-                <p:cNvSpPr/>
-                <p:nvPr/>
-              </p:nvSpPr>
-              <p:spPr>
-                <a:xfrm>
-                  <a:off x="2152650" y="0"/>
-                  <a:ext cx="1304925" cy="819150"/>
-                </a:xfrm>
-                <a:custGeom>
-                  <a:avLst/>
-                  <a:gdLst>
-                    <a:gd name="connsiteX0" fmla="*/ 0 w 885825"/>
-                    <a:gd name="connsiteY0" fmla="*/ 0 h 923925"/>
-                    <a:gd name="connsiteX1" fmla="*/ 885825 w 885825"/>
-                    <a:gd name="connsiteY1" fmla="*/ 0 h 923925"/>
-                    <a:gd name="connsiteX2" fmla="*/ 885825 w 885825"/>
-                    <a:gd name="connsiteY2" fmla="*/ 0 h 923925"/>
-                    <a:gd name="connsiteX3" fmla="*/ 885825 w 885825"/>
-                    <a:gd name="connsiteY3" fmla="*/ 923925 h 923925"/>
-                    <a:gd name="connsiteX4" fmla="*/ 885825 w 885825"/>
-                    <a:gd name="connsiteY4" fmla="*/ 923925 h 923925"/>
-                    <a:gd name="connsiteX5" fmla="*/ 885825 w 885825"/>
-                    <a:gd name="connsiteY5" fmla="*/ 923925 h 923925"/>
-                  </a:gdLst>
-                  <a:ahLst/>
-                  <a:cxnLst>
-                    <a:cxn ang="0">
-                      <a:pos x="connsiteX0" y="connsiteY0"/>
-                    </a:cxn>
-                    <a:cxn ang="0">
-                      <a:pos x="connsiteX1" y="connsiteY1"/>
-                    </a:cxn>
-                    <a:cxn ang="0">
-                      <a:pos x="connsiteX2" y="connsiteY2"/>
-                    </a:cxn>
-                    <a:cxn ang="0">
-                      <a:pos x="connsiteX3" y="connsiteY3"/>
-                    </a:cxn>
-                    <a:cxn ang="0">
-                      <a:pos x="connsiteX4" y="connsiteY4"/>
-                    </a:cxn>
-                    <a:cxn ang="0">
-                      <a:pos x="connsiteX5" y="connsiteY5"/>
-                    </a:cxn>
-                  </a:cxnLst>
-                  <a:rect l="l" t="t" r="r" b="b"/>
-                  <a:pathLst>
-                    <a:path w="885825" h="923925">
-                      <a:moveTo>
-                        <a:pt x="0" y="0"/>
-                      </a:moveTo>
-                      <a:lnTo>
-                        <a:pt x="885825" y="0"/>
-                      </a:lnTo>
-                      <a:lnTo>
-                        <a:pt x="885825" y="0"/>
-                      </a:lnTo>
-                      <a:lnTo>
-                        <a:pt x="885825" y="923925"/>
-                      </a:lnTo>
-                      <a:lnTo>
-                        <a:pt x="885825" y="923925"/>
-                      </a:lnTo>
-                      <a:lnTo>
-                        <a:pt x="885825" y="923925"/>
-                      </a:lnTo>
-                    </a:path>
-                  </a:pathLst>
-                </a:custGeom>
-                <a:noFill/>
-                <a:ln w="12700" cmpd="sng">
-                  <a:headEnd type="arrow"/>
-                  <a:tailEnd type="arrow"/>
-                </a:ln>
-              </p:spPr>
-              <p:style>
-                <a:lnRef idx="2">
-                  <a:schemeClr val="accent1">
-                    <a:shade val="50000"/>
-                  </a:schemeClr>
-                </a:lnRef>
-                <a:fillRef idx="1">
-                  <a:schemeClr val="accent1"/>
-                </a:fillRef>
-                <a:effectRef idx="0">
-                  <a:schemeClr val="accent1"/>
-                </a:effectRef>
-                <a:fontRef idx="minor">
-                  <a:schemeClr val="lt1"/>
-                </a:fontRef>
-              </p:style>
-              <p:txBody>
-                <a:bodyPr rot="0" spcFirstLastPara="0" vert="horz" wrap="square" lIns="91440" tIns="45720" rIns="91440" bIns="45720" numCol="1" spcCol="0" rtlCol="0" fromWordArt="0" anchor="ctr" anchorCtr="0" forceAA="0" compatLnSpc="1">
-                  <a:prstTxWarp prst="textNoShape">
-                    <a:avLst/>
-                  </a:prstTxWarp>
-                  <a:noAutofit/>
-                </a:bodyPr>
-                <a:lstStyle/>
-                <a:p>
-                  <a:endParaRPr lang="en-US"/>
-                </a:p>
-              </p:txBody>
-            </p:sp>
-            <p:cxnSp>
-              <p:nvCxnSpPr>
-                <p:cNvPr id="38" name="Straight Arrow Connector 37"/>
-                <p:cNvCxnSpPr/>
-                <p:nvPr/>
-              </p:nvCxnSpPr>
-              <p:spPr>
-                <a:xfrm>
-                  <a:off x="3248025" y="1914525"/>
-                  <a:ext cx="0" cy="266700"/>
-                </a:xfrm>
-                <a:prstGeom prst="straightConnector1">
-                  <a:avLst/>
-                </a:prstGeom>
-                <a:ln>
-                  <a:headEnd type="arrow"/>
-                  <a:tailEnd type="arrow"/>
-                </a:ln>
-              </p:spPr>
-              <p:style>
-                <a:lnRef idx="1">
-                  <a:schemeClr val="accent1"/>
-                </a:lnRef>
-                <a:fillRef idx="0">
-                  <a:schemeClr val="accent1"/>
-                </a:fillRef>
-                <a:effectRef idx="0">
-                  <a:schemeClr val="accent1"/>
-                </a:effectRef>
-                <a:fontRef idx="minor">
-                  <a:schemeClr val="tx1"/>
-                </a:fontRef>
-              </p:style>
-            </p:cxnSp>
-            <p:sp>
-              <p:nvSpPr>
-                <p:cNvPr id="39" name="Freeform 38"/>
-                <p:cNvSpPr/>
-                <p:nvPr/>
-              </p:nvSpPr>
-              <p:spPr>
-                <a:xfrm>
-                  <a:off x="2152650" y="600075"/>
-                  <a:ext cx="619125" cy="219075"/>
-                </a:xfrm>
-                <a:custGeom>
-                  <a:avLst/>
-                  <a:gdLst>
-                    <a:gd name="connsiteX0" fmla="*/ 0 w 885825"/>
-                    <a:gd name="connsiteY0" fmla="*/ 0 h 923925"/>
-                    <a:gd name="connsiteX1" fmla="*/ 885825 w 885825"/>
-                    <a:gd name="connsiteY1" fmla="*/ 0 h 923925"/>
-                    <a:gd name="connsiteX2" fmla="*/ 885825 w 885825"/>
-                    <a:gd name="connsiteY2" fmla="*/ 0 h 923925"/>
-                    <a:gd name="connsiteX3" fmla="*/ 885825 w 885825"/>
-                    <a:gd name="connsiteY3" fmla="*/ 923925 h 923925"/>
-                    <a:gd name="connsiteX4" fmla="*/ 885825 w 885825"/>
-                    <a:gd name="connsiteY4" fmla="*/ 923925 h 923925"/>
-                    <a:gd name="connsiteX5" fmla="*/ 885825 w 885825"/>
-                    <a:gd name="connsiteY5" fmla="*/ 923925 h 923925"/>
-                  </a:gdLst>
-                  <a:ahLst/>
-                  <a:cxnLst>
-                    <a:cxn ang="0">
-                      <a:pos x="connsiteX0" y="connsiteY0"/>
-                    </a:cxn>
-                    <a:cxn ang="0">
-                      <a:pos x="connsiteX1" y="connsiteY1"/>
-                    </a:cxn>
-                    <a:cxn ang="0">
-                      <a:pos x="connsiteX2" y="connsiteY2"/>
-                    </a:cxn>
-                    <a:cxn ang="0">
-                      <a:pos x="connsiteX3" y="connsiteY3"/>
-                    </a:cxn>
-                    <a:cxn ang="0">
-                      <a:pos x="connsiteX4" y="connsiteY4"/>
-                    </a:cxn>
-                    <a:cxn ang="0">
-                      <a:pos x="connsiteX5" y="connsiteY5"/>
-                    </a:cxn>
-                  </a:cxnLst>
-                  <a:rect l="l" t="t" r="r" b="b"/>
-                  <a:pathLst>
-                    <a:path w="885825" h="923925">
-                      <a:moveTo>
-                        <a:pt x="0" y="0"/>
-                      </a:moveTo>
-                      <a:lnTo>
-                        <a:pt x="885825" y="0"/>
-                      </a:lnTo>
-                      <a:lnTo>
-                        <a:pt x="885825" y="0"/>
-                      </a:lnTo>
-                      <a:lnTo>
-                        <a:pt x="885825" y="923925"/>
-                      </a:lnTo>
-                      <a:lnTo>
-                        <a:pt x="885825" y="923925"/>
-                      </a:lnTo>
-                      <a:lnTo>
-                        <a:pt x="885825" y="923925"/>
-                      </a:lnTo>
-                    </a:path>
-                  </a:pathLst>
-                </a:custGeom>
-                <a:noFill/>
-                <a:ln w="12700" cmpd="sng">
-                  <a:headEnd type="arrow"/>
-                  <a:tailEnd type="arrow"/>
-                </a:ln>
-              </p:spPr>
-              <p:style>
-                <a:lnRef idx="2">
-                  <a:schemeClr val="accent1">
-                    <a:shade val="50000"/>
-                  </a:schemeClr>
-                </a:lnRef>
-                <a:fillRef idx="1">
-                  <a:schemeClr val="accent1"/>
-                </a:fillRef>
-                <a:effectRef idx="0">
-                  <a:schemeClr val="accent1"/>
-                </a:effectRef>
-                <a:fontRef idx="minor">
-                  <a:schemeClr val="lt1"/>
-                </a:fontRef>
-              </p:style>
-              <p:txBody>
-                <a:bodyPr rot="0" spcFirstLastPara="0" vert="horz" wrap="square" lIns="91440" tIns="45720" rIns="91440" bIns="45720" numCol="1" spcCol="0" rtlCol="0" fromWordArt="0" anchor="ctr" anchorCtr="0" forceAA="0" compatLnSpc="1">
-                  <a:prstTxWarp prst="textNoShape">
-                    <a:avLst/>
-                  </a:prstTxWarp>
-                  <a:noAutofit/>
-                </a:bodyPr>
-                <a:lstStyle/>
-                <a:p>
-                  <a:endParaRPr lang="en-US"/>
-                </a:p>
-              </p:txBody>
-            </p:sp>
-          </p:grpSp>
-        </p:grpSp>
-      </p:grpSp>
+          <a:prstGeom prst="rect">
+            <a:avLst/>
+          </a:prstGeom>
+          <a:noFill/>
+        </p:spPr>
+        <p:txBody>
+          <a:bodyPr wrap="square" rtlCol="0">
+            <a:spAutoFit/>
+          </a:bodyPr>
+          <a:lstStyle/>
+          <a:p>
+            <a:pPr marL="285750" indent="-285750">
+              <a:buFont typeface="Arial" panose="020B0604020202020204" pitchFamily="34" charset="0"/>
+              <a:buChar char="•"/>
+            </a:pPr>
+            <a:r>
+              <a:rPr lang="en-US" dirty="0" smtClean="0"/>
+              <a:t>CLI : Command Line Interface</a:t>
+            </a:r>
+          </a:p>
+          <a:p>
+            <a:pPr marL="285750" indent="-285750">
+              <a:buFont typeface="Arial" panose="020B0604020202020204" pitchFamily="34" charset="0"/>
+              <a:buChar char="•"/>
+            </a:pPr>
+            <a:r>
+              <a:rPr lang="en-US" dirty="0" smtClean="0"/>
+              <a:t>MI : Machine Interface</a:t>
+            </a:r>
+          </a:p>
+          <a:p>
+            <a:pPr marL="285750" indent="-285750">
+              <a:buFont typeface="Arial" panose="020B0604020202020204" pitchFamily="34" charset="0"/>
+              <a:buChar char="•"/>
+            </a:pPr>
+            <a:r>
+              <a:rPr lang="en-US" dirty="0" smtClean="0"/>
+              <a:t>BFD : Binary File Descriptor</a:t>
+            </a:r>
+          </a:p>
+          <a:p>
+            <a:pPr marL="285750" indent="-285750">
+              <a:buFont typeface="Arial" panose="020B0604020202020204" pitchFamily="34" charset="0"/>
+              <a:buChar char="•"/>
+            </a:pPr>
+            <a:r>
+              <a:rPr lang="en-US" dirty="0" smtClean="0"/>
+              <a:t>ELF DWARF  : Debug format for ELF file</a:t>
+            </a:r>
+          </a:p>
+          <a:p>
+            <a:pPr marL="285750" indent="-285750">
+              <a:buFont typeface="Arial" panose="020B0604020202020204" pitchFamily="34" charset="0"/>
+              <a:buChar char="•"/>
+            </a:pPr>
+            <a:r>
+              <a:rPr lang="en-US" dirty="0" smtClean="0"/>
+              <a:t>INF : Inferior execution control</a:t>
+            </a:r>
+          </a:p>
+          <a:p>
+            <a:r>
+              <a:rPr lang="en-US" dirty="0"/>
+              <a:t> </a:t>
+            </a:r>
+          </a:p>
+        </p:txBody>
+      </p:sp>
     </p:spTree>
     <p:extLst>
       <p:ext uri="{BB962C8B-B14F-4D97-AF65-F5344CB8AC3E}">
-        <p14:creationId xmlns:p14="http://schemas.microsoft.com/office/powerpoint/2010/main" val="116404329"/>
+        <p14:creationId xmlns:p14="http://schemas.microsoft.com/office/powerpoint/2010/main" val="197699058"/>
       </p:ext>
     </p:extLst>
   </p:cSld>
@@ -15336,7 +19324,95 @@
       </p:grpSpPr>
       <p:sp>
         <p:nvSpPr>
-          <p:cNvPr id="2" name="Title 1"/>
+          <p:cNvPr id="3" name="Content Placeholder 2"/>
+          <p:cNvSpPr>
+            <a:spLocks noGrp="1"/>
+          </p:cNvSpPr>
+          <p:nvPr>
+            <p:ph idx="1"/>
+          </p:nvPr>
+        </p:nvSpPr>
+        <p:spPr/>
+        <p:txBody>
+          <a:bodyPr/>
+          <a:lstStyle/>
+          <a:p>
+            <a:r>
+              <a:rPr lang="en-US" dirty="0" err="1" smtClean="0"/>
+              <a:t>gdb</a:t>
+            </a:r>
+            <a:r>
+              <a:rPr lang="en-US" dirty="0" smtClean="0"/>
+              <a:t>  -&gt; </a:t>
+            </a:r>
+            <a:r>
+              <a:rPr lang="en-US" dirty="0" err="1" smtClean="0"/>
+              <a:t>pyOCD</a:t>
+            </a:r>
+            <a:endParaRPr lang="en-US" dirty="0" smtClean="0"/>
+          </a:p>
+          <a:p>
+            <a:pPr marL="0" indent="0">
+              <a:buNone/>
+            </a:pPr>
+            <a:r>
+              <a:rPr lang="en-US" dirty="0" smtClean="0"/>
+              <a:t>    step </a:t>
+            </a:r>
+            <a:r>
+              <a:rPr lang="en-US" dirty="0"/>
+              <a:t>command </a:t>
+            </a:r>
+            <a:r>
+              <a:rPr lang="en-US" dirty="0" smtClean="0"/>
+              <a:t>RSP packet :</a:t>
+            </a:r>
+            <a:endParaRPr lang="en-US" dirty="0"/>
+          </a:p>
+          <a:p>
+            <a:pPr marL="0" indent="0">
+              <a:buNone/>
+            </a:pPr>
+            <a:r>
+              <a:rPr lang="en-US" dirty="0" smtClean="0"/>
+              <a:t>         </a:t>
+            </a:r>
+            <a:r>
+              <a:rPr lang="en-US" dirty="0"/>
+              <a:t>$s#73</a:t>
+            </a:r>
+          </a:p>
+          <a:p>
+            <a:endParaRPr lang="en-US" dirty="0"/>
+          </a:p>
+        </p:txBody>
+      </p:sp>
+      <p:sp>
+        <p:nvSpPr>
+          <p:cNvPr id="4" name="Slide Number Placeholder 3"/>
+          <p:cNvSpPr>
+            <a:spLocks noGrp="1"/>
+          </p:cNvSpPr>
+          <p:nvPr>
+            <p:ph type="sldNum" sz="quarter" idx="12"/>
+          </p:nvPr>
+        </p:nvSpPr>
+        <p:spPr/>
+        <p:txBody>
+          <a:bodyPr/>
+          <a:lstStyle/>
+          <a:p>
+            <a:fld id="{7B87B94E-6F5A-4309-83BE-AEC5A78861E0}" type="slidenum">
+              <a:rPr lang="en-US" smtClean="0"/>
+              <a:t>8</a:t>
+            </a:fld>
+            <a:endParaRPr lang="en-US" dirty="0"/>
+          </a:p>
+        </p:txBody>
+      </p:sp>
+      <p:sp>
+        <p:nvSpPr>
+          <p:cNvPr id="6" name="Title 1"/>
           <p:cNvSpPr>
             <a:spLocks noGrp="1"/>
           </p:cNvSpPr>
@@ -15351,185 +19427,8 @@
           <a:p>
             <a:r>
               <a:rPr lang="en-US" dirty="0" smtClean="0"/>
-              <a:t>DAP Command Format</a:t>
-            </a:r>
-            <a:endParaRPr lang="en-US" dirty="0"/>
-          </a:p>
-        </p:txBody>
-      </p:sp>
-      <p:sp>
-        <p:nvSpPr>
-          <p:cNvPr id="3" name="Content Placeholder 2"/>
-          <p:cNvSpPr>
-            <a:spLocks noGrp="1"/>
-          </p:cNvSpPr>
-          <p:nvPr>
-            <p:ph idx="1"/>
-          </p:nvPr>
-        </p:nvSpPr>
-        <p:spPr/>
-        <p:txBody>
-          <a:bodyPr>
-            <a:normAutofit/>
-          </a:bodyPr>
-          <a:lstStyle/>
-          <a:p>
-            <a:r>
-              <a:rPr lang="en-US" dirty="0" smtClean="0"/>
-              <a:t>DAP Command Format:</a:t>
-            </a:r>
-          </a:p>
-          <a:p>
-            <a:r>
-              <a:rPr lang="en-US" sz="1600" b="1" i="1" dirty="0" err="1" smtClean="0"/>
-              <a:t>CmdId</a:t>
-            </a:r>
-            <a:r>
-              <a:rPr lang="en-US" sz="1600" b="1" i="1" dirty="0" smtClean="0"/>
-              <a:t>(8</a:t>
-            </a:r>
-            <a:r>
-              <a:rPr lang="en-US" sz="1600" b="1" i="1" dirty="0"/>
-              <a:t>), </a:t>
-            </a:r>
-            <a:r>
-              <a:rPr lang="en-US" sz="1600" b="1" i="1" dirty="0" err="1"/>
-              <a:t>DAPIdx</a:t>
-            </a:r>
-            <a:r>
-              <a:rPr lang="en-US" sz="1600" b="1" i="1" dirty="0"/>
-              <a:t>(8), count(8), </a:t>
-            </a:r>
-            <a:r>
-              <a:rPr lang="en-US" sz="2000" b="1" i="1" dirty="0"/>
-              <a:t>{ { </a:t>
-            </a:r>
-            <a:r>
-              <a:rPr lang="en-US" sz="1600" b="1" i="1" dirty="0"/>
-              <a:t>req1 (8), data1 (32) </a:t>
-            </a:r>
-            <a:r>
-              <a:rPr lang="en-US" sz="2000" b="1" i="1" dirty="0"/>
-              <a:t>}</a:t>
-            </a:r>
-            <a:r>
-              <a:rPr lang="en-US" sz="1600" b="1" i="1" dirty="0"/>
-              <a:t>, </a:t>
-            </a:r>
-            <a:r>
-              <a:rPr lang="en-US" sz="2000" b="1" i="1" dirty="0"/>
-              <a:t>{</a:t>
-            </a:r>
-            <a:r>
-              <a:rPr lang="en-US" sz="1600" b="1" i="1" dirty="0"/>
-              <a:t> req2 (8), data2 (32)  </a:t>
-            </a:r>
-            <a:r>
-              <a:rPr lang="en-US" sz="2000" b="1" i="1" dirty="0"/>
-              <a:t>}</a:t>
-            </a:r>
-            <a:r>
-              <a:rPr lang="en-US" sz="1600" b="1" i="1" dirty="0"/>
-              <a:t>,  …. </a:t>
-            </a:r>
-            <a:r>
-              <a:rPr lang="en-US" sz="2000" b="1" i="1" dirty="0"/>
-              <a:t>}</a:t>
-            </a:r>
-            <a:endParaRPr lang="en-US" sz="2000" b="1" dirty="0"/>
-          </a:p>
-          <a:p>
-            <a:r>
-              <a:rPr lang="en-US" dirty="0" err="1"/>
-              <a:t>CmdId</a:t>
-            </a:r>
-            <a:r>
-              <a:rPr lang="en-US" dirty="0"/>
-              <a:t> </a:t>
-            </a:r>
-            <a:r>
-              <a:rPr lang="en-US" dirty="0" smtClean="0"/>
-              <a:t>= 0x5 // DAP Transfer</a:t>
-            </a:r>
-          </a:p>
-          <a:p>
-            <a:r>
-              <a:rPr lang="en-US" dirty="0" smtClean="0"/>
-              <a:t>Count = 2</a:t>
-            </a:r>
-          </a:p>
-          <a:p>
-            <a:r>
-              <a:rPr lang="en-US" dirty="0" err="1" smtClean="0"/>
-              <a:t>Req</a:t>
-            </a:r>
-            <a:r>
-              <a:rPr lang="en-US" dirty="0" smtClean="0"/>
-              <a:t> = </a:t>
-            </a:r>
-            <a:r>
-              <a:rPr lang="en-US" dirty="0" err="1"/>
-              <a:t>RegAddr</a:t>
-            </a:r>
-            <a:r>
-              <a:rPr lang="en-US" dirty="0"/>
-              <a:t>[3:2],  </a:t>
-            </a:r>
-            <a:r>
-              <a:rPr lang="en-US" dirty="0" err="1"/>
-              <a:t>RnW</a:t>
-            </a:r>
-            <a:r>
-              <a:rPr lang="en-US" dirty="0"/>
-              <a:t>(1), </a:t>
-            </a:r>
-            <a:r>
-              <a:rPr lang="en-US" dirty="0" err="1" smtClean="0"/>
-              <a:t>APnDP</a:t>
-            </a:r>
-            <a:r>
-              <a:rPr lang="en-US" dirty="0" smtClean="0"/>
-              <a:t>(1</a:t>
-            </a:r>
-            <a:r>
-              <a:rPr lang="en-US" dirty="0"/>
-              <a:t>) </a:t>
-            </a:r>
-            <a:endParaRPr lang="en-US" dirty="0" smtClean="0"/>
-          </a:p>
-          <a:p>
-            <a:r>
-              <a:rPr lang="en-US" dirty="0" err="1" smtClean="0"/>
-              <a:t>Reg</a:t>
-            </a:r>
-            <a:r>
-              <a:rPr lang="en-US" dirty="0" smtClean="0"/>
-              <a:t> </a:t>
-            </a:r>
-            <a:r>
-              <a:rPr lang="en-US" dirty="0" err="1" smtClean="0"/>
-              <a:t>Addr</a:t>
-            </a:r>
-            <a:r>
-              <a:rPr lang="en-US" dirty="0" smtClean="0"/>
-              <a:t> 0 = CSW</a:t>
-            </a:r>
-            <a:br>
-              <a:rPr lang="en-US" dirty="0" smtClean="0"/>
-            </a:br>
-            <a:r>
-              <a:rPr lang="en-US" dirty="0" smtClean="0"/>
-              <a:t>                  1 = TAR    // Target Address</a:t>
-            </a:r>
-            <a:br>
-              <a:rPr lang="en-US" dirty="0" smtClean="0"/>
-            </a:br>
-            <a:r>
-              <a:rPr lang="en-US" dirty="0" smtClean="0"/>
-              <a:t>                  2 = DRW // Data Read Write</a:t>
-            </a:r>
-          </a:p>
-          <a:p>
+              <a:t>GDB- RSP Packet</a:t>
+            </a:r>
             <a:endParaRPr lang="en-US" dirty="0"/>
           </a:p>
         </p:txBody>
@@ -15537,7 +19436,7 @@
     </p:spTree>
     <p:extLst>
       <p:ext uri="{BB962C8B-B14F-4D97-AF65-F5344CB8AC3E}">
-        <p14:creationId xmlns:p14="http://schemas.microsoft.com/office/powerpoint/2010/main" val="463801235"/>
+        <p14:creationId xmlns:p14="http://schemas.microsoft.com/office/powerpoint/2010/main" val="4088482996"/>
       </p:ext>
     </p:extLst>
   </p:cSld>
@@ -15581,26 +19480,60 @@
             <p:ph type="title"/>
           </p:nvPr>
         </p:nvSpPr>
-        <p:spPr/>
+        <p:spPr>
+          <a:xfrm>
+            <a:off x="457200" y="76200"/>
+            <a:ext cx="8229600" cy="1143000"/>
+          </a:xfrm>
+        </p:spPr>
         <p:txBody>
           <a:bodyPr/>
           <a:lstStyle/>
           <a:p>
             <a:r>
-              <a:rPr lang="en-US" dirty="0"/>
-              <a:t>C_STEP -&gt; DHCSR</a:t>
-            </a:r>
+              <a:rPr lang="en-US" dirty="0" smtClean="0"/>
+              <a:t>GDB - Step Command backtrace</a:t>
+            </a:r>
+            <a:endParaRPr lang="en-US" dirty="0"/>
           </a:p>
         </p:txBody>
       </p:sp>
+      <p:pic>
+        <p:nvPicPr>
+          <p:cNvPr id="4" name="Picture 3"/>
+          <p:cNvPicPr/>
+          <p:nvPr/>
+        </p:nvPicPr>
+        <p:blipFill>
+          <a:blip r:embed="rId2">
+            <a:extLst>
+              <a:ext uri="{28A0092B-C50C-407E-A947-70E740481C1C}">
+                <a14:useLocalDpi xmlns:a14="http://schemas.microsoft.com/office/drawing/2010/main" val="0"/>
+              </a:ext>
+            </a:extLst>
+          </a:blip>
+          <a:stretch>
+            <a:fillRect/>
+          </a:stretch>
+        </p:blipFill>
+        <p:spPr>
+          <a:xfrm>
+            <a:off x="76200" y="1066800"/>
+            <a:ext cx="8991600" cy="5715000"/>
+          </a:xfrm>
+          <a:prstGeom prst="rect">
+            <a:avLst/>
+          </a:prstGeom>
+        </p:spPr>
+      </p:pic>
       <p:sp>
         <p:nvSpPr>
-          <p:cNvPr id="3" name="Content Placeholder 2"/>
+          <p:cNvPr id="3" name="Slide Number Placeholder 2"/>
           <p:cNvSpPr>
             <a:spLocks noGrp="1"/>
           </p:cNvSpPr>
           <p:nvPr>
-            <p:ph idx="1"/>
+            <p:ph type="sldNum" sz="quarter" idx="12"/>
           </p:nvPr>
         </p:nvSpPr>
         <p:spPr/>
@@ -15608,107 +19541,10 @@
           <a:bodyPr/>
           <a:lstStyle/>
           <a:p>
-            <a:r>
-              <a:rPr lang="en-US" dirty="0"/>
-              <a:t>The DAP command that sets </a:t>
-            </a:r>
-            <a:r>
-              <a:rPr lang="en-US" b="1" dirty="0"/>
-              <a:t>C_STEP</a:t>
-            </a:r>
-            <a:r>
-              <a:rPr lang="en-US" dirty="0"/>
-              <a:t>, C_MASKINTS, C_DEBUGEN Flags in Debug Halt Ctrl </a:t>
-            </a:r>
-            <a:r>
-              <a:rPr lang="en-US" dirty="0" err="1"/>
-              <a:t>Sstatus</a:t>
-            </a:r>
-            <a:r>
-              <a:rPr lang="en-US" dirty="0"/>
-              <a:t> Register (DHCSR):</a:t>
-            </a:r>
-          </a:p>
-          <a:p>
-            <a:r>
-              <a:rPr lang="en-US" b="1" dirty="0"/>
-              <a:t> </a:t>
-            </a:r>
-            <a:r>
-              <a:rPr lang="en-US" sz="2400" b="1" dirty="0"/>
-              <a:t>0x5, 0x0, 0x2,{ 0x5,0xE000EDF0, 0xD, 0xA05F000B}</a:t>
-            </a:r>
-            <a:endParaRPr lang="en-US" sz="2400" dirty="0"/>
-          </a:p>
-          <a:p>
-            <a:pPr marL="0" indent="0">
-              <a:buNone/>
-            </a:pPr>
-            <a:r>
-              <a:rPr lang="en-US" dirty="0" smtClean="0"/>
-              <a:t>1</a:t>
-            </a:r>
-            <a:r>
-              <a:rPr lang="en-US" baseline="30000" dirty="0" smtClean="0"/>
-              <a:t>st</a:t>
-            </a:r>
-            <a:r>
-              <a:rPr lang="en-US" dirty="0" smtClean="0"/>
-              <a:t> </a:t>
-            </a:r>
-            <a:r>
-              <a:rPr lang="en-US" dirty="0" err="1"/>
-              <a:t>Req</a:t>
-            </a:r>
-            <a:r>
-              <a:rPr lang="en-US" dirty="0"/>
-              <a:t>: Write 0xE000EDF0 to AP </a:t>
-            </a:r>
-            <a:r>
-              <a:rPr lang="en-US" dirty="0" err="1"/>
-              <a:t>Reg</a:t>
-            </a:r>
-            <a:r>
-              <a:rPr lang="en-US" dirty="0"/>
-              <a:t> TAR</a:t>
-            </a:r>
-          </a:p>
-          <a:p>
-            <a:pPr marL="0" indent="0">
-              <a:buNone/>
-            </a:pPr>
-            <a:r>
-              <a:rPr lang="en-US" dirty="0" smtClean="0"/>
-              <a:t>2</a:t>
-            </a:r>
-            <a:r>
-              <a:rPr lang="en-US" baseline="30000" dirty="0" smtClean="0"/>
-              <a:t>nd</a:t>
-            </a:r>
-            <a:r>
-              <a:rPr lang="en-US" dirty="0" smtClean="0"/>
-              <a:t> </a:t>
-            </a:r>
-            <a:r>
-              <a:rPr lang="en-US" dirty="0" err="1" smtClean="0"/>
-              <a:t>Req</a:t>
-            </a:r>
-            <a:r>
-              <a:rPr lang="en-US" dirty="0"/>
-              <a:t>: </a:t>
-            </a:r>
-            <a:r>
-              <a:rPr lang="en-US" dirty="0" smtClean="0"/>
-              <a:t>Write 0xA05F000B to AP </a:t>
-            </a:r>
-            <a:r>
-              <a:rPr lang="en-US" dirty="0" err="1" smtClean="0"/>
-              <a:t>Reg</a:t>
-            </a:r>
-            <a:r>
-              <a:rPr lang="en-US" dirty="0" smtClean="0"/>
-              <a:t> DRW</a:t>
-            </a:r>
+            <a:fld id="{7B87B94E-6F5A-4309-83BE-AEC5A78861E0}" type="slidenum">
+              <a:rPr lang="en-US" smtClean="0"/>
+              <a:t>9</a:t>
+            </a:fld>
             <a:endParaRPr lang="en-US" dirty="0"/>
           </a:p>
         </p:txBody>
@@ -15716,7 +19552,7 @@
     </p:spTree>
     <p:extLst>
       <p:ext uri="{BB962C8B-B14F-4D97-AF65-F5344CB8AC3E}">
-        <p14:creationId xmlns:p14="http://schemas.microsoft.com/office/powerpoint/2010/main" val="2118910492"/>
+        <p14:creationId xmlns:p14="http://schemas.microsoft.com/office/powerpoint/2010/main" val="1636733209"/>
       </p:ext>
     </p:extLst>
   </p:cSld>
@@ -16016,4 +19852,289 @@
   <a:objectDefaults/>
   <a:extraClrSchemeLst/>
 </a:theme>
+</file>
+
+<file path=ppt/theme/theme2.xml><?xml version="1.0" encoding="utf-8"?>
+<a:theme xmlns:a="http://schemas.openxmlformats.org/drawingml/2006/main" name="Office Theme">
+  <a:themeElements>
+    <a:clrScheme name="Office">
+      <a:dk1>
+        <a:sysClr val="windowText" lastClr="000000"/>
+      </a:dk1>
+      <a:lt1>
+        <a:sysClr val="window" lastClr="FFFFFF"/>
+      </a:lt1>
+      <a:dk2>
+        <a:srgbClr val="1F497D"/>
+      </a:dk2>
+      <a:lt2>
+        <a:srgbClr val="EEECE1"/>
+      </a:lt2>
+      <a:accent1>
+        <a:srgbClr val="4F81BD"/>
+      </a:accent1>
+      <a:accent2>
+        <a:srgbClr val="C0504D"/>
+      </a:accent2>
+      <a:accent3>
+        <a:srgbClr val="9BBB59"/>
+      </a:accent3>
+      <a:accent4>
+        <a:srgbClr val="8064A2"/>
+      </a:accent4>
+      <a:accent5>
+        <a:srgbClr val="4BACC6"/>
+      </a:accent5>
+      <a:accent6>
+        <a:srgbClr val="F79646"/>
+      </a:accent6>
+      <a:hlink>
+        <a:srgbClr val="0000FF"/>
+      </a:hlink>
+      <a:folHlink>
+        <a:srgbClr val="800080"/>
+      </a:folHlink>
+    </a:clrScheme>
+    <a:fontScheme name="Office">
+      <a:majorFont>
+        <a:latin typeface="Calibri"/>
+        <a:ea typeface=""/>
+        <a:cs typeface=""/>
+        <a:font script="Jpan" typeface="ＭＳ Ｐゴシック"/>
+        <a:font script="Hang" typeface="맑은 고딕"/>
+        <a:font script="Hans" typeface="宋体"/>
+        <a:font script="Hant" typeface="新細明體"/>
+        <a:font script="Arab" typeface="Times New Roman"/>
+        <a:font script="Hebr" typeface="Times New Roman"/>
+        <a:font script="Thai" typeface="Angsana New"/>
+        <a:font script="Ethi" typeface="Nyala"/>
+        <a:font script="Beng" typeface="Vrinda"/>
+        <a:font script="Gujr" typeface="Shruti"/>
+        <a:font script="Khmr" typeface="MoolBoran"/>
+        <a:font script="Knda" typeface="Tunga"/>
+        <a:font script="Guru" typeface="Raavi"/>
+        <a:font script="Cans" typeface="Euphemia"/>
+        <a:font script="Cher" typeface="Plantagenet Cherokee"/>
+        <a:font script="Yiii" typeface="Microsoft Yi Baiti"/>
+        <a:font script="Tibt" typeface="Microsoft Himalaya"/>
+        <a:font script="Thaa" typeface="MV Boli"/>
+        <a:font script="Deva" typeface="Mangal"/>
+        <a:font script="Telu" typeface="Gautami"/>
+        <a:font script="Taml" typeface="Latha"/>
+        <a:font script="Syrc" typeface="Estrangelo Edessa"/>
+        <a:font script="Orya" typeface="Kalinga"/>
+        <a:font script="Mlym" typeface="Kartika"/>
+        <a:font script="Laoo" typeface="DokChampa"/>
+        <a:font script="Sinh" typeface="Iskoola Pota"/>
+        <a:font script="Mong" typeface="Mongolian Baiti"/>
+        <a:font script="Viet" typeface="Times New Roman"/>
+        <a:font script="Uigh" typeface="Microsoft Uighur"/>
+        <a:font script="Geor" typeface="Sylfaen"/>
+      </a:majorFont>
+      <a:minorFont>
+        <a:latin typeface="Calibri"/>
+        <a:ea typeface=""/>
+        <a:cs typeface=""/>
+        <a:font script="Jpan" typeface="ＭＳ Ｐゴシック"/>
+        <a:font script="Hang" typeface="맑은 고딕"/>
+        <a:font script="Hans" typeface="宋体"/>
+        <a:font script="Hant" typeface="新細明體"/>
+        <a:font script="Arab" typeface="Arial"/>
+        <a:font script="Hebr" typeface="Arial"/>
+        <a:font script="Thai" typeface="Cordia New"/>
+        <a:font script="Ethi" typeface="Nyala"/>
+        <a:font script="Beng" typeface="Vrinda"/>
+        <a:font script="Gujr" typeface="Shruti"/>
+        <a:font script="Khmr" typeface="DaunPenh"/>
+        <a:font script="Knda" typeface="Tunga"/>
+        <a:font script="Guru" typeface="Raavi"/>
+        <a:font script="Cans" typeface="Euphemia"/>
+        <a:font script="Cher" typeface="Plantagenet Cherokee"/>
+        <a:font script="Yiii" typeface="Microsoft Yi Baiti"/>
+        <a:font script="Tibt" typeface="Microsoft Himalaya"/>
+        <a:font script="Thaa" typeface="MV Boli"/>
+        <a:font script="Deva" typeface="Mangal"/>
+        <a:font script="Telu" typeface="Gautami"/>
+        <a:font script="Taml" typeface="Latha"/>
+        <a:font script="Syrc" typeface="Estrangelo Edessa"/>
+        <a:font script="Orya" typeface="Kalinga"/>
+        <a:font script="Mlym" typeface="Kartika"/>
+        <a:font script="Laoo" typeface="DokChampa"/>
+        <a:font script="Sinh" typeface="Iskoola Pota"/>
+        <a:font script="Mong" typeface="Mongolian Baiti"/>
+        <a:font script="Viet" typeface="Arial"/>
+        <a:font script="Uigh" typeface="Microsoft Uighur"/>
+        <a:font script="Geor" typeface="Sylfaen"/>
+      </a:minorFont>
+    </a:fontScheme>
+    <a:fmtScheme name="Office">
+      <a:fillStyleLst>
+        <a:solidFill>
+          <a:schemeClr val="phClr"/>
+        </a:solidFill>
+        <a:gradFill rotWithShape="1">
+          <a:gsLst>
+            <a:gs pos="0">
+              <a:schemeClr val="phClr">
+                <a:tint val="50000"/>
+                <a:satMod val="300000"/>
+              </a:schemeClr>
+            </a:gs>
+            <a:gs pos="35000">
+              <a:schemeClr val="phClr">
+                <a:tint val="37000"/>
+                <a:satMod val="300000"/>
+              </a:schemeClr>
+            </a:gs>
+            <a:gs pos="100000">
+              <a:schemeClr val="phClr">
+                <a:tint val="15000"/>
+                <a:satMod val="350000"/>
+              </a:schemeClr>
+            </a:gs>
+          </a:gsLst>
+          <a:lin ang="16200000" scaled="1"/>
+        </a:gradFill>
+        <a:gradFill rotWithShape="1">
+          <a:gsLst>
+            <a:gs pos="0">
+              <a:schemeClr val="phClr">
+                <a:shade val="51000"/>
+                <a:satMod val="130000"/>
+              </a:schemeClr>
+            </a:gs>
+            <a:gs pos="80000">
+              <a:schemeClr val="phClr">
+                <a:shade val="93000"/>
+                <a:satMod val="130000"/>
+              </a:schemeClr>
+            </a:gs>
+            <a:gs pos="100000">
+              <a:schemeClr val="phClr">
+                <a:shade val="94000"/>
+                <a:satMod val="135000"/>
+              </a:schemeClr>
+            </a:gs>
+          </a:gsLst>
+          <a:lin ang="16200000" scaled="0"/>
+        </a:gradFill>
+      </a:fillStyleLst>
+      <a:lnStyleLst>
+        <a:ln w="9525" cap="flat" cmpd="sng" algn="ctr">
+          <a:solidFill>
+            <a:schemeClr val="phClr">
+              <a:shade val="95000"/>
+              <a:satMod val="105000"/>
+            </a:schemeClr>
+          </a:solidFill>
+          <a:prstDash val="solid"/>
+        </a:ln>
+        <a:ln w="25400" cap="flat" cmpd="sng" algn="ctr">
+          <a:solidFill>
+            <a:schemeClr val="phClr"/>
+          </a:solidFill>
+          <a:prstDash val="solid"/>
+        </a:ln>
+        <a:ln w="38100" cap="flat" cmpd="sng" algn="ctr">
+          <a:solidFill>
+            <a:schemeClr val="phClr"/>
+          </a:solidFill>
+          <a:prstDash val="solid"/>
+        </a:ln>
+      </a:lnStyleLst>
+      <a:effectStyleLst>
+        <a:effectStyle>
+          <a:effectLst>
+            <a:outerShdw blurRad="40000" dist="20000" dir="5400000" rotWithShape="0">
+              <a:srgbClr val="000000">
+                <a:alpha val="38000"/>
+              </a:srgbClr>
+            </a:outerShdw>
+          </a:effectLst>
+        </a:effectStyle>
+        <a:effectStyle>
+          <a:effectLst>
+            <a:outerShdw blurRad="40000" dist="23000" dir="5400000" rotWithShape="0">
+              <a:srgbClr val="000000">
+                <a:alpha val="35000"/>
+              </a:srgbClr>
+            </a:outerShdw>
+          </a:effectLst>
+        </a:effectStyle>
+        <a:effectStyle>
+          <a:effectLst>
+            <a:outerShdw blurRad="40000" dist="23000" dir="5400000" rotWithShape="0">
+              <a:srgbClr val="000000">
+                <a:alpha val="35000"/>
+              </a:srgbClr>
+            </a:outerShdw>
+          </a:effectLst>
+          <a:scene3d>
+            <a:camera prst="orthographicFront">
+              <a:rot lat="0" lon="0" rev="0"/>
+            </a:camera>
+            <a:lightRig rig="threePt" dir="t">
+              <a:rot lat="0" lon="0" rev="1200000"/>
+            </a:lightRig>
+          </a:scene3d>
+          <a:sp3d>
+            <a:bevelT w="63500" h="25400"/>
+          </a:sp3d>
+        </a:effectStyle>
+      </a:effectStyleLst>
+      <a:bgFillStyleLst>
+        <a:solidFill>
+          <a:schemeClr val="phClr"/>
+        </a:solidFill>
+        <a:gradFill rotWithShape="1">
+          <a:gsLst>
+            <a:gs pos="0">
+              <a:schemeClr val="phClr">
+                <a:tint val="40000"/>
+                <a:satMod val="350000"/>
+              </a:schemeClr>
+            </a:gs>
+            <a:gs pos="40000">
+              <a:schemeClr val="phClr">
+                <a:tint val="45000"/>
+                <a:shade val="99000"/>
+                <a:satMod val="350000"/>
+              </a:schemeClr>
+            </a:gs>
+            <a:gs pos="100000">
+              <a:schemeClr val="phClr">
+                <a:shade val="20000"/>
+                <a:satMod val="255000"/>
+              </a:schemeClr>
+            </a:gs>
+          </a:gsLst>
+          <a:path path="circle">
+            <a:fillToRect l="50000" t="-80000" r="50000" b="180000"/>
+          </a:path>
+        </a:gradFill>
+        <a:gradFill rotWithShape="1">
+          <a:gsLst>
+            <a:gs pos="0">
+              <a:schemeClr val="phClr">
+                <a:tint val="80000"/>
+                <a:satMod val="300000"/>
+              </a:schemeClr>
+            </a:gs>
+            <a:gs pos="100000">
+              <a:schemeClr val="phClr">
+                <a:shade val="30000"/>
+                <a:satMod val="200000"/>
+              </a:schemeClr>
+            </a:gs>
+          </a:gsLst>
+          <a:path path="circle">
+            <a:fillToRect l="50000" t="50000" r="50000" b="50000"/>
+          </a:path>
+        </a:gradFill>
+      </a:bgFillStyleLst>
+    </a:fmtScheme>
+  </a:themeElements>
+  <a:objectDefaults/>
+  <a:extraClrSchemeLst/>
+</a:theme>
 </file>